--- a/高级计算机网络与大数据/Homework/homework3/pre.pptx
+++ b/高级计算机网络与大数据/Homework/homework3/pre.pptx
@@ -9,10 +9,21 @@
   </p:notesMasterIdLst>
   <p:sldIdLst>
     <p:sldId id="267" r:id="rId3"/>
-    <p:sldId id="266" r:id="rId5"/>
-    <p:sldId id="402" r:id="rId6"/>
-    <p:sldId id="404" r:id="rId7"/>
-    <p:sldId id="275" r:id="rId8"/>
+    <p:sldId id="411" r:id="rId5"/>
+    <p:sldId id="266" r:id="rId6"/>
+    <p:sldId id="412" r:id="rId7"/>
+    <p:sldId id="404" r:id="rId8"/>
+    <p:sldId id="417" r:id="rId9"/>
+    <p:sldId id="406" r:id="rId10"/>
+    <p:sldId id="407" r:id="rId11"/>
+    <p:sldId id="413" r:id="rId12"/>
+    <p:sldId id="408" r:id="rId13"/>
+    <p:sldId id="414" r:id="rId14"/>
+    <p:sldId id="409" r:id="rId15"/>
+    <p:sldId id="415" r:id="rId16"/>
+    <p:sldId id="416" r:id="rId17"/>
+    <p:sldId id="410" r:id="rId18"/>
+    <p:sldId id="275" r:id="rId19"/>
   </p:sldIdLst>
   <p:sldSz cx="12192000" cy="6858000"/>
   <p:notesSz cx="6858000" cy="9144000"/>
@@ -3511,8 +3522,8 @@
         </p:nvSpPr>
         <p:spPr>
           <a:xfrm>
-            <a:off x="773868" y="981067"/>
-            <a:ext cx="10600055" cy="2466975"/>
+            <a:off x="-1055370" y="1214755"/>
+            <a:ext cx="14302740" cy="2466975"/>
           </a:xfrm>
         </p:spPr>
         <p:txBody>
@@ -3522,26 +3533,2973 @@
           <a:lstStyle/>
           <a:p>
             <a:r>
-              <a:rPr lang="zh-CN" altLang="en-US" sz="4800" b="1" dirty="0">
+              <a:rPr dirty="0">
+                <a:latin typeface="Times New Roman Regular" panose="02020603050405020304" charset="0"/>
+                <a:cs typeface="Times New Roman Regular" panose="02020603050405020304" charset="0"/>
+              </a:rPr>
+              <a:t>Apply SplitFed to FedCorr: Detecting Unreliable</a:t>
+            </a:r>
+            <a:r>
+              <a:rPr lang="en-US" dirty="0">
+                <a:latin typeface="Times New Roman Regular" panose="02020603050405020304" charset="0"/>
+                <a:cs typeface="Times New Roman Regular" panose="02020603050405020304" charset="0"/>
+              </a:rPr>
+              <a:t> </a:t>
+            </a:r>
+            <a:r>
+              <a:rPr dirty="0">
+                <a:latin typeface="Times New Roman Regular" panose="02020603050405020304" charset="0"/>
+                <a:cs typeface="Times New Roman Regular" panose="02020603050405020304" charset="0"/>
+              </a:rPr>
+              <a:t>Edge Learning Users </a:t>
+            </a:r>
+            <a:endParaRPr dirty="0">
+              <a:latin typeface="Times New Roman Regular" panose="02020603050405020304" charset="0"/>
+              <a:cs typeface="Times New Roman Regular" panose="02020603050405020304" charset="0"/>
+            </a:endParaRPr>
+          </a:p>
+        </p:txBody>
+      </p:sp>
+      <p:sp>
+        <p:nvSpPr>
+          <p:cNvPr id="2" name="文本框 1"/>
+          <p:cNvSpPr txBox="1"/>
+          <p:nvPr/>
+        </p:nvSpPr>
+        <p:spPr>
+          <a:xfrm>
+            <a:off x="9364345" y="5248275"/>
+            <a:ext cx="2783840" cy="645160"/>
+          </a:xfrm>
+          <a:prstGeom prst="rect">
+            <a:avLst/>
+          </a:prstGeom>
+          <a:noFill/>
+        </p:spPr>
+        <p:txBody>
+          <a:bodyPr wrap="square" rtlCol="0">
+            <a:spAutoFit/>
+          </a:bodyPr>
+          <a:p>
+            <a:r>
+              <a:rPr lang="en-US" altLang="zh-CN">
+                <a:latin typeface="Times New Roman Regular" panose="02020603050405020304" charset="0"/>
+                <a:cs typeface="Times New Roman Regular" panose="02020603050405020304" charset="0"/>
+              </a:rPr>
+              <a:t>12332463</a:t>
+            </a:r>
+            <a:endParaRPr lang="en-US" altLang="zh-CN">
+              <a:latin typeface="Times New Roman Regular" panose="02020603050405020304" charset="0"/>
+              <a:cs typeface="Times New Roman Regular" panose="02020603050405020304" charset="0"/>
+            </a:endParaRPr>
+          </a:p>
+          <a:p>
+            <a:r>
+              <a:rPr lang="en-US" altLang="zh-CN">
+                <a:latin typeface="Times New Roman Regular" panose="02020603050405020304" charset="0"/>
+                <a:cs typeface="Times New Roman Regular" panose="02020603050405020304" charset="0"/>
+              </a:rPr>
+              <a:t>Geng Tian</a:t>
+            </a:r>
+            <a:endParaRPr lang="en-US" altLang="zh-CN">
+              <a:latin typeface="Times New Roman Regular" panose="02020603050405020304" charset="0"/>
+              <a:cs typeface="Times New Roman Regular" panose="02020603050405020304" charset="0"/>
+            </a:endParaRPr>
+          </a:p>
+        </p:txBody>
+      </p:sp>
+    </p:spTree>
+  </p:cSld>
+  <p:clrMapOvr>
+    <a:masterClrMapping/>
+  </p:clrMapOvr>
+  <mc:AlternateContent xmlns:mc="http://schemas.openxmlformats.org/markup-compatibility/2006">
+    <mc:Choice xmlns:p14="http://schemas.microsoft.com/office/powerpoint/2010/main" Requires="p14">
+      <p:transition spd="med" p14:dur="700">
+        <p:fade/>
+      </p:transition>
+    </mc:Choice>
+    <mc:Fallback>
+      <p:transition spd="med">
+        <p:fade/>
+      </p:transition>
+    </mc:Fallback>
+  </mc:AlternateContent>
+</p:sld>
+</file>
+
+<file path=ppt/slides/slide10.xml><?xml version="1.0" encoding="utf-8"?>
+<p:sld xmlns:a="http://schemas.openxmlformats.org/drawingml/2006/main" xmlns:r="http://schemas.openxmlformats.org/officeDocument/2006/relationships" xmlns:p="http://schemas.openxmlformats.org/presentationml/2006/main">
+  <p:cSld>
+    <p:spTree>
+      <p:nvGrpSpPr>
+        <p:cNvPr id="1" name=""/>
+        <p:cNvGrpSpPr/>
+        <p:nvPr/>
+      </p:nvGrpSpPr>
+      <p:grpSpPr>
+        <a:xfrm>
+          <a:off x="0" y="0"/>
+          <a:ext cx="0" cy="0"/>
+          <a:chOff x="0" y="0"/>
+          <a:chExt cx="0" cy="0"/>
+        </a:xfrm>
+      </p:grpSpPr>
+      <p:sp>
+        <p:nvSpPr>
+          <p:cNvPr id="2" name="标题 1"/>
+          <p:cNvSpPr>
+            <a:spLocks noGrp="1"/>
+          </p:cNvSpPr>
+          <p:nvPr>
+            <p:ph type="ctrTitle"/>
+          </p:nvPr>
+        </p:nvSpPr>
+        <p:spPr>
+          <a:xfrm>
+            <a:off x="705485" y="396240"/>
+            <a:ext cx="9144000" cy="757555"/>
+          </a:xfrm>
+        </p:spPr>
+        <p:txBody>
+          <a:bodyPr>
+            <a:normAutofit fontScale="90000"/>
+          </a:bodyPr>
+          <a:lstStyle/>
+          <a:p>
+            <a:pPr algn="l">
+              <a:lnSpc>
+                <a:spcPct val="200000"/>
+              </a:lnSpc>
+            </a:pPr>
+            <a:r>
+              <a:rPr lang="en-US" altLang="zh-CN" sz="3200" b="1" dirty="0">
                 <a:latin typeface="微软雅黑" panose="020B0503020204020204" pitchFamily="34" charset="-122"/>
                 <a:ea typeface="微软雅黑" panose="020B0503020204020204" pitchFamily="34" charset="-122"/>
-              </a:rPr>
-              <a:t> </a:t>
-            </a:r>
-            <a:r>
-              <a:rPr lang="en-US" altLang="zh-CN" sz="4800" b="1" dirty="0">
+                <a:sym typeface="+mn-ea"/>
+              </a:rPr>
+              <a:t>The </a:t>
+            </a:r>
+            <a:r>
+              <a:rPr lang="zh-CN" altLang="en-US" sz="3200" b="1" dirty="0">
                 <a:latin typeface="微软雅黑" panose="020B0503020204020204" pitchFamily="34" charset="-122"/>
                 <a:ea typeface="微软雅黑" panose="020B0503020204020204" pitchFamily="34" charset="-122"/>
-              </a:rPr>
-              <a:t>Summery of the Week</a:t>
-            </a:r>
-            <a:br>
-              <a:rPr lang="en-US" altLang="zh-CN" sz="1400" b="1" i="0" dirty="0">
-                <a:effectLst/>
-                <a:latin typeface="Söhne"/>
-              </a:rPr>
-            </a:br>
-            <a:endParaRPr lang="zh-CN" altLang="en-US" sz="4800" b="1" dirty="0">
+                <a:sym typeface="+mn-ea"/>
+              </a:rPr>
+              <a:t>Existing </a:t>
+            </a:r>
+            <a:r>
+              <a:rPr lang="en-US" altLang="zh-CN" sz="3200" b="1" dirty="0">
+                <a:latin typeface="微软雅黑" panose="020B0503020204020204" pitchFamily="34" charset="-122"/>
+                <a:ea typeface="微软雅黑" panose="020B0503020204020204" pitchFamily="34" charset="-122"/>
+                <a:sym typeface="+mn-ea"/>
+              </a:rPr>
+              <a:t>Solution</a:t>
+            </a:r>
+            <a:endParaRPr lang="en-US" sz="3200" b="1" dirty="0">
+              <a:latin typeface="微软雅黑" panose="020B0503020204020204" pitchFamily="34" charset="-122"/>
+              <a:ea typeface="微软雅黑" panose="020B0503020204020204" pitchFamily="34" charset="-122"/>
+              <a:sym typeface="+mn-ea"/>
+            </a:endParaRPr>
+          </a:p>
+        </p:txBody>
+      </p:sp>
+      <p:pic>
+        <p:nvPicPr>
+          <p:cNvPr id="3" name="图片 2"/>
+          <p:cNvPicPr>
+            <a:picLocks noChangeAspect="1"/>
+          </p:cNvPicPr>
+          <p:nvPr/>
+        </p:nvPicPr>
+        <p:blipFill>
+          <a:blip r:embed="rId1"/>
+          <a:stretch>
+            <a:fillRect/>
+          </a:stretch>
+        </p:blipFill>
+        <p:spPr>
+          <a:xfrm>
+            <a:off x="13252" y="4907605"/>
+            <a:ext cx="12192000" cy="1980925"/>
+          </a:xfrm>
+          <a:prstGeom prst="rect">
+            <a:avLst/>
+          </a:prstGeom>
+        </p:spPr>
+      </p:pic>
+      <p:pic>
+        <p:nvPicPr>
+          <p:cNvPr id="8" name="图片 7"/>
+          <p:cNvPicPr>
+            <a:picLocks noChangeAspect="1"/>
+          </p:cNvPicPr>
+          <p:nvPr/>
+        </p:nvPicPr>
+        <p:blipFill>
+          <a:blip r:embed="rId2"/>
+          <a:stretch>
+            <a:fillRect/>
+          </a:stretch>
+        </p:blipFill>
+        <p:spPr>
+          <a:xfrm>
+            <a:off x="439676" y="307638"/>
+            <a:ext cx="265554" cy="934751"/>
+          </a:xfrm>
+          <a:prstGeom prst="rect">
+            <a:avLst/>
+          </a:prstGeom>
+        </p:spPr>
+      </p:pic>
+      <p:pic>
+        <p:nvPicPr>
+          <p:cNvPr id="9" name="图片 8"/>
+          <p:cNvPicPr>
+            <a:picLocks noChangeAspect="1"/>
+          </p:cNvPicPr>
+          <p:nvPr/>
+        </p:nvPicPr>
+        <p:blipFill>
+          <a:blip r:embed="rId3"/>
+          <a:stretch>
+            <a:fillRect/>
+          </a:stretch>
+        </p:blipFill>
+        <p:spPr>
+          <a:xfrm>
+            <a:off x="-22104" y="5391540"/>
+            <a:ext cx="5018936" cy="1334540"/>
+          </a:xfrm>
+          <a:prstGeom prst="rect">
+            <a:avLst/>
+          </a:prstGeom>
+        </p:spPr>
+      </p:pic>
+      <p:pic>
+        <p:nvPicPr>
+          <p:cNvPr id="7" name="图片 6"/>
+          <p:cNvPicPr>
+            <a:picLocks noChangeAspect="1"/>
+          </p:cNvPicPr>
+          <p:nvPr/>
+        </p:nvPicPr>
+        <p:blipFill rotWithShape="1">
+          <a:blip r:embed="rId3"/>
+          <a:srcRect l="13807"/>
+          <a:stretch>
+            <a:fillRect/>
+          </a:stretch>
+        </p:blipFill>
+        <p:spPr>
+          <a:xfrm>
+            <a:off x="4996832" y="5391540"/>
+            <a:ext cx="4325964" cy="1334540"/>
+          </a:xfrm>
+          <a:prstGeom prst="rect">
+            <a:avLst/>
+          </a:prstGeom>
+        </p:spPr>
+      </p:pic>
+      <p:pic>
+        <p:nvPicPr>
+          <p:cNvPr id="10" name="图片 9"/>
+          <p:cNvPicPr>
+            <a:picLocks noChangeAspect="1"/>
+          </p:cNvPicPr>
+          <p:nvPr/>
+        </p:nvPicPr>
+        <p:blipFill rotWithShape="1">
+          <a:blip r:embed="rId3"/>
+          <a:srcRect l="11337" r="31759"/>
+          <a:stretch>
+            <a:fillRect/>
+          </a:stretch>
+        </p:blipFill>
+        <p:spPr>
+          <a:xfrm flipH="1">
+            <a:off x="9322796" y="5391540"/>
+            <a:ext cx="2855952" cy="1334540"/>
+          </a:xfrm>
+          <a:prstGeom prst="rect">
+            <a:avLst/>
+          </a:prstGeom>
+        </p:spPr>
+      </p:pic>
+      <p:pic>
+        <p:nvPicPr>
+          <p:cNvPr id="5" name="图片 4"/>
+          <p:cNvPicPr>
+            <a:picLocks noChangeAspect="1"/>
+          </p:cNvPicPr>
+          <p:nvPr/>
+        </p:nvPicPr>
+        <p:blipFill>
+          <a:blip r:embed="rId4"/>
+          <a:stretch>
+            <a:fillRect/>
+          </a:stretch>
+        </p:blipFill>
+        <p:spPr>
+          <a:xfrm>
+            <a:off x="9515388" y="485139"/>
+            <a:ext cx="2358781" cy="579748"/>
+          </a:xfrm>
+          <a:prstGeom prst="rect">
+            <a:avLst/>
+          </a:prstGeom>
+        </p:spPr>
+      </p:pic>
+      <p:sp>
+        <p:nvSpPr>
+          <p:cNvPr id="6" name="标题 1"/>
+          <p:cNvSpPr txBox="1"/>
+          <p:nvPr/>
+        </p:nvSpPr>
+        <p:spPr>
+          <a:xfrm>
+            <a:off x="439420" y="4037965"/>
+            <a:ext cx="11501755" cy="869950"/>
+          </a:xfrm>
+          <a:prstGeom prst="rect">
+            <a:avLst/>
+          </a:prstGeom>
+        </p:spPr>
+        <p:txBody>
+          <a:bodyPr vert="horz" lIns="91440" tIns="45720" rIns="91440" bIns="45720" rtlCol="0" anchor="b">
+            <a:noAutofit/>
+          </a:bodyPr>
+          <a:lstStyle>
+            <a:lvl1pPr algn="ctr" defTabSz="914400" rtl="0" eaLnBrk="1" latinLnBrk="0" hangingPunct="1">
+              <a:lnSpc>
+                <a:spcPct val="90000"/>
+              </a:lnSpc>
+              <a:spcBef>
+                <a:spcPct val="0"/>
+              </a:spcBef>
+              <a:buNone/>
+              <a:defRPr sz="6000" kern="1200">
+                <a:solidFill>
+                  <a:schemeClr val="tx1"/>
+                </a:solidFill>
+                <a:latin typeface="+mj-lt"/>
+                <a:ea typeface="+mj-ea"/>
+                <a:cs typeface="+mj-cs"/>
+              </a:defRPr>
+            </a:lvl1pPr>
+          </a:lstStyle>
+          <a:p>
+            <a:pPr marL="571500" indent="-571500" algn="l">
+              <a:lnSpc>
+                <a:spcPct val="200000"/>
+              </a:lnSpc>
+              <a:buFont typeface="Arial" panose="020B0604020202020204" pitchFamily="34" charset="0"/>
+              <a:buChar char="•"/>
+            </a:pPr>
+            <a:r>
+              <a:rPr lang="zh-CN" altLang="en-US" sz="2800">
+                <a:latin typeface="微软雅黑" charset="0"/>
+                <a:ea typeface="微软雅黑" charset="0"/>
+                <a:cs typeface="Times New Roman Regular" panose="02020603050405020304" charset="0"/>
+                <a:sym typeface="+mn-ea"/>
+              </a:rPr>
+              <a:t>Fedcorr: Multi</a:t>
+            </a:r>
+            <a:r>
+              <a:rPr lang="en-US" altLang="zh-CN" sz="2800">
+                <a:latin typeface="微软雅黑" charset="0"/>
+                <a:ea typeface="微软雅黑" charset="0"/>
+                <a:cs typeface="Times New Roman Regular" panose="02020603050405020304" charset="0"/>
+                <a:sym typeface="+mn-ea"/>
+              </a:rPr>
+              <a:t> </a:t>
+            </a:r>
+            <a:r>
+              <a:rPr lang="zh-CN" altLang="en-US" sz="2800">
+                <a:latin typeface="微软雅黑" charset="0"/>
+                <a:ea typeface="微软雅黑" charset="0"/>
+                <a:cs typeface="Times New Roman Regular" panose="02020603050405020304" charset="0"/>
+                <a:sym typeface="+mn-ea"/>
+              </a:rPr>
+              <a:t>stage federated learning for label noise correction</a:t>
+            </a:r>
+            <a:endParaRPr lang="zh-CN" altLang="en-US" sz="2800">
+              <a:latin typeface="微软雅黑" charset="0"/>
+              <a:ea typeface="微软雅黑" charset="0"/>
+              <a:cs typeface="Times New Roman Regular" panose="02020603050405020304" charset="0"/>
+              <a:sym typeface="+mn-ea"/>
+            </a:endParaRPr>
+          </a:p>
+          <a:p>
+            <a:pPr marL="571500" indent="-571500" algn="l">
+              <a:lnSpc>
+                <a:spcPct val="200000"/>
+              </a:lnSpc>
+              <a:buFont typeface="Arial" panose="020B0604020202020204" pitchFamily="34" charset="0"/>
+              <a:buChar char="•"/>
+            </a:pPr>
+            <a:r>
+              <a:rPr lang="zh-CN" altLang="en-US" sz="2800" dirty="0">
+                <a:latin typeface="微软雅黑" charset="0"/>
+                <a:ea typeface="微软雅黑" charset="0"/>
+              </a:rPr>
+              <a:t>Use federated learning as an edge learning framework</a:t>
+            </a:r>
+            <a:endParaRPr lang="zh-CN" altLang="en-US" sz="2800" dirty="0">
+              <a:latin typeface="微软雅黑" charset="0"/>
+              <a:ea typeface="微软雅黑" charset="0"/>
+            </a:endParaRPr>
+          </a:p>
+          <a:p>
+            <a:pPr marL="571500" indent="-571500" algn="l">
+              <a:lnSpc>
+                <a:spcPct val="200000"/>
+              </a:lnSpc>
+              <a:buFont typeface="Arial" panose="020B0604020202020204" pitchFamily="34" charset="0"/>
+              <a:buChar char="•"/>
+            </a:pPr>
+            <a:r>
+              <a:rPr sz="2800" dirty="0">
+                <a:latin typeface="微软雅黑" charset="0"/>
+                <a:ea typeface="微软雅黑" charset="0"/>
+              </a:rPr>
+              <a:t>Use LID to detect unreliable users</a:t>
+            </a:r>
+            <a:endParaRPr sz="2800" dirty="0">
+              <a:latin typeface="微软雅黑" charset="0"/>
+              <a:ea typeface="微软雅黑" charset="0"/>
+            </a:endParaRPr>
+          </a:p>
+        </p:txBody>
+      </p:sp>
+    </p:spTree>
+  </p:cSld>
+  <p:clrMapOvr>
+    <a:masterClrMapping/>
+  </p:clrMapOvr>
+  <mc:AlternateContent xmlns:mc="http://schemas.openxmlformats.org/markup-compatibility/2006">
+    <mc:Choice xmlns:p14="http://schemas.microsoft.com/office/powerpoint/2010/main" Requires="p14">
+      <p:transition spd="med" p14:dur="700">
+        <p:fade/>
+      </p:transition>
+    </mc:Choice>
+    <mc:Fallback>
+      <p:transition spd="med">
+        <p:fade/>
+      </p:transition>
+    </mc:Fallback>
+  </mc:AlternateContent>
+</p:sld>
+</file>
+
+<file path=ppt/slides/slide11.xml><?xml version="1.0" encoding="utf-8"?>
+<p:sld xmlns:a="http://schemas.openxmlformats.org/drawingml/2006/main" xmlns:r="http://schemas.openxmlformats.org/officeDocument/2006/relationships" xmlns:p="http://schemas.openxmlformats.org/presentationml/2006/main">
+  <p:cSld>
+    <p:spTree>
+      <p:nvGrpSpPr>
+        <p:cNvPr id="1" name=""/>
+        <p:cNvGrpSpPr/>
+        <p:nvPr/>
+      </p:nvGrpSpPr>
+      <p:grpSpPr>
+        <a:xfrm>
+          <a:off x="0" y="0"/>
+          <a:ext cx="0" cy="0"/>
+          <a:chOff x="0" y="0"/>
+          <a:chExt cx="0" cy="0"/>
+        </a:xfrm>
+      </p:grpSpPr>
+      <p:sp>
+        <p:nvSpPr>
+          <p:cNvPr id="2" name="标题 1"/>
+          <p:cNvSpPr>
+            <a:spLocks noGrp="1"/>
+          </p:cNvSpPr>
+          <p:nvPr>
+            <p:ph type="ctrTitle"/>
+          </p:nvPr>
+        </p:nvSpPr>
+        <p:spPr>
+          <a:xfrm>
+            <a:off x="705485" y="396240"/>
+            <a:ext cx="9144000" cy="757555"/>
+          </a:xfrm>
+        </p:spPr>
+        <p:txBody>
+          <a:bodyPr>
+            <a:normAutofit fontScale="90000"/>
+          </a:bodyPr>
+          <a:lstStyle/>
+          <a:p>
+            <a:pPr algn="l">
+              <a:lnSpc>
+                <a:spcPct val="200000"/>
+              </a:lnSpc>
+            </a:pPr>
+            <a:r>
+              <a:rPr lang="en-US" altLang="zh-CN" sz="3200" b="1" dirty="0">
+                <a:latin typeface="微软雅黑" panose="020B0503020204020204" pitchFamily="34" charset="-122"/>
+                <a:ea typeface="微软雅黑" panose="020B0503020204020204" pitchFamily="34" charset="-122"/>
+                <a:sym typeface="+mn-ea"/>
+              </a:rPr>
+              <a:t>The </a:t>
+            </a:r>
+            <a:r>
+              <a:rPr lang="zh-CN" altLang="en-US" sz="3200" b="1" dirty="0">
+                <a:latin typeface="微软雅黑" panose="020B0503020204020204" pitchFamily="34" charset="-122"/>
+                <a:ea typeface="微软雅黑" panose="020B0503020204020204" pitchFamily="34" charset="-122"/>
+                <a:sym typeface="+mn-ea"/>
+              </a:rPr>
+              <a:t>Existing </a:t>
+            </a:r>
+            <a:r>
+              <a:rPr lang="en-US" altLang="zh-CN" sz="3200" b="1" dirty="0">
+                <a:latin typeface="微软雅黑" panose="020B0503020204020204" pitchFamily="34" charset="-122"/>
+                <a:ea typeface="微软雅黑" panose="020B0503020204020204" pitchFamily="34" charset="-122"/>
+                <a:sym typeface="+mn-ea"/>
+              </a:rPr>
+              <a:t>Solution</a:t>
+            </a:r>
+            <a:endParaRPr lang="en-US" sz="3200" b="1" dirty="0">
+              <a:latin typeface="微软雅黑" panose="020B0503020204020204" pitchFamily="34" charset="-122"/>
+              <a:ea typeface="微软雅黑" panose="020B0503020204020204" pitchFamily="34" charset="-122"/>
+              <a:sym typeface="+mn-ea"/>
+            </a:endParaRPr>
+          </a:p>
+        </p:txBody>
+      </p:sp>
+      <p:pic>
+        <p:nvPicPr>
+          <p:cNvPr id="3" name="图片 2"/>
+          <p:cNvPicPr>
+            <a:picLocks noChangeAspect="1"/>
+          </p:cNvPicPr>
+          <p:nvPr/>
+        </p:nvPicPr>
+        <p:blipFill>
+          <a:blip r:embed="rId1"/>
+          <a:stretch>
+            <a:fillRect/>
+          </a:stretch>
+        </p:blipFill>
+        <p:spPr>
+          <a:xfrm>
+            <a:off x="13252" y="4907605"/>
+            <a:ext cx="12192000" cy="1980925"/>
+          </a:xfrm>
+          <a:prstGeom prst="rect">
+            <a:avLst/>
+          </a:prstGeom>
+        </p:spPr>
+      </p:pic>
+      <p:pic>
+        <p:nvPicPr>
+          <p:cNvPr id="8" name="图片 7"/>
+          <p:cNvPicPr>
+            <a:picLocks noChangeAspect="1"/>
+          </p:cNvPicPr>
+          <p:nvPr/>
+        </p:nvPicPr>
+        <p:blipFill>
+          <a:blip r:embed="rId2"/>
+          <a:stretch>
+            <a:fillRect/>
+          </a:stretch>
+        </p:blipFill>
+        <p:spPr>
+          <a:xfrm>
+            <a:off x="439676" y="307638"/>
+            <a:ext cx="265554" cy="934751"/>
+          </a:xfrm>
+          <a:prstGeom prst="rect">
+            <a:avLst/>
+          </a:prstGeom>
+        </p:spPr>
+      </p:pic>
+      <p:pic>
+        <p:nvPicPr>
+          <p:cNvPr id="9" name="图片 8"/>
+          <p:cNvPicPr>
+            <a:picLocks noChangeAspect="1"/>
+          </p:cNvPicPr>
+          <p:nvPr/>
+        </p:nvPicPr>
+        <p:blipFill>
+          <a:blip r:embed="rId3"/>
+          <a:stretch>
+            <a:fillRect/>
+          </a:stretch>
+        </p:blipFill>
+        <p:spPr>
+          <a:xfrm>
+            <a:off x="-22104" y="5391540"/>
+            <a:ext cx="5018936" cy="1334540"/>
+          </a:xfrm>
+          <a:prstGeom prst="rect">
+            <a:avLst/>
+          </a:prstGeom>
+        </p:spPr>
+      </p:pic>
+      <p:pic>
+        <p:nvPicPr>
+          <p:cNvPr id="7" name="图片 6"/>
+          <p:cNvPicPr>
+            <a:picLocks noChangeAspect="1"/>
+          </p:cNvPicPr>
+          <p:nvPr/>
+        </p:nvPicPr>
+        <p:blipFill rotWithShape="1">
+          <a:blip r:embed="rId3"/>
+          <a:srcRect l="13807"/>
+          <a:stretch>
+            <a:fillRect/>
+          </a:stretch>
+        </p:blipFill>
+        <p:spPr>
+          <a:xfrm>
+            <a:off x="4996832" y="5391540"/>
+            <a:ext cx="4325964" cy="1334540"/>
+          </a:xfrm>
+          <a:prstGeom prst="rect">
+            <a:avLst/>
+          </a:prstGeom>
+        </p:spPr>
+      </p:pic>
+      <p:pic>
+        <p:nvPicPr>
+          <p:cNvPr id="10" name="图片 9"/>
+          <p:cNvPicPr>
+            <a:picLocks noChangeAspect="1"/>
+          </p:cNvPicPr>
+          <p:nvPr/>
+        </p:nvPicPr>
+        <p:blipFill rotWithShape="1">
+          <a:blip r:embed="rId3"/>
+          <a:srcRect l="11337" r="31759"/>
+          <a:stretch>
+            <a:fillRect/>
+          </a:stretch>
+        </p:blipFill>
+        <p:spPr>
+          <a:xfrm flipH="1">
+            <a:off x="9322796" y="5391540"/>
+            <a:ext cx="2855952" cy="1334540"/>
+          </a:xfrm>
+          <a:prstGeom prst="rect">
+            <a:avLst/>
+          </a:prstGeom>
+        </p:spPr>
+      </p:pic>
+      <p:pic>
+        <p:nvPicPr>
+          <p:cNvPr id="5" name="图片 4"/>
+          <p:cNvPicPr>
+            <a:picLocks noChangeAspect="1"/>
+          </p:cNvPicPr>
+          <p:nvPr/>
+        </p:nvPicPr>
+        <p:blipFill>
+          <a:blip r:embed="rId4"/>
+          <a:stretch>
+            <a:fillRect/>
+          </a:stretch>
+        </p:blipFill>
+        <p:spPr>
+          <a:xfrm>
+            <a:off x="9515388" y="485139"/>
+            <a:ext cx="2358781" cy="579748"/>
+          </a:xfrm>
+          <a:prstGeom prst="rect">
+            <a:avLst/>
+          </a:prstGeom>
+        </p:spPr>
+      </p:pic>
+      <p:sp>
+        <p:nvSpPr>
+          <p:cNvPr id="6" name="标题 1"/>
+          <p:cNvSpPr txBox="1"/>
+          <p:nvPr/>
+        </p:nvSpPr>
+        <p:spPr>
+          <a:xfrm>
+            <a:off x="439420" y="1153795"/>
+            <a:ext cx="11501755" cy="869950"/>
+          </a:xfrm>
+          <a:prstGeom prst="rect">
+            <a:avLst/>
+          </a:prstGeom>
+        </p:spPr>
+        <p:txBody>
+          <a:bodyPr vert="horz" lIns="91440" tIns="45720" rIns="91440" bIns="45720" rtlCol="0" anchor="b">
+            <a:noAutofit/>
+          </a:bodyPr>
+          <a:lstStyle>
+            <a:lvl1pPr algn="ctr" defTabSz="914400" rtl="0" eaLnBrk="1" latinLnBrk="0" hangingPunct="1">
+              <a:lnSpc>
+                <a:spcPct val="90000"/>
+              </a:lnSpc>
+              <a:spcBef>
+                <a:spcPct val="0"/>
+              </a:spcBef>
+              <a:buNone/>
+              <a:defRPr sz="6000" kern="1200">
+                <a:solidFill>
+                  <a:schemeClr val="tx1"/>
+                </a:solidFill>
+                <a:latin typeface="+mj-lt"/>
+                <a:ea typeface="+mj-ea"/>
+                <a:cs typeface="+mj-cs"/>
+              </a:defRPr>
+            </a:lvl1pPr>
+          </a:lstStyle>
+          <a:p>
+            <a:pPr marL="571500" indent="-571500" algn="l">
+              <a:lnSpc>
+                <a:spcPct val="200000"/>
+              </a:lnSpc>
+              <a:buFont typeface="Arial" panose="020B0604020202020204" pitchFamily="34" charset="0"/>
+              <a:buChar char="•"/>
+            </a:pPr>
+            <a:r>
+              <a:rPr lang="en-US" altLang="zh-CN" sz="2800">
+                <a:latin typeface="微软雅黑" charset="0"/>
+                <a:ea typeface="微软雅黑" charset="0"/>
+                <a:cs typeface="Times New Roman Regular" panose="02020603050405020304" charset="0"/>
+                <a:sym typeface="+mn-ea"/>
+              </a:rPr>
+              <a:t>LID</a:t>
+            </a:r>
+            <a:r>
+              <a:rPr lang="zh-CN" altLang="en-US" sz="2800">
+                <a:latin typeface="微软雅黑" charset="0"/>
+                <a:ea typeface="微软雅黑" charset="0"/>
+                <a:cs typeface="Times New Roman Regular" panose="02020603050405020304" charset="0"/>
+                <a:sym typeface="+mn-ea"/>
+              </a:rPr>
+              <a:t>是什么</a:t>
+            </a:r>
+            <a:endParaRPr lang="zh-CN" altLang="en-US" sz="2800">
+              <a:latin typeface="微软雅黑" charset="0"/>
+              <a:ea typeface="微软雅黑" charset="0"/>
+              <a:cs typeface="Times New Roman Regular" panose="02020603050405020304" charset="0"/>
+              <a:sym typeface="+mn-ea"/>
+            </a:endParaRPr>
+          </a:p>
+        </p:txBody>
+      </p:sp>
+    </p:spTree>
+  </p:cSld>
+  <p:clrMapOvr>
+    <a:masterClrMapping/>
+  </p:clrMapOvr>
+  <mc:AlternateContent xmlns:mc="http://schemas.openxmlformats.org/markup-compatibility/2006">
+    <mc:Choice xmlns:p14="http://schemas.microsoft.com/office/powerpoint/2010/main" Requires="p14">
+      <p:transition spd="med" p14:dur="700">
+        <p:fade/>
+      </p:transition>
+    </mc:Choice>
+    <mc:Fallback>
+      <p:transition spd="med">
+        <p:fade/>
+      </p:transition>
+    </mc:Fallback>
+  </mc:AlternateContent>
+</p:sld>
+</file>
+
+<file path=ppt/slides/slide12.xml><?xml version="1.0" encoding="utf-8"?>
+<p:sld xmlns:a="http://schemas.openxmlformats.org/drawingml/2006/main" xmlns:r="http://schemas.openxmlformats.org/officeDocument/2006/relationships" xmlns:p="http://schemas.openxmlformats.org/presentationml/2006/main">
+  <p:cSld>
+    <p:spTree>
+      <p:nvGrpSpPr>
+        <p:cNvPr id="1" name=""/>
+        <p:cNvGrpSpPr/>
+        <p:nvPr/>
+      </p:nvGrpSpPr>
+      <p:grpSpPr>
+        <a:xfrm>
+          <a:off x="0" y="0"/>
+          <a:ext cx="0" cy="0"/>
+          <a:chOff x="0" y="0"/>
+          <a:chExt cx="0" cy="0"/>
+        </a:xfrm>
+      </p:grpSpPr>
+      <p:sp>
+        <p:nvSpPr>
+          <p:cNvPr id="2" name="标题 1"/>
+          <p:cNvSpPr>
+            <a:spLocks noGrp="1"/>
+          </p:cNvSpPr>
+          <p:nvPr>
+            <p:ph type="ctrTitle"/>
+          </p:nvPr>
+        </p:nvSpPr>
+        <p:spPr>
+          <a:xfrm>
+            <a:off x="705485" y="396240"/>
+            <a:ext cx="9144000" cy="757555"/>
+          </a:xfrm>
+        </p:spPr>
+        <p:txBody>
+          <a:bodyPr>
+            <a:normAutofit fontScale="90000"/>
+          </a:bodyPr>
+          <a:lstStyle/>
+          <a:p>
+            <a:pPr algn="l">
+              <a:lnSpc>
+                <a:spcPct val="200000"/>
+              </a:lnSpc>
+            </a:pPr>
+            <a:r>
+              <a:rPr lang="en-US" altLang="zh-CN" sz="3200" b="1" dirty="0">
+                <a:latin typeface="微软雅黑" panose="020B0503020204020204" pitchFamily="34" charset="-122"/>
+                <a:ea typeface="微软雅黑" panose="020B0503020204020204" pitchFamily="34" charset="-122"/>
+                <a:sym typeface="+mn-ea"/>
+              </a:rPr>
+              <a:t>The </a:t>
+            </a:r>
+            <a:r>
+              <a:rPr lang="zh-CN" altLang="en-US" sz="3200" b="1" dirty="0">
+                <a:latin typeface="微软雅黑" panose="020B0503020204020204" pitchFamily="34" charset="-122"/>
+                <a:ea typeface="微软雅黑" panose="020B0503020204020204" pitchFamily="34" charset="-122"/>
+                <a:sym typeface="+mn-ea"/>
+              </a:rPr>
+              <a:t>New </a:t>
+            </a:r>
+            <a:r>
+              <a:rPr lang="en-US" altLang="zh-CN" sz="3200" b="1" dirty="0">
+                <a:latin typeface="微软雅黑" panose="020B0503020204020204" pitchFamily="34" charset="-122"/>
+                <a:ea typeface="微软雅黑" panose="020B0503020204020204" pitchFamily="34" charset="-122"/>
+                <a:sym typeface="+mn-ea"/>
+              </a:rPr>
+              <a:t>P</a:t>
+            </a:r>
+            <a:r>
+              <a:rPr lang="zh-CN" altLang="en-US" sz="3200" b="1" dirty="0">
+                <a:latin typeface="微软雅黑" panose="020B0503020204020204" pitchFamily="34" charset="-122"/>
+                <a:ea typeface="微软雅黑" panose="020B0503020204020204" pitchFamily="34" charset="-122"/>
+                <a:sym typeface="+mn-ea"/>
+              </a:rPr>
+              <a:t>roposed </a:t>
+            </a:r>
+            <a:r>
+              <a:rPr lang="en-US" altLang="zh-CN" sz="3200" b="1" dirty="0">
+                <a:latin typeface="微软雅黑" panose="020B0503020204020204" pitchFamily="34" charset="-122"/>
+                <a:ea typeface="微软雅黑" panose="020B0503020204020204" pitchFamily="34" charset="-122"/>
+                <a:sym typeface="+mn-ea"/>
+              </a:rPr>
+              <a:t>S</a:t>
+            </a:r>
+            <a:r>
+              <a:rPr lang="zh-CN" altLang="en-US" sz="3200" b="1" dirty="0">
+                <a:latin typeface="微软雅黑" panose="020B0503020204020204" pitchFamily="34" charset="-122"/>
+                <a:ea typeface="微软雅黑" panose="020B0503020204020204" pitchFamily="34" charset="-122"/>
+                <a:sym typeface="+mn-ea"/>
+              </a:rPr>
+              <a:t>olution</a:t>
+            </a:r>
+            <a:endParaRPr lang="en-US" sz="3200" b="1" dirty="0">
+              <a:latin typeface="微软雅黑" panose="020B0503020204020204" pitchFamily="34" charset="-122"/>
+              <a:ea typeface="微软雅黑" panose="020B0503020204020204" pitchFamily="34" charset="-122"/>
+              <a:sym typeface="+mn-ea"/>
+            </a:endParaRPr>
+          </a:p>
+        </p:txBody>
+      </p:sp>
+      <p:pic>
+        <p:nvPicPr>
+          <p:cNvPr id="3" name="图片 2"/>
+          <p:cNvPicPr>
+            <a:picLocks noChangeAspect="1"/>
+          </p:cNvPicPr>
+          <p:nvPr/>
+        </p:nvPicPr>
+        <p:blipFill>
+          <a:blip r:embed="rId1"/>
+          <a:stretch>
+            <a:fillRect/>
+          </a:stretch>
+        </p:blipFill>
+        <p:spPr>
+          <a:xfrm>
+            <a:off x="13252" y="4907605"/>
+            <a:ext cx="12192000" cy="1980925"/>
+          </a:xfrm>
+          <a:prstGeom prst="rect">
+            <a:avLst/>
+          </a:prstGeom>
+        </p:spPr>
+      </p:pic>
+      <p:pic>
+        <p:nvPicPr>
+          <p:cNvPr id="8" name="图片 7"/>
+          <p:cNvPicPr>
+            <a:picLocks noChangeAspect="1"/>
+          </p:cNvPicPr>
+          <p:nvPr/>
+        </p:nvPicPr>
+        <p:blipFill>
+          <a:blip r:embed="rId2"/>
+          <a:stretch>
+            <a:fillRect/>
+          </a:stretch>
+        </p:blipFill>
+        <p:spPr>
+          <a:xfrm>
+            <a:off x="439676" y="307638"/>
+            <a:ext cx="265554" cy="934751"/>
+          </a:xfrm>
+          <a:prstGeom prst="rect">
+            <a:avLst/>
+          </a:prstGeom>
+        </p:spPr>
+      </p:pic>
+      <p:pic>
+        <p:nvPicPr>
+          <p:cNvPr id="9" name="图片 8"/>
+          <p:cNvPicPr>
+            <a:picLocks noChangeAspect="1"/>
+          </p:cNvPicPr>
+          <p:nvPr/>
+        </p:nvPicPr>
+        <p:blipFill>
+          <a:blip r:embed="rId3"/>
+          <a:stretch>
+            <a:fillRect/>
+          </a:stretch>
+        </p:blipFill>
+        <p:spPr>
+          <a:xfrm>
+            <a:off x="-22104" y="5391540"/>
+            <a:ext cx="5018936" cy="1334540"/>
+          </a:xfrm>
+          <a:prstGeom prst="rect">
+            <a:avLst/>
+          </a:prstGeom>
+        </p:spPr>
+      </p:pic>
+      <p:pic>
+        <p:nvPicPr>
+          <p:cNvPr id="7" name="图片 6"/>
+          <p:cNvPicPr>
+            <a:picLocks noChangeAspect="1"/>
+          </p:cNvPicPr>
+          <p:nvPr/>
+        </p:nvPicPr>
+        <p:blipFill rotWithShape="1">
+          <a:blip r:embed="rId3"/>
+          <a:srcRect l="13807"/>
+          <a:stretch>
+            <a:fillRect/>
+          </a:stretch>
+        </p:blipFill>
+        <p:spPr>
+          <a:xfrm>
+            <a:off x="4996832" y="5391540"/>
+            <a:ext cx="4325964" cy="1334540"/>
+          </a:xfrm>
+          <a:prstGeom prst="rect">
+            <a:avLst/>
+          </a:prstGeom>
+        </p:spPr>
+      </p:pic>
+      <p:pic>
+        <p:nvPicPr>
+          <p:cNvPr id="10" name="图片 9"/>
+          <p:cNvPicPr>
+            <a:picLocks noChangeAspect="1"/>
+          </p:cNvPicPr>
+          <p:nvPr/>
+        </p:nvPicPr>
+        <p:blipFill rotWithShape="1">
+          <a:blip r:embed="rId3"/>
+          <a:srcRect l="11337" r="31759"/>
+          <a:stretch>
+            <a:fillRect/>
+          </a:stretch>
+        </p:blipFill>
+        <p:spPr>
+          <a:xfrm flipH="1">
+            <a:off x="9322796" y="5391540"/>
+            <a:ext cx="2855952" cy="1334540"/>
+          </a:xfrm>
+          <a:prstGeom prst="rect">
+            <a:avLst/>
+          </a:prstGeom>
+        </p:spPr>
+      </p:pic>
+      <p:pic>
+        <p:nvPicPr>
+          <p:cNvPr id="5" name="图片 4"/>
+          <p:cNvPicPr>
+            <a:picLocks noChangeAspect="1"/>
+          </p:cNvPicPr>
+          <p:nvPr/>
+        </p:nvPicPr>
+        <p:blipFill>
+          <a:blip r:embed="rId4"/>
+          <a:stretch>
+            <a:fillRect/>
+          </a:stretch>
+        </p:blipFill>
+        <p:spPr>
+          <a:xfrm>
+            <a:off x="9515388" y="485139"/>
+            <a:ext cx="2358781" cy="579748"/>
+          </a:xfrm>
+          <a:prstGeom prst="rect">
+            <a:avLst/>
+          </a:prstGeom>
+        </p:spPr>
+      </p:pic>
+      <p:sp>
+        <p:nvSpPr>
+          <p:cNvPr id="6" name="标题 1"/>
+          <p:cNvSpPr txBox="1"/>
+          <p:nvPr/>
+        </p:nvSpPr>
+        <p:spPr>
+          <a:xfrm>
+            <a:off x="439420" y="3550920"/>
+            <a:ext cx="11501755" cy="869950"/>
+          </a:xfrm>
+          <a:prstGeom prst="rect">
+            <a:avLst/>
+          </a:prstGeom>
+        </p:spPr>
+        <p:txBody>
+          <a:bodyPr vert="horz" lIns="91440" tIns="45720" rIns="91440" bIns="45720" rtlCol="0" anchor="b">
+            <a:noAutofit/>
+          </a:bodyPr>
+          <a:lstStyle>
+            <a:lvl1pPr algn="ctr" defTabSz="914400" rtl="0" eaLnBrk="1" latinLnBrk="0" hangingPunct="1">
+              <a:lnSpc>
+                <a:spcPct val="90000"/>
+              </a:lnSpc>
+              <a:spcBef>
+                <a:spcPct val="0"/>
+              </a:spcBef>
+              <a:buNone/>
+              <a:defRPr sz="6000" kern="1200">
+                <a:solidFill>
+                  <a:schemeClr val="tx1"/>
+                </a:solidFill>
+                <a:latin typeface="+mj-lt"/>
+                <a:ea typeface="+mj-ea"/>
+                <a:cs typeface="+mj-cs"/>
+              </a:defRPr>
+            </a:lvl1pPr>
+          </a:lstStyle>
+          <a:p>
+            <a:pPr marL="571500" indent="-571500" algn="l">
+              <a:lnSpc>
+                <a:spcPct val="200000"/>
+              </a:lnSpc>
+              <a:buFont typeface="Arial" panose="020B0604020202020204" pitchFamily="34" charset="0"/>
+              <a:buChar char="•"/>
+            </a:pPr>
+            <a:r>
+              <a:rPr sz="2800">
+                <a:latin typeface="微软雅黑" charset="0"/>
+                <a:ea typeface="微软雅黑" charset="0"/>
+                <a:cs typeface="Times New Roman Regular" panose="02020603050405020304" charset="0"/>
+                <a:sym typeface="+mn-ea"/>
+              </a:rPr>
+              <a:t>Use SplitFed learning instead of federated learning</a:t>
+            </a:r>
+            <a:endParaRPr sz="2800">
+              <a:latin typeface="微软雅黑" charset="0"/>
+              <a:ea typeface="微软雅黑" charset="0"/>
+              <a:cs typeface="Times New Roman Regular" panose="02020603050405020304" charset="0"/>
+              <a:sym typeface="+mn-ea"/>
+            </a:endParaRPr>
+          </a:p>
+          <a:p>
+            <a:pPr marL="571500" indent="-571500" algn="l">
+              <a:lnSpc>
+                <a:spcPct val="200000"/>
+              </a:lnSpc>
+              <a:buFont typeface="Arial" panose="020B0604020202020204" pitchFamily="34" charset="0"/>
+              <a:buChar char="•"/>
+            </a:pPr>
+            <a:r>
+              <a:rPr lang="zh-CN" sz="2800" dirty="0">
+                <a:latin typeface="微软雅黑" charset="0"/>
+                <a:ea typeface="微软雅黑" charset="0"/>
+              </a:rPr>
+              <a:t>All testing is done without the user's knowledge, preventing some users from not cooperating</a:t>
+            </a:r>
+            <a:endParaRPr lang="zh-CN" sz="2800" dirty="0">
+              <a:latin typeface="微软雅黑" charset="0"/>
+              <a:ea typeface="微软雅黑" charset="0"/>
+            </a:endParaRPr>
+          </a:p>
+        </p:txBody>
+      </p:sp>
+    </p:spTree>
+  </p:cSld>
+  <p:clrMapOvr>
+    <a:masterClrMapping/>
+  </p:clrMapOvr>
+  <mc:AlternateContent xmlns:mc="http://schemas.openxmlformats.org/markup-compatibility/2006">
+    <mc:Choice xmlns:p14="http://schemas.microsoft.com/office/powerpoint/2010/main" Requires="p14">
+      <p:transition spd="med" p14:dur="700">
+        <p:fade/>
+      </p:transition>
+    </mc:Choice>
+    <mc:Fallback>
+      <p:transition spd="med">
+        <p:fade/>
+      </p:transition>
+    </mc:Fallback>
+  </mc:AlternateContent>
+</p:sld>
+</file>
+
+<file path=ppt/slides/slide13.xml><?xml version="1.0" encoding="utf-8"?>
+<p:sld xmlns:a="http://schemas.openxmlformats.org/drawingml/2006/main" xmlns:r="http://schemas.openxmlformats.org/officeDocument/2006/relationships" xmlns:p="http://schemas.openxmlformats.org/presentationml/2006/main">
+  <p:cSld>
+    <p:spTree>
+      <p:nvGrpSpPr>
+        <p:cNvPr id="1" name=""/>
+        <p:cNvGrpSpPr/>
+        <p:nvPr/>
+      </p:nvGrpSpPr>
+      <p:grpSpPr>
+        <a:xfrm>
+          <a:off x="0" y="0"/>
+          <a:ext cx="0" cy="0"/>
+          <a:chOff x="0" y="0"/>
+          <a:chExt cx="0" cy="0"/>
+        </a:xfrm>
+      </p:grpSpPr>
+      <p:sp>
+        <p:nvSpPr>
+          <p:cNvPr id="2" name="标题 1"/>
+          <p:cNvSpPr>
+            <a:spLocks noGrp="1"/>
+          </p:cNvSpPr>
+          <p:nvPr>
+            <p:ph type="ctrTitle"/>
+          </p:nvPr>
+        </p:nvSpPr>
+        <p:spPr>
+          <a:xfrm>
+            <a:off x="705485" y="307340"/>
+            <a:ext cx="9144000" cy="757555"/>
+          </a:xfrm>
+        </p:spPr>
+        <p:txBody>
+          <a:bodyPr>
+            <a:normAutofit fontScale="90000"/>
+          </a:bodyPr>
+          <a:lstStyle/>
+          <a:p>
+            <a:pPr algn="l">
+              <a:lnSpc>
+                <a:spcPct val="200000"/>
+              </a:lnSpc>
+            </a:pPr>
+            <a:r>
+              <a:rPr lang="en-US" altLang="zh-CN" sz="3200" b="1" dirty="0">
+                <a:latin typeface="微软雅黑" panose="020B0503020204020204" pitchFamily="34" charset="-122"/>
+                <a:ea typeface="微软雅黑" panose="020B0503020204020204" pitchFamily="34" charset="-122"/>
+              </a:rPr>
+              <a:t>Structure of the Federated learning</a:t>
+            </a:r>
+            <a:endParaRPr lang="en-US" altLang="zh-CN" sz="3200" b="1" dirty="0">
+              <a:latin typeface="微软雅黑" panose="020B0503020204020204" pitchFamily="34" charset="-122"/>
+              <a:ea typeface="微软雅黑" panose="020B0503020204020204" pitchFamily="34" charset="-122"/>
+            </a:endParaRPr>
+          </a:p>
+        </p:txBody>
+      </p:sp>
+      <p:pic>
+        <p:nvPicPr>
+          <p:cNvPr id="3" name="图片 2"/>
+          <p:cNvPicPr>
+            <a:picLocks noChangeAspect="1"/>
+          </p:cNvPicPr>
+          <p:nvPr/>
+        </p:nvPicPr>
+        <p:blipFill>
+          <a:blip r:embed="rId1"/>
+          <a:stretch>
+            <a:fillRect/>
+          </a:stretch>
+        </p:blipFill>
+        <p:spPr>
+          <a:xfrm>
+            <a:off x="13252" y="4907605"/>
+            <a:ext cx="12192000" cy="1980925"/>
+          </a:xfrm>
+          <a:prstGeom prst="rect">
+            <a:avLst/>
+          </a:prstGeom>
+        </p:spPr>
+      </p:pic>
+      <p:pic>
+        <p:nvPicPr>
+          <p:cNvPr id="8" name="图片 7"/>
+          <p:cNvPicPr>
+            <a:picLocks noChangeAspect="1"/>
+          </p:cNvPicPr>
+          <p:nvPr/>
+        </p:nvPicPr>
+        <p:blipFill>
+          <a:blip r:embed="rId2"/>
+          <a:stretch>
+            <a:fillRect/>
+          </a:stretch>
+        </p:blipFill>
+        <p:spPr>
+          <a:xfrm>
+            <a:off x="439676" y="307638"/>
+            <a:ext cx="265554" cy="934751"/>
+          </a:xfrm>
+          <a:prstGeom prst="rect">
+            <a:avLst/>
+          </a:prstGeom>
+        </p:spPr>
+      </p:pic>
+      <p:pic>
+        <p:nvPicPr>
+          <p:cNvPr id="9" name="图片 8"/>
+          <p:cNvPicPr>
+            <a:picLocks noChangeAspect="1"/>
+          </p:cNvPicPr>
+          <p:nvPr/>
+        </p:nvPicPr>
+        <p:blipFill>
+          <a:blip r:embed="rId3"/>
+          <a:stretch>
+            <a:fillRect/>
+          </a:stretch>
+        </p:blipFill>
+        <p:spPr>
+          <a:xfrm>
+            <a:off x="-22104" y="5391540"/>
+            <a:ext cx="5018936" cy="1334540"/>
+          </a:xfrm>
+          <a:prstGeom prst="rect">
+            <a:avLst/>
+          </a:prstGeom>
+        </p:spPr>
+      </p:pic>
+      <p:pic>
+        <p:nvPicPr>
+          <p:cNvPr id="7" name="图片 6"/>
+          <p:cNvPicPr>
+            <a:picLocks noChangeAspect="1"/>
+          </p:cNvPicPr>
+          <p:nvPr/>
+        </p:nvPicPr>
+        <p:blipFill rotWithShape="1">
+          <a:blip r:embed="rId3"/>
+          <a:srcRect l="13807"/>
+          <a:stretch>
+            <a:fillRect/>
+          </a:stretch>
+        </p:blipFill>
+        <p:spPr>
+          <a:xfrm>
+            <a:off x="4996832" y="5391540"/>
+            <a:ext cx="4325964" cy="1334540"/>
+          </a:xfrm>
+          <a:prstGeom prst="rect">
+            <a:avLst/>
+          </a:prstGeom>
+        </p:spPr>
+      </p:pic>
+      <p:pic>
+        <p:nvPicPr>
+          <p:cNvPr id="10" name="图片 9"/>
+          <p:cNvPicPr>
+            <a:picLocks noChangeAspect="1"/>
+          </p:cNvPicPr>
+          <p:nvPr/>
+        </p:nvPicPr>
+        <p:blipFill rotWithShape="1">
+          <a:blip r:embed="rId3"/>
+          <a:srcRect l="11337" r="31759"/>
+          <a:stretch>
+            <a:fillRect/>
+          </a:stretch>
+        </p:blipFill>
+        <p:spPr>
+          <a:xfrm flipH="1">
+            <a:off x="9322796" y="5391540"/>
+            <a:ext cx="2855952" cy="1334540"/>
+          </a:xfrm>
+          <a:prstGeom prst="rect">
+            <a:avLst/>
+          </a:prstGeom>
+        </p:spPr>
+      </p:pic>
+      <p:pic>
+        <p:nvPicPr>
+          <p:cNvPr id="5" name="图片 4"/>
+          <p:cNvPicPr>
+            <a:picLocks noChangeAspect="1"/>
+          </p:cNvPicPr>
+          <p:nvPr/>
+        </p:nvPicPr>
+        <p:blipFill>
+          <a:blip r:embed="rId4"/>
+          <a:stretch>
+            <a:fillRect/>
+          </a:stretch>
+        </p:blipFill>
+        <p:spPr>
+          <a:xfrm>
+            <a:off x="9515388" y="485139"/>
+            <a:ext cx="2358781" cy="579748"/>
+          </a:xfrm>
+          <a:prstGeom prst="rect">
+            <a:avLst/>
+          </a:prstGeom>
+        </p:spPr>
+      </p:pic>
+      <p:pic>
+        <p:nvPicPr>
+          <p:cNvPr id="6" name="图片 5"/>
+          <p:cNvPicPr>
+            <a:picLocks noChangeAspect="1"/>
+          </p:cNvPicPr>
+          <p:nvPr/>
+        </p:nvPicPr>
+        <p:blipFill>
+          <a:blip r:embed="rId5">
+            <a:extLst>
+              <a:ext uri="{28A0092B-C50C-407E-A947-70E740481C1C}">
+                <a14:useLocalDpi xmlns:a14="http://schemas.microsoft.com/office/drawing/2010/main" val="0"/>
+              </a:ext>
+            </a:extLst>
+          </a:blip>
+          <a:stretch>
+            <a:fillRect/>
+          </a:stretch>
+        </p:blipFill>
+        <p:spPr>
+          <a:xfrm>
+            <a:off x="2391238" y="1276619"/>
+            <a:ext cx="7409524" cy="4304762"/>
+          </a:xfrm>
+          <a:prstGeom prst="rect">
+            <a:avLst/>
+          </a:prstGeom>
+        </p:spPr>
+      </p:pic>
+    </p:spTree>
+  </p:cSld>
+  <p:clrMapOvr>
+    <a:masterClrMapping/>
+  </p:clrMapOvr>
+  <mc:AlternateContent xmlns:mc="http://schemas.openxmlformats.org/markup-compatibility/2006">
+    <mc:Choice xmlns:p14="http://schemas.microsoft.com/office/powerpoint/2010/main" Requires="p14">
+      <p:transition spd="med" p14:dur="700">
+        <p:fade/>
+      </p:transition>
+    </mc:Choice>
+    <mc:Fallback>
+      <p:transition spd="med">
+        <p:fade/>
+      </p:transition>
+    </mc:Fallback>
+  </mc:AlternateContent>
+</p:sld>
+</file>
+
+<file path=ppt/slides/slide14.xml><?xml version="1.0" encoding="utf-8"?>
+<p:sld xmlns:a="http://schemas.openxmlformats.org/drawingml/2006/main" xmlns:r="http://schemas.openxmlformats.org/officeDocument/2006/relationships" xmlns:p="http://schemas.openxmlformats.org/presentationml/2006/main">
+  <p:cSld>
+    <p:spTree>
+      <p:nvGrpSpPr>
+        <p:cNvPr id="1" name=""/>
+        <p:cNvGrpSpPr/>
+        <p:nvPr/>
+      </p:nvGrpSpPr>
+      <p:grpSpPr>
+        <a:xfrm>
+          <a:off x="0" y="0"/>
+          <a:ext cx="0" cy="0"/>
+          <a:chOff x="0" y="0"/>
+          <a:chExt cx="0" cy="0"/>
+        </a:xfrm>
+      </p:grpSpPr>
+      <p:sp>
+        <p:nvSpPr>
+          <p:cNvPr id="2" name="标题 1"/>
+          <p:cNvSpPr>
+            <a:spLocks noGrp="1"/>
+          </p:cNvSpPr>
+          <p:nvPr>
+            <p:ph type="ctrTitle"/>
+          </p:nvPr>
+        </p:nvSpPr>
+        <p:spPr>
+          <a:xfrm>
+            <a:off x="705485" y="307340"/>
+            <a:ext cx="9144000" cy="757555"/>
+          </a:xfrm>
+        </p:spPr>
+        <p:txBody>
+          <a:bodyPr>
+            <a:normAutofit fontScale="90000"/>
+          </a:bodyPr>
+          <a:lstStyle/>
+          <a:p>
+            <a:pPr algn="l">
+              <a:lnSpc>
+                <a:spcPct val="200000"/>
+              </a:lnSpc>
+            </a:pPr>
+            <a:r>
+              <a:rPr lang="en-US" altLang="zh-CN" sz="3200" b="1" dirty="0">
+                <a:latin typeface="微软雅黑" panose="020B0503020204020204" pitchFamily="34" charset="-122"/>
+                <a:ea typeface="微软雅黑" panose="020B0503020204020204" pitchFamily="34" charset="-122"/>
+              </a:rPr>
+              <a:t>Structure of the </a:t>
+            </a:r>
+            <a:r>
+              <a:rPr lang="en-US" altLang="zh-CN" sz="3200" b="1" dirty="0" err="1">
+                <a:latin typeface="微软雅黑" panose="020B0503020204020204" pitchFamily="34" charset="-122"/>
+                <a:ea typeface="微软雅黑" panose="020B0503020204020204" pitchFamily="34" charset="-122"/>
+              </a:rPr>
+              <a:t>SplitFed</a:t>
+            </a:r>
+            <a:endParaRPr lang="en-US" altLang="zh-CN" sz="3200" b="1" dirty="0">
+              <a:latin typeface="微软雅黑" panose="020B0503020204020204" pitchFamily="34" charset="-122"/>
+              <a:ea typeface="微软雅黑" panose="020B0503020204020204" pitchFamily="34" charset="-122"/>
+            </a:endParaRPr>
+          </a:p>
+        </p:txBody>
+      </p:sp>
+      <p:pic>
+        <p:nvPicPr>
+          <p:cNvPr id="3" name="图片 2"/>
+          <p:cNvPicPr>
+            <a:picLocks noChangeAspect="1"/>
+          </p:cNvPicPr>
+          <p:nvPr/>
+        </p:nvPicPr>
+        <p:blipFill>
+          <a:blip r:embed="rId1"/>
+          <a:stretch>
+            <a:fillRect/>
+          </a:stretch>
+        </p:blipFill>
+        <p:spPr>
+          <a:xfrm>
+            <a:off x="13252" y="4907605"/>
+            <a:ext cx="12192000" cy="1980925"/>
+          </a:xfrm>
+          <a:prstGeom prst="rect">
+            <a:avLst/>
+          </a:prstGeom>
+        </p:spPr>
+      </p:pic>
+      <p:pic>
+        <p:nvPicPr>
+          <p:cNvPr id="8" name="图片 7"/>
+          <p:cNvPicPr>
+            <a:picLocks noChangeAspect="1"/>
+          </p:cNvPicPr>
+          <p:nvPr/>
+        </p:nvPicPr>
+        <p:blipFill>
+          <a:blip r:embed="rId2"/>
+          <a:stretch>
+            <a:fillRect/>
+          </a:stretch>
+        </p:blipFill>
+        <p:spPr>
+          <a:xfrm>
+            <a:off x="439676" y="307638"/>
+            <a:ext cx="265554" cy="934751"/>
+          </a:xfrm>
+          <a:prstGeom prst="rect">
+            <a:avLst/>
+          </a:prstGeom>
+        </p:spPr>
+      </p:pic>
+      <p:pic>
+        <p:nvPicPr>
+          <p:cNvPr id="9" name="图片 8"/>
+          <p:cNvPicPr>
+            <a:picLocks noChangeAspect="1"/>
+          </p:cNvPicPr>
+          <p:nvPr/>
+        </p:nvPicPr>
+        <p:blipFill>
+          <a:blip r:embed="rId3"/>
+          <a:stretch>
+            <a:fillRect/>
+          </a:stretch>
+        </p:blipFill>
+        <p:spPr>
+          <a:xfrm>
+            <a:off x="-22104" y="5391540"/>
+            <a:ext cx="5018936" cy="1334540"/>
+          </a:xfrm>
+          <a:prstGeom prst="rect">
+            <a:avLst/>
+          </a:prstGeom>
+        </p:spPr>
+      </p:pic>
+      <p:pic>
+        <p:nvPicPr>
+          <p:cNvPr id="7" name="图片 6"/>
+          <p:cNvPicPr>
+            <a:picLocks noChangeAspect="1"/>
+          </p:cNvPicPr>
+          <p:nvPr/>
+        </p:nvPicPr>
+        <p:blipFill rotWithShape="1">
+          <a:blip r:embed="rId3"/>
+          <a:srcRect l="13807"/>
+          <a:stretch>
+            <a:fillRect/>
+          </a:stretch>
+        </p:blipFill>
+        <p:spPr>
+          <a:xfrm>
+            <a:off x="4996832" y="5391540"/>
+            <a:ext cx="4325964" cy="1334540"/>
+          </a:xfrm>
+          <a:prstGeom prst="rect">
+            <a:avLst/>
+          </a:prstGeom>
+        </p:spPr>
+      </p:pic>
+      <p:pic>
+        <p:nvPicPr>
+          <p:cNvPr id="10" name="图片 9"/>
+          <p:cNvPicPr>
+            <a:picLocks noChangeAspect="1"/>
+          </p:cNvPicPr>
+          <p:nvPr/>
+        </p:nvPicPr>
+        <p:blipFill rotWithShape="1">
+          <a:blip r:embed="rId3"/>
+          <a:srcRect l="11337" r="31759"/>
+          <a:stretch>
+            <a:fillRect/>
+          </a:stretch>
+        </p:blipFill>
+        <p:spPr>
+          <a:xfrm flipH="1">
+            <a:off x="9322796" y="5391540"/>
+            <a:ext cx="2855952" cy="1334540"/>
+          </a:xfrm>
+          <a:prstGeom prst="rect">
+            <a:avLst/>
+          </a:prstGeom>
+        </p:spPr>
+      </p:pic>
+      <p:pic>
+        <p:nvPicPr>
+          <p:cNvPr id="5" name="图片 4"/>
+          <p:cNvPicPr>
+            <a:picLocks noChangeAspect="1"/>
+          </p:cNvPicPr>
+          <p:nvPr/>
+        </p:nvPicPr>
+        <p:blipFill>
+          <a:blip r:embed="rId4"/>
+          <a:stretch>
+            <a:fillRect/>
+          </a:stretch>
+        </p:blipFill>
+        <p:spPr>
+          <a:xfrm>
+            <a:off x="9515388" y="485139"/>
+            <a:ext cx="2358781" cy="579748"/>
+          </a:xfrm>
+          <a:prstGeom prst="rect">
+            <a:avLst/>
+          </a:prstGeom>
+        </p:spPr>
+      </p:pic>
+      <p:pic>
+        <p:nvPicPr>
+          <p:cNvPr id="11" name="图片 10"/>
+          <p:cNvPicPr>
+            <a:picLocks noChangeAspect="1"/>
+          </p:cNvPicPr>
+          <p:nvPr/>
+        </p:nvPicPr>
+        <p:blipFill>
+          <a:blip r:embed="rId5">
+            <a:extLst>
+              <a:ext uri="{28A0092B-C50C-407E-A947-70E740481C1C}">
+                <a14:useLocalDpi xmlns:a14="http://schemas.microsoft.com/office/drawing/2010/main" val="0"/>
+              </a:ext>
+            </a:extLst>
+          </a:blip>
+          <a:stretch>
+            <a:fillRect/>
+          </a:stretch>
+        </p:blipFill>
+        <p:spPr>
+          <a:xfrm>
+            <a:off x="1908911" y="1158875"/>
+            <a:ext cx="7493000" cy="4344276"/>
+          </a:xfrm>
+          <a:prstGeom prst="rect">
+            <a:avLst/>
+          </a:prstGeom>
+        </p:spPr>
+      </p:pic>
+    </p:spTree>
+  </p:cSld>
+  <p:clrMapOvr>
+    <a:masterClrMapping/>
+  </p:clrMapOvr>
+  <mc:AlternateContent xmlns:mc="http://schemas.openxmlformats.org/markup-compatibility/2006">
+    <mc:Choice xmlns:p14="http://schemas.microsoft.com/office/powerpoint/2010/main" Requires="p14">
+      <p:transition spd="med" p14:dur="700">
+        <p:fade/>
+      </p:transition>
+    </mc:Choice>
+    <mc:Fallback>
+      <p:transition spd="med">
+        <p:fade/>
+      </p:transition>
+    </mc:Fallback>
+  </mc:AlternateContent>
+</p:sld>
+</file>
+
+<file path=ppt/slides/slide15.xml><?xml version="1.0" encoding="utf-8"?>
+<p:sld xmlns:a="http://schemas.openxmlformats.org/drawingml/2006/main" xmlns:r="http://schemas.openxmlformats.org/officeDocument/2006/relationships" xmlns:p="http://schemas.openxmlformats.org/presentationml/2006/main">
+  <p:cSld>
+    <p:spTree>
+      <p:nvGrpSpPr>
+        <p:cNvPr id="1" name=""/>
+        <p:cNvGrpSpPr/>
+        <p:nvPr/>
+      </p:nvGrpSpPr>
+      <p:grpSpPr>
+        <a:xfrm>
+          <a:off x="0" y="0"/>
+          <a:ext cx="0" cy="0"/>
+          <a:chOff x="0" y="0"/>
+          <a:chExt cx="0" cy="0"/>
+        </a:xfrm>
+      </p:grpSpPr>
+      <p:sp>
+        <p:nvSpPr>
+          <p:cNvPr id="2" name="标题 1"/>
+          <p:cNvSpPr>
+            <a:spLocks noGrp="1"/>
+          </p:cNvSpPr>
+          <p:nvPr>
+            <p:ph type="ctrTitle"/>
+          </p:nvPr>
+        </p:nvSpPr>
+        <p:spPr>
+          <a:xfrm>
+            <a:off x="705485" y="396240"/>
+            <a:ext cx="9144000" cy="757555"/>
+          </a:xfrm>
+        </p:spPr>
+        <p:txBody>
+          <a:bodyPr>
+            <a:normAutofit fontScale="90000"/>
+          </a:bodyPr>
+          <a:lstStyle/>
+          <a:p>
+            <a:pPr algn="l">
+              <a:lnSpc>
+                <a:spcPct val="200000"/>
+              </a:lnSpc>
+            </a:pPr>
+            <a:r>
+              <a:rPr lang="zh-CN" altLang="en-US" sz="3200" b="1" dirty="0">
+                <a:latin typeface="微软雅黑" panose="020B0503020204020204" pitchFamily="34" charset="-122"/>
+                <a:ea typeface="微软雅黑" panose="020B0503020204020204" pitchFamily="34" charset="-122"/>
+                <a:sym typeface="+mn-ea"/>
+              </a:rPr>
+              <a:t>Solution </a:t>
+            </a:r>
+            <a:r>
+              <a:rPr lang="en-US" altLang="zh-CN" sz="3200" b="1" dirty="0">
+                <a:latin typeface="微软雅黑" panose="020B0503020204020204" pitchFamily="34" charset="-122"/>
+                <a:ea typeface="微软雅黑" panose="020B0503020204020204" pitchFamily="34" charset="-122"/>
+                <a:sym typeface="+mn-ea"/>
+              </a:rPr>
+              <a:t>F</a:t>
+            </a:r>
+            <a:r>
+              <a:rPr lang="zh-CN" altLang="en-US" sz="3200" b="1" dirty="0">
+                <a:latin typeface="微软雅黑" panose="020B0503020204020204" pitchFamily="34" charset="-122"/>
+                <a:ea typeface="微软雅黑" panose="020B0503020204020204" pitchFamily="34" charset="-122"/>
+                <a:sym typeface="+mn-ea"/>
+              </a:rPr>
+              <a:t>easibility </a:t>
+            </a:r>
+            <a:r>
+              <a:rPr lang="en-US" altLang="zh-CN" sz="3200" b="1" dirty="0">
+                <a:latin typeface="微软雅黑" panose="020B0503020204020204" pitchFamily="34" charset="-122"/>
+                <a:ea typeface="微软雅黑" panose="020B0503020204020204" pitchFamily="34" charset="-122"/>
+                <a:sym typeface="+mn-ea"/>
+              </a:rPr>
+              <a:t>A</a:t>
+            </a:r>
+            <a:r>
+              <a:rPr lang="zh-CN" altLang="en-US" sz="3200" b="1" dirty="0">
+                <a:latin typeface="微软雅黑" panose="020B0503020204020204" pitchFamily="34" charset="-122"/>
+                <a:ea typeface="微软雅黑" panose="020B0503020204020204" pitchFamily="34" charset="-122"/>
+                <a:sym typeface="+mn-ea"/>
+              </a:rPr>
+              <a:t>nalysis</a:t>
+            </a:r>
+            <a:endParaRPr lang="en-US" sz="3200" b="1" dirty="0">
+              <a:latin typeface="微软雅黑" panose="020B0503020204020204" pitchFamily="34" charset="-122"/>
+              <a:ea typeface="微软雅黑" panose="020B0503020204020204" pitchFamily="34" charset="-122"/>
+              <a:sym typeface="+mn-ea"/>
+            </a:endParaRPr>
+          </a:p>
+        </p:txBody>
+      </p:sp>
+      <p:pic>
+        <p:nvPicPr>
+          <p:cNvPr id="3" name="图片 2"/>
+          <p:cNvPicPr>
+            <a:picLocks noChangeAspect="1"/>
+          </p:cNvPicPr>
+          <p:nvPr/>
+        </p:nvPicPr>
+        <p:blipFill>
+          <a:blip r:embed="rId1"/>
+          <a:stretch>
+            <a:fillRect/>
+          </a:stretch>
+        </p:blipFill>
+        <p:spPr>
+          <a:xfrm>
+            <a:off x="13252" y="4907605"/>
+            <a:ext cx="12192000" cy="1980925"/>
+          </a:xfrm>
+          <a:prstGeom prst="rect">
+            <a:avLst/>
+          </a:prstGeom>
+        </p:spPr>
+      </p:pic>
+      <p:pic>
+        <p:nvPicPr>
+          <p:cNvPr id="8" name="图片 7"/>
+          <p:cNvPicPr>
+            <a:picLocks noChangeAspect="1"/>
+          </p:cNvPicPr>
+          <p:nvPr/>
+        </p:nvPicPr>
+        <p:blipFill>
+          <a:blip r:embed="rId2"/>
+          <a:stretch>
+            <a:fillRect/>
+          </a:stretch>
+        </p:blipFill>
+        <p:spPr>
+          <a:xfrm>
+            <a:off x="439676" y="307638"/>
+            <a:ext cx="265554" cy="934751"/>
+          </a:xfrm>
+          <a:prstGeom prst="rect">
+            <a:avLst/>
+          </a:prstGeom>
+        </p:spPr>
+      </p:pic>
+      <p:pic>
+        <p:nvPicPr>
+          <p:cNvPr id="9" name="图片 8"/>
+          <p:cNvPicPr>
+            <a:picLocks noChangeAspect="1"/>
+          </p:cNvPicPr>
+          <p:nvPr/>
+        </p:nvPicPr>
+        <p:blipFill>
+          <a:blip r:embed="rId3"/>
+          <a:stretch>
+            <a:fillRect/>
+          </a:stretch>
+        </p:blipFill>
+        <p:spPr>
+          <a:xfrm>
+            <a:off x="-22104" y="5391540"/>
+            <a:ext cx="5018936" cy="1334540"/>
+          </a:xfrm>
+          <a:prstGeom prst="rect">
+            <a:avLst/>
+          </a:prstGeom>
+        </p:spPr>
+      </p:pic>
+      <p:pic>
+        <p:nvPicPr>
+          <p:cNvPr id="7" name="图片 6"/>
+          <p:cNvPicPr>
+            <a:picLocks noChangeAspect="1"/>
+          </p:cNvPicPr>
+          <p:nvPr/>
+        </p:nvPicPr>
+        <p:blipFill rotWithShape="1">
+          <a:blip r:embed="rId3"/>
+          <a:srcRect l="13807"/>
+          <a:stretch>
+            <a:fillRect/>
+          </a:stretch>
+        </p:blipFill>
+        <p:spPr>
+          <a:xfrm>
+            <a:off x="4996832" y="5391540"/>
+            <a:ext cx="4325964" cy="1334540"/>
+          </a:xfrm>
+          <a:prstGeom prst="rect">
+            <a:avLst/>
+          </a:prstGeom>
+        </p:spPr>
+      </p:pic>
+      <p:pic>
+        <p:nvPicPr>
+          <p:cNvPr id="10" name="图片 9"/>
+          <p:cNvPicPr>
+            <a:picLocks noChangeAspect="1"/>
+          </p:cNvPicPr>
+          <p:nvPr/>
+        </p:nvPicPr>
+        <p:blipFill rotWithShape="1">
+          <a:blip r:embed="rId3"/>
+          <a:srcRect l="11337" r="31759"/>
+          <a:stretch>
+            <a:fillRect/>
+          </a:stretch>
+        </p:blipFill>
+        <p:spPr>
+          <a:xfrm flipH="1">
+            <a:off x="9322796" y="5391540"/>
+            <a:ext cx="2855952" cy="1334540"/>
+          </a:xfrm>
+          <a:prstGeom prst="rect">
+            <a:avLst/>
+          </a:prstGeom>
+        </p:spPr>
+      </p:pic>
+      <p:pic>
+        <p:nvPicPr>
+          <p:cNvPr id="5" name="图片 4"/>
+          <p:cNvPicPr>
+            <a:picLocks noChangeAspect="1"/>
+          </p:cNvPicPr>
+          <p:nvPr/>
+        </p:nvPicPr>
+        <p:blipFill>
+          <a:blip r:embed="rId4"/>
+          <a:stretch>
+            <a:fillRect/>
+          </a:stretch>
+        </p:blipFill>
+        <p:spPr>
+          <a:xfrm>
+            <a:off x="9515388" y="485139"/>
+            <a:ext cx="2358781" cy="579748"/>
+          </a:xfrm>
+          <a:prstGeom prst="rect">
+            <a:avLst/>
+          </a:prstGeom>
+        </p:spPr>
+      </p:pic>
+      <p:sp>
+        <p:nvSpPr>
+          <p:cNvPr id="4" name="矩形 3"/>
+          <p:cNvSpPr/>
+          <p:nvPr/>
+        </p:nvSpPr>
+        <p:spPr>
+          <a:xfrm>
+            <a:off x="2816225" y="1694815"/>
+            <a:ext cx="3163570" cy="583565"/>
+          </a:xfrm>
+          <a:prstGeom prst="rect">
+            <a:avLst/>
+          </a:prstGeom>
+          <a:noFill/>
+          <a:ln>
+            <a:noFill/>
+          </a:ln>
+        </p:spPr>
+        <p:txBody>
+          <a:bodyPr wrap="none" rtlCol="0" anchor="t">
+            <a:spAutoFit/>
+          </a:bodyPr>
+          <a:p>
+            <a:pPr algn="ctr"/>
+            <a:r>
+              <a:rPr lang="en-US" altLang="zh-CN" sz="3200">
+                <a:solidFill>
+                  <a:schemeClr val="tx1"/>
+                </a:solidFill>
+                <a:effectLst>
+                  <a:outerShdw blurRad="38100" dist="19050" dir="2700000" algn="tl" rotWithShape="0">
+                    <a:schemeClr val="dk1">
+                      <a:alpha val="40000"/>
+                      <a:alpha val="40000"/>
+                    </a:schemeClr>
+                  </a:outerShdw>
+                </a:effectLst>
+              </a:rPr>
+              <a:t>Federated learning</a:t>
+            </a:r>
+            <a:endParaRPr lang="en-US" altLang="zh-CN" sz="3200">
+              <a:solidFill>
+                <a:schemeClr val="tx1"/>
+              </a:solidFill>
+              <a:effectLst>
+                <a:outerShdw blurRad="38100" dist="19050" dir="2700000" algn="tl" rotWithShape="0">
+                  <a:schemeClr val="dk1">
+                    <a:alpha val="40000"/>
+                    <a:alpha val="40000"/>
+                  </a:schemeClr>
+                </a:outerShdw>
+              </a:effectLst>
+            </a:endParaRPr>
+          </a:p>
+        </p:txBody>
+      </p:sp>
+      <p:sp>
+        <p:nvSpPr>
+          <p:cNvPr id="6" name="矩形 5"/>
+          <p:cNvSpPr/>
+          <p:nvPr/>
+        </p:nvSpPr>
+        <p:spPr>
+          <a:xfrm>
+            <a:off x="7506653" y="1694815"/>
+            <a:ext cx="2948305" cy="583565"/>
+          </a:xfrm>
+          <a:prstGeom prst="rect">
+            <a:avLst/>
+          </a:prstGeom>
+          <a:noFill/>
+          <a:ln>
+            <a:noFill/>
+          </a:ln>
+        </p:spPr>
+        <p:txBody>
+          <a:bodyPr wrap="none" rtlCol="0" anchor="t">
+            <a:spAutoFit/>
+          </a:bodyPr>
+          <a:p>
+            <a:pPr algn="ctr"/>
+            <a:r>
+              <a:rPr lang="en-US" altLang="zh-CN" sz="3200">
+                <a:solidFill>
+                  <a:schemeClr val="tx1"/>
+                </a:solidFill>
+                <a:effectLst>
+                  <a:outerShdw blurRad="38100" dist="19050" dir="2700000" algn="tl" rotWithShape="0">
+                    <a:schemeClr val="dk1">
+                      <a:alpha val="40000"/>
+                      <a:alpha val="40000"/>
+                    </a:schemeClr>
+                  </a:outerShdw>
+                </a:effectLst>
+              </a:rPr>
+              <a:t>SplitFed learning</a:t>
+            </a:r>
+            <a:endParaRPr lang="en-US" altLang="zh-CN" sz="3200">
+              <a:solidFill>
+                <a:schemeClr val="tx1"/>
+              </a:solidFill>
+              <a:effectLst>
+                <a:outerShdw blurRad="38100" dist="19050" dir="2700000" algn="tl" rotWithShape="0">
+                  <a:schemeClr val="dk1">
+                    <a:alpha val="40000"/>
+                    <a:alpha val="40000"/>
+                  </a:schemeClr>
+                </a:outerShdw>
+              </a:effectLst>
+            </a:endParaRPr>
+          </a:p>
+        </p:txBody>
+      </p:sp>
+      <p:sp>
+        <p:nvSpPr>
+          <p:cNvPr id="14" name="矩形 13"/>
+          <p:cNvSpPr/>
+          <p:nvPr/>
+        </p:nvSpPr>
+        <p:spPr>
+          <a:xfrm>
+            <a:off x="399733" y="2291080"/>
+            <a:ext cx="1961515" cy="583565"/>
+          </a:xfrm>
+          <a:prstGeom prst="rect">
+            <a:avLst/>
+          </a:prstGeom>
+          <a:noFill/>
+          <a:ln>
+            <a:noFill/>
+          </a:ln>
+        </p:spPr>
+        <p:txBody>
+          <a:bodyPr wrap="none" rtlCol="0" anchor="t">
+            <a:spAutoFit/>
+          </a:bodyPr>
+          <a:p>
+            <a:pPr algn="ctr"/>
+            <a:r>
+              <a:rPr lang="en-US" altLang="zh-CN" sz="3200">
+                <a:solidFill>
+                  <a:schemeClr val="tx1"/>
+                </a:solidFill>
+                <a:effectLst>
+                  <a:outerShdw blurRad="38100" dist="19050" dir="2700000" algn="tl" rotWithShape="0">
+                    <a:schemeClr val="dk1">
+                      <a:alpha val="40000"/>
+                      <a:alpha val="40000"/>
+                    </a:schemeClr>
+                  </a:outerShdw>
+                </a:effectLst>
+              </a:rPr>
+              <a:t>non-IID=0</a:t>
+            </a:r>
+            <a:endParaRPr lang="en-US" altLang="zh-CN" sz="3200">
+              <a:solidFill>
+                <a:schemeClr val="tx1"/>
+              </a:solidFill>
+              <a:effectLst>
+                <a:outerShdw blurRad="38100" dist="19050" dir="2700000" algn="tl" rotWithShape="0">
+                  <a:schemeClr val="dk1">
+                    <a:alpha val="40000"/>
+                    <a:alpha val="40000"/>
+                  </a:schemeClr>
+                </a:outerShdw>
+              </a:effectLst>
+            </a:endParaRPr>
+          </a:p>
+        </p:txBody>
+      </p:sp>
+      <p:sp>
+        <p:nvSpPr>
+          <p:cNvPr id="15" name="矩形 14"/>
+          <p:cNvSpPr/>
+          <p:nvPr/>
+        </p:nvSpPr>
+        <p:spPr>
+          <a:xfrm>
+            <a:off x="400050" y="3025140"/>
+            <a:ext cx="2368550" cy="583565"/>
+          </a:xfrm>
+          <a:prstGeom prst="rect">
+            <a:avLst/>
+          </a:prstGeom>
+          <a:noFill/>
+          <a:ln>
+            <a:noFill/>
+          </a:ln>
+        </p:spPr>
+        <p:txBody>
+          <a:bodyPr wrap="none" rtlCol="0" anchor="t">
+            <a:spAutoFit/>
+          </a:bodyPr>
+          <a:p>
+            <a:pPr algn="ctr"/>
+            <a:r>
+              <a:rPr lang="en-US" altLang="zh-CN" sz="3200">
+                <a:solidFill>
+                  <a:schemeClr val="tx1"/>
+                </a:solidFill>
+                <a:effectLst>
+                  <a:outerShdw blurRad="38100" dist="19050" dir="2700000" algn="tl" rotWithShape="0">
+                    <a:schemeClr val="dk1">
+                      <a:alpha val="40000"/>
+                      <a:alpha val="40000"/>
+                    </a:schemeClr>
+                  </a:outerShdw>
+                </a:effectLst>
+              </a:rPr>
+              <a:t>non-IID=0.5</a:t>
+            </a:r>
+            <a:endParaRPr lang="en-US" altLang="zh-CN" sz="3200">
+              <a:solidFill>
+                <a:schemeClr val="tx1"/>
+              </a:solidFill>
+              <a:effectLst>
+                <a:outerShdw blurRad="38100" dist="19050" dir="2700000" algn="tl" rotWithShape="0">
+                  <a:schemeClr val="dk1">
+                    <a:alpha val="40000"/>
+                    <a:alpha val="40000"/>
+                  </a:schemeClr>
+                </a:outerShdw>
+              </a:effectLst>
+            </a:endParaRPr>
+          </a:p>
+        </p:txBody>
+      </p:sp>
+      <p:sp>
+        <p:nvSpPr>
+          <p:cNvPr id="16" name="矩形 15"/>
+          <p:cNvSpPr/>
+          <p:nvPr/>
+        </p:nvSpPr>
+        <p:spPr>
+          <a:xfrm>
+            <a:off x="400050" y="3771900"/>
+            <a:ext cx="2368550" cy="583565"/>
+          </a:xfrm>
+          <a:prstGeom prst="rect">
+            <a:avLst/>
+          </a:prstGeom>
+          <a:noFill/>
+          <a:ln>
+            <a:noFill/>
+          </a:ln>
+        </p:spPr>
+        <p:txBody>
+          <a:bodyPr wrap="none" rtlCol="0" anchor="t">
+            <a:spAutoFit/>
+          </a:bodyPr>
+          <a:p>
+            <a:pPr algn="ctr"/>
+            <a:r>
+              <a:rPr lang="en-US" altLang="zh-CN" sz="3200">
+                <a:solidFill>
+                  <a:schemeClr val="tx1"/>
+                </a:solidFill>
+                <a:effectLst>
+                  <a:outerShdw blurRad="38100" dist="19050" dir="2700000" algn="tl" rotWithShape="0">
+                    <a:schemeClr val="dk1">
+                      <a:alpha val="40000"/>
+                      <a:alpha val="40000"/>
+                    </a:schemeClr>
+                  </a:outerShdw>
+                </a:effectLst>
+              </a:rPr>
+              <a:t>non-IID=0.9</a:t>
+            </a:r>
+            <a:endParaRPr lang="en-US" altLang="zh-CN" sz="3200">
+              <a:solidFill>
+                <a:schemeClr val="tx1"/>
+              </a:solidFill>
+              <a:effectLst>
+                <a:outerShdw blurRad="38100" dist="19050" dir="2700000" algn="tl" rotWithShape="0">
+                  <a:schemeClr val="dk1">
+                    <a:alpha val="40000"/>
+                    <a:alpha val="40000"/>
+                  </a:schemeClr>
+                </a:outerShdw>
+              </a:effectLst>
+            </a:endParaRPr>
+          </a:p>
+        </p:txBody>
+      </p:sp>
+      <p:sp>
+        <p:nvSpPr>
+          <p:cNvPr id="17" name="矩形 16"/>
+          <p:cNvSpPr/>
+          <p:nvPr/>
+        </p:nvSpPr>
+        <p:spPr>
+          <a:xfrm>
+            <a:off x="400050" y="4518660"/>
+            <a:ext cx="2571750" cy="583565"/>
+          </a:xfrm>
+          <a:prstGeom prst="rect">
+            <a:avLst/>
+          </a:prstGeom>
+          <a:noFill/>
+          <a:ln>
+            <a:noFill/>
+          </a:ln>
+        </p:spPr>
+        <p:txBody>
+          <a:bodyPr wrap="none" rtlCol="0" anchor="t">
+            <a:spAutoFit/>
+          </a:bodyPr>
+          <a:p>
+            <a:pPr algn="ctr"/>
+            <a:r>
+              <a:rPr lang="en-US" altLang="zh-CN" sz="3200">
+                <a:solidFill>
+                  <a:schemeClr val="tx1"/>
+                </a:solidFill>
+                <a:effectLst>
+                  <a:outerShdw blurRad="38100" dist="19050" dir="2700000" algn="tl" rotWithShape="0">
+                    <a:schemeClr val="dk1">
+                      <a:alpha val="40000"/>
+                      <a:alpha val="40000"/>
+                    </a:schemeClr>
+                  </a:outerShdw>
+                </a:effectLst>
+              </a:rPr>
+              <a:t>non-IID=0.95</a:t>
+            </a:r>
+            <a:endParaRPr lang="en-US" altLang="zh-CN" sz="3200">
+              <a:solidFill>
+                <a:schemeClr val="tx1"/>
+              </a:solidFill>
+              <a:effectLst>
+                <a:outerShdw blurRad="38100" dist="19050" dir="2700000" algn="tl" rotWithShape="0">
+                  <a:schemeClr val="dk1">
+                    <a:alpha val="40000"/>
+                    <a:alpha val="40000"/>
+                  </a:schemeClr>
+                </a:outerShdw>
+              </a:effectLst>
+            </a:endParaRPr>
+          </a:p>
+        </p:txBody>
+      </p:sp>
+      <p:sp>
+        <p:nvSpPr>
+          <p:cNvPr id="11" name="矩形 10"/>
+          <p:cNvSpPr/>
+          <p:nvPr/>
+        </p:nvSpPr>
+        <p:spPr>
+          <a:xfrm>
+            <a:off x="3437573" y="2291080"/>
+            <a:ext cx="1435735" cy="583565"/>
+          </a:xfrm>
+          <a:prstGeom prst="rect">
+            <a:avLst/>
+          </a:prstGeom>
+          <a:noFill/>
+          <a:ln>
+            <a:noFill/>
+          </a:ln>
+        </p:spPr>
+        <p:txBody>
+          <a:bodyPr wrap="none" rtlCol="0" anchor="t">
+            <a:spAutoFit/>
+          </a:bodyPr>
+          <a:p>
+            <a:pPr algn="ctr"/>
+            <a:r>
+              <a:rPr lang="en-US" altLang="zh-CN" sz="3200">
+                <a:solidFill>
+                  <a:schemeClr val="tx1"/>
+                </a:solidFill>
+                <a:effectLst>
+                  <a:outerShdw blurRad="38100" dist="19050" dir="2700000" algn="tl" rotWithShape="0">
+                    <a:schemeClr val="dk1">
+                      <a:alpha val="40000"/>
+                      <a:alpha val="40000"/>
+                    </a:schemeClr>
+                  </a:outerShdw>
+                </a:effectLst>
+                <a:latin typeface="Times New Roman Regular" panose="02020603050405020304" charset="0"/>
+                <a:cs typeface="Times New Roman Regular" panose="02020603050405020304" charset="0"/>
+              </a:rPr>
+              <a:t>93.68%</a:t>
+            </a:r>
+            <a:endParaRPr lang="en-US" altLang="zh-CN" sz="3200">
+              <a:solidFill>
+                <a:schemeClr val="tx1"/>
+              </a:solidFill>
+              <a:effectLst>
+                <a:outerShdw blurRad="38100" dist="19050" dir="2700000" algn="tl" rotWithShape="0">
+                  <a:schemeClr val="dk1">
+                    <a:alpha val="40000"/>
+                    <a:alpha val="40000"/>
+                  </a:schemeClr>
+                </a:outerShdw>
+              </a:effectLst>
+              <a:latin typeface="Times New Roman Regular" panose="02020603050405020304" charset="0"/>
+              <a:cs typeface="Times New Roman Regular" panose="02020603050405020304" charset="0"/>
+            </a:endParaRPr>
+          </a:p>
+        </p:txBody>
+      </p:sp>
+      <p:sp>
+        <p:nvSpPr>
+          <p:cNvPr id="12" name="矩形 11"/>
+          <p:cNvSpPr/>
+          <p:nvPr/>
+        </p:nvSpPr>
+        <p:spPr>
+          <a:xfrm>
+            <a:off x="8413433" y="2291080"/>
+            <a:ext cx="1435735" cy="583565"/>
+          </a:xfrm>
+          <a:prstGeom prst="rect">
+            <a:avLst/>
+          </a:prstGeom>
+          <a:noFill/>
+          <a:ln>
+            <a:noFill/>
+          </a:ln>
+        </p:spPr>
+        <p:txBody>
+          <a:bodyPr wrap="none" rtlCol="0" anchor="t">
+            <a:spAutoFit/>
+          </a:bodyPr>
+          <a:p>
+            <a:pPr algn="ctr"/>
+            <a:r>
+              <a:rPr lang="en-US" altLang="zh-CN" sz="3200">
+                <a:solidFill>
+                  <a:schemeClr val="tx1"/>
+                </a:solidFill>
+                <a:effectLst>
+                  <a:outerShdw blurRad="38100" dist="19050" dir="2700000" algn="tl" rotWithShape="0">
+                    <a:schemeClr val="dk1">
+                      <a:alpha val="40000"/>
+                      <a:alpha val="40000"/>
+                    </a:schemeClr>
+                  </a:outerShdw>
+                </a:effectLst>
+                <a:latin typeface="Times New Roman Regular" panose="02020603050405020304" charset="0"/>
+                <a:cs typeface="Times New Roman Regular" panose="02020603050405020304" charset="0"/>
+              </a:rPr>
+              <a:t>94.01%</a:t>
+            </a:r>
+            <a:endParaRPr lang="en-US" altLang="zh-CN" sz="3200">
+              <a:solidFill>
+                <a:schemeClr val="tx1"/>
+              </a:solidFill>
+              <a:effectLst>
+                <a:outerShdw blurRad="38100" dist="19050" dir="2700000" algn="tl" rotWithShape="0">
+                  <a:schemeClr val="dk1">
+                    <a:alpha val="40000"/>
+                    <a:alpha val="40000"/>
+                  </a:schemeClr>
+                </a:outerShdw>
+              </a:effectLst>
+              <a:latin typeface="Times New Roman Regular" panose="02020603050405020304" charset="0"/>
+              <a:cs typeface="Times New Roman Regular" panose="02020603050405020304" charset="0"/>
+            </a:endParaRPr>
+          </a:p>
+        </p:txBody>
+      </p:sp>
+      <p:sp>
+        <p:nvSpPr>
+          <p:cNvPr id="13" name="矩形 12"/>
+          <p:cNvSpPr/>
+          <p:nvPr/>
+        </p:nvSpPr>
+        <p:spPr>
+          <a:xfrm>
+            <a:off x="8413433" y="3012440"/>
+            <a:ext cx="1435735" cy="583565"/>
+          </a:xfrm>
+          <a:prstGeom prst="rect">
+            <a:avLst/>
+          </a:prstGeom>
+          <a:noFill/>
+          <a:ln>
+            <a:noFill/>
+          </a:ln>
+        </p:spPr>
+        <p:txBody>
+          <a:bodyPr wrap="none" rtlCol="0" anchor="t">
+            <a:spAutoFit/>
+          </a:bodyPr>
+          <a:p>
+            <a:pPr algn="ctr"/>
+            <a:r>
+              <a:rPr lang="en-US" altLang="zh-CN" sz="3200">
+                <a:solidFill>
+                  <a:schemeClr val="tx1"/>
+                </a:solidFill>
+                <a:effectLst>
+                  <a:outerShdw blurRad="38100" dist="19050" dir="2700000" algn="tl" rotWithShape="0">
+                    <a:schemeClr val="dk1">
+                      <a:alpha val="40000"/>
+                      <a:alpha val="40000"/>
+                    </a:schemeClr>
+                  </a:outerShdw>
+                </a:effectLst>
+                <a:latin typeface="Times New Roman Regular" panose="02020603050405020304" charset="0"/>
+                <a:cs typeface="Times New Roman Regular" panose="02020603050405020304" charset="0"/>
+              </a:rPr>
+              <a:t>93.18%</a:t>
+            </a:r>
+            <a:endParaRPr lang="en-US" altLang="zh-CN" sz="3200">
+              <a:solidFill>
+                <a:schemeClr val="tx1"/>
+              </a:solidFill>
+              <a:effectLst>
+                <a:outerShdw blurRad="38100" dist="19050" dir="2700000" algn="tl" rotWithShape="0">
+                  <a:schemeClr val="dk1">
+                    <a:alpha val="40000"/>
+                    <a:alpha val="40000"/>
+                  </a:schemeClr>
+                </a:outerShdw>
+              </a:effectLst>
+              <a:latin typeface="Times New Roman Regular" panose="02020603050405020304" charset="0"/>
+              <a:cs typeface="Times New Roman Regular" panose="02020603050405020304" charset="0"/>
+            </a:endParaRPr>
+          </a:p>
+        </p:txBody>
+      </p:sp>
+      <p:sp>
+        <p:nvSpPr>
+          <p:cNvPr id="18" name="矩形 17"/>
+          <p:cNvSpPr/>
+          <p:nvPr/>
+        </p:nvSpPr>
+        <p:spPr>
+          <a:xfrm>
+            <a:off x="8413433" y="3733800"/>
+            <a:ext cx="1435735" cy="583565"/>
+          </a:xfrm>
+          <a:prstGeom prst="rect">
+            <a:avLst/>
+          </a:prstGeom>
+          <a:noFill/>
+          <a:ln>
+            <a:noFill/>
+          </a:ln>
+        </p:spPr>
+        <p:txBody>
+          <a:bodyPr wrap="none" rtlCol="0" anchor="t">
+            <a:spAutoFit/>
+          </a:bodyPr>
+          <a:p>
+            <a:pPr algn="ctr"/>
+            <a:r>
+              <a:rPr lang="en-US" altLang="zh-CN" sz="3200">
+                <a:solidFill>
+                  <a:schemeClr val="tx1"/>
+                </a:solidFill>
+                <a:effectLst>
+                  <a:outerShdw blurRad="38100" dist="19050" dir="2700000" algn="tl" rotWithShape="0">
+                    <a:schemeClr val="dk1">
+                      <a:alpha val="40000"/>
+                      <a:alpha val="40000"/>
+                    </a:schemeClr>
+                  </a:outerShdw>
+                </a:effectLst>
+                <a:latin typeface="Times New Roman Regular" panose="02020603050405020304" charset="0"/>
+                <a:cs typeface="Times New Roman Regular" panose="02020603050405020304" charset="0"/>
+              </a:rPr>
+              <a:t>87.20%</a:t>
+            </a:r>
+            <a:endParaRPr lang="en-US" altLang="zh-CN" sz="3200">
+              <a:solidFill>
+                <a:schemeClr val="tx1"/>
+              </a:solidFill>
+              <a:effectLst>
+                <a:outerShdw blurRad="38100" dist="19050" dir="2700000" algn="tl" rotWithShape="0">
+                  <a:schemeClr val="dk1">
+                    <a:alpha val="40000"/>
+                    <a:alpha val="40000"/>
+                  </a:schemeClr>
+                </a:outerShdw>
+              </a:effectLst>
+              <a:latin typeface="Times New Roman Regular" panose="02020603050405020304" charset="0"/>
+              <a:cs typeface="Times New Roman Regular" panose="02020603050405020304" charset="0"/>
+            </a:endParaRPr>
+          </a:p>
+        </p:txBody>
+      </p:sp>
+      <p:sp>
+        <p:nvSpPr>
+          <p:cNvPr id="19" name="矩形 18"/>
+          <p:cNvSpPr/>
+          <p:nvPr/>
+        </p:nvSpPr>
+        <p:spPr>
+          <a:xfrm>
+            <a:off x="8413433" y="4455160"/>
+            <a:ext cx="1435735" cy="583565"/>
+          </a:xfrm>
+          <a:prstGeom prst="rect">
+            <a:avLst/>
+          </a:prstGeom>
+          <a:noFill/>
+          <a:ln>
+            <a:noFill/>
+          </a:ln>
+        </p:spPr>
+        <p:txBody>
+          <a:bodyPr wrap="none" rtlCol="0" anchor="t">
+            <a:spAutoFit/>
+          </a:bodyPr>
+          <a:p>
+            <a:pPr algn="ctr"/>
+            <a:r>
+              <a:rPr lang="en-US" altLang="zh-CN" sz="3200">
+                <a:solidFill>
+                  <a:schemeClr val="tx1"/>
+                </a:solidFill>
+                <a:effectLst>
+                  <a:outerShdw blurRad="38100" dist="19050" dir="2700000" algn="tl" rotWithShape="0">
+                    <a:schemeClr val="dk1">
+                      <a:alpha val="40000"/>
+                      <a:alpha val="40000"/>
+                    </a:schemeClr>
+                  </a:outerShdw>
+                </a:effectLst>
+                <a:latin typeface="Times New Roman Regular" panose="02020603050405020304" charset="0"/>
+                <a:cs typeface="Times New Roman Regular" panose="02020603050405020304" charset="0"/>
+              </a:rPr>
+              <a:t>83.31%</a:t>
+            </a:r>
+            <a:endParaRPr lang="en-US" altLang="zh-CN" sz="3200">
+              <a:solidFill>
+                <a:schemeClr val="tx1"/>
+              </a:solidFill>
+              <a:effectLst>
+                <a:outerShdw blurRad="38100" dist="19050" dir="2700000" algn="tl" rotWithShape="0">
+                  <a:schemeClr val="dk1">
+                    <a:alpha val="40000"/>
+                    <a:alpha val="40000"/>
+                  </a:schemeClr>
+                </a:outerShdw>
+              </a:effectLst>
+              <a:latin typeface="Times New Roman Regular" panose="02020603050405020304" charset="0"/>
+              <a:cs typeface="Times New Roman Regular" panose="02020603050405020304" charset="0"/>
+            </a:endParaRPr>
+          </a:p>
+        </p:txBody>
+      </p:sp>
+      <p:sp>
+        <p:nvSpPr>
+          <p:cNvPr id="20" name="矩形 19"/>
+          <p:cNvSpPr/>
+          <p:nvPr/>
+        </p:nvSpPr>
+        <p:spPr>
+          <a:xfrm>
+            <a:off x="3437573" y="3025140"/>
+            <a:ext cx="1435735" cy="583565"/>
+          </a:xfrm>
+          <a:prstGeom prst="rect">
+            <a:avLst/>
+          </a:prstGeom>
+          <a:noFill/>
+          <a:ln>
+            <a:noFill/>
+          </a:ln>
+        </p:spPr>
+        <p:txBody>
+          <a:bodyPr wrap="none" rtlCol="0" anchor="t">
+            <a:spAutoFit/>
+          </a:bodyPr>
+          <a:p>
+            <a:pPr algn="ctr"/>
+            <a:r>
+              <a:rPr lang="en-US" altLang="zh-CN" sz="3200">
+                <a:solidFill>
+                  <a:schemeClr val="tx1"/>
+                </a:solidFill>
+                <a:effectLst>
+                  <a:outerShdw blurRad="38100" dist="19050" dir="2700000" algn="tl" rotWithShape="0">
+                    <a:schemeClr val="dk1">
+                      <a:alpha val="40000"/>
+                      <a:alpha val="40000"/>
+                    </a:schemeClr>
+                  </a:outerShdw>
+                </a:effectLst>
+                <a:latin typeface="Times New Roman Regular" panose="02020603050405020304" charset="0"/>
+                <a:cs typeface="Times New Roman Regular" panose="02020603050405020304" charset="0"/>
+              </a:rPr>
+              <a:t>93.46%</a:t>
+            </a:r>
+            <a:endParaRPr lang="en-US" altLang="zh-CN" sz="3200">
+              <a:solidFill>
+                <a:schemeClr val="tx1"/>
+              </a:solidFill>
+              <a:effectLst>
+                <a:outerShdw blurRad="38100" dist="19050" dir="2700000" algn="tl" rotWithShape="0">
+                  <a:schemeClr val="dk1">
+                    <a:alpha val="40000"/>
+                    <a:alpha val="40000"/>
+                  </a:schemeClr>
+                </a:outerShdw>
+              </a:effectLst>
+              <a:latin typeface="Times New Roman Regular" panose="02020603050405020304" charset="0"/>
+              <a:cs typeface="Times New Roman Regular" panose="02020603050405020304" charset="0"/>
+            </a:endParaRPr>
+          </a:p>
+        </p:txBody>
+      </p:sp>
+      <p:sp>
+        <p:nvSpPr>
+          <p:cNvPr id="21" name="矩形 20"/>
+          <p:cNvSpPr/>
+          <p:nvPr/>
+        </p:nvSpPr>
+        <p:spPr>
+          <a:xfrm>
+            <a:off x="3437573" y="3759200"/>
+            <a:ext cx="1435735" cy="583565"/>
+          </a:xfrm>
+          <a:prstGeom prst="rect">
+            <a:avLst/>
+          </a:prstGeom>
+          <a:noFill/>
+          <a:ln>
+            <a:noFill/>
+          </a:ln>
+        </p:spPr>
+        <p:txBody>
+          <a:bodyPr wrap="none" rtlCol="0" anchor="t">
+            <a:spAutoFit/>
+          </a:bodyPr>
+          <a:p>
+            <a:pPr algn="ctr"/>
+            <a:r>
+              <a:rPr lang="en-US" altLang="zh-CN" sz="3200">
+                <a:solidFill>
+                  <a:schemeClr val="tx1"/>
+                </a:solidFill>
+                <a:effectLst>
+                  <a:outerShdw blurRad="38100" dist="19050" dir="2700000" algn="tl" rotWithShape="0">
+                    <a:schemeClr val="dk1">
+                      <a:alpha val="40000"/>
+                      <a:alpha val="40000"/>
+                    </a:schemeClr>
+                  </a:outerShdw>
+                </a:effectLst>
+                <a:latin typeface="Times New Roman Regular" panose="02020603050405020304" charset="0"/>
+                <a:cs typeface="Times New Roman Regular" panose="02020603050405020304" charset="0"/>
+              </a:rPr>
+              <a:t>87.00%</a:t>
+            </a:r>
+            <a:endParaRPr lang="en-US" altLang="zh-CN" sz="3200">
+              <a:solidFill>
+                <a:schemeClr val="tx1"/>
+              </a:solidFill>
+              <a:effectLst>
+                <a:outerShdw blurRad="38100" dist="19050" dir="2700000" algn="tl" rotWithShape="0">
+                  <a:schemeClr val="dk1">
+                    <a:alpha val="40000"/>
+                    <a:alpha val="40000"/>
+                  </a:schemeClr>
+                </a:outerShdw>
+              </a:effectLst>
+              <a:latin typeface="Times New Roman Regular" panose="02020603050405020304" charset="0"/>
+              <a:cs typeface="Times New Roman Regular" panose="02020603050405020304" charset="0"/>
+            </a:endParaRPr>
+          </a:p>
+        </p:txBody>
+      </p:sp>
+      <p:sp>
+        <p:nvSpPr>
+          <p:cNvPr id="22" name="矩形 21"/>
+          <p:cNvSpPr/>
+          <p:nvPr/>
+        </p:nvSpPr>
+        <p:spPr>
+          <a:xfrm>
+            <a:off x="3437573" y="4513580"/>
+            <a:ext cx="1435735" cy="583565"/>
+          </a:xfrm>
+          <a:prstGeom prst="rect">
+            <a:avLst/>
+          </a:prstGeom>
+          <a:noFill/>
+          <a:ln>
+            <a:noFill/>
+          </a:ln>
+        </p:spPr>
+        <p:txBody>
+          <a:bodyPr wrap="none" rtlCol="0" anchor="t">
+            <a:spAutoFit/>
+          </a:bodyPr>
+          <a:p>
+            <a:pPr algn="ctr"/>
+            <a:r>
+              <a:rPr lang="en-US" altLang="zh-CN" sz="3200">
+                <a:solidFill>
+                  <a:schemeClr val="tx1"/>
+                </a:solidFill>
+                <a:effectLst>
+                  <a:outerShdw blurRad="38100" dist="19050" dir="2700000" algn="tl" rotWithShape="0">
+                    <a:schemeClr val="dk1">
+                      <a:alpha val="40000"/>
+                      <a:alpha val="40000"/>
+                    </a:schemeClr>
+                  </a:outerShdw>
+                </a:effectLst>
+                <a:latin typeface="Times New Roman Regular" panose="02020603050405020304" charset="0"/>
+                <a:cs typeface="Times New Roman Regular" panose="02020603050405020304" charset="0"/>
+              </a:rPr>
+              <a:t>81.52%</a:t>
+            </a:r>
+            <a:endParaRPr lang="en-US" altLang="zh-CN" sz="3200">
+              <a:solidFill>
+                <a:schemeClr val="tx1"/>
+              </a:solidFill>
+              <a:effectLst>
+                <a:outerShdw blurRad="38100" dist="19050" dir="2700000" algn="tl" rotWithShape="0">
+                  <a:schemeClr val="dk1">
+                    <a:alpha val="40000"/>
+                    <a:alpha val="40000"/>
+                  </a:schemeClr>
+                </a:outerShdw>
+              </a:effectLst>
+              <a:latin typeface="Times New Roman Regular" panose="02020603050405020304" charset="0"/>
+              <a:cs typeface="Times New Roman Regular" panose="02020603050405020304" charset="0"/>
+            </a:endParaRPr>
+          </a:p>
+        </p:txBody>
+      </p:sp>
+    </p:spTree>
+  </p:cSld>
+  <p:clrMapOvr>
+    <a:masterClrMapping/>
+  </p:clrMapOvr>
+  <mc:AlternateContent xmlns:mc="http://schemas.openxmlformats.org/markup-compatibility/2006">
+    <mc:Choice xmlns:p14="http://schemas.microsoft.com/office/powerpoint/2010/main" Requires="p14">
+      <p:transition spd="med" p14:dur="700">
+        <p:fade/>
+      </p:transition>
+    </mc:Choice>
+    <mc:Fallback>
+      <p:transition spd="med">
+        <p:fade/>
+      </p:transition>
+    </mc:Fallback>
+  </mc:AlternateContent>
+</p:sld>
+</file>
+
+<file path=ppt/slides/slide16.xml><?xml version="1.0" encoding="utf-8"?>
+<p:sld xmlns:a="http://schemas.openxmlformats.org/drawingml/2006/main" xmlns:r="http://schemas.openxmlformats.org/officeDocument/2006/relationships" xmlns:p="http://schemas.openxmlformats.org/presentationml/2006/main">
+  <p:cSld>
+    <p:spTree>
+      <p:nvGrpSpPr>
+        <p:cNvPr id="1" name=""/>
+        <p:cNvGrpSpPr/>
+        <p:nvPr/>
+      </p:nvGrpSpPr>
+      <p:grpSpPr>
+        <a:xfrm>
+          <a:off x="0" y="0"/>
+          <a:ext cx="0" cy="0"/>
+          <a:chOff x="0" y="0"/>
+          <a:chExt cx="0" cy="0"/>
+        </a:xfrm>
+      </p:grpSpPr>
+      <p:sp>
+        <p:nvSpPr>
+          <p:cNvPr id="2" name="标题 1"/>
+          <p:cNvSpPr>
+            <a:spLocks noGrp="1"/>
+          </p:cNvSpPr>
+          <p:nvPr>
+            <p:ph type="ctrTitle"/>
+          </p:nvPr>
+        </p:nvSpPr>
+        <p:spPr>
+          <a:xfrm>
+            <a:off x="3133468" y="2414850"/>
+            <a:ext cx="5925064" cy="841191"/>
+          </a:xfrm>
+        </p:spPr>
+        <p:txBody>
+          <a:bodyPr>
+            <a:noAutofit/>
+          </a:bodyPr>
+          <a:lstStyle/>
+          <a:p>
+            <a:r>
+              <a:rPr lang="en-US" altLang="zh-CN" sz="6600" dirty="0">
+                <a:latin typeface="微软雅黑" panose="020B0503020204020204" pitchFamily="34" charset="-122"/>
+                <a:ea typeface="微软雅黑" panose="020B0503020204020204" pitchFamily="34" charset="-122"/>
+              </a:rPr>
+              <a:t>THANK YOU</a:t>
+            </a:r>
+            <a:endParaRPr lang="zh-CN" altLang="en-US" sz="6600" dirty="0">
+              <a:latin typeface="微软雅黑" panose="020B0503020204020204" pitchFamily="34" charset="-122"/>
+              <a:ea typeface="微软雅黑" panose="020B0503020204020204" pitchFamily="34" charset="-122"/>
+            </a:endParaRPr>
+          </a:p>
+        </p:txBody>
+      </p:sp>
+      <p:pic>
+        <p:nvPicPr>
+          <p:cNvPr id="3" name="图片 2"/>
+          <p:cNvPicPr>
+            <a:picLocks noChangeAspect="1"/>
+          </p:cNvPicPr>
+          <p:nvPr/>
+        </p:nvPicPr>
+        <p:blipFill>
+          <a:blip r:embed="rId1"/>
+          <a:stretch>
+            <a:fillRect/>
+          </a:stretch>
+        </p:blipFill>
+        <p:spPr>
+          <a:xfrm>
+            <a:off x="-22104" y="4877075"/>
+            <a:ext cx="12192000" cy="1980925"/>
+          </a:xfrm>
+          <a:prstGeom prst="rect">
+            <a:avLst/>
+          </a:prstGeom>
+        </p:spPr>
+      </p:pic>
+      <p:pic>
+        <p:nvPicPr>
+          <p:cNvPr id="9" name="图片 8"/>
+          <p:cNvPicPr>
+            <a:picLocks noChangeAspect="1"/>
+          </p:cNvPicPr>
+          <p:nvPr/>
+        </p:nvPicPr>
+        <p:blipFill>
+          <a:blip r:embed="rId2"/>
+          <a:stretch>
+            <a:fillRect/>
+          </a:stretch>
+        </p:blipFill>
+        <p:spPr>
+          <a:xfrm>
+            <a:off x="-22104" y="5391540"/>
+            <a:ext cx="5018936" cy="1334540"/>
+          </a:xfrm>
+          <a:prstGeom prst="rect">
+            <a:avLst/>
+          </a:prstGeom>
+        </p:spPr>
+      </p:pic>
+      <p:pic>
+        <p:nvPicPr>
+          <p:cNvPr id="7" name="图片 6"/>
+          <p:cNvPicPr>
+            <a:picLocks noChangeAspect="1"/>
+          </p:cNvPicPr>
+          <p:nvPr/>
+        </p:nvPicPr>
+        <p:blipFill rotWithShape="1">
+          <a:blip r:embed="rId2"/>
+          <a:srcRect l="13807"/>
+          <a:stretch>
+            <a:fillRect/>
+          </a:stretch>
+        </p:blipFill>
+        <p:spPr>
+          <a:xfrm>
+            <a:off x="4996832" y="5391540"/>
+            <a:ext cx="4325964" cy="1334540"/>
+          </a:xfrm>
+          <a:prstGeom prst="rect">
+            <a:avLst/>
+          </a:prstGeom>
+        </p:spPr>
+      </p:pic>
+      <p:pic>
+        <p:nvPicPr>
+          <p:cNvPr id="10" name="图片 9"/>
+          <p:cNvPicPr>
+            <a:picLocks noChangeAspect="1"/>
+          </p:cNvPicPr>
+          <p:nvPr/>
+        </p:nvPicPr>
+        <p:blipFill rotWithShape="1">
+          <a:blip r:embed="rId2"/>
+          <a:srcRect l="11337" r="31759"/>
+          <a:stretch>
+            <a:fillRect/>
+          </a:stretch>
+        </p:blipFill>
+        <p:spPr>
+          <a:xfrm flipH="1">
+            <a:off x="9322796" y="5391540"/>
+            <a:ext cx="2855952" cy="1334540"/>
+          </a:xfrm>
+          <a:prstGeom prst="rect">
+            <a:avLst/>
+          </a:prstGeom>
+        </p:spPr>
+      </p:pic>
+      <p:pic>
+        <p:nvPicPr>
+          <p:cNvPr id="5" name="图片 4"/>
+          <p:cNvPicPr>
+            <a:picLocks noChangeAspect="1"/>
+          </p:cNvPicPr>
+          <p:nvPr/>
+        </p:nvPicPr>
+        <p:blipFill>
+          <a:blip r:embed="rId3"/>
+          <a:stretch>
+            <a:fillRect/>
+          </a:stretch>
+        </p:blipFill>
+        <p:spPr>
+          <a:xfrm>
+            <a:off x="455208" y="401319"/>
+            <a:ext cx="2358781" cy="579748"/>
+          </a:xfrm>
+          <a:prstGeom prst="rect">
+            <a:avLst/>
+          </a:prstGeom>
+        </p:spPr>
+      </p:pic>
+      <p:pic>
+        <p:nvPicPr>
+          <p:cNvPr id="13" name="图片 12"/>
+          <p:cNvPicPr>
+            <a:picLocks noChangeAspect="1"/>
+          </p:cNvPicPr>
+          <p:nvPr/>
+        </p:nvPicPr>
+        <p:blipFill rotWithShape="1">
+          <a:blip r:embed="rId1"/>
+          <a:srcRect t="88348" r="72886"/>
+          <a:stretch>
+            <a:fillRect/>
+          </a:stretch>
+        </p:blipFill>
+        <p:spPr>
+          <a:xfrm>
+            <a:off x="3517535" y="3199771"/>
+            <a:ext cx="5131167" cy="198788"/>
+          </a:xfrm>
+          <a:prstGeom prst="rect">
+            <a:avLst/>
+          </a:prstGeom>
+        </p:spPr>
+      </p:pic>
+      <p:sp>
+        <p:nvSpPr>
+          <p:cNvPr id="14" name="标题 1"/>
+          <p:cNvSpPr txBox="1"/>
+          <p:nvPr/>
+        </p:nvSpPr>
+        <p:spPr>
+          <a:xfrm>
+            <a:off x="3133468" y="3199771"/>
+            <a:ext cx="5925064" cy="841191"/>
+          </a:xfrm>
+          <a:prstGeom prst="rect">
+            <a:avLst/>
+          </a:prstGeom>
+        </p:spPr>
+        <p:txBody>
+          <a:bodyPr vert="horz" lIns="91440" tIns="45720" rIns="91440" bIns="45720" rtlCol="0" anchor="b">
+            <a:noAutofit/>
+          </a:bodyPr>
+          <a:lstStyle>
+            <a:lvl1pPr algn="ctr" defTabSz="914400" rtl="0" eaLnBrk="1" latinLnBrk="0" hangingPunct="1">
+              <a:lnSpc>
+                <a:spcPct val="90000"/>
+              </a:lnSpc>
+              <a:spcBef>
+                <a:spcPct val="0"/>
+              </a:spcBef>
+              <a:buNone/>
+              <a:defRPr sz="6000" kern="1200">
+                <a:solidFill>
+                  <a:schemeClr val="tx1"/>
+                </a:solidFill>
+                <a:latin typeface="+mj-lt"/>
+                <a:ea typeface="+mj-ea"/>
+                <a:cs typeface="+mj-cs"/>
+              </a:defRPr>
+            </a:lvl1pPr>
+          </a:lstStyle>
+          <a:p>
+            <a:endParaRPr lang="zh-CN" altLang="en-US" sz="2800" dirty="0">
               <a:latin typeface="微软雅黑" panose="020B0503020204020204" pitchFamily="34" charset="-122"/>
               <a:ea typeface="微软雅黑" panose="020B0503020204020204" pitchFamily="34" charset="-122"/>
             </a:endParaRPr>
@@ -3569,6 +6527,494 @@
 </file>
 
 <file path=ppt/slides/slide2.xml><?xml version="1.0" encoding="utf-8"?>
+<p:sld xmlns:a="http://schemas.openxmlformats.org/drawingml/2006/main" xmlns:r="http://schemas.openxmlformats.org/officeDocument/2006/relationships" xmlns:p="http://schemas.openxmlformats.org/presentationml/2006/main">
+  <p:cSld>
+    <p:spTree>
+      <p:nvGrpSpPr>
+        <p:cNvPr id="1" name=""/>
+        <p:cNvGrpSpPr/>
+        <p:nvPr/>
+      </p:nvGrpSpPr>
+      <p:grpSpPr>
+        <a:xfrm>
+          <a:off x="0" y="0"/>
+          <a:ext cx="0" cy="0"/>
+          <a:chOff x="0" y="0"/>
+          <a:chExt cx="0" cy="0"/>
+        </a:xfrm>
+      </p:grpSpPr>
+      <p:sp>
+        <p:nvSpPr>
+          <p:cNvPr id="2" name="标题 1"/>
+          <p:cNvSpPr>
+            <a:spLocks noGrp="1"/>
+          </p:cNvSpPr>
+          <p:nvPr>
+            <p:ph type="ctrTitle"/>
+          </p:nvPr>
+        </p:nvSpPr>
+        <p:spPr>
+          <a:xfrm>
+            <a:off x="705485" y="396240"/>
+            <a:ext cx="9144000" cy="757555"/>
+          </a:xfrm>
+        </p:spPr>
+        <p:txBody>
+          <a:bodyPr>
+            <a:normAutofit fontScale="90000"/>
+          </a:bodyPr>
+          <a:lstStyle/>
+          <a:p>
+            <a:pPr algn="l">
+              <a:lnSpc>
+                <a:spcPct val="200000"/>
+              </a:lnSpc>
+            </a:pPr>
+            <a:r>
+              <a:rPr lang="en-US" sz="3200" b="1" dirty="0">
+                <a:latin typeface="微软雅黑" panose="020B0503020204020204" pitchFamily="34" charset="-122"/>
+                <a:ea typeface="微软雅黑" panose="020B0503020204020204" pitchFamily="34" charset="-122"/>
+                <a:sym typeface="+mn-ea"/>
+              </a:rPr>
+              <a:t>M</a:t>
+            </a:r>
+            <a:r>
+              <a:rPr sz="3200" b="1" dirty="0">
+                <a:latin typeface="微软雅黑" panose="020B0503020204020204" pitchFamily="34" charset="-122"/>
+                <a:ea typeface="微软雅黑" panose="020B0503020204020204" pitchFamily="34" charset="-122"/>
+                <a:sym typeface="+mn-ea"/>
+              </a:rPr>
+              <a:t>ain </a:t>
+            </a:r>
+            <a:r>
+              <a:rPr lang="en-US" sz="3200" b="1" dirty="0">
+                <a:latin typeface="微软雅黑" panose="020B0503020204020204" pitchFamily="34" charset="-122"/>
+                <a:ea typeface="微软雅黑" panose="020B0503020204020204" pitchFamily="34" charset="-122"/>
+                <a:sym typeface="+mn-ea"/>
+              </a:rPr>
+              <a:t>R</a:t>
+            </a:r>
+            <a:r>
+              <a:rPr sz="3200" b="1" dirty="0">
+                <a:latin typeface="微软雅黑" panose="020B0503020204020204" pitchFamily="34" charset="-122"/>
+                <a:ea typeface="微软雅黑" panose="020B0503020204020204" pitchFamily="34" charset="-122"/>
+                <a:sym typeface="+mn-ea"/>
+              </a:rPr>
+              <a:t>eference </a:t>
+            </a:r>
+            <a:r>
+              <a:rPr lang="en-US" sz="3200" b="1" dirty="0">
+                <a:latin typeface="微软雅黑" panose="020B0503020204020204" pitchFamily="34" charset="-122"/>
+                <a:ea typeface="微软雅黑" panose="020B0503020204020204" pitchFamily="34" charset="-122"/>
+                <a:sym typeface="+mn-ea"/>
+              </a:rPr>
+              <a:t>P</a:t>
+            </a:r>
+            <a:r>
+              <a:rPr sz="3200" b="1" dirty="0">
+                <a:latin typeface="微软雅黑" panose="020B0503020204020204" pitchFamily="34" charset="-122"/>
+                <a:ea typeface="微软雅黑" panose="020B0503020204020204" pitchFamily="34" charset="-122"/>
+                <a:sym typeface="+mn-ea"/>
+              </a:rPr>
+              <a:t>aper</a:t>
+            </a:r>
+            <a:endParaRPr sz="3200" b="1" dirty="0">
+              <a:latin typeface="微软雅黑" panose="020B0503020204020204" pitchFamily="34" charset="-122"/>
+              <a:ea typeface="微软雅黑" panose="020B0503020204020204" pitchFamily="34" charset="-122"/>
+              <a:sym typeface="+mn-ea"/>
+            </a:endParaRPr>
+          </a:p>
+        </p:txBody>
+      </p:sp>
+      <p:pic>
+        <p:nvPicPr>
+          <p:cNvPr id="3" name="图片 2"/>
+          <p:cNvPicPr>
+            <a:picLocks noChangeAspect="1"/>
+          </p:cNvPicPr>
+          <p:nvPr/>
+        </p:nvPicPr>
+        <p:blipFill>
+          <a:blip r:embed="rId1"/>
+          <a:stretch>
+            <a:fillRect/>
+          </a:stretch>
+        </p:blipFill>
+        <p:spPr>
+          <a:xfrm>
+            <a:off x="13252" y="4907605"/>
+            <a:ext cx="12192000" cy="1980925"/>
+          </a:xfrm>
+          <a:prstGeom prst="rect">
+            <a:avLst/>
+          </a:prstGeom>
+        </p:spPr>
+      </p:pic>
+      <p:pic>
+        <p:nvPicPr>
+          <p:cNvPr id="8" name="图片 7"/>
+          <p:cNvPicPr>
+            <a:picLocks noChangeAspect="1"/>
+          </p:cNvPicPr>
+          <p:nvPr/>
+        </p:nvPicPr>
+        <p:blipFill>
+          <a:blip r:embed="rId2"/>
+          <a:stretch>
+            <a:fillRect/>
+          </a:stretch>
+        </p:blipFill>
+        <p:spPr>
+          <a:xfrm>
+            <a:off x="439676" y="307638"/>
+            <a:ext cx="265554" cy="934751"/>
+          </a:xfrm>
+          <a:prstGeom prst="rect">
+            <a:avLst/>
+          </a:prstGeom>
+        </p:spPr>
+      </p:pic>
+      <p:pic>
+        <p:nvPicPr>
+          <p:cNvPr id="9" name="图片 8"/>
+          <p:cNvPicPr>
+            <a:picLocks noChangeAspect="1"/>
+          </p:cNvPicPr>
+          <p:nvPr/>
+        </p:nvPicPr>
+        <p:blipFill>
+          <a:blip r:embed="rId3"/>
+          <a:stretch>
+            <a:fillRect/>
+          </a:stretch>
+        </p:blipFill>
+        <p:spPr>
+          <a:xfrm>
+            <a:off x="-22104" y="5391540"/>
+            <a:ext cx="5018936" cy="1334540"/>
+          </a:xfrm>
+          <a:prstGeom prst="rect">
+            <a:avLst/>
+          </a:prstGeom>
+        </p:spPr>
+      </p:pic>
+      <p:pic>
+        <p:nvPicPr>
+          <p:cNvPr id="7" name="图片 6"/>
+          <p:cNvPicPr>
+            <a:picLocks noChangeAspect="1"/>
+          </p:cNvPicPr>
+          <p:nvPr/>
+        </p:nvPicPr>
+        <p:blipFill rotWithShape="1">
+          <a:blip r:embed="rId3"/>
+          <a:srcRect l="13807"/>
+          <a:stretch>
+            <a:fillRect/>
+          </a:stretch>
+        </p:blipFill>
+        <p:spPr>
+          <a:xfrm>
+            <a:off x="4996832" y="5391540"/>
+            <a:ext cx="4325964" cy="1334540"/>
+          </a:xfrm>
+          <a:prstGeom prst="rect">
+            <a:avLst/>
+          </a:prstGeom>
+        </p:spPr>
+      </p:pic>
+      <p:pic>
+        <p:nvPicPr>
+          <p:cNvPr id="10" name="图片 9"/>
+          <p:cNvPicPr>
+            <a:picLocks noChangeAspect="1"/>
+          </p:cNvPicPr>
+          <p:nvPr/>
+        </p:nvPicPr>
+        <p:blipFill rotWithShape="1">
+          <a:blip r:embed="rId3"/>
+          <a:srcRect l="11337" r="31759"/>
+          <a:stretch>
+            <a:fillRect/>
+          </a:stretch>
+        </p:blipFill>
+        <p:spPr>
+          <a:xfrm flipH="1">
+            <a:off x="9322796" y="5391540"/>
+            <a:ext cx="2855952" cy="1334540"/>
+          </a:xfrm>
+          <a:prstGeom prst="rect">
+            <a:avLst/>
+          </a:prstGeom>
+        </p:spPr>
+      </p:pic>
+      <p:pic>
+        <p:nvPicPr>
+          <p:cNvPr id="5" name="图片 4"/>
+          <p:cNvPicPr>
+            <a:picLocks noChangeAspect="1"/>
+          </p:cNvPicPr>
+          <p:nvPr/>
+        </p:nvPicPr>
+        <p:blipFill>
+          <a:blip r:embed="rId4"/>
+          <a:stretch>
+            <a:fillRect/>
+          </a:stretch>
+        </p:blipFill>
+        <p:spPr>
+          <a:xfrm>
+            <a:off x="9515388" y="485139"/>
+            <a:ext cx="2358781" cy="579748"/>
+          </a:xfrm>
+          <a:prstGeom prst="rect">
+            <a:avLst/>
+          </a:prstGeom>
+        </p:spPr>
+      </p:pic>
+      <p:sp>
+        <p:nvSpPr>
+          <p:cNvPr id="4" name="文本框 3"/>
+          <p:cNvSpPr txBox="1"/>
+          <p:nvPr/>
+        </p:nvSpPr>
+        <p:spPr>
+          <a:xfrm>
+            <a:off x="840740" y="1685925"/>
+            <a:ext cx="11257280" cy="3692525"/>
+          </a:xfrm>
+          <a:prstGeom prst="rect">
+            <a:avLst/>
+          </a:prstGeom>
+          <a:noFill/>
+        </p:spPr>
+        <p:txBody>
+          <a:bodyPr wrap="square" rtlCol="0">
+            <a:spAutoFit/>
+          </a:bodyPr>
+          <a:p>
+            <a:r>
+              <a:rPr lang="en-US" altLang="zh-CN">
+                <a:latin typeface="Times New Roman Regular" panose="02020603050405020304" charset="0"/>
+                <a:cs typeface="Times New Roman Regular" panose="02020603050405020304" charset="0"/>
+              </a:rPr>
+              <a:t>[1]“</a:t>
+            </a:r>
+            <a:r>
+              <a:rPr lang="zh-CN" altLang="en-US">
+                <a:latin typeface="Times New Roman Regular" panose="02020603050405020304" charset="0"/>
+                <a:cs typeface="Times New Roman Regular" panose="02020603050405020304" charset="0"/>
+              </a:rPr>
+              <a:t>Security and privacy on 6g network</a:t>
+            </a:r>
+            <a:r>
+              <a:rPr lang="en-US" altLang="zh-CN">
+                <a:latin typeface="Times New Roman Regular" panose="02020603050405020304" charset="0"/>
+                <a:cs typeface="Times New Roman Regular" panose="02020603050405020304" charset="0"/>
+              </a:rPr>
+              <a:t> </a:t>
+            </a:r>
+            <a:r>
+              <a:rPr lang="zh-CN" altLang="en-US">
+                <a:latin typeface="Times New Roman Regular" panose="02020603050405020304" charset="0"/>
+                <a:cs typeface="Times New Roman Regular" panose="02020603050405020304" charset="0"/>
+              </a:rPr>
+              <a:t>edge: A survey,” IEEE Communications Surveys &amp; Tutorials, 2023.</a:t>
+            </a:r>
+            <a:endParaRPr lang="zh-CN" altLang="en-US">
+              <a:latin typeface="Times New Roman Regular" panose="02020603050405020304" charset="0"/>
+              <a:cs typeface="Times New Roman Regular" panose="02020603050405020304" charset="0"/>
+            </a:endParaRPr>
+          </a:p>
+          <a:p>
+            <a:endParaRPr lang="zh-CN" altLang="en-US">
+              <a:latin typeface="Times New Roman Regular" panose="02020603050405020304" charset="0"/>
+              <a:cs typeface="Times New Roman Regular" panose="02020603050405020304" charset="0"/>
+            </a:endParaRPr>
+          </a:p>
+          <a:p>
+            <a:endParaRPr lang="zh-CN" altLang="en-US">
+              <a:latin typeface="Times New Roman Regular" panose="02020603050405020304" charset="0"/>
+              <a:cs typeface="Times New Roman Regular" panose="02020603050405020304" charset="0"/>
+            </a:endParaRPr>
+          </a:p>
+          <a:p>
+            <a:r>
+              <a:rPr lang="en-US" altLang="zh-CN">
+                <a:latin typeface="Times New Roman Regular" panose="02020603050405020304" charset="0"/>
+                <a:cs typeface="Times New Roman Regular" panose="02020603050405020304" charset="0"/>
+              </a:rPr>
+              <a:t>[2]</a:t>
+            </a:r>
+            <a:r>
+              <a:rPr lang="zh-CN" altLang="en-US">
+                <a:latin typeface="Times New Roman Regular" panose="02020603050405020304" charset="0"/>
+                <a:cs typeface="Times New Roman Regular" panose="02020603050405020304" charset="0"/>
+              </a:rPr>
+              <a:t>“A survey on space-air_x0002_ground-sea integrated network security in 6g,” IEEE Communications</a:t>
+            </a:r>
+            <a:r>
+              <a:rPr lang="en-US" altLang="zh-CN">
+                <a:latin typeface="Times New Roman Regular" panose="02020603050405020304" charset="0"/>
+                <a:cs typeface="Times New Roman Regular" panose="02020603050405020304" charset="0"/>
+              </a:rPr>
+              <a:t> </a:t>
+            </a:r>
+            <a:r>
+              <a:rPr lang="zh-CN" altLang="en-US">
+                <a:latin typeface="Times New Roman Regular" panose="02020603050405020304" charset="0"/>
+                <a:cs typeface="Times New Roman Regular" panose="02020603050405020304" charset="0"/>
+              </a:rPr>
+              <a:t>Surveys &amp; Tutorials, vol. 24, no. 1, pp. 53–87, 2021.</a:t>
+            </a:r>
+            <a:endParaRPr lang="zh-CN" altLang="en-US">
+              <a:latin typeface="Times New Roman Regular" panose="02020603050405020304" charset="0"/>
+              <a:cs typeface="Times New Roman Regular" panose="02020603050405020304" charset="0"/>
+            </a:endParaRPr>
+          </a:p>
+          <a:p>
+            <a:endParaRPr lang="zh-CN" altLang="en-US">
+              <a:latin typeface="Times New Roman Regular" panose="02020603050405020304" charset="0"/>
+              <a:cs typeface="Times New Roman Regular" panose="02020603050405020304" charset="0"/>
+            </a:endParaRPr>
+          </a:p>
+          <a:p>
+            <a:endParaRPr lang="zh-CN" altLang="en-US">
+              <a:latin typeface="Times New Roman Regular" panose="02020603050405020304" charset="0"/>
+              <a:cs typeface="Times New Roman Regular" panose="02020603050405020304" charset="0"/>
+            </a:endParaRPr>
+          </a:p>
+          <a:p>
+            <a:r>
+              <a:rPr lang="en-US" altLang="zh-CN">
+                <a:latin typeface="Times New Roman Regular" panose="02020603050405020304" charset="0"/>
+                <a:cs typeface="Times New Roman Regular" panose="02020603050405020304" charset="0"/>
+              </a:rPr>
+              <a:t>[3]</a:t>
+            </a:r>
+            <a:r>
+              <a:rPr lang="zh-CN" altLang="en-US">
+                <a:latin typeface="Times New Roman Regular" panose="02020603050405020304" charset="0"/>
+                <a:cs typeface="Times New Roman Regular" panose="02020603050405020304" charset="0"/>
+              </a:rPr>
+              <a:t>“Fedcorr: Multi_x0002_stage federated learning for label noise correction,” in Proceedings of</a:t>
+            </a:r>
+            <a:r>
+              <a:rPr lang="en-US" altLang="zh-CN">
+                <a:latin typeface="Times New Roman Regular" panose="02020603050405020304" charset="0"/>
+                <a:cs typeface="Times New Roman Regular" panose="02020603050405020304" charset="0"/>
+              </a:rPr>
+              <a:t> </a:t>
+            </a:r>
+            <a:r>
+              <a:rPr lang="zh-CN" altLang="en-US">
+                <a:latin typeface="Times New Roman Regular" panose="02020603050405020304" charset="0"/>
+                <a:cs typeface="Times New Roman Regular" panose="02020603050405020304" charset="0"/>
+              </a:rPr>
+              <a:t>the IEEE/CVF Conference on Computer Vision and Pattern Recognition,</a:t>
+            </a:r>
+            <a:r>
+              <a:rPr lang="en-US" altLang="zh-CN">
+                <a:latin typeface="Times New Roman Regular" panose="02020603050405020304" charset="0"/>
+                <a:cs typeface="Times New Roman Regular" panose="02020603050405020304" charset="0"/>
+              </a:rPr>
+              <a:t> </a:t>
+            </a:r>
+            <a:r>
+              <a:rPr lang="zh-CN" altLang="en-US">
+                <a:latin typeface="Times New Roman Regular" panose="02020603050405020304" charset="0"/>
+                <a:cs typeface="Times New Roman Regular" panose="02020603050405020304" charset="0"/>
+              </a:rPr>
+              <a:t>pp. 10184–10193, 2022.</a:t>
+            </a:r>
+            <a:endParaRPr lang="zh-CN" altLang="en-US">
+              <a:latin typeface="Times New Roman Regular" panose="02020603050405020304" charset="0"/>
+              <a:cs typeface="Times New Roman Regular" panose="02020603050405020304" charset="0"/>
+            </a:endParaRPr>
+          </a:p>
+          <a:p>
+            <a:endParaRPr lang="zh-CN" altLang="en-US">
+              <a:latin typeface="Times New Roman Regular" panose="02020603050405020304" charset="0"/>
+              <a:cs typeface="Times New Roman Regular" panose="02020603050405020304" charset="0"/>
+            </a:endParaRPr>
+          </a:p>
+          <a:p>
+            <a:endParaRPr lang="zh-CN" altLang="en-US">
+              <a:latin typeface="Times New Roman Regular" panose="02020603050405020304" charset="0"/>
+              <a:cs typeface="Times New Roman Regular" panose="02020603050405020304" charset="0"/>
+            </a:endParaRPr>
+          </a:p>
+          <a:p>
+            <a:r>
+              <a:rPr lang="en-US" altLang="zh-CN">
+                <a:latin typeface="Times New Roman Regular" panose="02020603050405020304" charset="0"/>
+                <a:cs typeface="Times New Roman Regular" panose="02020603050405020304" charset="0"/>
+              </a:rPr>
+              <a:t>[4]</a:t>
+            </a:r>
+            <a:r>
+              <a:rPr lang="zh-CN" altLang="en-US">
+                <a:latin typeface="Times New Roman Regular" panose="02020603050405020304" charset="0"/>
+                <a:cs typeface="Times New Roman Regular" panose="02020603050405020304" charset="0"/>
+              </a:rPr>
+              <a:t>“Splitfed: When</a:t>
+            </a:r>
+            <a:r>
+              <a:rPr lang="en-US" altLang="zh-CN">
+                <a:latin typeface="Times New Roman Regular" panose="02020603050405020304" charset="0"/>
+                <a:cs typeface="Times New Roman Regular" panose="02020603050405020304" charset="0"/>
+              </a:rPr>
+              <a:t> </a:t>
+            </a:r>
+            <a:r>
+              <a:rPr lang="zh-CN" altLang="en-US">
+                <a:latin typeface="Times New Roman Regular" panose="02020603050405020304" charset="0"/>
+                <a:cs typeface="Times New Roman Regular" panose="02020603050405020304" charset="0"/>
+              </a:rPr>
+              <a:t>federated learning meets split learning,” in Proceedings of the AAAI</a:t>
+            </a:r>
+            <a:r>
+              <a:rPr lang="en-US" altLang="zh-CN">
+                <a:latin typeface="Times New Roman Regular" panose="02020603050405020304" charset="0"/>
+                <a:cs typeface="Times New Roman Regular" panose="02020603050405020304" charset="0"/>
+              </a:rPr>
+              <a:t> </a:t>
+            </a:r>
+            <a:r>
+              <a:rPr lang="zh-CN" altLang="en-US">
+                <a:latin typeface="Times New Roman Regular" panose="02020603050405020304" charset="0"/>
+                <a:cs typeface="Times New Roman Regular" panose="02020603050405020304" charset="0"/>
+              </a:rPr>
+              <a:t>Conference on Artificial Intelligence, vol. 36, pp. 8485–8493, 2022.</a:t>
+            </a:r>
+            <a:endParaRPr lang="zh-CN" altLang="en-US">
+              <a:latin typeface="Times New Roman Regular" panose="02020603050405020304" charset="0"/>
+              <a:cs typeface="Times New Roman Regular" panose="02020603050405020304" charset="0"/>
+            </a:endParaRPr>
+          </a:p>
+        </p:txBody>
+      </p:sp>
+    </p:spTree>
+  </p:cSld>
+  <p:clrMapOvr>
+    <a:masterClrMapping/>
+  </p:clrMapOvr>
+  <mc:AlternateContent xmlns:mc="http://schemas.openxmlformats.org/markup-compatibility/2006">
+    <mc:Choice xmlns:p14="http://schemas.microsoft.com/office/powerpoint/2010/main" Requires="p14">
+      <p:transition spd="med" p14:dur="700">
+        <p:fade/>
+      </p:transition>
+    </mc:Choice>
+    <mc:Fallback>
+      <p:transition spd="med">
+        <p:fade/>
+      </p:transition>
+    </mc:Fallback>
+  </mc:AlternateContent>
+</p:sld>
+</file>
+
+<file path=ppt/slides/slide3.xml><?xml version="1.0" encoding="utf-8"?>
 <p:sld xmlns:a="http://schemas.openxmlformats.org/drawingml/2006/main" xmlns:r="http://schemas.openxmlformats.org/officeDocument/2006/relationships" xmlns:p="http://schemas.openxmlformats.org/presentationml/2006/main">
   <p:cSld>
     <p:bg>
@@ -3783,7 +7229,7 @@
         </p:nvSpPr>
         <p:spPr>
           <a:xfrm>
-            <a:off x="693087" y="2787650"/>
+            <a:off x="705787" y="5267325"/>
             <a:ext cx="11130613" cy="869950"/>
           </a:xfrm>
           <a:prstGeom prst="rect">
@@ -3821,7 +7267,7 @@
               <a:buFont typeface="Arial" panose="020B0604020202020204" pitchFamily="34" charset="0"/>
               <a:buChar char="•"/>
             </a:pPr>
-            <a:endParaRPr lang="en-US" altLang="zh-CN" sz="3600" dirty="0">
+            <a:endParaRPr lang="en-US" altLang="zh-CN" sz="2800" dirty="0">
               <a:latin typeface="微软雅黑" panose="020B0503020204020204" pitchFamily="34" charset="-122"/>
               <a:ea typeface="微软雅黑" panose="020B0503020204020204" pitchFamily="34" charset="-122"/>
             </a:endParaRPr>
@@ -3834,7 +7280,7 @@
               <a:buFont typeface="Arial" panose="020B0604020202020204" pitchFamily="34" charset="0"/>
               <a:buChar char="•"/>
             </a:pPr>
-            <a:endParaRPr lang="en-US" altLang="zh-CN" sz="3600" dirty="0">
+            <a:endParaRPr lang="en-US" altLang="zh-CN" sz="2800" dirty="0">
               <a:latin typeface="微软雅黑" panose="020B0503020204020204" pitchFamily="34" charset="-122"/>
               <a:ea typeface="微软雅黑" panose="020B0503020204020204" pitchFamily="34" charset="-122"/>
             </a:endParaRPr>
@@ -3845,7 +7291,7 @@
                 <a:spcPct val="200000"/>
               </a:lnSpc>
             </a:pPr>
-            <a:endParaRPr lang="en-US" altLang="zh-CN" sz="3600" dirty="0">
+            <a:endParaRPr lang="en-US" altLang="zh-CN" sz="2800" dirty="0">
               <a:latin typeface="微软雅黑" panose="020B0503020204020204" pitchFamily="34" charset="-122"/>
               <a:ea typeface="微软雅黑" panose="020B0503020204020204" pitchFamily="34" charset="-122"/>
             </a:endParaRPr>
@@ -3856,7 +7302,7 @@
                 <a:spcPct val="200000"/>
               </a:lnSpc>
             </a:pPr>
-            <a:endParaRPr lang="en-US" altLang="zh-CN" sz="3600" dirty="0">
+            <a:endParaRPr lang="en-US" altLang="zh-CN" sz="2800" dirty="0">
               <a:latin typeface="微软雅黑" panose="020B0503020204020204" pitchFamily="34" charset="-122"/>
               <a:ea typeface="微软雅黑" panose="020B0503020204020204" pitchFamily="34" charset="-122"/>
             </a:endParaRPr>
@@ -3870,13 +7316,34 @@
               <a:buChar char="•"/>
             </a:pPr>
             <a:r>
-              <a:rPr lang="en-US" altLang="zh-CN" sz="3200" dirty="0">
+              <a:rPr lang="en-US" altLang="zh-CN" sz="2800" dirty="0">
                 <a:latin typeface="微软雅黑" panose="020B0503020204020204" pitchFamily="34" charset="-122"/>
                 <a:ea typeface="微软雅黑" panose="020B0503020204020204" pitchFamily="34" charset="-122"/>
               </a:rPr>
-              <a:t>Code accuracy verification</a:t>
-            </a:r>
-            <a:endParaRPr lang="en-US" altLang="zh-CN" sz="3200" dirty="0">
+              <a:t>R</a:t>
+            </a:r>
+            <a:r>
+              <a:rPr lang="zh-CN" altLang="en-US" sz="2800" dirty="0">
+                <a:latin typeface="微软雅黑" panose="020B0503020204020204" pitchFamily="34" charset="-122"/>
+                <a:ea typeface="微软雅黑" panose="020B0503020204020204" pitchFamily="34" charset="-122"/>
+              </a:rPr>
+              <a:t>esearch </a:t>
+            </a:r>
+            <a:r>
+              <a:rPr lang="en-US" altLang="zh-CN" sz="2800" dirty="0">
+                <a:latin typeface="微软雅黑" panose="020B0503020204020204" pitchFamily="34" charset="-122"/>
+                <a:ea typeface="微软雅黑" panose="020B0503020204020204" pitchFamily="34" charset="-122"/>
+              </a:rPr>
+              <a:t>B</a:t>
+            </a:r>
+            <a:r>
+              <a:rPr lang="zh-CN" altLang="en-US" sz="2800" dirty="0">
+                <a:latin typeface="微软雅黑" panose="020B0503020204020204" pitchFamily="34" charset="-122"/>
+                <a:ea typeface="微软雅黑" panose="020B0503020204020204" pitchFamily="34" charset="-122"/>
+              </a:rPr>
+              <a:t>ackground</a:t>
+            </a:r>
+            <a:endParaRPr lang="zh-CN" altLang="en-US" sz="2800" dirty="0">
               <a:latin typeface="微软雅黑" panose="020B0503020204020204" pitchFamily="34" charset="-122"/>
               <a:ea typeface="微软雅黑" panose="020B0503020204020204" pitchFamily="34" charset="-122"/>
             </a:endParaRPr>
@@ -3890,317 +7357,211 @@
               <a:buChar char="•"/>
             </a:pPr>
             <a:r>
-              <a:rPr lang="en-US" altLang="zh-CN" sz="3200" dirty="0">
+              <a:rPr lang="en-US" altLang="zh-CN" sz="2800" dirty="0">
                 <a:latin typeface="微软雅黑" panose="020B0503020204020204" pitchFamily="34" charset="-122"/>
                 <a:ea typeface="微软雅黑" panose="020B0503020204020204" pitchFamily="34" charset="-122"/>
               </a:rPr>
-              <a:t>New model algorithm</a:t>
-            </a:r>
-            <a:endParaRPr lang="en-US" altLang="zh-CN" sz="3200" dirty="0">
+              <a:t>R</a:t>
+            </a:r>
+            <a:r>
+              <a:rPr lang="zh-CN" altLang="en-US" sz="2800" dirty="0">
+                <a:latin typeface="微软雅黑" panose="020B0503020204020204" pitchFamily="34" charset="-122"/>
+                <a:ea typeface="微软雅黑" panose="020B0503020204020204" pitchFamily="34" charset="-122"/>
+              </a:rPr>
+              <a:t>esearch </a:t>
+            </a:r>
+            <a:r>
+              <a:rPr lang="en-US" altLang="zh-CN" sz="2800" dirty="0">
+                <a:latin typeface="微软雅黑" panose="020B0503020204020204" pitchFamily="34" charset="-122"/>
+                <a:ea typeface="微软雅黑" panose="020B0503020204020204" pitchFamily="34" charset="-122"/>
+              </a:rPr>
+              <a:t>T</a:t>
+            </a:r>
+            <a:r>
+              <a:rPr lang="zh-CN" altLang="en-US" sz="2800" dirty="0">
+                <a:latin typeface="微软雅黑" panose="020B0503020204020204" pitchFamily="34" charset="-122"/>
+                <a:ea typeface="微软雅黑" panose="020B0503020204020204" pitchFamily="34" charset="-122"/>
+              </a:rPr>
+              <a:t>arget</a:t>
+            </a:r>
+            <a:endParaRPr lang="zh-CN" altLang="en-US" sz="2800" dirty="0">
               <a:latin typeface="微软雅黑" panose="020B0503020204020204" pitchFamily="34" charset="-122"/>
               <a:ea typeface="微软雅黑" panose="020B0503020204020204" pitchFamily="34" charset="-122"/>
             </a:endParaRPr>
           </a:p>
-        </p:txBody>
-      </p:sp>
-    </p:spTree>
-  </p:cSld>
-  <p:clrMapOvr>
-    <a:masterClrMapping/>
-  </p:clrMapOvr>
-  <mc:AlternateContent xmlns:mc="http://schemas.openxmlformats.org/markup-compatibility/2006">
-    <mc:Choice xmlns:p14="http://schemas.microsoft.com/office/powerpoint/2010/main" Requires="p14">
-      <p:transition spd="med" p14:dur="700">
-        <p:fade/>
-      </p:transition>
-    </mc:Choice>
-    <mc:Fallback>
-      <p:transition spd="med">
-        <p:fade/>
-      </p:transition>
-    </mc:Fallback>
-  </mc:AlternateContent>
-</p:sld>
-</file>
-
-<file path=ppt/slides/slide3.xml><?xml version="1.0" encoding="utf-8"?>
-<p:sld xmlns:a="http://schemas.openxmlformats.org/drawingml/2006/main" xmlns:r="http://schemas.openxmlformats.org/officeDocument/2006/relationships" xmlns:p="http://schemas.openxmlformats.org/presentationml/2006/main">
-  <p:cSld>
-    <p:spTree>
-      <p:nvGrpSpPr>
-        <p:cNvPr id="1" name=""/>
-        <p:cNvGrpSpPr/>
-        <p:nvPr/>
-      </p:nvGrpSpPr>
-      <p:grpSpPr>
-        <a:xfrm>
-          <a:off x="0" y="0"/>
-          <a:ext cx="0" cy="0"/>
-          <a:chOff x="0" y="0"/>
-          <a:chExt cx="0" cy="0"/>
-        </a:xfrm>
-      </p:grpSpPr>
-      <p:sp>
-        <p:nvSpPr>
-          <p:cNvPr id="2" name="标题 1"/>
-          <p:cNvSpPr>
-            <a:spLocks noGrp="1"/>
-          </p:cNvSpPr>
-          <p:nvPr>
-            <p:ph type="ctrTitle"/>
-          </p:nvPr>
-        </p:nvSpPr>
-        <p:spPr>
-          <a:xfrm>
-            <a:off x="705485" y="294640"/>
-            <a:ext cx="9144000" cy="757555"/>
-          </a:xfrm>
-        </p:spPr>
-        <p:txBody>
-          <a:bodyPr>
-            <a:normAutofit fontScale="90000"/>
-          </a:bodyPr>
-          <a:lstStyle/>
-          <a:p>
-            <a:pPr algn="l">
+          <a:p>
+            <a:pPr marL="571500" indent="-571500" algn="l">
               <a:lnSpc>
                 <a:spcPct val="200000"/>
               </a:lnSpc>
+              <a:buFont typeface="Arial" panose="020B0604020202020204" pitchFamily="34" charset="0"/>
+              <a:buChar char="•"/>
             </a:pPr>
             <a:r>
-              <a:rPr lang="en-US" sz="3200" b="1" dirty="0">
+              <a:rPr lang="zh-CN" altLang="en-US" sz="2800" dirty="0">
                 <a:latin typeface="微软雅黑" panose="020B0503020204020204" pitchFamily="34" charset="-122"/>
                 <a:ea typeface="微软雅黑" panose="020B0503020204020204" pitchFamily="34" charset="-122"/>
-                <a:sym typeface="+mn-ea"/>
-              </a:rPr>
-              <a:t>Code accuracy verification</a:t>
-            </a:r>
-            <a:endParaRPr lang="en-US" sz="3200" b="1" dirty="0">
+              </a:rPr>
+              <a:t>Major </a:t>
+            </a:r>
+            <a:r>
+              <a:rPr lang="en-US" altLang="zh-CN" sz="2800" dirty="0">
+                <a:latin typeface="微软雅黑" panose="020B0503020204020204" pitchFamily="34" charset="-122"/>
+                <a:ea typeface="微软雅黑" panose="020B0503020204020204" pitchFamily="34" charset="-122"/>
+              </a:rPr>
+              <a:t>C</a:t>
+            </a:r>
+            <a:r>
+              <a:rPr lang="zh-CN" altLang="en-US" sz="2800" dirty="0">
+                <a:latin typeface="微软雅黑" panose="020B0503020204020204" pitchFamily="34" charset="-122"/>
+                <a:ea typeface="微软雅黑" panose="020B0503020204020204" pitchFamily="34" charset="-122"/>
+              </a:rPr>
+              <a:t>hallenge</a:t>
+            </a:r>
+            <a:endParaRPr lang="zh-CN" altLang="en-US" sz="2800" dirty="0">
               <a:latin typeface="微软雅黑" panose="020B0503020204020204" pitchFamily="34" charset="-122"/>
               <a:ea typeface="微软雅黑" panose="020B0503020204020204" pitchFamily="34" charset="-122"/>
-              <a:sym typeface="+mn-ea"/>
             </a:endParaRPr>
           </a:p>
-        </p:txBody>
-      </p:sp>
-      <p:pic>
-        <p:nvPicPr>
-          <p:cNvPr id="3" name="图片 2"/>
-          <p:cNvPicPr>
-            <a:picLocks noChangeAspect="1"/>
-          </p:cNvPicPr>
-          <p:nvPr/>
-        </p:nvPicPr>
-        <p:blipFill>
-          <a:blip r:embed="rId1"/>
-          <a:stretch>
-            <a:fillRect/>
-          </a:stretch>
-        </p:blipFill>
-        <p:spPr>
-          <a:xfrm>
-            <a:off x="-83" y="4876490"/>
-            <a:ext cx="12192000" cy="1980925"/>
-          </a:xfrm>
-          <a:prstGeom prst="rect">
-            <a:avLst/>
-          </a:prstGeom>
-        </p:spPr>
-      </p:pic>
-      <p:pic>
-        <p:nvPicPr>
-          <p:cNvPr id="8" name="图片 7"/>
-          <p:cNvPicPr>
-            <a:picLocks noChangeAspect="1"/>
-          </p:cNvPicPr>
-          <p:nvPr/>
-        </p:nvPicPr>
-        <p:blipFill>
-          <a:blip r:embed="rId2"/>
-          <a:stretch>
-            <a:fillRect/>
-          </a:stretch>
-        </p:blipFill>
-        <p:spPr>
-          <a:xfrm>
-            <a:off x="439676" y="307638"/>
-            <a:ext cx="265554" cy="934751"/>
-          </a:xfrm>
-          <a:prstGeom prst="rect">
-            <a:avLst/>
-          </a:prstGeom>
-        </p:spPr>
-      </p:pic>
-      <p:pic>
-        <p:nvPicPr>
-          <p:cNvPr id="9" name="图片 8"/>
-          <p:cNvPicPr>
-            <a:picLocks noChangeAspect="1"/>
-          </p:cNvPicPr>
-          <p:nvPr/>
-        </p:nvPicPr>
-        <p:blipFill>
-          <a:blip r:embed="rId3"/>
-          <a:stretch>
-            <a:fillRect/>
-          </a:stretch>
-        </p:blipFill>
-        <p:spPr>
-          <a:xfrm>
-            <a:off x="-22104" y="5391540"/>
-            <a:ext cx="5018936" cy="1334540"/>
-          </a:xfrm>
-          <a:prstGeom prst="rect">
-            <a:avLst/>
-          </a:prstGeom>
-        </p:spPr>
-      </p:pic>
-      <p:pic>
-        <p:nvPicPr>
-          <p:cNvPr id="7" name="图片 6"/>
-          <p:cNvPicPr>
-            <a:picLocks noChangeAspect="1"/>
-          </p:cNvPicPr>
-          <p:nvPr/>
-        </p:nvPicPr>
-        <p:blipFill rotWithShape="1">
-          <a:blip r:embed="rId3"/>
-          <a:srcRect l="13807"/>
-          <a:stretch>
-            <a:fillRect/>
-          </a:stretch>
-        </p:blipFill>
-        <p:spPr>
-          <a:xfrm>
-            <a:off x="4996832" y="5391540"/>
-            <a:ext cx="4325964" cy="1334540"/>
-          </a:xfrm>
-          <a:prstGeom prst="rect">
-            <a:avLst/>
-          </a:prstGeom>
-        </p:spPr>
-      </p:pic>
-      <p:pic>
-        <p:nvPicPr>
-          <p:cNvPr id="10" name="图片 9"/>
-          <p:cNvPicPr>
-            <a:picLocks noChangeAspect="1"/>
-          </p:cNvPicPr>
-          <p:nvPr/>
-        </p:nvPicPr>
-        <p:blipFill rotWithShape="1">
-          <a:blip r:embed="rId3"/>
-          <a:srcRect l="11337" r="31759"/>
-          <a:stretch>
-            <a:fillRect/>
-          </a:stretch>
-        </p:blipFill>
-        <p:spPr>
-          <a:xfrm flipH="1">
-            <a:off x="9322796" y="5391540"/>
-            <a:ext cx="2855952" cy="1334540"/>
-          </a:xfrm>
-          <a:prstGeom prst="rect">
-            <a:avLst/>
-          </a:prstGeom>
-        </p:spPr>
-      </p:pic>
-      <p:pic>
-        <p:nvPicPr>
-          <p:cNvPr id="5" name="图片 4"/>
-          <p:cNvPicPr>
-            <a:picLocks noChangeAspect="1"/>
-          </p:cNvPicPr>
-          <p:nvPr/>
-        </p:nvPicPr>
-        <p:blipFill>
-          <a:blip r:embed="rId4"/>
-          <a:stretch>
-            <a:fillRect/>
-          </a:stretch>
-        </p:blipFill>
-        <p:spPr>
-          <a:xfrm>
-            <a:off x="9515388" y="485139"/>
-            <a:ext cx="2358781" cy="579748"/>
-          </a:xfrm>
-          <a:prstGeom prst="rect">
-            <a:avLst/>
-          </a:prstGeom>
-        </p:spPr>
-      </p:pic>
-      <p:pic>
-        <p:nvPicPr>
-          <p:cNvPr id="4" name="图片 3"/>
-          <p:cNvPicPr>
-            <a:picLocks noChangeAspect="1"/>
-          </p:cNvPicPr>
-          <p:nvPr/>
-        </p:nvPicPr>
-        <p:blipFill>
-          <a:blip r:embed="rId5"/>
-          <a:stretch>
-            <a:fillRect/>
-          </a:stretch>
-        </p:blipFill>
-        <p:spPr>
-          <a:xfrm>
-            <a:off x="439420" y="1668145"/>
-            <a:ext cx="3430905" cy="2859405"/>
-          </a:xfrm>
-          <a:prstGeom prst="rect">
-            <a:avLst/>
-          </a:prstGeom>
-        </p:spPr>
-      </p:pic>
-      <p:pic>
-        <p:nvPicPr>
-          <p:cNvPr id="11" name="图片 10"/>
-          <p:cNvPicPr>
-            <a:picLocks noChangeAspect="1"/>
-          </p:cNvPicPr>
-          <p:nvPr/>
-        </p:nvPicPr>
-        <p:blipFill>
-          <a:blip r:embed="rId6"/>
-          <a:stretch>
-            <a:fillRect/>
-          </a:stretch>
-        </p:blipFill>
-        <p:spPr>
-          <a:xfrm>
-            <a:off x="8443595" y="1675130"/>
-            <a:ext cx="3430270" cy="2859405"/>
-          </a:xfrm>
-          <a:prstGeom prst="rect">
-            <a:avLst/>
-          </a:prstGeom>
-        </p:spPr>
-      </p:pic>
-      <p:pic>
-        <p:nvPicPr>
-          <p:cNvPr id="13" name="图片 12"/>
-          <p:cNvPicPr>
-            <a:picLocks noChangeAspect="1"/>
-          </p:cNvPicPr>
-          <p:nvPr/>
-        </p:nvPicPr>
-        <p:blipFill>
-          <a:blip r:embed="rId7"/>
-          <a:stretch>
-            <a:fillRect/>
-          </a:stretch>
-        </p:blipFill>
-        <p:spPr>
-          <a:xfrm>
-            <a:off x="4754245" y="1731010"/>
-            <a:ext cx="3296285" cy="2747645"/>
-          </a:xfrm>
-          <a:prstGeom prst="rect">
-            <a:avLst/>
-          </a:prstGeom>
-        </p:spPr>
-      </p:pic>
+          <a:p>
+            <a:pPr marL="571500" indent="-571500" algn="l">
+              <a:lnSpc>
+                <a:spcPct val="200000"/>
+              </a:lnSpc>
+              <a:buFont typeface="Arial" panose="020B0604020202020204" pitchFamily="34" charset="0"/>
+              <a:buChar char="•"/>
+            </a:pPr>
+            <a:r>
+              <a:rPr lang="en-US" altLang="zh-CN" sz="2800" dirty="0">
+                <a:latin typeface="微软雅黑" panose="020B0503020204020204" pitchFamily="34" charset="-122"/>
+                <a:ea typeface="微软雅黑" panose="020B0503020204020204" pitchFamily="34" charset="-122"/>
+              </a:rPr>
+              <a:t>The </a:t>
+            </a:r>
+            <a:r>
+              <a:rPr lang="zh-CN" altLang="en-US" sz="2800" dirty="0">
+                <a:latin typeface="微软雅黑" panose="020B0503020204020204" pitchFamily="34" charset="-122"/>
+                <a:ea typeface="微软雅黑" panose="020B0503020204020204" pitchFamily="34" charset="-122"/>
+              </a:rPr>
+              <a:t>Existing </a:t>
+            </a:r>
+            <a:r>
+              <a:rPr lang="en-US" altLang="zh-CN" sz="2800" dirty="0">
+                <a:latin typeface="微软雅黑" panose="020B0503020204020204" pitchFamily="34" charset="-122"/>
+                <a:ea typeface="微软雅黑" panose="020B0503020204020204" pitchFamily="34" charset="-122"/>
+              </a:rPr>
+              <a:t>Solution</a:t>
+            </a:r>
+            <a:endParaRPr lang="zh-CN" altLang="en-US" sz="2800" dirty="0">
+              <a:latin typeface="微软雅黑" panose="020B0503020204020204" pitchFamily="34" charset="-122"/>
+              <a:ea typeface="微软雅黑" panose="020B0503020204020204" pitchFamily="34" charset="-122"/>
+            </a:endParaRPr>
+          </a:p>
+          <a:p>
+            <a:pPr marL="571500" indent="-571500" algn="l">
+              <a:lnSpc>
+                <a:spcPct val="200000"/>
+              </a:lnSpc>
+              <a:buFont typeface="Arial" panose="020B0604020202020204" pitchFamily="34" charset="0"/>
+              <a:buChar char="•"/>
+            </a:pPr>
+            <a:r>
+              <a:rPr lang="en-US" altLang="zh-CN" sz="2800" dirty="0">
+                <a:latin typeface="微软雅黑" panose="020B0503020204020204" pitchFamily="34" charset="-122"/>
+                <a:ea typeface="微软雅黑" panose="020B0503020204020204" pitchFamily="34" charset="-122"/>
+              </a:rPr>
+              <a:t>The </a:t>
+            </a:r>
+            <a:r>
+              <a:rPr lang="zh-CN" altLang="en-US" sz="2800" dirty="0">
+                <a:latin typeface="微软雅黑" panose="020B0503020204020204" pitchFamily="34" charset="-122"/>
+                <a:ea typeface="微软雅黑" panose="020B0503020204020204" pitchFamily="34" charset="-122"/>
+              </a:rPr>
+              <a:t>New </a:t>
+            </a:r>
+            <a:r>
+              <a:rPr lang="en-US" altLang="zh-CN" sz="2800" dirty="0">
+                <a:latin typeface="微软雅黑" panose="020B0503020204020204" pitchFamily="34" charset="-122"/>
+                <a:ea typeface="微软雅黑" panose="020B0503020204020204" pitchFamily="34" charset="-122"/>
+              </a:rPr>
+              <a:t>P</a:t>
+            </a:r>
+            <a:r>
+              <a:rPr lang="zh-CN" altLang="en-US" sz="2800" dirty="0">
+                <a:latin typeface="微软雅黑" panose="020B0503020204020204" pitchFamily="34" charset="-122"/>
+                <a:ea typeface="微软雅黑" panose="020B0503020204020204" pitchFamily="34" charset="-122"/>
+              </a:rPr>
+              <a:t>roposed </a:t>
+            </a:r>
+            <a:r>
+              <a:rPr lang="en-US" altLang="zh-CN" sz="2800" dirty="0">
+                <a:latin typeface="微软雅黑" panose="020B0503020204020204" pitchFamily="34" charset="-122"/>
+                <a:ea typeface="微软雅黑" panose="020B0503020204020204" pitchFamily="34" charset="-122"/>
+              </a:rPr>
+              <a:t>S</a:t>
+            </a:r>
+            <a:r>
+              <a:rPr lang="zh-CN" altLang="en-US" sz="2800" dirty="0">
+                <a:latin typeface="微软雅黑" panose="020B0503020204020204" pitchFamily="34" charset="-122"/>
+                <a:ea typeface="微软雅黑" panose="020B0503020204020204" pitchFamily="34" charset="-122"/>
+              </a:rPr>
+              <a:t>olution</a:t>
+            </a:r>
+            <a:endParaRPr lang="zh-CN" altLang="en-US" sz="2800" dirty="0">
+              <a:latin typeface="微软雅黑" panose="020B0503020204020204" pitchFamily="34" charset="-122"/>
+              <a:ea typeface="微软雅黑" panose="020B0503020204020204" pitchFamily="34" charset="-122"/>
+            </a:endParaRPr>
+          </a:p>
+          <a:p>
+            <a:pPr marL="571500" indent="-571500" algn="l">
+              <a:lnSpc>
+                <a:spcPct val="200000"/>
+              </a:lnSpc>
+              <a:buFont typeface="Arial" panose="020B0604020202020204" pitchFamily="34" charset="0"/>
+              <a:buChar char="•"/>
+            </a:pPr>
+            <a:r>
+              <a:rPr lang="zh-CN" altLang="en-US" sz="2800" dirty="0">
+                <a:latin typeface="微软雅黑" panose="020B0503020204020204" pitchFamily="34" charset="-122"/>
+                <a:ea typeface="微软雅黑" panose="020B0503020204020204" pitchFamily="34" charset="-122"/>
+              </a:rPr>
+              <a:t>Solution </a:t>
+            </a:r>
+            <a:r>
+              <a:rPr lang="en-US" altLang="zh-CN" sz="2800" dirty="0">
+                <a:latin typeface="微软雅黑" panose="020B0503020204020204" pitchFamily="34" charset="-122"/>
+                <a:ea typeface="微软雅黑" panose="020B0503020204020204" pitchFamily="34" charset="-122"/>
+              </a:rPr>
+              <a:t>F</a:t>
+            </a:r>
+            <a:r>
+              <a:rPr lang="zh-CN" altLang="en-US" sz="2800" dirty="0">
+                <a:latin typeface="微软雅黑" panose="020B0503020204020204" pitchFamily="34" charset="-122"/>
+                <a:ea typeface="微软雅黑" panose="020B0503020204020204" pitchFamily="34" charset="-122"/>
+              </a:rPr>
+              <a:t>easibility </a:t>
+            </a:r>
+            <a:r>
+              <a:rPr lang="en-US" altLang="zh-CN" sz="2800" dirty="0">
+                <a:latin typeface="微软雅黑" panose="020B0503020204020204" pitchFamily="34" charset="-122"/>
+                <a:ea typeface="微软雅黑" panose="020B0503020204020204" pitchFamily="34" charset="-122"/>
+              </a:rPr>
+              <a:t>A</a:t>
+            </a:r>
+            <a:r>
+              <a:rPr lang="zh-CN" altLang="en-US" sz="2800" dirty="0">
+                <a:latin typeface="微软雅黑" panose="020B0503020204020204" pitchFamily="34" charset="-122"/>
+                <a:ea typeface="微软雅黑" panose="020B0503020204020204" pitchFamily="34" charset="-122"/>
+              </a:rPr>
+              <a:t>nalysis</a:t>
+            </a:r>
+            <a:endParaRPr lang="zh-CN" altLang="en-US" sz="2800" dirty="0">
+              <a:latin typeface="微软雅黑" panose="020B0503020204020204" pitchFamily="34" charset="-122"/>
+              <a:ea typeface="微软雅黑" panose="020B0503020204020204" pitchFamily="34" charset="-122"/>
+            </a:endParaRPr>
+          </a:p>
+        </p:txBody>
+      </p:sp>
     </p:spTree>
   </p:cSld>
   <p:clrMapOvr>
@@ -4250,7 +7611,7 @@
         </p:nvSpPr>
         <p:spPr>
           <a:xfrm>
-            <a:off x="705485" y="307340"/>
+            <a:off x="705485" y="396240"/>
             <a:ext cx="9144000" cy="757555"/>
           </a:xfrm>
         </p:spPr>
@@ -4266,12 +7627,36 @@
               </a:lnSpc>
             </a:pPr>
             <a:r>
-              <a:rPr lang="en-US" sz="3200" b="1" dirty="0">
+              <a:rPr lang="en-US" altLang="zh-CN" sz="3200" b="1" dirty="0">
                 <a:latin typeface="微软雅黑" panose="020B0503020204020204" pitchFamily="34" charset="-122"/>
                 <a:ea typeface="微软雅黑" panose="020B0503020204020204" pitchFamily="34" charset="-122"/>
                 <a:sym typeface="+mn-ea"/>
               </a:rPr>
-              <a:t>New model algorithm</a:t>
+              <a:t>R</a:t>
+            </a:r>
+            <a:r>
+              <a:rPr lang="zh-CN" altLang="en-US" sz="3200" b="1" dirty="0">
+                <a:latin typeface="微软雅黑" panose="020B0503020204020204" pitchFamily="34" charset="-122"/>
+                <a:ea typeface="微软雅黑" panose="020B0503020204020204" pitchFamily="34" charset="-122"/>
+                <a:sym typeface="+mn-ea"/>
+              </a:rPr>
+              <a:t>esearch </a:t>
+            </a:r>
+            <a:r>
+              <a:rPr lang="en-US" altLang="zh-CN" sz="3200" b="1" dirty="0">
+                <a:latin typeface="微软雅黑" panose="020B0503020204020204" pitchFamily="34" charset="-122"/>
+                <a:ea typeface="微软雅黑" panose="020B0503020204020204" pitchFamily="34" charset="-122"/>
+                <a:sym typeface="+mn-ea"/>
+              </a:rPr>
+              <a:t>B</a:t>
+            </a:r>
+            <a:r>
+              <a:rPr lang="zh-CN" altLang="en-US" sz="3200" b="1" dirty="0">
+                <a:latin typeface="微软雅黑" panose="020B0503020204020204" pitchFamily="34" charset="-122"/>
+                <a:ea typeface="微软雅黑" panose="020B0503020204020204" pitchFamily="34" charset="-122"/>
+                <a:sym typeface="+mn-ea"/>
+              </a:rPr>
+              <a:t>ackground</a:t>
             </a:r>
             <a:endParaRPr lang="en-US" sz="3200" b="1" dirty="0">
               <a:latin typeface="微软雅黑" panose="020B0503020204020204" pitchFamily="34" charset="-122"/>
@@ -4429,34 +7814,289 @@
       </p:pic>
       <p:pic>
         <p:nvPicPr>
-          <p:cNvPr id="6" name="图片 5"/>
+          <p:cNvPr id="11" name="图片 10"/>
           <p:cNvPicPr>
             <a:picLocks noChangeAspect="1"/>
           </p:cNvPicPr>
           <p:nvPr/>
         </p:nvPicPr>
         <p:blipFill>
-          <a:blip r:embed="rId5" cstate="print">
-            <a:extLst>
-              <a:ext uri="{28A0092B-C50C-407E-A947-70E740481C1C}">
-                <a14:useLocalDpi xmlns:a14="http://schemas.microsoft.com/office/drawing/2010/main" val="0"/>
-              </a:ext>
-            </a:extLst>
-          </a:blip>
+          <a:blip r:embed="rId5"/>
           <a:stretch>
             <a:fillRect/>
           </a:stretch>
         </p:blipFill>
         <p:spPr>
-          <a:xfrm rot="16433337">
-            <a:off x="3859530" y="254635"/>
-            <a:ext cx="5047615" cy="7141210"/>
+          <a:xfrm>
+            <a:off x="6273165" y="1353185"/>
+            <a:ext cx="5786120" cy="3870325"/>
           </a:xfrm>
           <a:prstGeom prst="rect">
             <a:avLst/>
           </a:prstGeom>
         </p:spPr>
       </p:pic>
+      <p:sp>
+        <p:nvSpPr>
+          <p:cNvPr id="12" name="标题 1"/>
+          <p:cNvSpPr txBox="1"/>
+          <p:nvPr/>
+        </p:nvSpPr>
+        <p:spPr>
+          <a:xfrm>
+            <a:off x="327327" y="2504440"/>
+            <a:ext cx="11130613" cy="869950"/>
+          </a:xfrm>
+          <a:prstGeom prst="rect">
+            <a:avLst/>
+          </a:prstGeom>
+        </p:spPr>
+        <p:txBody>
+          <a:bodyPr vert="horz" lIns="91440" tIns="45720" rIns="91440" bIns="45720" rtlCol="0" anchor="b">
+            <a:noAutofit/>
+          </a:bodyPr>
+          <a:lstStyle>
+            <a:lvl1pPr algn="ctr" defTabSz="914400" rtl="0" eaLnBrk="1" latinLnBrk="0" hangingPunct="1">
+              <a:lnSpc>
+                <a:spcPct val="90000"/>
+              </a:lnSpc>
+              <a:spcBef>
+                <a:spcPct val="0"/>
+              </a:spcBef>
+              <a:buNone/>
+              <a:defRPr sz="6000" kern="1200">
+                <a:solidFill>
+                  <a:schemeClr val="tx1"/>
+                </a:solidFill>
+                <a:latin typeface="+mj-lt"/>
+                <a:ea typeface="+mj-ea"/>
+                <a:cs typeface="+mj-cs"/>
+              </a:defRPr>
+            </a:lvl1pPr>
+          </a:lstStyle>
+          <a:p>
+            <a:pPr marL="571500" indent="-571500" algn="l">
+              <a:lnSpc>
+                <a:spcPct val="200000"/>
+              </a:lnSpc>
+              <a:buFont typeface="Arial" panose="020B0604020202020204" pitchFamily="34" charset="0"/>
+              <a:buChar char="•"/>
+            </a:pPr>
+            <a:endParaRPr lang="en-US" altLang="zh-CN" sz="2800" dirty="0">
+              <a:latin typeface="微软雅黑" panose="020B0503020204020204" pitchFamily="34" charset="-122"/>
+              <a:ea typeface="微软雅黑" panose="020B0503020204020204" pitchFamily="34" charset="-122"/>
+            </a:endParaRPr>
+          </a:p>
+          <a:p>
+            <a:pPr marL="571500" indent="-571500" algn="l">
+              <a:lnSpc>
+                <a:spcPct val="200000"/>
+              </a:lnSpc>
+              <a:buFont typeface="Arial" panose="020B0604020202020204" pitchFamily="34" charset="0"/>
+              <a:buChar char="•"/>
+            </a:pPr>
+            <a:endParaRPr lang="en-US" altLang="zh-CN" sz="2800" dirty="0">
+              <a:latin typeface="微软雅黑" panose="020B0503020204020204" pitchFamily="34" charset="-122"/>
+              <a:ea typeface="微软雅黑" panose="020B0503020204020204" pitchFamily="34" charset="-122"/>
+            </a:endParaRPr>
+          </a:p>
+          <a:p>
+            <a:pPr algn="l">
+              <a:lnSpc>
+                <a:spcPct val="200000"/>
+              </a:lnSpc>
+            </a:pPr>
+            <a:endParaRPr lang="en-US" altLang="zh-CN" sz="2800" dirty="0">
+              <a:latin typeface="微软雅黑" panose="020B0503020204020204" pitchFamily="34" charset="-122"/>
+              <a:ea typeface="微软雅黑" panose="020B0503020204020204" pitchFamily="34" charset="-122"/>
+            </a:endParaRPr>
+          </a:p>
+          <a:p>
+            <a:pPr algn="l">
+              <a:lnSpc>
+                <a:spcPct val="200000"/>
+              </a:lnSpc>
+            </a:pPr>
+            <a:endParaRPr lang="en-US" altLang="zh-CN" sz="2800" dirty="0">
+              <a:latin typeface="微软雅黑" panose="020B0503020204020204" pitchFamily="34" charset="-122"/>
+              <a:ea typeface="微软雅黑" panose="020B0503020204020204" pitchFamily="34" charset="-122"/>
+            </a:endParaRPr>
+          </a:p>
+          <a:p>
+            <a:pPr marL="571500" indent="-571500" algn="l">
+              <a:lnSpc>
+                <a:spcPct val="200000"/>
+              </a:lnSpc>
+              <a:buFont typeface="Arial" panose="020B0604020202020204" pitchFamily="34" charset="0"/>
+              <a:buChar char="•"/>
+            </a:pPr>
+            <a:r>
+              <a:rPr sz="2800" dirty="0">
+                <a:latin typeface="微软雅黑" panose="020B0503020204020204" pitchFamily="34" charset="-122"/>
+                <a:ea typeface="微软雅黑" panose="020B0503020204020204" pitchFamily="34" charset="-122"/>
+              </a:rPr>
+              <a:t>Edge computing is widely </a:t>
+            </a:r>
+            <a:endParaRPr sz="2800" dirty="0">
+              <a:latin typeface="微软雅黑" panose="020B0503020204020204" pitchFamily="34" charset="-122"/>
+              <a:ea typeface="微软雅黑" panose="020B0503020204020204" pitchFamily="34" charset="-122"/>
+            </a:endParaRPr>
+          </a:p>
+          <a:p>
+            <a:pPr indent="0" algn="l">
+              <a:lnSpc>
+                <a:spcPct val="200000"/>
+              </a:lnSpc>
+              <a:buFont typeface="Arial" panose="020B0604020202020204" pitchFamily="34" charset="0"/>
+            </a:pPr>
+            <a:r>
+              <a:rPr lang="en-US" sz="2800" dirty="0">
+                <a:latin typeface="微软雅黑" panose="020B0503020204020204" pitchFamily="34" charset="-122"/>
+                <a:ea typeface="微软雅黑" panose="020B0503020204020204" pitchFamily="34" charset="-122"/>
+              </a:rPr>
+              <a:t>     </a:t>
+            </a:r>
+            <a:r>
+              <a:rPr sz="2800" dirty="0">
+                <a:latin typeface="微软雅黑" panose="020B0503020204020204" pitchFamily="34" charset="-122"/>
+                <a:ea typeface="微软雅黑" panose="020B0503020204020204" pitchFamily="34" charset="-122"/>
+              </a:rPr>
+              <a:t>used in 6G networks</a:t>
+            </a:r>
+            <a:endParaRPr lang="zh-CN" altLang="en-US" sz="2800" dirty="0">
+              <a:latin typeface="微软雅黑" panose="020B0503020204020204" pitchFamily="34" charset="-122"/>
+              <a:ea typeface="微软雅黑" panose="020B0503020204020204" pitchFamily="34" charset="-122"/>
+            </a:endParaRPr>
+          </a:p>
+        </p:txBody>
+      </p:sp>
+      <p:sp>
+        <p:nvSpPr>
+          <p:cNvPr id="13" name="标题 1"/>
+          <p:cNvSpPr txBox="1"/>
+          <p:nvPr/>
+        </p:nvSpPr>
+        <p:spPr>
+          <a:xfrm>
+            <a:off x="327327" y="4907915"/>
+            <a:ext cx="11130613" cy="869950"/>
+          </a:xfrm>
+          <a:prstGeom prst="rect">
+            <a:avLst/>
+          </a:prstGeom>
+        </p:spPr>
+        <p:txBody>
+          <a:bodyPr vert="horz" lIns="91440" tIns="45720" rIns="91440" bIns="45720" rtlCol="0" anchor="b">
+            <a:noAutofit/>
+          </a:bodyPr>
+          <a:lstStyle>
+            <a:lvl1pPr algn="ctr" defTabSz="914400" rtl="0" eaLnBrk="1" latinLnBrk="0" hangingPunct="1">
+              <a:lnSpc>
+                <a:spcPct val="90000"/>
+              </a:lnSpc>
+              <a:spcBef>
+                <a:spcPct val="0"/>
+              </a:spcBef>
+              <a:buNone/>
+              <a:defRPr sz="6000" kern="1200">
+                <a:solidFill>
+                  <a:schemeClr val="tx1"/>
+                </a:solidFill>
+                <a:latin typeface="+mj-lt"/>
+                <a:ea typeface="+mj-ea"/>
+                <a:cs typeface="+mj-cs"/>
+              </a:defRPr>
+            </a:lvl1pPr>
+          </a:lstStyle>
+          <a:p>
+            <a:pPr marL="571500" indent="-571500" algn="l">
+              <a:lnSpc>
+                <a:spcPct val="200000"/>
+              </a:lnSpc>
+              <a:buFont typeface="Arial" panose="020B0604020202020204" pitchFamily="34" charset="0"/>
+              <a:buChar char="•"/>
+            </a:pPr>
+            <a:r>
+              <a:rPr lang="en-US" altLang="zh-CN" sz="2800" dirty="0">
+                <a:latin typeface="微软雅黑" panose="020B0503020204020204" pitchFamily="34" charset="-122"/>
+                <a:ea typeface="微软雅黑" panose="020B0503020204020204" pitchFamily="34" charset="-122"/>
+              </a:rPr>
+              <a:t>Users who participate in edge </a:t>
+            </a:r>
+            <a:endParaRPr lang="en-US" altLang="zh-CN" sz="2800" dirty="0">
+              <a:latin typeface="微软雅黑" panose="020B0503020204020204" pitchFamily="34" charset="-122"/>
+              <a:ea typeface="微软雅黑" panose="020B0503020204020204" pitchFamily="34" charset="-122"/>
+            </a:endParaRPr>
+          </a:p>
+          <a:p>
+            <a:pPr indent="0" algn="l">
+              <a:lnSpc>
+                <a:spcPct val="200000"/>
+              </a:lnSpc>
+              <a:buFont typeface="Arial" panose="020B0604020202020204" pitchFamily="34" charset="0"/>
+            </a:pPr>
+            <a:r>
+              <a:rPr lang="en-US" altLang="zh-CN" sz="2800" dirty="0">
+                <a:latin typeface="微软雅黑" panose="020B0503020204020204" pitchFamily="34" charset="-122"/>
+                <a:ea typeface="微软雅黑" panose="020B0503020204020204" pitchFamily="34" charset="-122"/>
+              </a:rPr>
+              <a:t>     computing are not necessarily </a:t>
+            </a:r>
+            <a:endParaRPr lang="en-US" altLang="zh-CN" sz="2800" dirty="0">
+              <a:latin typeface="微软雅黑" panose="020B0503020204020204" pitchFamily="34" charset="-122"/>
+              <a:ea typeface="微软雅黑" panose="020B0503020204020204" pitchFamily="34" charset="-122"/>
+            </a:endParaRPr>
+          </a:p>
+          <a:p>
+            <a:pPr indent="0" algn="l">
+              <a:lnSpc>
+                <a:spcPct val="200000"/>
+              </a:lnSpc>
+              <a:buFont typeface="Arial" panose="020B0604020202020204" pitchFamily="34" charset="0"/>
+            </a:pPr>
+            <a:r>
+              <a:rPr lang="en-US" altLang="zh-CN" sz="2800" dirty="0">
+                <a:latin typeface="微软雅黑" panose="020B0503020204020204" pitchFamily="34" charset="-122"/>
+                <a:ea typeface="微软雅黑" panose="020B0503020204020204" pitchFamily="34" charset="-122"/>
+              </a:rPr>
+              <a:t>     reliable</a:t>
+            </a:r>
+            <a:endParaRPr lang="en-US" altLang="zh-CN" sz="2800" dirty="0">
+              <a:latin typeface="微软雅黑" panose="020B0503020204020204" pitchFamily="34" charset="-122"/>
+              <a:ea typeface="微软雅黑" panose="020B0503020204020204" pitchFamily="34" charset="-122"/>
+            </a:endParaRPr>
+          </a:p>
+        </p:txBody>
+      </p:sp>
+      <p:sp>
+        <p:nvSpPr>
+          <p:cNvPr id="4" name="文本框 3"/>
+          <p:cNvSpPr txBox="1"/>
+          <p:nvPr/>
+        </p:nvSpPr>
+        <p:spPr>
+          <a:xfrm>
+            <a:off x="109855" y="6894195"/>
+            <a:ext cx="12456795" cy="645160"/>
+          </a:xfrm>
+          <a:prstGeom prst="rect">
+            <a:avLst/>
+          </a:prstGeom>
+          <a:noFill/>
+        </p:spPr>
+        <p:txBody>
+          <a:bodyPr wrap="square" rtlCol="0">
+            <a:spAutoFit/>
+          </a:bodyPr>
+          <a:p>
+            <a:r>
+              <a:rPr lang="zh-CN" altLang="en-US"/>
+              <a:t>https://zh.vietnamplus.vn/%E8%B6%8A%E5%8D%97%E5%BA%94%E7%A0%94%E7%A9%B6%E5%BC%80%E5%8F%916g%E7%BD%91%E7%BB%9C%E6%8A%80%E6%9C%AF/135884.vnp</a:t>
+            </a:r>
+            <a:endParaRPr lang="zh-CN" altLang="en-US"/>
+          </a:p>
+        </p:txBody>
+      </p:sp>
     </p:spTree>
   </p:cSld>
   <p:clrMapOvr>
@@ -4506,26 +8146,57 @@
         </p:nvSpPr>
         <p:spPr>
           <a:xfrm>
-            <a:off x="3133468" y="2414850"/>
-            <a:ext cx="5925064" cy="841191"/>
+            <a:off x="705485" y="396240"/>
+            <a:ext cx="9144000" cy="757555"/>
           </a:xfrm>
         </p:spPr>
         <p:txBody>
           <a:bodyPr>
-            <a:noAutofit/>
+            <a:normAutofit fontScale="90000"/>
           </a:bodyPr>
           <a:lstStyle/>
           <a:p>
-            <a:r>
-              <a:rPr lang="en-US" altLang="zh-CN" sz="6600" dirty="0">
+            <a:pPr algn="l">
+              <a:lnSpc>
+                <a:spcPct val="200000"/>
+              </a:lnSpc>
+            </a:pPr>
+            <a:r>
+              <a:rPr lang="en-US" altLang="zh-CN" sz="3200" b="1" dirty="0">
                 <a:latin typeface="微软雅黑" panose="020B0503020204020204" pitchFamily="34" charset="-122"/>
                 <a:ea typeface="微软雅黑" panose="020B0503020204020204" pitchFamily="34" charset="-122"/>
-              </a:rPr>
-              <a:t>THANK YOU</a:t>
-            </a:r>
-            <a:endParaRPr lang="zh-CN" altLang="en-US" sz="6600" dirty="0">
+                <a:sym typeface="+mn-ea"/>
+              </a:rPr>
+              <a:t>R</a:t>
+            </a:r>
+            <a:r>
+              <a:rPr lang="zh-CN" altLang="en-US" sz="3200" b="1" dirty="0">
+                <a:latin typeface="微软雅黑" panose="020B0503020204020204" pitchFamily="34" charset="-122"/>
+                <a:ea typeface="微软雅黑" panose="020B0503020204020204" pitchFamily="34" charset="-122"/>
+                <a:sym typeface="+mn-ea"/>
+              </a:rPr>
+              <a:t>esearch </a:t>
+            </a:r>
+            <a:r>
+              <a:rPr lang="en-US" altLang="zh-CN" sz="3200" b="1" dirty="0">
+                <a:latin typeface="微软雅黑" panose="020B0503020204020204" pitchFamily="34" charset="-122"/>
+                <a:ea typeface="微软雅黑" panose="020B0503020204020204" pitchFamily="34" charset="-122"/>
+                <a:sym typeface="+mn-ea"/>
+              </a:rPr>
+              <a:t>B</a:t>
+            </a:r>
+            <a:r>
+              <a:rPr lang="zh-CN" altLang="en-US" sz="3200" b="1" dirty="0">
+                <a:latin typeface="微软雅黑" panose="020B0503020204020204" pitchFamily="34" charset="-122"/>
+                <a:ea typeface="微软雅黑" panose="020B0503020204020204" pitchFamily="34" charset="-122"/>
+                <a:sym typeface="+mn-ea"/>
+              </a:rPr>
+              <a:t>ackground</a:t>
+            </a:r>
+            <a:endParaRPr lang="en-US" sz="3200" b="1" dirty="0">
               <a:latin typeface="微软雅黑" panose="020B0503020204020204" pitchFamily="34" charset="-122"/>
               <a:ea typeface="微软雅黑" panose="020B0503020204020204" pitchFamily="34" charset="-122"/>
+              <a:sym typeface="+mn-ea"/>
             </a:endParaRPr>
           </a:p>
         </p:txBody>
@@ -4546,8 +8217,32 @@
         </p:blipFill>
         <p:spPr>
           <a:xfrm>
-            <a:off x="-22104" y="4877075"/>
+            <a:off x="13252" y="4907605"/>
             <a:ext cx="12192000" cy="1980925"/>
+          </a:xfrm>
+          <a:prstGeom prst="rect">
+            <a:avLst/>
+          </a:prstGeom>
+        </p:spPr>
+      </p:pic>
+      <p:pic>
+        <p:nvPicPr>
+          <p:cNvPr id="8" name="图片 7"/>
+          <p:cNvPicPr>
+            <a:picLocks noChangeAspect="1"/>
+          </p:cNvPicPr>
+          <p:nvPr/>
+        </p:nvPicPr>
+        <p:blipFill>
+          <a:blip r:embed="rId2"/>
+          <a:stretch>
+            <a:fillRect/>
+          </a:stretch>
+        </p:blipFill>
+        <p:spPr>
+          <a:xfrm>
+            <a:off x="439676" y="307638"/>
+            <a:ext cx="265554" cy="934751"/>
           </a:xfrm>
           <a:prstGeom prst="rect">
             <a:avLst/>
@@ -4563,7 +8258,7 @@
           <p:nvPr/>
         </p:nvPicPr>
         <p:blipFill>
-          <a:blip r:embed="rId2"/>
+          <a:blip r:embed="rId3"/>
           <a:stretch>
             <a:fillRect/>
           </a:stretch>
@@ -4587,7 +8282,7 @@
           <p:nvPr/>
         </p:nvPicPr>
         <p:blipFill rotWithShape="1">
-          <a:blip r:embed="rId2"/>
+          <a:blip r:embed="rId3"/>
           <a:srcRect l="13807"/>
           <a:stretch>
             <a:fillRect/>
@@ -4612,7 +8307,7 @@
           <p:nvPr/>
         </p:nvPicPr>
         <p:blipFill rotWithShape="1">
-          <a:blip r:embed="rId2"/>
+          <a:blip r:embed="rId3"/>
           <a:srcRect l="11337" r="31759"/>
           <a:stretch>
             <a:fillRect/>
@@ -4637,14 +8332,14 @@
           <p:nvPr/>
         </p:nvPicPr>
         <p:blipFill>
-          <a:blip r:embed="rId3"/>
+          <a:blip r:embed="rId4"/>
           <a:stretch>
             <a:fillRect/>
           </a:stretch>
         </p:blipFill>
         <p:spPr>
           <a:xfrm>
-            <a:off x="455208" y="401319"/>
+            <a:off x="9515388" y="485139"/>
             <a:ext cx="2358781" cy="579748"/>
           </a:xfrm>
           <a:prstGeom prst="rect">
@@ -4652,41 +8347,16 @@
           </a:prstGeom>
         </p:spPr>
       </p:pic>
-      <p:pic>
-        <p:nvPicPr>
-          <p:cNvPr id="13" name="图片 12"/>
-          <p:cNvPicPr>
-            <a:picLocks noChangeAspect="1"/>
-          </p:cNvPicPr>
-          <p:nvPr/>
-        </p:nvPicPr>
-        <p:blipFill rotWithShape="1">
-          <a:blip r:embed="rId1"/>
-          <a:srcRect t="88348" r="72886"/>
-          <a:stretch>
-            <a:fillRect/>
-          </a:stretch>
-        </p:blipFill>
-        <p:spPr>
-          <a:xfrm>
-            <a:off x="3517535" y="3199771"/>
-            <a:ext cx="5131167" cy="198788"/>
-          </a:xfrm>
-          <a:prstGeom prst="rect">
-            <a:avLst/>
-          </a:prstGeom>
-        </p:spPr>
-      </p:pic>
-      <p:sp>
-        <p:nvSpPr>
-          <p:cNvPr id="14" name="标题 1"/>
+      <p:sp>
+        <p:nvSpPr>
+          <p:cNvPr id="17" name="标题 1"/>
           <p:cNvSpPr txBox="1"/>
           <p:nvPr/>
         </p:nvSpPr>
         <p:spPr>
           <a:xfrm>
-            <a:off x="3133468" y="3199771"/>
-            <a:ext cx="5925064" cy="841191"/>
+            <a:off x="439722" y="4304665"/>
+            <a:ext cx="11130613" cy="869950"/>
           </a:xfrm>
           <a:prstGeom prst="rect">
             <a:avLst/>
@@ -4716,13 +8386,1823 @@
             </a:lvl1pPr>
           </a:lstStyle>
           <a:p>
+            <a:pPr marL="571500" indent="-571500" algn="l">
+              <a:lnSpc>
+                <a:spcPct val="200000"/>
+              </a:lnSpc>
+              <a:buFont typeface="Arial" panose="020B0604020202020204" pitchFamily="34" charset="0"/>
+              <a:buChar char="•"/>
+            </a:pPr>
+            <a:endParaRPr lang="en-US" altLang="zh-CN" sz="2800" dirty="0">
+              <a:latin typeface="微软雅黑" panose="020B0503020204020204" pitchFamily="34" charset="-122"/>
+              <a:ea typeface="微软雅黑" panose="020B0503020204020204" pitchFamily="34" charset="-122"/>
+            </a:endParaRPr>
+          </a:p>
+          <a:p>
+            <a:pPr marL="571500" indent="-571500" algn="l">
+              <a:lnSpc>
+                <a:spcPct val="200000"/>
+              </a:lnSpc>
+              <a:buFont typeface="Arial" panose="020B0604020202020204" pitchFamily="34" charset="0"/>
+              <a:buChar char="•"/>
+            </a:pPr>
+            <a:endParaRPr lang="en-US" altLang="zh-CN" sz="2800" dirty="0">
+              <a:latin typeface="微软雅黑" panose="020B0503020204020204" pitchFamily="34" charset="-122"/>
+              <a:ea typeface="微软雅黑" panose="020B0503020204020204" pitchFamily="34" charset="-122"/>
+            </a:endParaRPr>
+          </a:p>
+          <a:p>
+            <a:pPr algn="l">
+              <a:lnSpc>
+                <a:spcPct val="200000"/>
+              </a:lnSpc>
+            </a:pPr>
+            <a:endParaRPr lang="en-US" altLang="zh-CN" sz="2800" dirty="0">
+              <a:latin typeface="微软雅黑" panose="020B0503020204020204" pitchFamily="34" charset="-122"/>
+              <a:ea typeface="微软雅黑" panose="020B0503020204020204" pitchFamily="34" charset="-122"/>
+            </a:endParaRPr>
+          </a:p>
+          <a:p>
+            <a:pPr algn="l">
+              <a:lnSpc>
+                <a:spcPct val="200000"/>
+              </a:lnSpc>
+            </a:pPr>
+            <a:endParaRPr lang="en-US" altLang="zh-CN" sz="2800" dirty="0">
+              <a:latin typeface="微软雅黑" panose="020B0503020204020204" pitchFamily="34" charset="-122"/>
+              <a:ea typeface="微软雅黑" panose="020B0503020204020204" pitchFamily="34" charset="-122"/>
+            </a:endParaRPr>
+          </a:p>
+          <a:p>
+            <a:pPr marL="571500" indent="-571500" algn="l">
+              <a:lnSpc>
+                <a:spcPct val="200000"/>
+              </a:lnSpc>
+              <a:buFont typeface="Arial" panose="020B0604020202020204" pitchFamily="34" charset="0"/>
+              <a:buChar char="•"/>
+            </a:pPr>
+            <a:r>
+              <a:rPr lang="zh-CN" altLang="en-US" sz="2800" dirty="0">
+                <a:latin typeface="微软雅黑" panose="020B0503020204020204" pitchFamily="34" charset="-122"/>
+                <a:ea typeface="微软雅黑" panose="020B0503020204020204" pitchFamily="34" charset="-122"/>
+              </a:rPr>
+              <a:t>Attacker</a:t>
+            </a:r>
+            <a:r>
+              <a:rPr lang="en-US" altLang="zh-CN" sz="2800" dirty="0">
+                <a:latin typeface="微软雅黑" panose="020B0503020204020204" pitchFamily="34" charset="-122"/>
+                <a:ea typeface="微软雅黑" panose="020B0503020204020204" pitchFamily="34" charset="-122"/>
+              </a:rPr>
+              <a:t>s</a:t>
+            </a:r>
+            <a:r>
+              <a:rPr lang="zh-CN" altLang="en-US" sz="2800" dirty="0">
+                <a:latin typeface="微软雅黑" panose="020B0503020204020204" pitchFamily="34" charset="-122"/>
+                <a:ea typeface="微软雅黑" panose="020B0503020204020204" pitchFamily="34" charset="-122"/>
+              </a:rPr>
+              <a:t>: </a:t>
+            </a:r>
+            <a:r>
+              <a:rPr lang="en-US" altLang="zh-CN" sz="2800" dirty="0">
+                <a:latin typeface="微软雅黑" panose="020B0503020204020204" pitchFamily="34" charset="-122"/>
+                <a:ea typeface="微软雅黑" panose="020B0503020204020204" pitchFamily="34" charset="-122"/>
+              </a:rPr>
+              <a:t>U</a:t>
+            </a:r>
+            <a:r>
+              <a:rPr lang="zh-CN" altLang="en-US" sz="2800" dirty="0">
+                <a:latin typeface="微软雅黑" panose="020B0503020204020204" pitchFamily="34" charset="-122"/>
+                <a:ea typeface="微软雅黑" panose="020B0503020204020204" pitchFamily="34" charset="-122"/>
+              </a:rPr>
+              <a:t>ser who intentionally compromises network security</a:t>
+            </a:r>
             <a:endParaRPr lang="zh-CN" altLang="en-US" sz="2800" dirty="0">
               <a:latin typeface="微软雅黑" panose="020B0503020204020204" pitchFamily="34" charset="-122"/>
               <a:ea typeface="微软雅黑" panose="020B0503020204020204" pitchFamily="34" charset="-122"/>
             </a:endParaRPr>
           </a:p>
-        </p:txBody>
-      </p:sp>
+          <a:p>
+            <a:pPr marL="571500" indent="-571500" algn="l">
+              <a:lnSpc>
+                <a:spcPct val="200000"/>
+              </a:lnSpc>
+              <a:buFont typeface="Arial" panose="020B0604020202020204" pitchFamily="34" charset="0"/>
+              <a:buChar char="•"/>
+            </a:pPr>
+            <a:r>
+              <a:rPr lang="zh-CN" altLang="en-US" sz="2800" dirty="0">
+                <a:latin typeface="微软雅黑" panose="020B0503020204020204" pitchFamily="34" charset="-122"/>
+                <a:ea typeface="微软雅黑" panose="020B0503020204020204" pitchFamily="34" charset="-122"/>
+              </a:rPr>
+              <a:t>Victims: Users whose data has been contaminated</a:t>
+            </a:r>
+            <a:endParaRPr lang="zh-CN" altLang="en-US" sz="2800" dirty="0">
+              <a:latin typeface="微软雅黑" panose="020B0503020204020204" pitchFamily="34" charset="-122"/>
+              <a:ea typeface="微软雅黑" panose="020B0503020204020204" pitchFamily="34" charset="-122"/>
+            </a:endParaRPr>
+          </a:p>
+        </p:txBody>
+      </p:sp>
+      <p:sp>
+        <p:nvSpPr>
+          <p:cNvPr id="18" name="矩形 17"/>
+          <p:cNvSpPr/>
+          <p:nvPr/>
+        </p:nvSpPr>
+        <p:spPr>
+          <a:xfrm>
+            <a:off x="2360295" y="1405890"/>
+            <a:ext cx="6819900" cy="1014730"/>
+          </a:xfrm>
+          <a:prstGeom prst="rect">
+            <a:avLst/>
+          </a:prstGeom>
+          <a:noFill/>
+          <a:ln>
+            <a:noFill/>
+          </a:ln>
+        </p:spPr>
+        <p:txBody>
+          <a:bodyPr wrap="none" rtlCol="0" anchor="t">
+            <a:spAutoFit/>
+          </a:bodyPr>
+          <a:p>
+            <a:pPr algn="ctr"/>
+            <a:r>
+              <a:rPr lang="en-US" altLang="zh-CN" sz="6000">
+                <a:solidFill>
+                  <a:schemeClr val="tx1"/>
+                </a:solidFill>
+                <a:effectLst>
+                  <a:outerShdw blurRad="38100" dist="19050" dir="2700000" algn="tl" rotWithShape="0">
+                    <a:schemeClr val="dk1">
+                      <a:alpha val="40000"/>
+                      <a:alpha val="40000"/>
+                    </a:schemeClr>
+                  </a:outerShdw>
+                </a:effectLst>
+              </a:rPr>
+              <a:t>Attackers vs Victims</a:t>
+            </a:r>
+            <a:endParaRPr lang="en-US" altLang="zh-CN" sz="6000">
+              <a:solidFill>
+                <a:schemeClr val="tx1"/>
+              </a:solidFill>
+              <a:effectLst>
+                <a:outerShdw blurRad="38100" dist="19050" dir="2700000" algn="tl" rotWithShape="0">
+                  <a:schemeClr val="dk1">
+                    <a:alpha val="40000"/>
+                    <a:alpha val="40000"/>
+                  </a:schemeClr>
+                </a:outerShdw>
+              </a:effectLst>
+            </a:endParaRPr>
+          </a:p>
+        </p:txBody>
+      </p:sp>
+    </p:spTree>
+  </p:cSld>
+  <p:clrMapOvr>
+    <a:masterClrMapping/>
+  </p:clrMapOvr>
+  <mc:AlternateContent xmlns:mc="http://schemas.openxmlformats.org/markup-compatibility/2006">
+    <mc:Choice xmlns:p14="http://schemas.microsoft.com/office/powerpoint/2010/main" Requires="p14">
+      <p:transition spd="med" p14:dur="700">
+        <p:fade/>
+      </p:transition>
+    </mc:Choice>
+    <mc:Fallback>
+      <p:transition spd="med">
+        <p:fade/>
+      </p:transition>
+    </mc:Fallback>
+  </mc:AlternateContent>
+</p:sld>
+</file>
+
+<file path=ppt/slides/slide6.xml><?xml version="1.0" encoding="utf-8"?>
+<p:sld xmlns:a="http://schemas.openxmlformats.org/drawingml/2006/main" xmlns:r="http://schemas.openxmlformats.org/officeDocument/2006/relationships" xmlns:p="http://schemas.openxmlformats.org/presentationml/2006/main">
+  <p:cSld>
+    <p:spTree>
+      <p:nvGrpSpPr>
+        <p:cNvPr id="1" name=""/>
+        <p:cNvGrpSpPr/>
+        <p:nvPr/>
+      </p:nvGrpSpPr>
+      <p:grpSpPr>
+        <a:xfrm>
+          <a:off x="0" y="0"/>
+          <a:ext cx="0" cy="0"/>
+          <a:chOff x="0" y="0"/>
+          <a:chExt cx="0" cy="0"/>
+        </a:xfrm>
+      </p:grpSpPr>
+      <p:sp>
+        <p:nvSpPr>
+          <p:cNvPr id="2" name="标题 1"/>
+          <p:cNvSpPr>
+            <a:spLocks noGrp="1"/>
+          </p:cNvSpPr>
+          <p:nvPr>
+            <p:ph type="ctrTitle"/>
+          </p:nvPr>
+        </p:nvSpPr>
+        <p:spPr>
+          <a:xfrm>
+            <a:off x="705485" y="396240"/>
+            <a:ext cx="9144000" cy="757555"/>
+          </a:xfrm>
+        </p:spPr>
+        <p:txBody>
+          <a:bodyPr>
+            <a:normAutofit fontScale="90000"/>
+          </a:bodyPr>
+          <a:lstStyle/>
+          <a:p>
+            <a:pPr algn="l">
+              <a:lnSpc>
+                <a:spcPct val="200000"/>
+              </a:lnSpc>
+            </a:pPr>
+            <a:r>
+              <a:rPr lang="en-US" altLang="zh-CN" sz="3200" b="1" dirty="0">
+                <a:latin typeface="微软雅黑" panose="020B0503020204020204" pitchFamily="34" charset="-122"/>
+                <a:ea typeface="微软雅黑" panose="020B0503020204020204" pitchFamily="34" charset="-122"/>
+                <a:sym typeface="+mn-ea"/>
+              </a:rPr>
+              <a:t>R</a:t>
+            </a:r>
+            <a:r>
+              <a:rPr lang="zh-CN" altLang="en-US" sz="3200" b="1" dirty="0">
+                <a:latin typeface="微软雅黑" panose="020B0503020204020204" pitchFamily="34" charset="-122"/>
+                <a:ea typeface="微软雅黑" panose="020B0503020204020204" pitchFamily="34" charset="-122"/>
+                <a:sym typeface="+mn-ea"/>
+              </a:rPr>
+              <a:t>esearch </a:t>
+            </a:r>
+            <a:r>
+              <a:rPr lang="en-US" altLang="zh-CN" sz="3200" b="1" dirty="0">
+                <a:latin typeface="微软雅黑" panose="020B0503020204020204" pitchFamily="34" charset="-122"/>
+                <a:ea typeface="微软雅黑" panose="020B0503020204020204" pitchFamily="34" charset="-122"/>
+                <a:sym typeface="+mn-ea"/>
+              </a:rPr>
+              <a:t>B</a:t>
+            </a:r>
+            <a:r>
+              <a:rPr lang="zh-CN" altLang="en-US" sz="3200" b="1" dirty="0">
+                <a:latin typeface="微软雅黑" panose="020B0503020204020204" pitchFamily="34" charset="-122"/>
+                <a:ea typeface="微软雅黑" panose="020B0503020204020204" pitchFamily="34" charset="-122"/>
+                <a:sym typeface="+mn-ea"/>
+              </a:rPr>
+              <a:t>ackground</a:t>
+            </a:r>
+            <a:endParaRPr lang="en-US" sz="3200" b="1" dirty="0">
+              <a:latin typeface="微软雅黑" panose="020B0503020204020204" pitchFamily="34" charset="-122"/>
+              <a:ea typeface="微软雅黑" panose="020B0503020204020204" pitchFamily="34" charset="-122"/>
+              <a:sym typeface="+mn-ea"/>
+            </a:endParaRPr>
+          </a:p>
+        </p:txBody>
+      </p:sp>
+      <p:pic>
+        <p:nvPicPr>
+          <p:cNvPr id="3" name="图片 2"/>
+          <p:cNvPicPr>
+            <a:picLocks noChangeAspect="1"/>
+          </p:cNvPicPr>
+          <p:nvPr/>
+        </p:nvPicPr>
+        <p:blipFill>
+          <a:blip r:embed="rId1"/>
+          <a:stretch>
+            <a:fillRect/>
+          </a:stretch>
+        </p:blipFill>
+        <p:spPr>
+          <a:xfrm>
+            <a:off x="13252" y="4907605"/>
+            <a:ext cx="12192000" cy="1980925"/>
+          </a:xfrm>
+          <a:prstGeom prst="rect">
+            <a:avLst/>
+          </a:prstGeom>
+        </p:spPr>
+      </p:pic>
+      <p:pic>
+        <p:nvPicPr>
+          <p:cNvPr id="8" name="图片 7"/>
+          <p:cNvPicPr>
+            <a:picLocks noChangeAspect="1"/>
+          </p:cNvPicPr>
+          <p:nvPr/>
+        </p:nvPicPr>
+        <p:blipFill>
+          <a:blip r:embed="rId2"/>
+          <a:stretch>
+            <a:fillRect/>
+          </a:stretch>
+        </p:blipFill>
+        <p:spPr>
+          <a:xfrm>
+            <a:off x="439676" y="307638"/>
+            <a:ext cx="265554" cy="934751"/>
+          </a:xfrm>
+          <a:prstGeom prst="rect">
+            <a:avLst/>
+          </a:prstGeom>
+        </p:spPr>
+      </p:pic>
+      <p:pic>
+        <p:nvPicPr>
+          <p:cNvPr id="9" name="图片 8"/>
+          <p:cNvPicPr>
+            <a:picLocks noChangeAspect="1"/>
+          </p:cNvPicPr>
+          <p:nvPr/>
+        </p:nvPicPr>
+        <p:blipFill>
+          <a:blip r:embed="rId3"/>
+          <a:stretch>
+            <a:fillRect/>
+          </a:stretch>
+        </p:blipFill>
+        <p:spPr>
+          <a:xfrm>
+            <a:off x="-22104" y="5391540"/>
+            <a:ext cx="5018936" cy="1334540"/>
+          </a:xfrm>
+          <a:prstGeom prst="rect">
+            <a:avLst/>
+          </a:prstGeom>
+        </p:spPr>
+      </p:pic>
+      <p:pic>
+        <p:nvPicPr>
+          <p:cNvPr id="7" name="图片 6"/>
+          <p:cNvPicPr>
+            <a:picLocks noChangeAspect="1"/>
+          </p:cNvPicPr>
+          <p:nvPr/>
+        </p:nvPicPr>
+        <p:blipFill rotWithShape="1">
+          <a:blip r:embed="rId3"/>
+          <a:srcRect l="13807"/>
+          <a:stretch>
+            <a:fillRect/>
+          </a:stretch>
+        </p:blipFill>
+        <p:spPr>
+          <a:xfrm>
+            <a:off x="4996832" y="5391540"/>
+            <a:ext cx="4325964" cy="1334540"/>
+          </a:xfrm>
+          <a:prstGeom prst="rect">
+            <a:avLst/>
+          </a:prstGeom>
+        </p:spPr>
+      </p:pic>
+      <p:pic>
+        <p:nvPicPr>
+          <p:cNvPr id="10" name="图片 9"/>
+          <p:cNvPicPr>
+            <a:picLocks noChangeAspect="1"/>
+          </p:cNvPicPr>
+          <p:nvPr/>
+        </p:nvPicPr>
+        <p:blipFill rotWithShape="1">
+          <a:blip r:embed="rId3"/>
+          <a:srcRect l="11337" r="31759"/>
+          <a:stretch>
+            <a:fillRect/>
+          </a:stretch>
+        </p:blipFill>
+        <p:spPr>
+          <a:xfrm flipH="1">
+            <a:off x="9322796" y="5391540"/>
+            <a:ext cx="2855952" cy="1334540"/>
+          </a:xfrm>
+          <a:prstGeom prst="rect">
+            <a:avLst/>
+          </a:prstGeom>
+        </p:spPr>
+      </p:pic>
+      <p:pic>
+        <p:nvPicPr>
+          <p:cNvPr id="5" name="图片 4"/>
+          <p:cNvPicPr>
+            <a:picLocks noChangeAspect="1"/>
+          </p:cNvPicPr>
+          <p:nvPr/>
+        </p:nvPicPr>
+        <p:blipFill>
+          <a:blip r:embed="rId4"/>
+          <a:stretch>
+            <a:fillRect/>
+          </a:stretch>
+        </p:blipFill>
+        <p:spPr>
+          <a:xfrm>
+            <a:off x="9515388" y="485139"/>
+            <a:ext cx="2358781" cy="579748"/>
+          </a:xfrm>
+          <a:prstGeom prst="rect">
+            <a:avLst/>
+          </a:prstGeom>
+        </p:spPr>
+      </p:pic>
+      <p:sp>
+        <p:nvSpPr>
+          <p:cNvPr id="17" name="标题 1"/>
+          <p:cNvSpPr txBox="1"/>
+          <p:nvPr/>
+        </p:nvSpPr>
+        <p:spPr>
+          <a:xfrm>
+            <a:off x="439722" y="4304665"/>
+            <a:ext cx="11130613" cy="869950"/>
+          </a:xfrm>
+          <a:prstGeom prst="rect">
+            <a:avLst/>
+          </a:prstGeom>
+        </p:spPr>
+        <p:txBody>
+          <a:bodyPr vert="horz" lIns="91440" tIns="45720" rIns="91440" bIns="45720" rtlCol="0" anchor="b">
+            <a:noAutofit/>
+          </a:bodyPr>
+          <a:lstStyle>
+            <a:lvl1pPr algn="ctr" defTabSz="914400" rtl="0" eaLnBrk="1" latinLnBrk="0" hangingPunct="1">
+              <a:lnSpc>
+                <a:spcPct val="90000"/>
+              </a:lnSpc>
+              <a:spcBef>
+                <a:spcPct val="0"/>
+              </a:spcBef>
+              <a:buNone/>
+              <a:defRPr sz="6000" kern="1200">
+                <a:solidFill>
+                  <a:schemeClr val="tx1"/>
+                </a:solidFill>
+                <a:latin typeface="+mj-lt"/>
+                <a:ea typeface="+mj-ea"/>
+                <a:cs typeface="+mj-cs"/>
+              </a:defRPr>
+            </a:lvl1pPr>
+          </a:lstStyle>
+          <a:p>
+            <a:pPr marL="571500" indent="-571500" algn="l">
+              <a:lnSpc>
+                <a:spcPct val="200000"/>
+              </a:lnSpc>
+              <a:buFont typeface="Arial" panose="020B0604020202020204" pitchFamily="34" charset="0"/>
+              <a:buChar char="•"/>
+            </a:pPr>
+            <a:endParaRPr lang="en-US" altLang="zh-CN" sz="2800" dirty="0">
+              <a:latin typeface="微软雅黑" panose="020B0503020204020204" pitchFamily="34" charset="-122"/>
+              <a:ea typeface="微软雅黑" panose="020B0503020204020204" pitchFamily="34" charset="-122"/>
+            </a:endParaRPr>
+          </a:p>
+          <a:p>
+            <a:pPr marL="571500" indent="-571500" algn="l">
+              <a:lnSpc>
+                <a:spcPct val="200000"/>
+              </a:lnSpc>
+              <a:buFont typeface="Arial" panose="020B0604020202020204" pitchFamily="34" charset="0"/>
+              <a:buChar char="•"/>
+            </a:pPr>
+            <a:endParaRPr lang="en-US" altLang="zh-CN" sz="2800" dirty="0">
+              <a:latin typeface="微软雅黑" panose="020B0503020204020204" pitchFamily="34" charset="-122"/>
+              <a:ea typeface="微软雅黑" panose="020B0503020204020204" pitchFamily="34" charset="-122"/>
+            </a:endParaRPr>
+          </a:p>
+          <a:p>
+            <a:pPr algn="l">
+              <a:lnSpc>
+                <a:spcPct val="200000"/>
+              </a:lnSpc>
+            </a:pPr>
+            <a:endParaRPr lang="en-US" altLang="zh-CN" sz="2800" dirty="0">
+              <a:latin typeface="微软雅黑" panose="020B0503020204020204" pitchFamily="34" charset="-122"/>
+              <a:ea typeface="微软雅黑" panose="020B0503020204020204" pitchFamily="34" charset="-122"/>
+            </a:endParaRPr>
+          </a:p>
+          <a:p>
+            <a:pPr algn="l">
+              <a:lnSpc>
+                <a:spcPct val="200000"/>
+              </a:lnSpc>
+            </a:pPr>
+            <a:endParaRPr lang="en-US" altLang="zh-CN" sz="2800" dirty="0">
+              <a:latin typeface="微软雅黑" panose="020B0503020204020204" pitchFamily="34" charset="-122"/>
+              <a:ea typeface="微软雅黑" panose="020B0503020204020204" pitchFamily="34" charset="-122"/>
+            </a:endParaRPr>
+          </a:p>
+          <a:p>
+            <a:pPr marL="571500" indent="-571500" algn="l">
+              <a:lnSpc>
+                <a:spcPct val="200000"/>
+              </a:lnSpc>
+              <a:buFont typeface="Arial" panose="020B0604020202020204" pitchFamily="34" charset="0"/>
+              <a:buChar char="•"/>
+            </a:pPr>
+            <a:r>
+              <a:rPr lang="zh-CN" altLang="en-US" sz="2800" dirty="0">
+                <a:latin typeface="微软雅黑" panose="020B0503020204020204" pitchFamily="34" charset="-122"/>
+                <a:ea typeface="微软雅黑" panose="020B0503020204020204" pitchFamily="34" charset="-122"/>
+              </a:rPr>
+              <a:t>Attacker</a:t>
+            </a:r>
+            <a:r>
+              <a:rPr lang="en-US" altLang="zh-CN" sz="2800" dirty="0">
+                <a:latin typeface="微软雅黑" panose="020B0503020204020204" pitchFamily="34" charset="-122"/>
+                <a:ea typeface="微软雅黑" panose="020B0503020204020204" pitchFamily="34" charset="-122"/>
+              </a:rPr>
+              <a:t>s</a:t>
+            </a:r>
+            <a:r>
+              <a:rPr lang="zh-CN" altLang="en-US" sz="2800" dirty="0">
+                <a:latin typeface="微软雅黑" panose="020B0503020204020204" pitchFamily="34" charset="-122"/>
+                <a:ea typeface="微软雅黑" panose="020B0503020204020204" pitchFamily="34" charset="-122"/>
+              </a:rPr>
+              <a:t>: </a:t>
+            </a:r>
+            <a:r>
+              <a:rPr lang="en-US" altLang="zh-CN" sz="2800" dirty="0">
+                <a:latin typeface="微软雅黑" panose="020B0503020204020204" pitchFamily="34" charset="-122"/>
+                <a:ea typeface="微软雅黑" panose="020B0503020204020204" pitchFamily="34" charset="-122"/>
+              </a:rPr>
+              <a:t>U</a:t>
+            </a:r>
+            <a:r>
+              <a:rPr lang="zh-CN" altLang="en-US" sz="2800" dirty="0">
+                <a:latin typeface="微软雅黑" panose="020B0503020204020204" pitchFamily="34" charset="-122"/>
+                <a:ea typeface="微软雅黑" panose="020B0503020204020204" pitchFamily="34" charset="-122"/>
+              </a:rPr>
+              <a:t>ser who intentionally compromises network security</a:t>
+            </a:r>
+            <a:endParaRPr lang="zh-CN" altLang="en-US" sz="2800" dirty="0">
+              <a:latin typeface="微软雅黑" panose="020B0503020204020204" pitchFamily="34" charset="-122"/>
+              <a:ea typeface="微软雅黑" panose="020B0503020204020204" pitchFamily="34" charset="-122"/>
+            </a:endParaRPr>
+          </a:p>
+          <a:p>
+            <a:pPr marL="571500" indent="-571500" algn="l">
+              <a:lnSpc>
+                <a:spcPct val="200000"/>
+              </a:lnSpc>
+              <a:buFont typeface="Arial" panose="020B0604020202020204" pitchFamily="34" charset="0"/>
+              <a:buChar char="•"/>
+            </a:pPr>
+            <a:r>
+              <a:rPr lang="zh-CN" altLang="en-US" sz="2800" dirty="0">
+                <a:latin typeface="微软雅黑" panose="020B0503020204020204" pitchFamily="34" charset="-122"/>
+                <a:ea typeface="微软雅黑" panose="020B0503020204020204" pitchFamily="34" charset="-122"/>
+              </a:rPr>
+              <a:t>Victims: Users whose data has been contaminated</a:t>
+            </a:r>
+            <a:endParaRPr lang="zh-CN" altLang="en-US" sz="2800" dirty="0">
+              <a:latin typeface="微软雅黑" panose="020B0503020204020204" pitchFamily="34" charset="-122"/>
+              <a:ea typeface="微软雅黑" panose="020B0503020204020204" pitchFamily="34" charset="-122"/>
+            </a:endParaRPr>
+          </a:p>
+        </p:txBody>
+      </p:sp>
+      <p:sp>
+        <p:nvSpPr>
+          <p:cNvPr id="18" name="矩形 17"/>
+          <p:cNvSpPr/>
+          <p:nvPr/>
+        </p:nvSpPr>
+        <p:spPr>
+          <a:xfrm>
+            <a:off x="2360295" y="1405890"/>
+            <a:ext cx="6819900" cy="1014730"/>
+          </a:xfrm>
+          <a:prstGeom prst="rect">
+            <a:avLst/>
+          </a:prstGeom>
+          <a:noFill/>
+          <a:ln>
+            <a:noFill/>
+          </a:ln>
+        </p:spPr>
+        <p:txBody>
+          <a:bodyPr wrap="none" rtlCol="0" anchor="t">
+            <a:spAutoFit/>
+          </a:bodyPr>
+          <a:p>
+            <a:pPr algn="ctr"/>
+            <a:r>
+              <a:rPr lang="en-US" altLang="zh-CN" sz="6000">
+                <a:solidFill>
+                  <a:schemeClr val="tx1"/>
+                </a:solidFill>
+                <a:effectLst>
+                  <a:outerShdw blurRad="38100" dist="19050" dir="2700000" algn="tl" rotWithShape="0">
+                    <a:schemeClr val="dk1">
+                      <a:alpha val="40000"/>
+                      <a:alpha val="40000"/>
+                    </a:schemeClr>
+                  </a:outerShdw>
+                </a:effectLst>
+              </a:rPr>
+              <a:t>Attackers vs Victims</a:t>
+            </a:r>
+            <a:endParaRPr lang="en-US" altLang="zh-CN" sz="6000">
+              <a:solidFill>
+                <a:schemeClr val="tx1"/>
+              </a:solidFill>
+              <a:effectLst>
+                <a:outerShdw blurRad="38100" dist="19050" dir="2700000" algn="tl" rotWithShape="0">
+                  <a:schemeClr val="dk1">
+                    <a:alpha val="40000"/>
+                    <a:alpha val="40000"/>
+                  </a:schemeClr>
+                </a:outerShdw>
+              </a:effectLst>
+            </a:endParaRPr>
+          </a:p>
+        </p:txBody>
+      </p:sp>
+    </p:spTree>
+  </p:cSld>
+  <p:clrMapOvr>
+    <a:masterClrMapping/>
+  </p:clrMapOvr>
+  <mc:AlternateContent xmlns:mc="http://schemas.openxmlformats.org/markup-compatibility/2006">
+    <mc:Choice xmlns:p14="http://schemas.microsoft.com/office/powerpoint/2010/main" Requires="p14">
+      <p:transition spd="med" p14:dur="700">
+        <p:fade/>
+      </p:transition>
+    </mc:Choice>
+    <mc:Fallback>
+      <p:transition spd="med">
+        <p:fade/>
+      </p:transition>
+    </mc:Fallback>
+  </mc:AlternateContent>
+</p:sld>
+</file>
+
+<file path=ppt/slides/slide7.xml><?xml version="1.0" encoding="utf-8"?>
+<p:sld xmlns:a="http://schemas.openxmlformats.org/drawingml/2006/main" xmlns:r="http://schemas.openxmlformats.org/officeDocument/2006/relationships" xmlns:p="http://schemas.openxmlformats.org/presentationml/2006/main">
+  <p:cSld>
+    <p:spTree>
+      <p:nvGrpSpPr>
+        <p:cNvPr id="1" name=""/>
+        <p:cNvGrpSpPr/>
+        <p:nvPr/>
+      </p:nvGrpSpPr>
+      <p:grpSpPr>
+        <a:xfrm>
+          <a:off x="0" y="0"/>
+          <a:ext cx="0" cy="0"/>
+          <a:chOff x="0" y="0"/>
+          <a:chExt cx="0" cy="0"/>
+        </a:xfrm>
+      </p:grpSpPr>
+      <p:sp>
+        <p:nvSpPr>
+          <p:cNvPr id="2" name="标题 1"/>
+          <p:cNvSpPr>
+            <a:spLocks noGrp="1"/>
+          </p:cNvSpPr>
+          <p:nvPr>
+            <p:ph type="ctrTitle"/>
+          </p:nvPr>
+        </p:nvSpPr>
+        <p:spPr>
+          <a:xfrm>
+            <a:off x="705485" y="396240"/>
+            <a:ext cx="9144000" cy="757555"/>
+          </a:xfrm>
+        </p:spPr>
+        <p:txBody>
+          <a:bodyPr>
+            <a:normAutofit fontScale="90000"/>
+          </a:bodyPr>
+          <a:lstStyle/>
+          <a:p>
+            <a:pPr algn="l">
+              <a:lnSpc>
+                <a:spcPct val="200000"/>
+              </a:lnSpc>
+            </a:pPr>
+            <a:r>
+              <a:rPr lang="en-US" altLang="zh-CN" sz="3200" b="1" dirty="0">
+                <a:latin typeface="微软雅黑" panose="020B0503020204020204" pitchFamily="34" charset="-122"/>
+                <a:ea typeface="微软雅黑" panose="020B0503020204020204" pitchFamily="34" charset="-122"/>
+                <a:sym typeface="+mn-ea"/>
+              </a:rPr>
+              <a:t>R</a:t>
+            </a:r>
+            <a:r>
+              <a:rPr lang="zh-CN" altLang="en-US" sz="3200" b="1" dirty="0">
+                <a:latin typeface="微软雅黑" panose="020B0503020204020204" pitchFamily="34" charset="-122"/>
+                <a:ea typeface="微软雅黑" panose="020B0503020204020204" pitchFamily="34" charset="-122"/>
+                <a:sym typeface="+mn-ea"/>
+              </a:rPr>
+              <a:t>esearch </a:t>
+            </a:r>
+            <a:r>
+              <a:rPr lang="en-US" altLang="zh-CN" sz="3200" b="1" dirty="0">
+                <a:latin typeface="微软雅黑" panose="020B0503020204020204" pitchFamily="34" charset="-122"/>
+                <a:ea typeface="微软雅黑" panose="020B0503020204020204" pitchFamily="34" charset="-122"/>
+                <a:sym typeface="+mn-ea"/>
+              </a:rPr>
+              <a:t>T</a:t>
+            </a:r>
+            <a:r>
+              <a:rPr lang="zh-CN" altLang="en-US" sz="3200" b="1" dirty="0">
+                <a:latin typeface="微软雅黑" panose="020B0503020204020204" pitchFamily="34" charset="-122"/>
+                <a:ea typeface="微软雅黑" panose="020B0503020204020204" pitchFamily="34" charset="-122"/>
+                <a:sym typeface="+mn-ea"/>
+              </a:rPr>
+              <a:t>arget</a:t>
+            </a:r>
+            <a:endParaRPr lang="en-US" sz="3200" b="1" dirty="0">
+              <a:latin typeface="微软雅黑" panose="020B0503020204020204" pitchFamily="34" charset="-122"/>
+              <a:ea typeface="微软雅黑" panose="020B0503020204020204" pitchFamily="34" charset="-122"/>
+              <a:sym typeface="+mn-ea"/>
+            </a:endParaRPr>
+          </a:p>
+        </p:txBody>
+      </p:sp>
+      <p:pic>
+        <p:nvPicPr>
+          <p:cNvPr id="3" name="图片 2"/>
+          <p:cNvPicPr>
+            <a:picLocks noChangeAspect="1"/>
+          </p:cNvPicPr>
+          <p:nvPr/>
+        </p:nvPicPr>
+        <p:blipFill>
+          <a:blip r:embed="rId1"/>
+          <a:stretch>
+            <a:fillRect/>
+          </a:stretch>
+        </p:blipFill>
+        <p:spPr>
+          <a:xfrm>
+            <a:off x="13252" y="4907605"/>
+            <a:ext cx="12192000" cy="1980925"/>
+          </a:xfrm>
+          <a:prstGeom prst="rect">
+            <a:avLst/>
+          </a:prstGeom>
+        </p:spPr>
+      </p:pic>
+      <p:pic>
+        <p:nvPicPr>
+          <p:cNvPr id="8" name="图片 7"/>
+          <p:cNvPicPr>
+            <a:picLocks noChangeAspect="1"/>
+          </p:cNvPicPr>
+          <p:nvPr/>
+        </p:nvPicPr>
+        <p:blipFill>
+          <a:blip r:embed="rId2"/>
+          <a:stretch>
+            <a:fillRect/>
+          </a:stretch>
+        </p:blipFill>
+        <p:spPr>
+          <a:xfrm>
+            <a:off x="439676" y="307638"/>
+            <a:ext cx="265554" cy="934751"/>
+          </a:xfrm>
+          <a:prstGeom prst="rect">
+            <a:avLst/>
+          </a:prstGeom>
+        </p:spPr>
+      </p:pic>
+      <p:pic>
+        <p:nvPicPr>
+          <p:cNvPr id="9" name="图片 8"/>
+          <p:cNvPicPr>
+            <a:picLocks noChangeAspect="1"/>
+          </p:cNvPicPr>
+          <p:nvPr/>
+        </p:nvPicPr>
+        <p:blipFill>
+          <a:blip r:embed="rId3"/>
+          <a:stretch>
+            <a:fillRect/>
+          </a:stretch>
+        </p:blipFill>
+        <p:spPr>
+          <a:xfrm>
+            <a:off x="-22104" y="5391540"/>
+            <a:ext cx="5018936" cy="1334540"/>
+          </a:xfrm>
+          <a:prstGeom prst="rect">
+            <a:avLst/>
+          </a:prstGeom>
+        </p:spPr>
+      </p:pic>
+      <p:pic>
+        <p:nvPicPr>
+          <p:cNvPr id="7" name="图片 6"/>
+          <p:cNvPicPr>
+            <a:picLocks noChangeAspect="1"/>
+          </p:cNvPicPr>
+          <p:nvPr/>
+        </p:nvPicPr>
+        <p:blipFill rotWithShape="1">
+          <a:blip r:embed="rId3"/>
+          <a:srcRect l="13807"/>
+          <a:stretch>
+            <a:fillRect/>
+          </a:stretch>
+        </p:blipFill>
+        <p:spPr>
+          <a:xfrm>
+            <a:off x="4996832" y="5391540"/>
+            <a:ext cx="4325964" cy="1334540"/>
+          </a:xfrm>
+          <a:prstGeom prst="rect">
+            <a:avLst/>
+          </a:prstGeom>
+        </p:spPr>
+      </p:pic>
+      <p:pic>
+        <p:nvPicPr>
+          <p:cNvPr id="10" name="图片 9"/>
+          <p:cNvPicPr>
+            <a:picLocks noChangeAspect="1"/>
+          </p:cNvPicPr>
+          <p:nvPr/>
+        </p:nvPicPr>
+        <p:blipFill rotWithShape="1">
+          <a:blip r:embed="rId3"/>
+          <a:srcRect l="11337" r="31759"/>
+          <a:stretch>
+            <a:fillRect/>
+          </a:stretch>
+        </p:blipFill>
+        <p:spPr>
+          <a:xfrm flipH="1">
+            <a:off x="9322796" y="5391540"/>
+            <a:ext cx="2855952" cy="1334540"/>
+          </a:xfrm>
+          <a:prstGeom prst="rect">
+            <a:avLst/>
+          </a:prstGeom>
+        </p:spPr>
+      </p:pic>
+      <p:pic>
+        <p:nvPicPr>
+          <p:cNvPr id="5" name="图片 4"/>
+          <p:cNvPicPr>
+            <a:picLocks noChangeAspect="1"/>
+          </p:cNvPicPr>
+          <p:nvPr/>
+        </p:nvPicPr>
+        <p:blipFill>
+          <a:blip r:embed="rId4"/>
+          <a:stretch>
+            <a:fillRect/>
+          </a:stretch>
+        </p:blipFill>
+        <p:spPr>
+          <a:xfrm>
+            <a:off x="9515388" y="485139"/>
+            <a:ext cx="2358781" cy="579748"/>
+          </a:xfrm>
+          <a:prstGeom prst="rect">
+            <a:avLst/>
+          </a:prstGeom>
+        </p:spPr>
+      </p:pic>
+      <p:sp>
+        <p:nvSpPr>
+          <p:cNvPr id="17" name="标题 1"/>
+          <p:cNvSpPr txBox="1"/>
+          <p:nvPr/>
+        </p:nvSpPr>
+        <p:spPr>
+          <a:xfrm>
+            <a:off x="165402" y="3851275"/>
+            <a:ext cx="11130613" cy="869950"/>
+          </a:xfrm>
+          <a:prstGeom prst="rect">
+            <a:avLst/>
+          </a:prstGeom>
+        </p:spPr>
+        <p:txBody>
+          <a:bodyPr vert="horz" lIns="91440" tIns="45720" rIns="91440" bIns="45720" rtlCol="0" anchor="b">
+            <a:noAutofit/>
+          </a:bodyPr>
+          <a:lstStyle>
+            <a:lvl1pPr algn="ctr" defTabSz="914400" rtl="0" eaLnBrk="1" latinLnBrk="0" hangingPunct="1">
+              <a:lnSpc>
+                <a:spcPct val="90000"/>
+              </a:lnSpc>
+              <a:spcBef>
+                <a:spcPct val="0"/>
+              </a:spcBef>
+              <a:buNone/>
+              <a:defRPr sz="6000" kern="1200">
+                <a:solidFill>
+                  <a:schemeClr val="tx1"/>
+                </a:solidFill>
+                <a:latin typeface="+mj-lt"/>
+                <a:ea typeface="+mj-ea"/>
+                <a:cs typeface="+mj-cs"/>
+              </a:defRPr>
+            </a:lvl1pPr>
+          </a:lstStyle>
+          <a:p>
+            <a:pPr marL="571500" indent="-571500" algn="l">
+              <a:lnSpc>
+                <a:spcPct val="200000"/>
+              </a:lnSpc>
+              <a:buFont typeface="Arial" panose="020B0604020202020204" pitchFamily="34" charset="0"/>
+              <a:buChar char="•"/>
+            </a:pPr>
+            <a:endParaRPr lang="en-US" altLang="zh-CN" sz="2800" dirty="0">
+              <a:latin typeface="微软雅黑" panose="020B0503020204020204" pitchFamily="34" charset="-122"/>
+              <a:ea typeface="微软雅黑" panose="020B0503020204020204" pitchFamily="34" charset="-122"/>
+            </a:endParaRPr>
+          </a:p>
+          <a:p>
+            <a:pPr marL="571500" indent="-571500" algn="l">
+              <a:lnSpc>
+                <a:spcPct val="200000"/>
+              </a:lnSpc>
+              <a:buFont typeface="Arial" panose="020B0604020202020204" pitchFamily="34" charset="0"/>
+              <a:buChar char="•"/>
+            </a:pPr>
+            <a:endParaRPr lang="en-US" altLang="zh-CN" sz="2800" dirty="0">
+              <a:latin typeface="微软雅黑" panose="020B0503020204020204" pitchFamily="34" charset="-122"/>
+              <a:ea typeface="微软雅黑" panose="020B0503020204020204" pitchFamily="34" charset="-122"/>
+            </a:endParaRPr>
+          </a:p>
+          <a:p>
+            <a:pPr algn="l">
+              <a:lnSpc>
+                <a:spcPct val="200000"/>
+              </a:lnSpc>
+            </a:pPr>
+            <a:endParaRPr lang="en-US" altLang="zh-CN" sz="2800" dirty="0">
+              <a:latin typeface="微软雅黑" panose="020B0503020204020204" pitchFamily="34" charset="-122"/>
+              <a:ea typeface="微软雅黑" panose="020B0503020204020204" pitchFamily="34" charset="-122"/>
+            </a:endParaRPr>
+          </a:p>
+          <a:p>
+            <a:pPr algn="l">
+              <a:lnSpc>
+                <a:spcPct val="200000"/>
+              </a:lnSpc>
+            </a:pPr>
+            <a:endParaRPr lang="en-US" altLang="zh-CN" sz="2800" dirty="0">
+              <a:latin typeface="微软雅黑" panose="020B0503020204020204" pitchFamily="34" charset="-122"/>
+              <a:ea typeface="微软雅黑" panose="020B0503020204020204" pitchFamily="34" charset="-122"/>
+            </a:endParaRPr>
+          </a:p>
+          <a:p>
+            <a:pPr marL="571500" indent="-571500" algn="l">
+              <a:lnSpc>
+                <a:spcPct val="200000"/>
+              </a:lnSpc>
+              <a:buFont typeface="Arial" panose="020B0604020202020204" pitchFamily="34" charset="0"/>
+              <a:buChar char="•"/>
+            </a:pPr>
+            <a:r>
+              <a:rPr sz="2800" dirty="0">
+                <a:latin typeface="微软雅黑" panose="020B0503020204020204" pitchFamily="34" charset="-122"/>
+                <a:ea typeface="微软雅黑" panose="020B0503020204020204" pitchFamily="34" charset="-122"/>
+              </a:rPr>
+              <a:t>The network system can accurately identify attackers and victims</a:t>
+            </a:r>
+            <a:endParaRPr sz="2800" dirty="0">
+              <a:latin typeface="微软雅黑" panose="020B0503020204020204" pitchFamily="34" charset="-122"/>
+              <a:ea typeface="微软雅黑" panose="020B0503020204020204" pitchFamily="34" charset="-122"/>
+            </a:endParaRPr>
+          </a:p>
+          <a:p>
+            <a:pPr marL="571500" indent="-571500" algn="l">
+              <a:lnSpc>
+                <a:spcPct val="200000"/>
+              </a:lnSpc>
+              <a:buFont typeface="Arial" panose="020B0604020202020204" pitchFamily="34" charset="0"/>
+              <a:buChar char="•"/>
+            </a:pPr>
+            <a:r>
+              <a:rPr sz="2800" dirty="0">
+                <a:latin typeface="微软雅黑" panose="020B0503020204020204" pitchFamily="34" charset="-122"/>
+                <a:ea typeface="微软雅黑" panose="020B0503020204020204" pitchFamily="34" charset="-122"/>
+              </a:rPr>
+              <a:t>The network system can detect noise data and non-</a:t>
+            </a:r>
+            <a:r>
+              <a:rPr lang="en-US" sz="2800" dirty="0">
+                <a:latin typeface="微软雅黑" panose="020B0503020204020204" pitchFamily="34" charset="-122"/>
+                <a:ea typeface="微软雅黑" panose="020B0503020204020204" pitchFamily="34" charset="-122"/>
+              </a:rPr>
+              <a:t>IID</a:t>
+            </a:r>
+            <a:r>
+              <a:rPr sz="2800" dirty="0">
+                <a:latin typeface="微软雅黑" panose="020B0503020204020204" pitchFamily="34" charset="-122"/>
+                <a:ea typeface="微软雅黑" panose="020B0503020204020204" pitchFamily="34" charset="-122"/>
+              </a:rPr>
+              <a:t> data</a:t>
+            </a:r>
+            <a:endParaRPr sz="2800" dirty="0">
+              <a:latin typeface="微软雅黑" panose="020B0503020204020204" pitchFamily="34" charset="-122"/>
+              <a:ea typeface="微软雅黑" panose="020B0503020204020204" pitchFamily="34" charset="-122"/>
+            </a:endParaRPr>
+          </a:p>
+        </p:txBody>
+      </p:sp>
+    </p:spTree>
+  </p:cSld>
+  <p:clrMapOvr>
+    <a:masterClrMapping/>
+  </p:clrMapOvr>
+  <mc:AlternateContent xmlns:mc="http://schemas.openxmlformats.org/markup-compatibility/2006">
+    <mc:Choice xmlns:p14="http://schemas.microsoft.com/office/powerpoint/2010/main" Requires="p14">
+      <p:transition spd="med" p14:dur="700">
+        <p:fade/>
+      </p:transition>
+    </mc:Choice>
+    <mc:Fallback>
+      <p:transition spd="med">
+        <p:fade/>
+      </p:transition>
+    </mc:Fallback>
+  </mc:AlternateContent>
+</p:sld>
+</file>
+
+<file path=ppt/slides/slide8.xml><?xml version="1.0" encoding="utf-8"?>
+<p:sld xmlns:a="http://schemas.openxmlformats.org/drawingml/2006/main" xmlns:r="http://schemas.openxmlformats.org/officeDocument/2006/relationships" xmlns:p="http://schemas.openxmlformats.org/presentationml/2006/main">
+  <p:cSld>
+    <p:spTree>
+      <p:nvGrpSpPr>
+        <p:cNvPr id="1" name=""/>
+        <p:cNvGrpSpPr/>
+        <p:nvPr/>
+      </p:nvGrpSpPr>
+      <p:grpSpPr>
+        <a:xfrm>
+          <a:off x="0" y="0"/>
+          <a:ext cx="0" cy="0"/>
+          <a:chOff x="0" y="0"/>
+          <a:chExt cx="0" cy="0"/>
+        </a:xfrm>
+      </p:grpSpPr>
+      <p:sp>
+        <p:nvSpPr>
+          <p:cNvPr id="2" name="标题 1"/>
+          <p:cNvSpPr>
+            <a:spLocks noGrp="1"/>
+          </p:cNvSpPr>
+          <p:nvPr>
+            <p:ph type="ctrTitle"/>
+          </p:nvPr>
+        </p:nvSpPr>
+        <p:spPr>
+          <a:xfrm>
+            <a:off x="705485" y="396240"/>
+            <a:ext cx="9144000" cy="757555"/>
+          </a:xfrm>
+        </p:spPr>
+        <p:txBody>
+          <a:bodyPr>
+            <a:normAutofit fontScale="90000"/>
+          </a:bodyPr>
+          <a:lstStyle/>
+          <a:p>
+            <a:pPr algn="l">
+              <a:lnSpc>
+                <a:spcPct val="200000"/>
+              </a:lnSpc>
+            </a:pPr>
+            <a:r>
+              <a:rPr lang="zh-CN" altLang="en-US" sz="3200" b="1" dirty="0">
+                <a:latin typeface="微软雅黑" panose="020B0503020204020204" pitchFamily="34" charset="-122"/>
+                <a:ea typeface="微软雅黑" panose="020B0503020204020204" pitchFamily="34" charset="-122"/>
+                <a:sym typeface="+mn-ea"/>
+              </a:rPr>
+              <a:t>Major </a:t>
+            </a:r>
+            <a:r>
+              <a:rPr lang="en-US" altLang="zh-CN" sz="3200" b="1" dirty="0">
+                <a:latin typeface="微软雅黑" panose="020B0503020204020204" pitchFamily="34" charset="-122"/>
+                <a:ea typeface="微软雅黑" panose="020B0503020204020204" pitchFamily="34" charset="-122"/>
+                <a:sym typeface="+mn-ea"/>
+              </a:rPr>
+              <a:t>C</a:t>
+            </a:r>
+            <a:r>
+              <a:rPr lang="zh-CN" altLang="en-US" sz="3200" b="1" dirty="0">
+                <a:latin typeface="微软雅黑" panose="020B0503020204020204" pitchFamily="34" charset="-122"/>
+                <a:ea typeface="微软雅黑" panose="020B0503020204020204" pitchFamily="34" charset="-122"/>
+                <a:sym typeface="+mn-ea"/>
+              </a:rPr>
+              <a:t>hallenge</a:t>
+            </a:r>
+            <a:endParaRPr lang="en-US" sz="3200" b="1" dirty="0">
+              <a:latin typeface="微软雅黑" panose="020B0503020204020204" pitchFamily="34" charset="-122"/>
+              <a:ea typeface="微软雅黑" panose="020B0503020204020204" pitchFamily="34" charset="-122"/>
+              <a:sym typeface="+mn-ea"/>
+            </a:endParaRPr>
+          </a:p>
+        </p:txBody>
+      </p:sp>
+      <p:pic>
+        <p:nvPicPr>
+          <p:cNvPr id="3" name="图片 2"/>
+          <p:cNvPicPr>
+            <a:picLocks noChangeAspect="1"/>
+          </p:cNvPicPr>
+          <p:nvPr/>
+        </p:nvPicPr>
+        <p:blipFill>
+          <a:blip r:embed="rId1"/>
+          <a:stretch>
+            <a:fillRect/>
+          </a:stretch>
+        </p:blipFill>
+        <p:spPr>
+          <a:xfrm>
+            <a:off x="13252" y="4907605"/>
+            <a:ext cx="12192000" cy="1980925"/>
+          </a:xfrm>
+          <a:prstGeom prst="rect">
+            <a:avLst/>
+          </a:prstGeom>
+        </p:spPr>
+      </p:pic>
+      <p:pic>
+        <p:nvPicPr>
+          <p:cNvPr id="8" name="图片 7"/>
+          <p:cNvPicPr>
+            <a:picLocks noChangeAspect="1"/>
+          </p:cNvPicPr>
+          <p:nvPr/>
+        </p:nvPicPr>
+        <p:blipFill>
+          <a:blip r:embed="rId2"/>
+          <a:stretch>
+            <a:fillRect/>
+          </a:stretch>
+        </p:blipFill>
+        <p:spPr>
+          <a:xfrm>
+            <a:off x="439676" y="307638"/>
+            <a:ext cx="265554" cy="934751"/>
+          </a:xfrm>
+          <a:prstGeom prst="rect">
+            <a:avLst/>
+          </a:prstGeom>
+        </p:spPr>
+      </p:pic>
+      <p:pic>
+        <p:nvPicPr>
+          <p:cNvPr id="9" name="图片 8"/>
+          <p:cNvPicPr>
+            <a:picLocks noChangeAspect="1"/>
+          </p:cNvPicPr>
+          <p:nvPr/>
+        </p:nvPicPr>
+        <p:blipFill>
+          <a:blip r:embed="rId3"/>
+          <a:stretch>
+            <a:fillRect/>
+          </a:stretch>
+        </p:blipFill>
+        <p:spPr>
+          <a:xfrm>
+            <a:off x="-22104" y="5391540"/>
+            <a:ext cx="5018936" cy="1334540"/>
+          </a:xfrm>
+          <a:prstGeom prst="rect">
+            <a:avLst/>
+          </a:prstGeom>
+        </p:spPr>
+      </p:pic>
+      <p:pic>
+        <p:nvPicPr>
+          <p:cNvPr id="7" name="图片 6"/>
+          <p:cNvPicPr>
+            <a:picLocks noChangeAspect="1"/>
+          </p:cNvPicPr>
+          <p:nvPr/>
+        </p:nvPicPr>
+        <p:blipFill rotWithShape="1">
+          <a:blip r:embed="rId3"/>
+          <a:srcRect l="13807"/>
+          <a:stretch>
+            <a:fillRect/>
+          </a:stretch>
+        </p:blipFill>
+        <p:spPr>
+          <a:xfrm>
+            <a:off x="4996832" y="5391540"/>
+            <a:ext cx="4325964" cy="1334540"/>
+          </a:xfrm>
+          <a:prstGeom prst="rect">
+            <a:avLst/>
+          </a:prstGeom>
+        </p:spPr>
+      </p:pic>
+      <p:pic>
+        <p:nvPicPr>
+          <p:cNvPr id="10" name="图片 9"/>
+          <p:cNvPicPr>
+            <a:picLocks noChangeAspect="1"/>
+          </p:cNvPicPr>
+          <p:nvPr/>
+        </p:nvPicPr>
+        <p:blipFill rotWithShape="1">
+          <a:blip r:embed="rId3"/>
+          <a:srcRect l="11337" r="31759"/>
+          <a:stretch>
+            <a:fillRect/>
+          </a:stretch>
+        </p:blipFill>
+        <p:spPr>
+          <a:xfrm flipH="1">
+            <a:off x="9322796" y="5391540"/>
+            <a:ext cx="2855952" cy="1334540"/>
+          </a:xfrm>
+          <a:prstGeom prst="rect">
+            <a:avLst/>
+          </a:prstGeom>
+        </p:spPr>
+      </p:pic>
+      <p:pic>
+        <p:nvPicPr>
+          <p:cNvPr id="5" name="图片 4"/>
+          <p:cNvPicPr>
+            <a:picLocks noChangeAspect="1"/>
+          </p:cNvPicPr>
+          <p:nvPr/>
+        </p:nvPicPr>
+        <p:blipFill>
+          <a:blip r:embed="rId4"/>
+          <a:stretch>
+            <a:fillRect/>
+          </a:stretch>
+        </p:blipFill>
+        <p:spPr>
+          <a:xfrm>
+            <a:off x="9515388" y="485139"/>
+            <a:ext cx="2358781" cy="579748"/>
+          </a:xfrm>
+          <a:prstGeom prst="rect">
+            <a:avLst/>
+          </a:prstGeom>
+        </p:spPr>
+      </p:pic>
+      <p:pic>
+        <p:nvPicPr>
+          <p:cNvPr id="4" name="图片 3"/>
+          <p:cNvPicPr>
+            <a:picLocks noChangeAspect="1"/>
+          </p:cNvPicPr>
+          <p:nvPr/>
+        </p:nvPicPr>
+        <p:blipFill>
+          <a:blip r:embed="rId5"/>
+          <a:stretch>
+            <a:fillRect/>
+          </a:stretch>
+        </p:blipFill>
+        <p:spPr>
+          <a:xfrm>
+            <a:off x="7193915" y="1153795"/>
+            <a:ext cx="4450715" cy="4503420"/>
+          </a:xfrm>
+          <a:prstGeom prst="rect">
+            <a:avLst/>
+          </a:prstGeom>
+        </p:spPr>
+      </p:pic>
+      <p:sp>
+        <p:nvSpPr>
+          <p:cNvPr id="17" name="标题 1"/>
+          <p:cNvSpPr txBox="1"/>
+          <p:nvPr/>
+        </p:nvSpPr>
+        <p:spPr>
+          <a:xfrm>
+            <a:off x="162862" y="2882265"/>
+            <a:ext cx="11130613" cy="869950"/>
+          </a:xfrm>
+          <a:prstGeom prst="rect">
+            <a:avLst/>
+          </a:prstGeom>
+        </p:spPr>
+        <p:txBody>
+          <a:bodyPr vert="horz" lIns="91440" tIns="45720" rIns="91440" bIns="45720" rtlCol="0" anchor="b">
+            <a:noAutofit/>
+          </a:bodyPr>
+          <a:lstStyle>
+            <a:lvl1pPr algn="ctr" defTabSz="914400" rtl="0" eaLnBrk="1" latinLnBrk="0" hangingPunct="1">
+              <a:lnSpc>
+                <a:spcPct val="90000"/>
+              </a:lnSpc>
+              <a:spcBef>
+                <a:spcPct val="0"/>
+              </a:spcBef>
+              <a:buNone/>
+              <a:defRPr sz="6000" kern="1200">
+                <a:solidFill>
+                  <a:schemeClr val="tx1"/>
+                </a:solidFill>
+                <a:latin typeface="+mj-lt"/>
+                <a:ea typeface="+mj-ea"/>
+                <a:cs typeface="+mj-cs"/>
+              </a:defRPr>
+            </a:lvl1pPr>
+          </a:lstStyle>
+          <a:p>
+            <a:pPr marL="571500" indent="-571500" algn="l">
+              <a:lnSpc>
+                <a:spcPct val="200000"/>
+              </a:lnSpc>
+              <a:buFont typeface="Arial" panose="020B0604020202020204" pitchFamily="34" charset="0"/>
+              <a:buChar char="•"/>
+            </a:pPr>
+            <a:endParaRPr lang="en-US" altLang="zh-CN" sz="2800" dirty="0">
+              <a:latin typeface="微软雅黑" panose="020B0503020204020204" pitchFamily="34" charset="-122"/>
+              <a:ea typeface="微软雅黑" panose="020B0503020204020204" pitchFamily="34" charset="-122"/>
+            </a:endParaRPr>
+          </a:p>
+          <a:p>
+            <a:pPr marL="571500" indent="-571500" algn="l">
+              <a:lnSpc>
+                <a:spcPct val="200000"/>
+              </a:lnSpc>
+              <a:buFont typeface="Arial" panose="020B0604020202020204" pitchFamily="34" charset="0"/>
+              <a:buChar char="•"/>
+            </a:pPr>
+            <a:endParaRPr lang="en-US" altLang="zh-CN" sz="2800" dirty="0">
+              <a:latin typeface="微软雅黑" panose="020B0503020204020204" pitchFamily="34" charset="-122"/>
+              <a:ea typeface="微软雅黑" panose="020B0503020204020204" pitchFamily="34" charset="-122"/>
+            </a:endParaRPr>
+          </a:p>
+          <a:p>
+            <a:pPr algn="l">
+              <a:lnSpc>
+                <a:spcPct val="200000"/>
+              </a:lnSpc>
+            </a:pPr>
+            <a:endParaRPr lang="en-US" altLang="zh-CN" sz="2800" dirty="0">
+              <a:latin typeface="微软雅黑" panose="020B0503020204020204" pitchFamily="34" charset="-122"/>
+              <a:ea typeface="微软雅黑" panose="020B0503020204020204" pitchFamily="34" charset="-122"/>
+            </a:endParaRPr>
+          </a:p>
+          <a:p>
+            <a:pPr algn="l">
+              <a:lnSpc>
+                <a:spcPct val="200000"/>
+              </a:lnSpc>
+            </a:pPr>
+            <a:endParaRPr lang="en-US" altLang="zh-CN" sz="2800" dirty="0">
+              <a:latin typeface="微软雅黑" panose="020B0503020204020204" pitchFamily="34" charset="-122"/>
+              <a:ea typeface="微软雅黑" panose="020B0503020204020204" pitchFamily="34" charset="-122"/>
+            </a:endParaRPr>
+          </a:p>
+          <a:p>
+            <a:pPr marL="571500" indent="-571500" algn="l">
+              <a:lnSpc>
+                <a:spcPct val="200000"/>
+              </a:lnSpc>
+              <a:buFont typeface="Arial" panose="020B0604020202020204" pitchFamily="34" charset="0"/>
+              <a:buChar char="•"/>
+            </a:pPr>
+            <a:r>
+              <a:rPr lang="zh-CN" sz="2800" dirty="0">
+                <a:latin typeface="微软雅黑" panose="020B0503020204020204" pitchFamily="34" charset="-122"/>
+                <a:ea typeface="微软雅黑" panose="020B0503020204020204" pitchFamily="34" charset="-122"/>
+              </a:rPr>
+              <a:t>The attacker will not cooperate with </a:t>
+            </a:r>
+            <a:endParaRPr lang="zh-CN" sz="2800" dirty="0">
+              <a:latin typeface="微软雅黑" panose="020B0503020204020204" pitchFamily="34" charset="-122"/>
+              <a:ea typeface="微软雅黑" panose="020B0503020204020204" pitchFamily="34" charset="-122"/>
+            </a:endParaRPr>
+          </a:p>
+          <a:p>
+            <a:pPr indent="0" algn="l">
+              <a:lnSpc>
+                <a:spcPct val="200000"/>
+              </a:lnSpc>
+              <a:buFont typeface="Arial" panose="020B0604020202020204" pitchFamily="34" charset="0"/>
+            </a:pPr>
+            <a:r>
+              <a:rPr lang="en-US" altLang="zh-CN" sz="2800" dirty="0">
+                <a:latin typeface="微软雅黑" panose="020B0503020204020204" pitchFamily="34" charset="-122"/>
+                <a:ea typeface="微软雅黑" panose="020B0503020204020204" pitchFamily="34" charset="-122"/>
+              </a:rPr>
+              <a:t>     </a:t>
+            </a:r>
+            <a:r>
+              <a:rPr lang="zh-CN" sz="2800" dirty="0">
+                <a:latin typeface="微软雅黑" panose="020B0503020204020204" pitchFamily="34" charset="-122"/>
+                <a:ea typeface="微软雅黑" panose="020B0503020204020204" pitchFamily="34" charset="-122"/>
+              </a:rPr>
+              <a:t>the network system to detect</a:t>
+            </a:r>
+            <a:r>
+              <a:rPr lang="en-US" altLang="zh-CN" sz="2800" dirty="0">
+                <a:latin typeface="微软雅黑" panose="020B0503020204020204" pitchFamily="34" charset="-122"/>
+                <a:ea typeface="微软雅黑" panose="020B0503020204020204" pitchFamily="34" charset="-122"/>
+              </a:rPr>
+              <a:t> </a:t>
+            </a:r>
+            <a:r>
+              <a:rPr lang="en-US" altLang="zh-CN" sz="2800" dirty="0">
+                <a:latin typeface="微软雅黑" panose="020B0503020204020204" pitchFamily="34" charset="-122"/>
+                <a:ea typeface="微软雅黑" panose="020B0503020204020204" pitchFamily="34" charset="-122"/>
+              </a:rPr>
+              <a:t>unreliable </a:t>
+            </a:r>
+            <a:endParaRPr lang="en-US" altLang="zh-CN" sz="2800" dirty="0">
+              <a:latin typeface="微软雅黑" panose="020B0503020204020204" pitchFamily="34" charset="-122"/>
+              <a:ea typeface="微软雅黑" panose="020B0503020204020204" pitchFamily="34" charset="-122"/>
+            </a:endParaRPr>
+          </a:p>
+          <a:p>
+            <a:pPr indent="0" algn="l">
+              <a:lnSpc>
+                <a:spcPct val="200000"/>
+              </a:lnSpc>
+              <a:buFont typeface="Arial" panose="020B0604020202020204" pitchFamily="34" charset="0"/>
+            </a:pPr>
+            <a:r>
+              <a:rPr lang="en-US" altLang="zh-CN" sz="2800" dirty="0">
+                <a:latin typeface="微软雅黑" panose="020B0503020204020204" pitchFamily="34" charset="-122"/>
+                <a:ea typeface="微软雅黑" panose="020B0503020204020204" pitchFamily="34" charset="-122"/>
+              </a:rPr>
+              <a:t>     users</a:t>
+            </a:r>
+            <a:endParaRPr lang="en-US" altLang="zh-CN" sz="2800" dirty="0">
+              <a:latin typeface="微软雅黑" panose="020B0503020204020204" pitchFamily="34" charset="-122"/>
+              <a:ea typeface="微软雅黑" panose="020B0503020204020204" pitchFamily="34" charset="-122"/>
+            </a:endParaRPr>
+          </a:p>
+        </p:txBody>
+      </p:sp>
+      <p:sp>
+        <p:nvSpPr>
+          <p:cNvPr id="6" name="文本框 5"/>
+          <p:cNvSpPr txBox="1"/>
+          <p:nvPr/>
+        </p:nvSpPr>
+        <p:spPr>
+          <a:xfrm>
+            <a:off x="179705" y="6986270"/>
+            <a:ext cx="9143365" cy="368300"/>
+          </a:xfrm>
+          <a:prstGeom prst="rect">
+            <a:avLst/>
+          </a:prstGeom>
+          <a:noFill/>
+        </p:spPr>
+        <p:txBody>
+          <a:bodyPr wrap="square" rtlCol="0">
+            <a:spAutoFit/>
+          </a:bodyPr>
+          <a:p>
+            <a:r>
+              <a:rPr lang="zh-CN" altLang="en-US"/>
+              <a:t>https://www.sgss8.net/tpdq/13309818/</a:t>
+            </a:r>
+            <a:endParaRPr lang="zh-CN" altLang="en-US"/>
+          </a:p>
+        </p:txBody>
+      </p:sp>
+    </p:spTree>
+  </p:cSld>
+  <p:clrMapOvr>
+    <a:masterClrMapping/>
+  </p:clrMapOvr>
+  <mc:AlternateContent xmlns:mc="http://schemas.openxmlformats.org/markup-compatibility/2006">
+    <mc:Choice xmlns:p14="http://schemas.microsoft.com/office/powerpoint/2010/main" Requires="p14">
+      <p:transition spd="med" p14:dur="700">
+        <p:fade/>
+      </p:transition>
+    </mc:Choice>
+    <mc:Fallback>
+      <p:transition spd="med">
+        <p:fade/>
+      </p:transition>
+    </mc:Fallback>
+  </mc:AlternateContent>
+</p:sld>
+</file>
+
+<file path=ppt/slides/slide9.xml><?xml version="1.0" encoding="utf-8"?>
+<p:sld xmlns:a="http://schemas.openxmlformats.org/drawingml/2006/main" xmlns:r="http://schemas.openxmlformats.org/officeDocument/2006/relationships" xmlns:p="http://schemas.openxmlformats.org/presentationml/2006/main">
+  <p:cSld>
+    <p:spTree>
+      <p:nvGrpSpPr>
+        <p:cNvPr id="1" name=""/>
+        <p:cNvGrpSpPr/>
+        <p:nvPr/>
+      </p:nvGrpSpPr>
+      <p:grpSpPr>
+        <a:xfrm>
+          <a:off x="0" y="0"/>
+          <a:ext cx="0" cy="0"/>
+          <a:chOff x="0" y="0"/>
+          <a:chExt cx="0" cy="0"/>
+        </a:xfrm>
+      </p:grpSpPr>
+      <p:sp>
+        <p:nvSpPr>
+          <p:cNvPr id="2" name="标题 1"/>
+          <p:cNvSpPr>
+            <a:spLocks noGrp="1"/>
+          </p:cNvSpPr>
+          <p:nvPr>
+            <p:ph type="ctrTitle"/>
+          </p:nvPr>
+        </p:nvSpPr>
+        <p:spPr>
+          <a:xfrm>
+            <a:off x="705485" y="396240"/>
+            <a:ext cx="9144000" cy="757555"/>
+          </a:xfrm>
+        </p:spPr>
+        <p:txBody>
+          <a:bodyPr>
+            <a:normAutofit fontScale="90000"/>
+          </a:bodyPr>
+          <a:lstStyle/>
+          <a:p>
+            <a:pPr algn="l">
+              <a:lnSpc>
+                <a:spcPct val="200000"/>
+              </a:lnSpc>
+            </a:pPr>
+            <a:r>
+              <a:rPr lang="zh-CN" altLang="en-US" sz="3200" b="1" dirty="0">
+                <a:latin typeface="微软雅黑" panose="020B0503020204020204" pitchFamily="34" charset="-122"/>
+                <a:ea typeface="微软雅黑" panose="020B0503020204020204" pitchFamily="34" charset="-122"/>
+                <a:sym typeface="+mn-ea"/>
+              </a:rPr>
+              <a:t>Major </a:t>
+            </a:r>
+            <a:r>
+              <a:rPr lang="en-US" altLang="zh-CN" sz="3200" b="1" dirty="0">
+                <a:latin typeface="微软雅黑" panose="020B0503020204020204" pitchFamily="34" charset="-122"/>
+                <a:ea typeface="微软雅黑" panose="020B0503020204020204" pitchFamily="34" charset="-122"/>
+                <a:sym typeface="+mn-ea"/>
+              </a:rPr>
+              <a:t>C</a:t>
+            </a:r>
+            <a:r>
+              <a:rPr lang="zh-CN" altLang="en-US" sz="3200" b="1" dirty="0">
+                <a:latin typeface="微软雅黑" panose="020B0503020204020204" pitchFamily="34" charset="-122"/>
+                <a:ea typeface="微软雅黑" panose="020B0503020204020204" pitchFamily="34" charset="-122"/>
+                <a:sym typeface="+mn-ea"/>
+              </a:rPr>
+              <a:t>hallenge</a:t>
+            </a:r>
+            <a:endParaRPr lang="en-US" sz="3200" b="1" dirty="0">
+              <a:latin typeface="微软雅黑" panose="020B0503020204020204" pitchFamily="34" charset="-122"/>
+              <a:ea typeface="微软雅黑" panose="020B0503020204020204" pitchFamily="34" charset="-122"/>
+              <a:sym typeface="+mn-ea"/>
+            </a:endParaRPr>
+          </a:p>
+        </p:txBody>
+      </p:sp>
+      <p:pic>
+        <p:nvPicPr>
+          <p:cNvPr id="3" name="图片 2"/>
+          <p:cNvPicPr>
+            <a:picLocks noChangeAspect="1"/>
+          </p:cNvPicPr>
+          <p:nvPr/>
+        </p:nvPicPr>
+        <p:blipFill>
+          <a:blip r:embed="rId1"/>
+          <a:stretch>
+            <a:fillRect/>
+          </a:stretch>
+        </p:blipFill>
+        <p:spPr>
+          <a:xfrm>
+            <a:off x="13252" y="4907605"/>
+            <a:ext cx="12192000" cy="1980925"/>
+          </a:xfrm>
+          <a:prstGeom prst="rect">
+            <a:avLst/>
+          </a:prstGeom>
+        </p:spPr>
+      </p:pic>
+      <p:pic>
+        <p:nvPicPr>
+          <p:cNvPr id="8" name="图片 7"/>
+          <p:cNvPicPr>
+            <a:picLocks noChangeAspect="1"/>
+          </p:cNvPicPr>
+          <p:nvPr/>
+        </p:nvPicPr>
+        <p:blipFill>
+          <a:blip r:embed="rId2"/>
+          <a:stretch>
+            <a:fillRect/>
+          </a:stretch>
+        </p:blipFill>
+        <p:spPr>
+          <a:xfrm>
+            <a:off x="439676" y="307638"/>
+            <a:ext cx="265554" cy="934751"/>
+          </a:xfrm>
+          <a:prstGeom prst="rect">
+            <a:avLst/>
+          </a:prstGeom>
+        </p:spPr>
+      </p:pic>
+      <p:pic>
+        <p:nvPicPr>
+          <p:cNvPr id="9" name="图片 8"/>
+          <p:cNvPicPr>
+            <a:picLocks noChangeAspect="1"/>
+          </p:cNvPicPr>
+          <p:nvPr/>
+        </p:nvPicPr>
+        <p:blipFill>
+          <a:blip r:embed="rId3"/>
+          <a:stretch>
+            <a:fillRect/>
+          </a:stretch>
+        </p:blipFill>
+        <p:spPr>
+          <a:xfrm>
+            <a:off x="-22104" y="5391540"/>
+            <a:ext cx="5018936" cy="1334540"/>
+          </a:xfrm>
+          <a:prstGeom prst="rect">
+            <a:avLst/>
+          </a:prstGeom>
+        </p:spPr>
+      </p:pic>
+      <p:pic>
+        <p:nvPicPr>
+          <p:cNvPr id="7" name="图片 6"/>
+          <p:cNvPicPr>
+            <a:picLocks noChangeAspect="1"/>
+          </p:cNvPicPr>
+          <p:nvPr/>
+        </p:nvPicPr>
+        <p:blipFill rotWithShape="1">
+          <a:blip r:embed="rId3"/>
+          <a:srcRect l="13807"/>
+          <a:stretch>
+            <a:fillRect/>
+          </a:stretch>
+        </p:blipFill>
+        <p:spPr>
+          <a:xfrm>
+            <a:off x="4996832" y="5391540"/>
+            <a:ext cx="4325964" cy="1334540"/>
+          </a:xfrm>
+          <a:prstGeom prst="rect">
+            <a:avLst/>
+          </a:prstGeom>
+        </p:spPr>
+      </p:pic>
+      <p:pic>
+        <p:nvPicPr>
+          <p:cNvPr id="10" name="图片 9"/>
+          <p:cNvPicPr>
+            <a:picLocks noChangeAspect="1"/>
+          </p:cNvPicPr>
+          <p:nvPr/>
+        </p:nvPicPr>
+        <p:blipFill rotWithShape="1">
+          <a:blip r:embed="rId3"/>
+          <a:srcRect l="11337" r="31759"/>
+          <a:stretch>
+            <a:fillRect/>
+          </a:stretch>
+        </p:blipFill>
+        <p:spPr>
+          <a:xfrm flipH="1">
+            <a:off x="9322796" y="5391540"/>
+            <a:ext cx="2855952" cy="1334540"/>
+          </a:xfrm>
+          <a:prstGeom prst="rect">
+            <a:avLst/>
+          </a:prstGeom>
+        </p:spPr>
+      </p:pic>
+      <p:pic>
+        <p:nvPicPr>
+          <p:cNvPr id="5" name="图片 4"/>
+          <p:cNvPicPr>
+            <a:picLocks noChangeAspect="1"/>
+          </p:cNvPicPr>
+          <p:nvPr/>
+        </p:nvPicPr>
+        <p:blipFill>
+          <a:blip r:embed="rId4"/>
+          <a:stretch>
+            <a:fillRect/>
+          </a:stretch>
+        </p:blipFill>
+        <p:spPr>
+          <a:xfrm>
+            <a:off x="9515388" y="485139"/>
+            <a:ext cx="2358781" cy="579748"/>
+          </a:xfrm>
+          <a:prstGeom prst="rect">
+            <a:avLst/>
+          </a:prstGeom>
+        </p:spPr>
+      </p:pic>
+      <p:sp>
+        <p:nvSpPr>
+          <p:cNvPr id="17" name="标题 1"/>
+          <p:cNvSpPr txBox="1"/>
+          <p:nvPr/>
+        </p:nvSpPr>
+        <p:spPr>
+          <a:xfrm>
+            <a:off x="520065" y="2179320"/>
+            <a:ext cx="11501755" cy="869950"/>
+          </a:xfrm>
+          <a:prstGeom prst="rect">
+            <a:avLst/>
+          </a:prstGeom>
+        </p:spPr>
+        <p:txBody>
+          <a:bodyPr vert="horz" lIns="91440" tIns="45720" rIns="91440" bIns="45720" rtlCol="0" anchor="b">
+            <a:noAutofit/>
+          </a:bodyPr>
+          <a:lstStyle>
+            <a:lvl1pPr algn="ctr" defTabSz="914400" rtl="0" eaLnBrk="1" latinLnBrk="0" hangingPunct="1">
+              <a:lnSpc>
+                <a:spcPct val="90000"/>
+              </a:lnSpc>
+              <a:spcBef>
+                <a:spcPct val="0"/>
+              </a:spcBef>
+              <a:buNone/>
+              <a:defRPr sz="6000" kern="1200">
+                <a:solidFill>
+                  <a:schemeClr val="tx1"/>
+                </a:solidFill>
+                <a:latin typeface="+mj-lt"/>
+                <a:ea typeface="+mj-ea"/>
+                <a:cs typeface="+mj-cs"/>
+              </a:defRPr>
+            </a:lvl1pPr>
+          </a:lstStyle>
+          <a:p>
+            <a:pPr marL="571500" indent="-571500" algn="l">
+              <a:lnSpc>
+                <a:spcPct val="200000"/>
+              </a:lnSpc>
+              <a:buFont typeface="Arial" panose="020B0604020202020204" pitchFamily="34" charset="0"/>
+              <a:buChar char="•"/>
+            </a:pPr>
+            <a:r>
+              <a:rPr lang="zh-CN" altLang="en-US" sz="2800" dirty="0">
+                <a:latin typeface="微软雅黑" panose="020B0503020204020204" pitchFamily="34" charset="-122"/>
+                <a:ea typeface="微软雅黑" panose="020B0503020204020204" pitchFamily="34" charset="-122"/>
+              </a:rPr>
+              <a:t>In the process of detecting untrustworthy users, the network system must not violate the privacy of users</a:t>
+            </a:r>
+            <a:endParaRPr lang="zh-CN" altLang="en-US" sz="2800" dirty="0">
+              <a:latin typeface="微软雅黑" panose="020B0503020204020204" pitchFamily="34" charset="-122"/>
+              <a:ea typeface="微软雅黑" panose="020B0503020204020204" pitchFamily="34" charset="-122"/>
+            </a:endParaRPr>
+          </a:p>
+        </p:txBody>
+      </p:sp>
+      <p:pic>
+        <p:nvPicPr>
+          <p:cNvPr id="6" name="图片 5"/>
+          <p:cNvPicPr>
+            <a:picLocks noChangeAspect="1"/>
+          </p:cNvPicPr>
+          <p:nvPr/>
+        </p:nvPicPr>
+        <p:blipFill>
+          <a:blip r:embed="rId5"/>
+          <a:stretch>
+            <a:fillRect/>
+          </a:stretch>
+        </p:blipFill>
+        <p:spPr>
+          <a:xfrm>
+            <a:off x="2332990" y="3272155"/>
+            <a:ext cx="7265035" cy="3135630"/>
+          </a:xfrm>
+          <a:prstGeom prst="rect">
+            <a:avLst/>
+          </a:prstGeom>
+        </p:spPr>
+      </p:pic>
     </p:spTree>
   </p:cSld>
   <p:clrMapOvr>

--- a/高级计算机网络与大数据/Homework/homework3/pre.pptx
+++ b/高级计算机网络与大数据/Homework/homework3/pre.pptx
@@ -5,25 +5,26 @@
     <p:sldMasterId id="2147483648" r:id="rId1"/>
   </p:sldMasterIdLst>
   <p:notesMasterIdLst>
-    <p:notesMasterId r:id="rId4"/>
+    <p:notesMasterId r:id="rId19"/>
   </p:notesMasterIdLst>
   <p:sldIdLst>
-    <p:sldId id="267" r:id="rId3"/>
-    <p:sldId id="411" r:id="rId5"/>
-    <p:sldId id="266" r:id="rId6"/>
-    <p:sldId id="412" r:id="rId7"/>
-    <p:sldId id="404" r:id="rId8"/>
-    <p:sldId id="417" r:id="rId9"/>
-    <p:sldId id="406" r:id="rId10"/>
-    <p:sldId id="407" r:id="rId11"/>
-    <p:sldId id="413" r:id="rId12"/>
-    <p:sldId id="408" r:id="rId13"/>
-    <p:sldId id="414" r:id="rId14"/>
-    <p:sldId id="409" r:id="rId15"/>
-    <p:sldId id="415" r:id="rId16"/>
-    <p:sldId id="416" r:id="rId17"/>
-    <p:sldId id="410" r:id="rId18"/>
-    <p:sldId id="275" r:id="rId19"/>
+    <p:sldId id="267" r:id="rId2"/>
+    <p:sldId id="411" r:id="rId3"/>
+    <p:sldId id="266" r:id="rId4"/>
+    <p:sldId id="412" r:id="rId5"/>
+    <p:sldId id="404" r:id="rId6"/>
+    <p:sldId id="417" r:id="rId7"/>
+    <p:sldId id="406" r:id="rId8"/>
+    <p:sldId id="407" r:id="rId9"/>
+    <p:sldId id="413" r:id="rId10"/>
+    <p:sldId id="408" r:id="rId11"/>
+    <p:sldId id="414" r:id="rId12"/>
+    <p:sldId id="409" r:id="rId13"/>
+    <p:sldId id="415" r:id="rId14"/>
+    <p:sldId id="416" r:id="rId15"/>
+    <p:sldId id="418" r:id="rId16"/>
+    <p:sldId id="410" r:id="rId17"/>
+    <p:sldId id="275" r:id="rId18"/>
   </p:sldIdLst>
   <p:sldSz cx="12192000" cy="6858000"/>
   <p:notesSz cx="6858000" cy="9144000"/>
@@ -122,6 +123,11 @@
       </a:defRPr>
     </a:lvl9pPr>
   </p:defaultTextStyle>
+  <p:extLst>
+    <p:ext uri="{EFAFB233-063F-42B5-8137-9DF3F51BA10A}">
+      <p15:sldGuideLst xmlns:p15="http://schemas.microsoft.com/office/powerpoint/2012/main"/>
+    </p:ext>
+  </p:extLst>
 </p:presentation>
 </file>
 
@@ -207,6 +213,7 @@
           <a:p>
             <a:fld id="{D2A48B96-639E-45A3-A0BA-2464DFDB1FAA}" type="datetimeFigureOut">
               <a:rPr lang="zh-CN" altLang="en-US" smtClean="0"/>
+              <a:t>2023/12/26</a:t>
             </a:fld>
             <a:endParaRPr lang="zh-CN" altLang="en-US"/>
           </a:p>
@@ -273,7 +280,6 @@
               <a:rPr lang="zh-CN" altLang="en-US"/>
               <a:t>单击此处编辑母版文本样式</a:t>
             </a:r>
-            <a:endParaRPr lang="zh-CN" altLang="en-US"/>
           </a:p>
           <a:p>
             <a:pPr lvl="1"/>
@@ -281,7 +287,6 @@
               <a:rPr lang="zh-CN" altLang="en-US"/>
               <a:t>第二级</a:t>
             </a:r>
-            <a:endParaRPr lang="zh-CN" altLang="en-US"/>
           </a:p>
           <a:p>
             <a:pPr lvl="2"/>
@@ -289,7 +294,6 @@
               <a:rPr lang="zh-CN" altLang="en-US"/>
               <a:t>第三级</a:t>
             </a:r>
-            <a:endParaRPr lang="zh-CN" altLang="en-US"/>
           </a:p>
           <a:p>
             <a:pPr lvl="3"/>
@@ -297,7 +301,6 @@
               <a:rPr lang="zh-CN" altLang="en-US"/>
               <a:t>第四级</a:t>
             </a:r>
-            <a:endParaRPr lang="zh-CN" altLang="en-US"/>
           </a:p>
           <a:p>
             <a:pPr lvl="4"/>
@@ -305,7 +308,6 @@
               <a:rPr lang="zh-CN" altLang="en-US"/>
               <a:t>第五级</a:t>
             </a:r>
-            <a:endParaRPr lang="zh-CN" altLang="en-US"/>
           </a:p>
         </p:txBody>
       </p:sp>
@@ -369,6 +371,7 @@
           <a:p>
             <a:fld id="{A6837353-30EB-4A48-80EB-173D804AEFBD}" type="slidenum">
               <a:rPr lang="zh-CN" altLang="en-US" smtClean="0"/>
+              <a:t>‹#›</a:t>
             </a:fld>
             <a:endParaRPr lang="zh-CN" altLang="en-US"/>
           </a:p>
@@ -573,7 +576,6 @@
               <a:rPr lang="zh-CN" altLang="en-US"/>
               <a:t>单击此处编辑母版标题样式</a:t>
             </a:r>
-            <a:endParaRPr lang="zh-CN" altLang="en-US"/>
           </a:p>
         </p:txBody>
       </p:sp>
@@ -638,7 +640,6 @@
               <a:rPr lang="zh-CN" altLang="en-US"/>
               <a:t>单击此处编辑母版副标题样式</a:t>
             </a:r>
-            <a:endParaRPr lang="zh-CN" altLang="en-US"/>
           </a:p>
         </p:txBody>
       </p:sp>
@@ -659,6 +660,7 @@
           <a:p>
             <a:fld id="{AF3DFB88-C66D-4D4F-992A-21D8B5C2FC83}" type="datetimeFigureOut">
               <a:rPr lang="zh-CN" altLang="en-US" smtClean="0"/>
+              <a:t>2023/12/26</a:t>
             </a:fld>
             <a:endParaRPr lang="zh-CN" altLang="en-US"/>
           </a:p>
@@ -700,6 +702,7 @@
           <a:p>
             <a:fld id="{1D393944-DC62-4081-86B4-76E5FCA2F9B8}" type="slidenum">
               <a:rPr lang="zh-CN" altLang="en-US" smtClean="0"/>
+              <a:t>‹#›</a:t>
             </a:fld>
             <a:endParaRPr lang="zh-CN" altLang="en-US"/>
           </a:p>
@@ -749,7 +752,6 @@
               <a:rPr lang="zh-CN" altLang="en-US"/>
               <a:t>单击此处编辑母版标题样式</a:t>
             </a:r>
-            <a:endParaRPr lang="zh-CN" altLang="en-US"/>
           </a:p>
         </p:txBody>
       </p:sp>
@@ -773,7 +775,6 @@
               <a:rPr lang="zh-CN" altLang="en-US"/>
               <a:t>编辑母版文本样式</a:t>
             </a:r>
-            <a:endParaRPr lang="zh-CN" altLang="en-US"/>
           </a:p>
           <a:p>
             <a:pPr lvl="1"/>
@@ -781,7 +782,6 @@
               <a:rPr lang="zh-CN" altLang="en-US"/>
               <a:t>第二级</a:t>
             </a:r>
-            <a:endParaRPr lang="zh-CN" altLang="en-US"/>
           </a:p>
           <a:p>
             <a:pPr lvl="2"/>
@@ -789,7 +789,6 @@
               <a:rPr lang="zh-CN" altLang="en-US"/>
               <a:t>第三级</a:t>
             </a:r>
-            <a:endParaRPr lang="zh-CN" altLang="en-US"/>
           </a:p>
           <a:p>
             <a:pPr lvl="3"/>
@@ -797,7 +796,6 @@
               <a:rPr lang="zh-CN" altLang="en-US"/>
               <a:t>第四级</a:t>
             </a:r>
-            <a:endParaRPr lang="zh-CN" altLang="en-US"/>
           </a:p>
           <a:p>
             <a:pPr lvl="4"/>
@@ -805,7 +803,6 @@
               <a:rPr lang="zh-CN" altLang="en-US"/>
               <a:t>第五级</a:t>
             </a:r>
-            <a:endParaRPr lang="zh-CN" altLang="en-US"/>
           </a:p>
         </p:txBody>
       </p:sp>
@@ -826,6 +823,7 @@
           <a:p>
             <a:fld id="{AF3DFB88-C66D-4D4F-992A-21D8B5C2FC83}" type="datetimeFigureOut">
               <a:rPr lang="zh-CN" altLang="en-US" smtClean="0"/>
+              <a:t>2023/12/26</a:t>
             </a:fld>
             <a:endParaRPr lang="zh-CN" altLang="en-US"/>
           </a:p>
@@ -867,6 +865,7 @@
           <a:p>
             <a:fld id="{1D393944-DC62-4081-86B4-76E5FCA2F9B8}" type="slidenum">
               <a:rPr lang="zh-CN" altLang="en-US" smtClean="0"/>
+              <a:t>‹#›</a:t>
             </a:fld>
             <a:endParaRPr lang="zh-CN" altLang="en-US"/>
           </a:p>
@@ -921,7 +920,6 @@
               <a:rPr lang="zh-CN" altLang="en-US"/>
               <a:t>单击此处编辑母版标题样式</a:t>
             </a:r>
-            <a:endParaRPr lang="zh-CN" altLang="en-US"/>
           </a:p>
         </p:txBody>
       </p:sp>
@@ -950,7 +948,6 @@
               <a:rPr lang="zh-CN" altLang="en-US"/>
               <a:t>编辑母版文本样式</a:t>
             </a:r>
-            <a:endParaRPr lang="zh-CN" altLang="en-US"/>
           </a:p>
           <a:p>
             <a:pPr lvl="1"/>
@@ -958,7 +955,6 @@
               <a:rPr lang="zh-CN" altLang="en-US"/>
               <a:t>第二级</a:t>
             </a:r>
-            <a:endParaRPr lang="zh-CN" altLang="en-US"/>
           </a:p>
           <a:p>
             <a:pPr lvl="2"/>
@@ -966,7 +962,6 @@
               <a:rPr lang="zh-CN" altLang="en-US"/>
               <a:t>第三级</a:t>
             </a:r>
-            <a:endParaRPr lang="zh-CN" altLang="en-US"/>
           </a:p>
           <a:p>
             <a:pPr lvl="3"/>
@@ -974,7 +969,6 @@
               <a:rPr lang="zh-CN" altLang="en-US"/>
               <a:t>第四级</a:t>
             </a:r>
-            <a:endParaRPr lang="zh-CN" altLang="en-US"/>
           </a:p>
           <a:p>
             <a:pPr lvl="4"/>
@@ -982,7 +976,6 @@
               <a:rPr lang="zh-CN" altLang="en-US"/>
               <a:t>第五级</a:t>
             </a:r>
-            <a:endParaRPr lang="zh-CN" altLang="en-US"/>
           </a:p>
         </p:txBody>
       </p:sp>
@@ -1003,6 +996,7 @@
           <a:p>
             <a:fld id="{AF3DFB88-C66D-4D4F-992A-21D8B5C2FC83}" type="datetimeFigureOut">
               <a:rPr lang="zh-CN" altLang="en-US" smtClean="0"/>
+              <a:t>2023/12/26</a:t>
             </a:fld>
             <a:endParaRPr lang="zh-CN" altLang="en-US"/>
           </a:p>
@@ -1044,6 +1038,7 @@
           <a:p>
             <a:fld id="{1D393944-DC62-4081-86B4-76E5FCA2F9B8}" type="slidenum">
               <a:rPr lang="zh-CN" altLang="en-US" smtClean="0"/>
+              <a:t>‹#›</a:t>
             </a:fld>
             <a:endParaRPr lang="zh-CN" altLang="en-US"/>
           </a:p>
@@ -1093,7 +1088,6 @@
               <a:rPr lang="zh-CN" altLang="en-US"/>
               <a:t>单击此处编辑母版标题样式</a:t>
             </a:r>
-            <a:endParaRPr lang="zh-CN" altLang="en-US"/>
           </a:p>
         </p:txBody>
       </p:sp>
@@ -1117,7 +1111,6 @@
               <a:rPr lang="zh-CN" altLang="en-US"/>
               <a:t>编辑母版文本样式</a:t>
             </a:r>
-            <a:endParaRPr lang="zh-CN" altLang="en-US"/>
           </a:p>
           <a:p>
             <a:pPr lvl="1"/>
@@ -1125,7 +1118,6 @@
               <a:rPr lang="zh-CN" altLang="en-US"/>
               <a:t>第二级</a:t>
             </a:r>
-            <a:endParaRPr lang="zh-CN" altLang="en-US"/>
           </a:p>
           <a:p>
             <a:pPr lvl="2"/>
@@ -1133,7 +1125,6 @@
               <a:rPr lang="zh-CN" altLang="en-US"/>
               <a:t>第三级</a:t>
             </a:r>
-            <a:endParaRPr lang="zh-CN" altLang="en-US"/>
           </a:p>
           <a:p>
             <a:pPr lvl="3"/>
@@ -1141,7 +1132,6 @@
               <a:rPr lang="zh-CN" altLang="en-US"/>
               <a:t>第四级</a:t>
             </a:r>
-            <a:endParaRPr lang="zh-CN" altLang="en-US"/>
           </a:p>
           <a:p>
             <a:pPr lvl="4"/>
@@ -1149,7 +1139,6 @@
               <a:rPr lang="zh-CN" altLang="en-US"/>
               <a:t>第五级</a:t>
             </a:r>
-            <a:endParaRPr lang="zh-CN" altLang="en-US"/>
           </a:p>
         </p:txBody>
       </p:sp>
@@ -1170,6 +1159,7 @@
           <a:p>
             <a:fld id="{AF3DFB88-C66D-4D4F-992A-21D8B5C2FC83}" type="datetimeFigureOut">
               <a:rPr lang="zh-CN" altLang="en-US" smtClean="0"/>
+              <a:t>2023/12/26</a:t>
             </a:fld>
             <a:endParaRPr lang="zh-CN" altLang="en-US"/>
           </a:p>
@@ -1211,6 +1201,7 @@
           <a:p>
             <a:fld id="{1D393944-DC62-4081-86B4-76E5FCA2F9B8}" type="slidenum">
               <a:rPr lang="zh-CN" altLang="en-US" smtClean="0"/>
+              <a:t>‹#›</a:t>
             </a:fld>
             <a:endParaRPr lang="zh-CN" altLang="en-US"/>
           </a:p>
@@ -1269,7 +1260,6 @@
               <a:rPr lang="zh-CN" altLang="en-US"/>
               <a:t>单击此处编辑母版标题样式</a:t>
             </a:r>
-            <a:endParaRPr lang="zh-CN" altLang="en-US"/>
           </a:p>
         </p:txBody>
       </p:sp>
@@ -1389,7 +1379,6 @@
               <a:rPr lang="zh-CN" altLang="en-US"/>
               <a:t>编辑母版文本样式</a:t>
             </a:r>
-            <a:endParaRPr lang="zh-CN" altLang="en-US"/>
           </a:p>
         </p:txBody>
       </p:sp>
@@ -1410,6 +1399,7 @@
           <a:p>
             <a:fld id="{AF3DFB88-C66D-4D4F-992A-21D8B5C2FC83}" type="datetimeFigureOut">
               <a:rPr lang="zh-CN" altLang="en-US" smtClean="0"/>
+              <a:t>2023/12/26</a:t>
             </a:fld>
             <a:endParaRPr lang="zh-CN" altLang="en-US"/>
           </a:p>
@@ -1451,6 +1441,7 @@
           <a:p>
             <a:fld id="{1D393944-DC62-4081-86B4-76E5FCA2F9B8}" type="slidenum">
               <a:rPr lang="zh-CN" altLang="en-US" smtClean="0"/>
+              <a:t>‹#›</a:t>
             </a:fld>
             <a:endParaRPr lang="zh-CN" altLang="en-US"/>
           </a:p>
@@ -1500,7 +1491,6 @@
               <a:rPr lang="zh-CN" altLang="en-US"/>
               <a:t>单击此处编辑母版标题样式</a:t>
             </a:r>
-            <a:endParaRPr lang="zh-CN" altLang="en-US"/>
           </a:p>
         </p:txBody>
       </p:sp>
@@ -1529,7 +1519,6 @@
               <a:rPr lang="zh-CN" altLang="en-US"/>
               <a:t>编辑母版文本样式</a:t>
             </a:r>
-            <a:endParaRPr lang="zh-CN" altLang="en-US"/>
           </a:p>
           <a:p>
             <a:pPr lvl="1"/>
@@ -1537,7 +1526,6 @@
               <a:rPr lang="zh-CN" altLang="en-US"/>
               <a:t>第二级</a:t>
             </a:r>
-            <a:endParaRPr lang="zh-CN" altLang="en-US"/>
           </a:p>
           <a:p>
             <a:pPr lvl="2"/>
@@ -1545,7 +1533,6 @@
               <a:rPr lang="zh-CN" altLang="en-US"/>
               <a:t>第三级</a:t>
             </a:r>
-            <a:endParaRPr lang="zh-CN" altLang="en-US"/>
           </a:p>
           <a:p>
             <a:pPr lvl="3"/>
@@ -1553,7 +1540,6 @@
               <a:rPr lang="zh-CN" altLang="en-US"/>
               <a:t>第四级</a:t>
             </a:r>
-            <a:endParaRPr lang="zh-CN" altLang="en-US"/>
           </a:p>
           <a:p>
             <a:pPr lvl="4"/>
@@ -1561,7 +1547,6 @@
               <a:rPr lang="zh-CN" altLang="en-US"/>
               <a:t>第五级</a:t>
             </a:r>
-            <a:endParaRPr lang="zh-CN" altLang="en-US"/>
           </a:p>
         </p:txBody>
       </p:sp>
@@ -1590,7 +1575,6 @@
               <a:rPr lang="zh-CN" altLang="en-US"/>
               <a:t>编辑母版文本样式</a:t>
             </a:r>
-            <a:endParaRPr lang="zh-CN" altLang="en-US"/>
           </a:p>
           <a:p>
             <a:pPr lvl="1"/>
@@ -1598,7 +1582,6 @@
               <a:rPr lang="zh-CN" altLang="en-US"/>
               <a:t>第二级</a:t>
             </a:r>
-            <a:endParaRPr lang="zh-CN" altLang="en-US"/>
           </a:p>
           <a:p>
             <a:pPr lvl="2"/>
@@ -1606,7 +1589,6 @@
               <a:rPr lang="zh-CN" altLang="en-US"/>
               <a:t>第三级</a:t>
             </a:r>
-            <a:endParaRPr lang="zh-CN" altLang="en-US"/>
           </a:p>
           <a:p>
             <a:pPr lvl="3"/>
@@ -1614,7 +1596,6 @@
               <a:rPr lang="zh-CN" altLang="en-US"/>
               <a:t>第四级</a:t>
             </a:r>
-            <a:endParaRPr lang="zh-CN" altLang="en-US"/>
           </a:p>
           <a:p>
             <a:pPr lvl="4"/>
@@ -1622,7 +1603,6 @@
               <a:rPr lang="zh-CN" altLang="en-US"/>
               <a:t>第五级</a:t>
             </a:r>
-            <a:endParaRPr lang="zh-CN" altLang="en-US"/>
           </a:p>
         </p:txBody>
       </p:sp>
@@ -1643,6 +1623,7 @@
           <a:p>
             <a:fld id="{AF3DFB88-C66D-4D4F-992A-21D8B5C2FC83}" type="datetimeFigureOut">
               <a:rPr lang="zh-CN" altLang="en-US" smtClean="0"/>
+              <a:t>2023/12/26</a:t>
             </a:fld>
             <a:endParaRPr lang="zh-CN" altLang="en-US"/>
           </a:p>
@@ -1684,6 +1665,7 @@
           <a:p>
             <a:fld id="{1D393944-DC62-4081-86B4-76E5FCA2F9B8}" type="slidenum">
               <a:rPr lang="zh-CN" altLang="en-US" smtClean="0"/>
+              <a:t>‹#›</a:t>
             </a:fld>
             <a:endParaRPr lang="zh-CN" altLang="en-US"/>
           </a:p>
@@ -1738,7 +1720,6 @@
               <a:rPr lang="zh-CN" altLang="en-US"/>
               <a:t>单击此处编辑母版标题样式</a:t>
             </a:r>
-            <a:endParaRPr lang="zh-CN" altLang="en-US"/>
           </a:p>
         </p:txBody>
       </p:sp>
@@ -1804,7 +1785,6 @@
               <a:rPr lang="zh-CN" altLang="en-US"/>
               <a:t>编辑母版文本样式</a:t>
             </a:r>
-            <a:endParaRPr lang="zh-CN" altLang="en-US"/>
           </a:p>
         </p:txBody>
       </p:sp>
@@ -1833,7 +1813,6 @@
               <a:rPr lang="zh-CN" altLang="en-US"/>
               <a:t>编辑母版文本样式</a:t>
             </a:r>
-            <a:endParaRPr lang="zh-CN" altLang="en-US"/>
           </a:p>
           <a:p>
             <a:pPr lvl="1"/>
@@ -1841,7 +1820,6 @@
               <a:rPr lang="zh-CN" altLang="en-US"/>
               <a:t>第二级</a:t>
             </a:r>
-            <a:endParaRPr lang="zh-CN" altLang="en-US"/>
           </a:p>
           <a:p>
             <a:pPr lvl="2"/>
@@ -1849,7 +1827,6 @@
               <a:rPr lang="zh-CN" altLang="en-US"/>
               <a:t>第三级</a:t>
             </a:r>
-            <a:endParaRPr lang="zh-CN" altLang="en-US"/>
           </a:p>
           <a:p>
             <a:pPr lvl="3"/>
@@ -1857,7 +1834,6 @@
               <a:rPr lang="zh-CN" altLang="en-US"/>
               <a:t>第四级</a:t>
             </a:r>
-            <a:endParaRPr lang="zh-CN" altLang="en-US"/>
           </a:p>
           <a:p>
             <a:pPr lvl="4"/>
@@ -1865,7 +1841,6 @@
               <a:rPr lang="zh-CN" altLang="en-US"/>
               <a:t>第五级</a:t>
             </a:r>
-            <a:endParaRPr lang="zh-CN" altLang="en-US"/>
           </a:p>
         </p:txBody>
       </p:sp>
@@ -1931,7 +1906,6 @@
               <a:rPr lang="zh-CN" altLang="en-US"/>
               <a:t>编辑母版文本样式</a:t>
             </a:r>
-            <a:endParaRPr lang="zh-CN" altLang="en-US"/>
           </a:p>
         </p:txBody>
       </p:sp>
@@ -1960,7 +1934,6 @@
               <a:rPr lang="zh-CN" altLang="en-US"/>
               <a:t>编辑母版文本样式</a:t>
             </a:r>
-            <a:endParaRPr lang="zh-CN" altLang="en-US"/>
           </a:p>
           <a:p>
             <a:pPr lvl="1"/>
@@ -1968,7 +1941,6 @@
               <a:rPr lang="zh-CN" altLang="en-US"/>
               <a:t>第二级</a:t>
             </a:r>
-            <a:endParaRPr lang="zh-CN" altLang="en-US"/>
           </a:p>
           <a:p>
             <a:pPr lvl="2"/>
@@ -1976,7 +1948,6 @@
               <a:rPr lang="zh-CN" altLang="en-US"/>
               <a:t>第三级</a:t>
             </a:r>
-            <a:endParaRPr lang="zh-CN" altLang="en-US"/>
           </a:p>
           <a:p>
             <a:pPr lvl="3"/>
@@ -1984,7 +1955,6 @@
               <a:rPr lang="zh-CN" altLang="en-US"/>
               <a:t>第四级</a:t>
             </a:r>
-            <a:endParaRPr lang="zh-CN" altLang="en-US"/>
           </a:p>
           <a:p>
             <a:pPr lvl="4"/>
@@ -1992,7 +1962,6 @@
               <a:rPr lang="zh-CN" altLang="en-US"/>
               <a:t>第五级</a:t>
             </a:r>
-            <a:endParaRPr lang="zh-CN" altLang="en-US"/>
           </a:p>
         </p:txBody>
       </p:sp>
@@ -2013,6 +1982,7 @@
           <a:p>
             <a:fld id="{AF3DFB88-C66D-4D4F-992A-21D8B5C2FC83}" type="datetimeFigureOut">
               <a:rPr lang="zh-CN" altLang="en-US" smtClean="0"/>
+              <a:t>2023/12/26</a:t>
             </a:fld>
             <a:endParaRPr lang="zh-CN" altLang="en-US"/>
           </a:p>
@@ -2054,6 +2024,7 @@
           <a:p>
             <a:fld id="{1D393944-DC62-4081-86B4-76E5FCA2F9B8}" type="slidenum">
               <a:rPr lang="zh-CN" altLang="en-US" smtClean="0"/>
+              <a:t>‹#›</a:t>
             </a:fld>
             <a:endParaRPr lang="zh-CN" altLang="en-US"/>
           </a:p>
@@ -2103,7 +2074,6 @@
               <a:rPr lang="zh-CN" altLang="en-US"/>
               <a:t>单击此处编辑母版标题样式</a:t>
             </a:r>
-            <a:endParaRPr lang="zh-CN" altLang="en-US"/>
           </a:p>
         </p:txBody>
       </p:sp>
@@ -2124,6 +2094,7 @@
           <a:p>
             <a:fld id="{AF3DFB88-C66D-4D4F-992A-21D8B5C2FC83}" type="datetimeFigureOut">
               <a:rPr lang="zh-CN" altLang="en-US" smtClean="0"/>
+              <a:t>2023/12/26</a:t>
             </a:fld>
             <a:endParaRPr lang="zh-CN" altLang="en-US"/>
           </a:p>
@@ -2165,6 +2136,7 @@
           <a:p>
             <a:fld id="{1D393944-DC62-4081-86B4-76E5FCA2F9B8}" type="slidenum">
               <a:rPr lang="zh-CN" altLang="en-US" smtClean="0"/>
+              <a:t>‹#›</a:t>
             </a:fld>
             <a:endParaRPr lang="zh-CN" altLang="en-US"/>
           </a:p>
@@ -2212,6 +2184,7 @@
           <a:p>
             <a:fld id="{AF3DFB88-C66D-4D4F-992A-21D8B5C2FC83}" type="datetimeFigureOut">
               <a:rPr lang="zh-CN" altLang="en-US" smtClean="0"/>
+              <a:t>2023/12/26</a:t>
             </a:fld>
             <a:endParaRPr lang="zh-CN" altLang="en-US"/>
           </a:p>
@@ -2253,6 +2226,7 @@
           <a:p>
             <a:fld id="{1D393944-DC62-4081-86B4-76E5FCA2F9B8}" type="slidenum">
               <a:rPr lang="zh-CN" altLang="en-US" smtClean="0"/>
+              <a:t>‹#›</a:t>
             </a:fld>
             <a:endParaRPr lang="zh-CN" altLang="en-US"/>
           </a:p>
@@ -2311,7 +2285,6 @@
               <a:rPr lang="zh-CN" altLang="en-US"/>
               <a:t>单击此处编辑母版标题样式</a:t>
             </a:r>
-            <a:endParaRPr lang="zh-CN" altLang="en-US"/>
           </a:p>
         </p:txBody>
       </p:sp>
@@ -2368,7 +2341,6 @@
               <a:rPr lang="zh-CN" altLang="en-US"/>
               <a:t>编辑母版文本样式</a:t>
             </a:r>
-            <a:endParaRPr lang="zh-CN" altLang="en-US"/>
           </a:p>
           <a:p>
             <a:pPr lvl="1"/>
@@ -2376,7 +2348,6 @@
               <a:rPr lang="zh-CN" altLang="en-US"/>
               <a:t>第二级</a:t>
             </a:r>
-            <a:endParaRPr lang="zh-CN" altLang="en-US"/>
           </a:p>
           <a:p>
             <a:pPr lvl="2"/>
@@ -2384,7 +2355,6 @@
               <a:rPr lang="zh-CN" altLang="en-US"/>
               <a:t>第三级</a:t>
             </a:r>
-            <a:endParaRPr lang="zh-CN" altLang="en-US"/>
           </a:p>
           <a:p>
             <a:pPr lvl="3"/>
@@ -2392,7 +2362,6 @@
               <a:rPr lang="zh-CN" altLang="en-US"/>
               <a:t>第四级</a:t>
             </a:r>
-            <a:endParaRPr lang="zh-CN" altLang="en-US"/>
           </a:p>
           <a:p>
             <a:pPr lvl="4"/>
@@ -2400,7 +2369,6 @@
               <a:rPr lang="zh-CN" altLang="en-US"/>
               <a:t>第五级</a:t>
             </a:r>
-            <a:endParaRPr lang="zh-CN" altLang="en-US"/>
           </a:p>
         </p:txBody>
       </p:sp>
@@ -2466,7 +2434,6 @@
               <a:rPr lang="zh-CN" altLang="en-US"/>
               <a:t>编辑母版文本样式</a:t>
             </a:r>
-            <a:endParaRPr lang="zh-CN" altLang="en-US"/>
           </a:p>
         </p:txBody>
       </p:sp>
@@ -2487,6 +2454,7 @@
           <a:p>
             <a:fld id="{AF3DFB88-C66D-4D4F-992A-21D8B5C2FC83}" type="datetimeFigureOut">
               <a:rPr lang="zh-CN" altLang="en-US" smtClean="0"/>
+              <a:t>2023/12/26</a:t>
             </a:fld>
             <a:endParaRPr lang="zh-CN" altLang="en-US"/>
           </a:p>
@@ -2528,6 +2496,7 @@
           <a:p>
             <a:fld id="{1D393944-DC62-4081-86B4-76E5FCA2F9B8}" type="slidenum">
               <a:rPr lang="zh-CN" altLang="en-US" smtClean="0"/>
+              <a:t>‹#›</a:t>
             </a:fld>
             <a:endParaRPr lang="zh-CN" altLang="en-US"/>
           </a:p>
@@ -2586,7 +2555,6 @@
               <a:rPr lang="zh-CN" altLang="en-US"/>
               <a:t>单击此处编辑母版标题样式</a:t>
             </a:r>
-            <a:endParaRPr lang="zh-CN" altLang="en-US"/>
           </a:p>
         </p:txBody>
       </p:sp>
@@ -2713,7 +2681,6 @@
               <a:rPr lang="zh-CN" altLang="en-US"/>
               <a:t>编辑母版文本样式</a:t>
             </a:r>
-            <a:endParaRPr lang="zh-CN" altLang="en-US"/>
           </a:p>
         </p:txBody>
       </p:sp>
@@ -2734,6 +2701,7 @@
           <a:p>
             <a:fld id="{AF3DFB88-C66D-4D4F-992A-21D8B5C2FC83}" type="datetimeFigureOut">
               <a:rPr lang="zh-CN" altLang="en-US" smtClean="0"/>
+              <a:t>2023/12/26</a:t>
             </a:fld>
             <a:endParaRPr lang="zh-CN" altLang="en-US"/>
           </a:p>
@@ -2775,6 +2743,7 @@
           <a:p>
             <a:fld id="{1D393944-DC62-4081-86B4-76E5FCA2F9B8}" type="slidenum">
               <a:rPr lang="zh-CN" altLang="en-US" smtClean="0"/>
+              <a:t>‹#›</a:t>
             </a:fld>
             <a:endParaRPr lang="zh-CN" altLang="en-US"/>
           </a:p>
@@ -2839,7 +2808,6 @@
               <a:rPr lang="zh-CN" altLang="en-US"/>
               <a:t>单击此处编辑母版标题样式</a:t>
             </a:r>
-            <a:endParaRPr lang="zh-CN" altLang="en-US"/>
           </a:p>
         </p:txBody>
       </p:sp>
@@ -2873,7 +2841,6 @@
               <a:rPr lang="zh-CN" altLang="en-US"/>
               <a:t>编辑母版文本样式</a:t>
             </a:r>
-            <a:endParaRPr lang="zh-CN" altLang="en-US"/>
           </a:p>
           <a:p>
             <a:pPr lvl="1"/>
@@ -2881,7 +2848,6 @@
               <a:rPr lang="zh-CN" altLang="en-US"/>
               <a:t>第二级</a:t>
             </a:r>
-            <a:endParaRPr lang="zh-CN" altLang="en-US"/>
           </a:p>
           <a:p>
             <a:pPr lvl="2"/>
@@ -2889,7 +2855,6 @@
               <a:rPr lang="zh-CN" altLang="en-US"/>
               <a:t>第三级</a:t>
             </a:r>
-            <a:endParaRPr lang="zh-CN" altLang="en-US"/>
           </a:p>
           <a:p>
             <a:pPr lvl="3"/>
@@ -2897,7 +2862,6 @@
               <a:rPr lang="zh-CN" altLang="en-US"/>
               <a:t>第四级</a:t>
             </a:r>
-            <a:endParaRPr lang="zh-CN" altLang="en-US"/>
           </a:p>
           <a:p>
             <a:pPr lvl="4"/>
@@ -2905,7 +2869,6 @@
               <a:rPr lang="zh-CN" altLang="en-US"/>
               <a:t>第五级</a:t>
             </a:r>
-            <a:endParaRPr lang="zh-CN" altLang="en-US"/>
           </a:p>
         </p:txBody>
       </p:sp>
@@ -2944,6 +2907,7 @@
           <a:p>
             <a:fld id="{AF3DFB88-C66D-4D4F-992A-21D8B5C2FC83}" type="datetimeFigureOut">
               <a:rPr lang="zh-CN" altLang="en-US" smtClean="0"/>
+              <a:t>2023/12/26</a:t>
             </a:fld>
             <a:endParaRPr lang="zh-CN" altLang="en-US"/>
           </a:p>
@@ -3021,6 +2985,7 @@
           <a:p>
             <a:fld id="{1D393944-DC62-4081-86B4-76E5FCA2F9B8}" type="slidenum">
               <a:rPr lang="zh-CN" altLang="en-US" smtClean="0"/>
+              <a:t>‹#›</a:t>
             </a:fld>
             <a:endParaRPr lang="zh-CN" altLang="en-US"/>
           </a:p>
@@ -3351,7 +3316,7 @@
           <p:nvPr/>
         </p:nvPicPr>
         <p:blipFill>
-          <a:blip r:embed="rId1"/>
+          <a:blip r:embed="rId3"/>
           <a:stretch>
             <a:fillRect/>
           </a:stretch>
@@ -3375,7 +3340,7 @@
           <p:nvPr/>
         </p:nvPicPr>
         <p:blipFill>
-          <a:blip r:embed="rId2"/>
+          <a:blip r:embed="rId4"/>
           <a:stretch>
             <a:fillRect/>
           </a:stretch>
@@ -3399,7 +3364,7 @@
           <p:nvPr/>
         </p:nvPicPr>
         <p:blipFill rotWithShape="1">
-          <a:blip r:embed="rId2"/>
+          <a:blip r:embed="rId4"/>
           <a:srcRect l="13807"/>
           <a:stretch>
             <a:fillRect/>
@@ -3424,7 +3389,7 @@
           <p:nvPr/>
         </p:nvPicPr>
         <p:blipFill rotWithShape="1">
-          <a:blip r:embed="rId2"/>
+          <a:blip r:embed="rId4"/>
           <a:srcRect l="11337" r="31759"/>
           <a:stretch>
             <a:fillRect/>
@@ -3449,7 +3414,7 @@
           <p:nvPr/>
         </p:nvPicPr>
         <p:blipFill>
-          <a:blip r:embed="rId3"/>
+          <a:blip r:embed="rId5"/>
           <a:stretch>
             <a:fillRect/>
           </a:stretch>
@@ -3553,10 +3518,6 @@
               </a:rPr>
               <a:t>Edge Learning Users </a:t>
             </a:r>
-            <a:endParaRPr dirty="0">
-              <a:latin typeface="Times New Roman Regular" panose="02020603050405020304" charset="0"/>
-              <a:cs typeface="Times New Roman Regular" panose="02020603050405020304" charset="0"/>
-            </a:endParaRPr>
           </a:p>
         </p:txBody>
       </p:sp>
@@ -3580,6 +3541,7 @@
           <a:bodyPr wrap="square" rtlCol="0">
             <a:spAutoFit/>
           </a:bodyPr>
+          <a:lstStyle/>
           <a:p>
             <a:r>
               <a:rPr lang="en-US" altLang="zh-CN">
@@ -3588,10 +3550,6 @@
               </a:rPr>
               <a:t>12332463</a:t>
             </a:r>
-            <a:endParaRPr lang="en-US" altLang="zh-CN">
-              <a:latin typeface="Times New Roman Regular" panose="02020603050405020304" charset="0"/>
-              <a:cs typeface="Times New Roman Regular" panose="02020603050405020304" charset="0"/>
-            </a:endParaRPr>
           </a:p>
           <a:p>
             <a:r>
@@ -3601,10 +3559,6 @@
               </a:rPr>
               <a:t>Geng Tian</a:t>
             </a:r>
-            <a:endParaRPr lang="en-US" altLang="zh-CN">
-              <a:latin typeface="Times New Roman Regular" panose="02020603050405020304" charset="0"/>
-              <a:cs typeface="Times New Roman Regular" panose="02020603050405020304" charset="0"/>
-            </a:endParaRPr>
           </a:p>
         </p:txBody>
       </p:sp>
@@ -3613,13 +3567,13 @@
   <p:clrMapOvr>
     <a:masterClrMapping/>
   </p:clrMapOvr>
-  <mc:AlternateContent xmlns:mc="http://schemas.openxmlformats.org/markup-compatibility/2006">
-    <mc:Choice xmlns:p14="http://schemas.microsoft.com/office/powerpoint/2010/main" Requires="p14">
+  <mc:AlternateContent xmlns:mc="http://schemas.openxmlformats.org/markup-compatibility/2006" xmlns:p14="http://schemas.microsoft.com/office/powerpoint/2010/main">
+    <mc:Choice Requires="p14">
       <p:transition spd="med" p14:dur="700">
         <p:fade/>
       </p:transition>
     </mc:Choice>
-    <mc:Fallback>
+    <mc:Fallback xmlns="">
       <p:transition spd="med">
         <p:fade/>
       </p:transition>
@@ -3713,7 +3667,7 @@
           <p:nvPr/>
         </p:nvPicPr>
         <p:blipFill>
-          <a:blip r:embed="rId1"/>
+          <a:blip r:embed="rId2"/>
           <a:stretch>
             <a:fillRect/>
           </a:stretch>
@@ -3737,7 +3691,7 @@
           <p:nvPr/>
         </p:nvPicPr>
         <p:blipFill>
-          <a:blip r:embed="rId2"/>
+          <a:blip r:embed="rId3"/>
           <a:stretch>
             <a:fillRect/>
           </a:stretch>
@@ -3761,7 +3715,7 @@
           <p:nvPr/>
         </p:nvPicPr>
         <p:blipFill>
-          <a:blip r:embed="rId3"/>
+          <a:blip r:embed="rId4"/>
           <a:stretch>
             <a:fillRect/>
           </a:stretch>
@@ -3785,7 +3739,7 @@
           <p:nvPr/>
         </p:nvPicPr>
         <p:blipFill rotWithShape="1">
-          <a:blip r:embed="rId3"/>
+          <a:blip r:embed="rId4"/>
           <a:srcRect l="13807"/>
           <a:stretch>
             <a:fillRect/>
@@ -3810,7 +3764,7 @@
           <p:nvPr/>
         </p:nvPicPr>
         <p:blipFill rotWithShape="1">
-          <a:blip r:embed="rId3"/>
+          <a:blip r:embed="rId4"/>
           <a:srcRect l="11337" r="31759"/>
           <a:stretch>
             <a:fillRect/>
@@ -3835,7 +3789,7 @@
           <p:nvPr/>
         </p:nvPicPr>
         <p:blipFill>
-          <a:blip r:embed="rId4"/>
+          <a:blip r:embed="rId5"/>
           <a:stretch>
             <a:fillRect/>
           </a:stretch>
@@ -3923,12 +3877,6 @@
               </a:rPr>
               <a:t>stage federated learning for label noise correction</a:t>
             </a:r>
-            <a:endParaRPr lang="zh-CN" altLang="en-US" sz="2800">
-              <a:latin typeface="微软雅黑" charset="0"/>
-              <a:ea typeface="微软雅黑" charset="0"/>
-              <a:cs typeface="Times New Roman Regular" panose="02020603050405020304" charset="0"/>
-              <a:sym typeface="+mn-ea"/>
-            </a:endParaRPr>
           </a:p>
           <a:p>
             <a:pPr marL="571500" indent="-571500" algn="l">
@@ -3945,10 +3893,6 @@
               </a:rPr>
               <a:t>Use federated learning as an edge learning framework</a:t>
             </a:r>
-            <a:endParaRPr lang="zh-CN" altLang="en-US" sz="2800" dirty="0">
-              <a:latin typeface="微软雅黑" charset="0"/>
-              <a:ea typeface="微软雅黑" charset="0"/>
-            </a:endParaRPr>
           </a:p>
           <a:p>
             <a:pPr marL="571500" indent="-571500" algn="l">
@@ -3965,10 +3909,6 @@
               </a:rPr>
               <a:t>Use LID to detect unreliable users</a:t>
             </a:r>
-            <a:endParaRPr sz="2800" dirty="0">
-              <a:latin typeface="微软雅黑" charset="0"/>
-              <a:ea typeface="微软雅黑" charset="0"/>
-            </a:endParaRPr>
           </a:p>
         </p:txBody>
       </p:sp>
@@ -3977,13 +3917,13 @@
   <p:clrMapOvr>
     <a:masterClrMapping/>
   </p:clrMapOvr>
-  <mc:AlternateContent xmlns:mc="http://schemas.openxmlformats.org/markup-compatibility/2006">
-    <mc:Choice xmlns:p14="http://schemas.microsoft.com/office/powerpoint/2010/main" Requires="p14">
+  <mc:AlternateContent xmlns:mc="http://schemas.openxmlformats.org/markup-compatibility/2006" xmlns:p14="http://schemas.microsoft.com/office/powerpoint/2010/main">
+    <mc:Choice Requires="p14">
       <p:transition spd="med" p14:dur="700">
         <p:fade/>
       </p:transition>
     </mc:Choice>
-    <mc:Fallback>
+    <mc:Fallback xmlns="">
       <p:transition spd="med">
         <p:fade/>
       </p:transition>
@@ -4077,7 +4017,7 @@
           <p:nvPr/>
         </p:nvPicPr>
         <p:blipFill>
-          <a:blip r:embed="rId1"/>
+          <a:blip r:embed="rId2"/>
           <a:stretch>
             <a:fillRect/>
           </a:stretch>
@@ -4101,7 +4041,7 @@
           <p:nvPr/>
         </p:nvPicPr>
         <p:blipFill>
-          <a:blip r:embed="rId2"/>
+          <a:blip r:embed="rId3"/>
           <a:stretch>
             <a:fillRect/>
           </a:stretch>
@@ -4125,7 +4065,7 @@
           <p:nvPr/>
         </p:nvPicPr>
         <p:blipFill>
-          <a:blip r:embed="rId3"/>
+          <a:blip r:embed="rId4"/>
           <a:stretch>
             <a:fillRect/>
           </a:stretch>
@@ -4149,7 +4089,7 @@
           <p:nvPr/>
         </p:nvPicPr>
         <p:blipFill rotWithShape="1">
-          <a:blip r:embed="rId3"/>
+          <a:blip r:embed="rId4"/>
           <a:srcRect l="13807"/>
           <a:stretch>
             <a:fillRect/>
@@ -4174,7 +4114,7 @@
           <p:nvPr/>
         </p:nvPicPr>
         <p:blipFill rotWithShape="1">
-          <a:blip r:embed="rId3"/>
+          <a:blip r:embed="rId4"/>
           <a:srcRect l="11337" r="31759"/>
           <a:stretch>
             <a:fillRect/>
@@ -4199,7 +4139,7 @@
           <p:nvPr/>
         </p:nvPicPr>
         <p:blipFill>
-          <a:blip r:embed="rId4"/>
+          <a:blip r:embed="rId5"/>
           <a:stretch>
             <a:fillRect/>
           </a:stretch>
@@ -4214,91 +4154,126 @@
           </a:prstGeom>
         </p:spPr>
       </p:pic>
-      <p:sp>
-        <p:nvSpPr>
-          <p:cNvPr id="6" name="标题 1"/>
-          <p:cNvSpPr txBox="1"/>
-          <p:nvPr/>
-        </p:nvSpPr>
-        <p:spPr>
-          <a:xfrm>
-            <a:off x="439420" y="1153795"/>
-            <a:ext cx="11501755" cy="869950"/>
-          </a:xfrm>
-          <a:prstGeom prst="rect">
-            <a:avLst/>
-          </a:prstGeom>
-        </p:spPr>
-        <p:txBody>
-          <a:bodyPr vert="horz" lIns="91440" tIns="45720" rIns="91440" bIns="45720" rtlCol="0" anchor="b">
-            <a:noAutofit/>
-          </a:bodyPr>
-          <a:lstStyle>
-            <a:lvl1pPr algn="ctr" defTabSz="914400" rtl="0" eaLnBrk="1" latinLnBrk="0" hangingPunct="1">
-              <a:lnSpc>
-                <a:spcPct val="90000"/>
-              </a:lnSpc>
-              <a:spcBef>
-                <a:spcPct val="0"/>
-              </a:spcBef>
-              <a:buNone/>
-              <a:defRPr sz="6000" kern="1200">
-                <a:solidFill>
-                  <a:schemeClr val="tx1"/>
-                </a:solidFill>
-                <a:latin typeface="+mj-lt"/>
-                <a:ea typeface="+mj-ea"/>
-                <a:cs typeface="+mj-cs"/>
-              </a:defRPr>
-            </a:lvl1pPr>
-          </a:lstStyle>
-          <a:p>
-            <a:pPr marL="571500" indent="-571500" algn="l">
-              <a:lnSpc>
-                <a:spcPct val="200000"/>
-              </a:lnSpc>
-              <a:buFont typeface="Arial" panose="020B0604020202020204" pitchFamily="34" charset="0"/>
-              <a:buChar char="•"/>
-            </a:pPr>
-            <a:r>
-              <a:rPr lang="en-US" altLang="zh-CN" sz="2800">
-                <a:latin typeface="微软雅黑" charset="0"/>
-                <a:ea typeface="微软雅黑" charset="0"/>
-                <a:cs typeface="Times New Roman Regular" panose="02020603050405020304" charset="0"/>
-                <a:sym typeface="+mn-ea"/>
-              </a:rPr>
-              <a:t>LID</a:t>
-            </a:r>
-            <a:r>
-              <a:rPr lang="zh-CN" altLang="en-US" sz="2800">
-                <a:latin typeface="微软雅黑" charset="0"/>
-                <a:ea typeface="微软雅黑" charset="0"/>
-                <a:cs typeface="Times New Roman Regular" panose="02020603050405020304" charset="0"/>
-                <a:sym typeface="+mn-ea"/>
-              </a:rPr>
-              <a:t>是什么</a:t>
-            </a:r>
-            <a:endParaRPr lang="zh-CN" altLang="en-US" sz="2800">
-              <a:latin typeface="微软雅黑" charset="0"/>
-              <a:ea typeface="微软雅黑" charset="0"/>
-              <a:cs typeface="Times New Roman Regular" panose="02020603050405020304" charset="0"/>
-              <a:sym typeface="+mn-ea"/>
-            </a:endParaRPr>
-          </a:p>
-        </p:txBody>
-      </p:sp>
+      <p:pic>
+        <p:nvPicPr>
+          <p:cNvPr id="19" name="图片 18">
+            <a:extLst>
+              <a:ext uri="{FF2B5EF4-FFF2-40B4-BE49-F238E27FC236}">
+                <a16:creationId xmlns:a16="http://schemas.microsoft.com/office/drawing/2014/main" id="{F60847E2-0BD9-94E4-D5D4-190D4F2895DC}"/>
+              </a:ext>
+            </a:extLst>
+          </p:cNvPr>
+          <p:cNvPicPr>
+            <a:picLocks noChangeAspect="1"/>
+          </p:cNvPicPr>
+          <p:nvPr/>
+        </p:nvPicPr>
+        <p:blipFill>
+          <a:blip r:embed="rId6">
+            <a:extLst>
+              <a:ext uri="{28A0092B-C50C-407E-A947-70E740481C1C}">
+                <a14:useLocalDpi xmlns:a14="http://schemas.microsoft.com/office/drawing/2010/main" val="0"/>
+              </a:ext>
+            </a:extLst>
+          </a:blip>
+          <a:stretch>
+            <a:fillRect/>
+          </a:stretch>
+        </p:blipFill>
+        <p:spPr>
+          <a:xfrm>
+            <a:off x="292100" y="1195460"/>
+            <a:ext cx="5892800" cy="3100348"/>
+          </a:xfrm>
+          <a:prstGeom prst="rect">
+            <a:avLst/>
+          </a:prstGeom>
+        </p:spPr>
+      </p:pic>
+      <p:pic>
+        <p:nvPicPr>
+          <p:cNvPr id="21" name="图片 20">
+            <a:extLst>
+              <a:ext uri="{FF2B5EF4-FFF2-40B4-BE49-F238E27FC236}">
+                <a16:creationId xmlns:a16="http://schemas.microsoft.com/office/drawing/2014/main" id="{9F353D36-AF71-4CEF-A9B8-9EA7EEBFDC8D}"/>
+              </a:ext>
+            </a:extLst>
+          </p:cNvPr>
+          <p:cNvPicPr>
+            <a:picLocks noChangeAspect="1"/>
+          </p:cNvPicPr>
+          <p:nvPr/>
+        </p:nvPicPr>
+        <p:blipFill>
+          <a:blip r:embed="rId7">
+            <a:extLst>
+              <a:ext uri="{28A0092B-C50C-407E-A947-70E740481C1C}">
+                <a14:useLocalDpi xmlns:a14="http://schemas.microsoft.com/office/drawing/2010/main" val="0"/>
+              </a:ext>
+            </a:extLst>
+          </a:blip>
+          <a:stretch>
+            <a:fillRect/>
+          </a:stretch>
+        </p:blipFill>
+        <p:spPr>
+          <a:xfrm>
+            <a:off x="7661495" y="1508125"/>
+            <a:ext cx="3707786" cy="3841750"/>
+          </a:xfrm>
+          <a:prstGeom prst="rect">
+            <a:avLst/>
+          </a:prstGeom>
+        </p:spPr>
+      </p:pic>
+      <p:pic>
+        <p:nvPicPr>
+          <p:cNvPr id="23" name="图片 22">
+            <a:extLst>
+              <a:ext uri="{FF2B5EF4-FFF2-40B4-BE49-F238E27FC236}">
+                <a16:creationId xmlns:a16="http://schemas.microsoft.com/office/drawing/2014/main" id="{9426F404-8CB3-081B-179C-B97BE7119BFB}"/>
+              </a:ext>
+            </a:extLst>
+          </p:cNvPr>
+          <p:cNvPicPr>
+            <a:picLocks noChangeAspect="1"/>
+          </p:cNvPicPr>
+          <p:nvPr/>
+        </p:nvPicPr>
+        <p:blipFill>
+          <a:blip r:embed="rId8" cstate="print">
+            <a:extLst>
+              <a:ext uri="{28A0092B-C50C-407E-A947-70E740481C1C}">
+                <a14:useLocalDpi xmlns:a14="http://schemas.microsoft.com/office/drawing/2010/main" val="0"/>
+              </a:ext>
+            </a:extLst>
+          </a:blip>
+          <a:stretch>
+            <a:fillRect/>
+          </a:stretch>
+        </p:blipFill>
+        <p:spPr>
+          <a:xfrm>
+            <a:off x="1136650" y="4766698"/>
+            <a:ext cx="3810973" cy="624842"/>
+          </a:xfrm>
+          <a:prstGeom prst="rect">
+            <a:avLst/>
+          </a:prstGeom>
+        </p:spPr>
+      </p:pic>
     </p:spTree>
   </p:cSld>
   <p:clrMapOvr>
     <a:masterClrMapping/>
   </p:clrMapOvr>
-  <mc:AlternateContent xmlns:mc="http://schemas.openxmlformats.org/markup-compatibility/2006">
-    <mc:Choice xmlns:p14="http://schemas.microsoft.com/office/powerpoint/2010/main" Requires="p14">
+  <mc:AlternateContent xmlns:mc="http://schemas.openxmlformats.org/markup-compatibility/2006" xmlns:p14="http://schemas.microsoft.com/office/powerpoint/2010/main">
+    <mc:Choice Requires="p14">
       <p:transition spd="med" p14:dur="700">
         <p:fade/>
       </p:transition>
     </mc:Choice>
-    <mc:Fallback>
+    <mc:Fallback xmlns="">
       <p:transition spd="med">
         <p:fade/>
       </p:transition>
@@ -4416,7 +4391,7 @@
           <p:nvPr/>
         </p:nvPicPr>
         <p:blipFill>
-          <a:blip r:embed="rId1"/>
+          <a:blip r:embed="rId2"/>
           <a:stretch>
             <a:fillRect/>
           </a:stretch>
@@ -4440,7 +4415,7 @@
           <p:nvPr/>
         </p:nvPicPr>
         <p:blipFill>
-          <a:blip r:embed="rId2"/>
+          <a:blip r:embed="rId3"/>
           <a:stretch>
             <a:fillRect/>
           </a:stretch>
@@ -4464,7 +4439,7 @@
           <p:nvPr/>
         </p:nvPicPr>
         <p:blipFill>
-          <a:blip r:embed="rId3"/>
+          <a:blip r:embed="rId4"/>
           <a:stretch>
             <a:fillRect/>
           </a:stretch>
@@ -4488,7 +4463,7 @@
           <p:nvPr/>
         </p:nvPicPr>
         <p:blipFill rotWithShape="1">
-          <a:blip r:embed="rId3"/>
+          <a:blip r:embed="rId4"/>
           <a:srcRect l="13807"/>
           <a:stretch>
             <a:fillRect/>
@@ -4513,7 +4488,7 @@
           <p:nvPr/>
         </p:nvPicPr>
         <p:blipFill rotWithShape="1">
-          <a:blip r:embed="rId3"/>
+          <a:blip r:embed="rId4"/>
           <a:srcRect l="11337" r="31759"/>
           <a:stretch>
             <a:fillRect/>
@@ -4538,7 +4513,7 @@
           <p:nvPr/>
         </p:nvPicPr>
         <p:blipFill>
-          <a:blip r:embed="rId4"/>
+          <a:blip r:embed="rId5"/>
           <a:stretch>
             <a:fillRect/>
           </a:stretch>
@@ -4608,12 +4583,6 @@
               </a:rPr>
               <a:t>Use SplitFed learning instead of federated learning</a:t>
             </a:r>
-            <a:endParaRPr sz="2800">
-              <a:latin typeface="微软雅黑" charset="0"/>
-              <a:ea typeface="微软雅黑" charset="0"/>
-              <a:cs typeface="Times New Roman Regular" panose="02020603050405020304" charset="0"/>
-              <a:sym typeface="+mn-ea"/>
-            </a:endParaRPr>
           </a:p>
           <a:p>
             <a:pPr marL="571500" indent="-571500" algn="l">
@@ -4630,10 +4599,6 @@
               </a:rPr>
               <a:t>All testing is done without the user's knowledge, preventing some users from not cooperating</a:t>
             </a:r>
-            <a:endParaRPr lang="zh-CN" sz="2800" dirty="0">
-              <a:latin typeface="微软雅黑" charset="0"/>
-              <a:ea typeface="微软雅黑" charset="0"/>
-            </a:endParaRPr>
           </a:p>
         </p:txBody>
       </p:sp>
@@ -4642,13 +4607,13 @@
   <p:clrMapOvr>
     <a:masterClrMapping/>
   </p:clrMapOvr>
-  <mc:AlternateContent xmlns:mc="http://schemas.openxmlformats.org/markup-compatibility/2006">
-    <mc:Choice xmlns:p14="http://schemas.microsoft.com/office/powerpoint/2010/main" Requires="p14">
+  <mc:AlternateContent xmlns:mc="http://schemas.openxmlformats.org/markup-compatibility/2006" xmlns:p14="http://schemas.microsoft.com/office/powerpoint/2010/main">
+    <mc:Choice Requires="p14">
       <p:transition spd="med" p14:dur="700">
         <p:fade/>
       </p:transition>
     </mc:Choice>
-    <mc:Fallback>
+    <mc:Fallback xmlns="">
       <p:transition spd="med">
         <p:fade/>
       </p:transition>
@@ -4708,10 +4673,6 @@
               </a:rPr>
               <a:t>Structure of the Federated learning</a:t>
             </a:r>
-            <a:endParaRPr lang="en-US" altLang="zh-CN" sz="3200" b="1" dirty="0">
-              <a:latin typeface="微软雅黑" panose="020B0503020204020204" pitchFamily="34" charset="-122"/>
-              <a:ea typeface="微软雅黑" panose="020B0503020204020204" pitchFamily="34" charset="-122"/>
-            </a:endParaRPr>
           </a:p>
         </p:txBody>
       </p:sp>
@@ -4724,7 +4685,7 @@
           <p:nvPr/>
         </p:nvPicPr>
         <p:blipFill>
-          <a:blip r:embed="rId1"/>
+          <a:blip r:embed="rId2"/>
           <a:stretch>
             <a:fillRect/>
           </a:stretch>
@@ -4748,7 +4709,7 @@
           <p:nvPr/>
         </p:nvPicPr>
         <p:blipFill>
-          <a:blip r:embed="rId2"/>
+          <a:blip r:embed="rId3"/>
           <a:stretch>
             <a:fillRect/>
           </a:stretch>
@@ -4772,7 +4733,7 @@
           <p:nvPr/>
         </p:nvPicPr>
         <p:blipFill>
-          <a:blip r:embed="rId3"/>
+          <a:blip r:embed="rId4"/>
           <a:stretch>
             <a:fillRect/>
           </a:stretch>
@@ -4796,7 +4757,7 @@
           <p:nvPr/>
         </p:nvPicPr>
         <p:blipFill rotWithShape="1">
-          <a:blip r:embed="rId3"/>
+          <a:blip r:embed="rId4"/>
           <a:srcRect l="13807"/>
           <a:stretch>
             <a:fillRect/>
@@ -4821,7 +4782,7 @@
           <p:nvPr/>
         </p:nvPicPr>
         <p:blipFill rotWithShape="1">
-          <a:blip r:embed="rId3"/>
+          <a:blip r:embed="rId4"/>
           <a:srcRect l="11337" r="31759"/>
           <a:stretch>
             <a:fillRect/>
@@ -4846,7 +4807,7 @@
           <p:nvPr/>
         </p:nvPicPr>
         <p:blipFill>
-          <a:blip r:embed="rId4"/>
+          <a:blip r:embed="rId5"/>
           <a:stretch>
             <a:fillRect/>
           </a:stretch>
@@ -4870,7 +4831,7 @@
           <p:nvPr/>
         </p:nvPicPr>
         <p:blipFill>
-          <a:blip r:embed="rId5">
+          <a:blip r:embed="rId6">
             <a:extLst>
               <a:ext uri="{28A0092B-C50C-407E-A947-70E740481C1C}">
                 <a14:useLocalDpi xmlns:a14="http://schemas.microsoft.com/office/drawing/2010/main" val="0"/>
@@ -4896,13 +4857,13 @@
   <p:clrMapOvr>
     <a:masterClrMapping/>
   </p:clrMapOvr>
-  <mc:AlternateContent xmlns:mc="http://schemas.openxmlformats.org/markup-compatibility/2006">
-    <mc:Choice xmlns:p14="http://schemas.microsoft.com/office/powerpoint/2010/main" Requires="p14">
+  <mc:AlternateContent xmlns:mc="http://schemas.openxmlformats.org/markup-compatibility/2006" xmlns:p14="http://schemas.microsoft.com/office/powerpoint/2010/main">
+    <mc:Choice Requires="p14">
       <p:transition spd="med" p14:dur="700">
         <p:fade/>
       </p:transition>
     </mc:Choice>
-    <mc:Fallback>
+    <mc:Fallback xmlns="">
       <p:transition spd="med">
         <p:fade/>
       </p:transition>
@@ -4985,7 +4946,7 @@
           <p:nvPr/>
         </p:nvPicPr>
         <p:blipFill>
-          <a:blip r:embed="rId1"/>
+          <a:blip r:embed="rId2"/>
           <a:stretch>
             <a:fillRect/>
           </a:stretch>
@@ -5009,7 +4970,7 @@
           <p:nvPr/>
         </p:nvPicPr>
         <p:blipFill>
-          <a:blip r:embed="rId2"/>
+          <a:blip r:embed="rId3"/>
           <a:stretch>
             <a:fillRect/>
           </a:stretch>
@@ -5033,7 +4994,7 @@
           <p:nvPr/>
         </p:nvPicPr>
         <p:blipFill>
-          <a:blip r:embed="rId3"/>
+          <a:blip r:embed="rId4"/>
           <a:stretch>
             <a:fillRect/>
           </a:stretch>
@@ -5057,7 +5018,7 @@
           <p:nvPr/>
         </p:nvPicPr>
         <p:blipFill rotWithShape="1">
-          <a:blip r:embed="rId3"/>
+          <a:blip r:embed="rId4"/>
           <a:srcRect l="13807"/>
           <a:stretch>
             <a:fillRect/>
@@ -5082,7 +5043,7 @@
           <p:nvPr/>
         </p:nvPicPr>
         <p:blipFill rotWithShape="1">
-          <a:blip r:embed="rId3"/>
+          <a:blip r:embed="rId4"/>
           <a:srcRect l="11337" r="31759"/>
           <a:stretch>
             <a:fillRect/>
@@ -5107,7 +5068,7 @@
           <p:nvPr/>
         </p:nvPicPr>
         <p:blipFill>
-          <a:blip r:embed="rId4"/>
+          <a:blip r:embed="rId5"/>
           <a:stretch>
             <a:fillRect/>
           </a:stretch>
@@ -5131,7 +5092,7 @@
           <p:nvPr/>
         </p:nvPicPr>
         <p:blipFill>
-          <a:blip r:embed="rId5">
+          <a:blip r:embed="rId6">
             <a:extLst>
               <a:ext uri="{28A0092B-C50C-407E-A947-70E740481C1C}">
                 <a14:useLocalDpi xmlns:a14="http://schemas.microsoft.com/office/drawing/2010/main" val="0"/>
@@ -5157,13 +5118,13 @@
   <p:clrMapOvr>
     <a:masterClrMapping/>
   </p:clrMapOvr>
-  <mc:AlternateContent xmlns:mc="http://schemas.openxmlformats.org/markup-compatibility/2006">
-    <mc:Choice xmlns:p14="http://schemas.microsoft.com/office/powerpoint/2010/main" Requires="p14">
+  <mc:AlternateContent xmlns:mc="http://schemas.openxmlformats.org/markup-compatibility/2006" xmlns:p14="http://schemas.microsoft.com/office/powerpoint/2010/main">
+    <mc:Choice Requires="p14">
       <p:transition spd="med" p14:dur="700">
         <p:fade/>
       </p:transition>
     </mc:Choice>
-    <mc:Fallback>
+    <mc:Fallback xmlns="">
       <p:transition spd="med">
         <p:fade/>
       </p:transition>
@@ -5273,7 +5234,7 @@
           <p:nvPr/>
         </p:nvPicPr>
         <p:blipFill>
-          <a:blip r:embed="rId1"/>
+          <a:blip r:embed="rId2"/>
           <a:stretch>
             <a:fillRect/>
           </a:stretch>
@@ -5297,7 +5258,7 @@
           <p:nvPr/>
         </p:nvPicPr>
         <p:blipFill>
-          <a:blip r:embed="rId2"/>
+          <a:blip r:embed="rId3"/>
           <a:stretch>
             <a:fillRect/>
           </a:stretch>
@@ -5321,7 +5282,7 @@
           <p:nvPr/>
         </p:nvPicPr>
         <p:blipFill>
-          <a:blip r:embed="rId3"/>
+          <a:blip r:embed="rId4"/>
           <a:stretch>
             <a:fillRect/>
           </a:stretch>
@@ -5345,7 +5306,7 @@
           <p:nvPr/>
         </p:nvPicPr>
         <p:blipFill rotWithShape="1">
-          <a:blip r:embed="rId3"/>
+          <a:blip r:embed="rId4"/>
           <a:srcRect l="13807"/>
           <a:stretch>
             <a:fillRect/>
@@ -5370,7 +5331,7 @@
           <p:nvPr/>
         </p:nvPicPr>
         <p:blipFill rotWithShape="1">
-          <a:blip r:embed="rId3"/>
+          <a:blip r:embed="rId4"/>
           <a:srcRect l="11337" r="31759"/>
           <a:stretch>
             <a:fillRect/>
@@ -5395,7 +5356,7 @@
           <p:nvPr/>
         </p:nvPicPr>
         <p:blipFill>
-          <a:blip r:embed="rId4"/>
+          <a:blip r:embed="rId5"/>
           <a:stretch>
             <a:fillRect/>
           </a:stretch>
@@ -5410,16 +5371,58 @@
           </a:prstGeom>
         </p:spPr>
       </p:pic>
-      <p:sp>
-        <p:nvSpPr>
-          <p:cNvPr id="4" name="矩形 3"/>
+      <p:pic>
+        <p:nvPicPr>
+          <p:cNvPr id="24" name="图片 23">
+            <a:extLst>
+              <a:ext uri="{FF2B5EF4-FFF2-40B4-BE49-F238E27FC236}">
+                <a16:creationId xmlns:a16="http://schemas.microsoft.com/office/drawing/2014/main" id="{491FB978-B2A0-C830-D2C6-1AE9E39DF262}"/>
+              </a:ext>
+            </a:extLst>
+          </p:cNvPr>
+          <p:cNvPicPr>
+            <a:picLocks noChangeAspect="1"/>
+          </p:cNvPicPr>
+          <p:nvPr/>
+        </p:nvPicPr>
+        <p:blipFill>
+          <a:blip r:embed="rId6" cstate="print">
+            <a:extLst>
+              <a:ext uri="{28A0092B-C50C-407E-A947-70E740481C1C}">
+                <a14:useLocalDpi xmlns:a14="http://schemas.microsoft.com/office/drawing/2010/main" val="0"/>
+              </a:ext>
+            </a:extLst>
+          </a:blip>
+          <a:stretch>
+            <a:fillRect/>
+          </a:stretch>
+        </p:blipFill>
+        <p:spPr>
+          <a:xfrm>
+            <a:off x="1186736" y="1276260"/>
+            <a:ext cx="3087317" cy="4115280"/>
+          </a:xfrm>
+          <a:prstGeom prst="rect">
+            <a:avLst/>
+          </a:prstGeom>
+        </p:spPr>
+      </p:pic>
+      <p:sp>
+        <p:nvSpPr>
+          <p:cNvPr id="25" name="矩形 24">
+            <a:extLst>
+              <a:ext uri="{FF2B5EF4-FFF2-40B4-BE49-F238E27FC236}">
+                <a16:creationId xmlns:a16="http://schemas.microsoft.com/office/drawing/2014/main" id="{2B815E3E-5B36-CA01-D55C-B82EA241C765}"/>
+              </a:ext>
+            </a:extLst>
+          </p:cNvPr>
           <p:cNvSpPr/>
           <p:nvPr/>
         </p:nvSpPr>
         <p:spPr>
           <a:xfrm>
-            <a:off x="2816225" y="1694815"/>
-            <a:ext cx="3163570" cy="583565"/>
+            <a:off x="6484622" y="1998067"/>
+            <a:ext cx="2199641" cy="2554545"/>
           </a:xfrm>
           <a:prstGeom prst="rect">
             <a:avLst/>
@@ -5433,13 +5436,11 @@
           <a:bodyPr wrap="none" rtlCol="0" anchor="t">
             <a:spAutoFit/>
           </a:bodyPr>
+          <a:lstStyle/>
           <a:p>
             <a:pPr algn="ctr"/>
             <a:r>
-              <a:rPr lang="en-US" altLang="zh-CN" sz="3200">
-                <a:solidFill>
-                  <a:schemeClr val="tx1"/>
-                </a:solidFill>
+              <a:rPr lang="en-US" altLang="zh-CN" sz="3200" dirty="0">
                 <a:effectLst>
                   <a:outerShdw blurRad="38100" dist="19050" dir="2700000" algn="tl" rotWithShape="0">
                     <a:schemeClr val="dk1">
@@ -5449,12 +5450,12 @@
                   </a:outerShdw>
                 </a:effectLst>
               </a:rPr>
-              <a:t>Federated learning</a:t>
-            </a:r>
-            <a:endParaRPr lang="en-US" altLang="zh-CN" sz="3200">
-              <a:solidFill>
-                <a:schemeClr val="tx1"/>
-              </a:solidFill>
+              <a:t>SplitFed-v1</a:t>
+            </a:r>
+          </a:p>
+          <a:p>
+            <a:pPr algn="ctr"/>
+            <a:endParaRPr lang="en-US" altLang="zh-CN" sz="3200" dirty="0">
               <a:effectLst>
                 <a:outerShdw blurRad="38100" dist="19050" dir="2700000" algn="tl" rotWithShape="0">
                   <a:schemeClr val="dk1">
@@ -5465,38 +5466,10 @@
               </a:effectLst>
             </a:endParaRPr>
           </a:p>
-        </p:txBody>
-      </p:sp>
-      <p:sp>
-        <p:nvSpPr>
-          <p:cNvPr id="6" name="矩形 5"/>
-          <p:cNvSpPr/>
-          <p:nvPr/>
-        </p:nvSpPr>
-        <p:spPr>
-          <a:xfrm>
-            <a:off x="7506653" y="1694815"/>
-            <a:ext cx="2948305" cy="583565"/>
-          </a:xfrm>
-          <a:prstGeom prst="rect">
-            <a:avLst/>
-          </a:prstGeom>
-          <a:noFill/>
-          <a:ln>
-            <a:noFill/>
-          </a:ln>
-        </p:spPr>
-        <p:txBody>
-          <a:bodyPr wrap="none" rtlCol="0" anchor="t">
-            <a:spAutoFit/>
-          </a:bodyPr>
           <a:p>
             <a:pPr algn="ctr"/>
             <a:r>
-              <a:rPr lang="en-US" altLang="zh-CN" sz="3200">
-                <a:solidFill>
-                  <a:schemeClr val="tx1"/>
-                </a:solidFill>
+              <a:rPr lang="en-US" altLang="zh-CN" sz="3200" dirty="0">
                 <a:effectLst>
                   <a:outerShdw blurRad="38100" dist="19050" dir="2700000" algn="tl" rotWithShape="0">
                     <a:schemeClr val="dk1">
@@ -5506,12 +5479,12 @@
                   </a:outerShdw>
                 </a:effectLst>
               </a:rPr>
-              <a:t>SplitFed learning</a:t>
-            </a:r>
-            <a:endParaRPr lang="en-US" altLang="zh-CN" sz="3200">
-              <a:solidFill>
-                <a:schemeClr val="tx1"/>
-              </a:solidFill>
+              <a:t>SplitFed-v2</a:t>
+            </a:r>
+          </a:p>
+          <a:p>
+            <a:pPr algn="ctr"/>
+            <a:endParaRPr lang="en-US" altLang="zh-CN" sz="3200" dirty="0">
               <a:effectLst>
                 <a:outerShdw blurRad="38100" dist="19050" dir="2700000" algn="tl" rotWithShape="0">
                   <a:schemeClr val="dk1">
@@ -5522,38 +5495,10 @@
               </a:effectLst>
             </a:endParaRPr>
           </a:p>
-        </p:txBody>
-      </p:sp>
-      <p:sp>
-        <p:nvSpPr>
-          <p:cNvPr id="14" name="矩形 13"/>
-          <p:cNvSpPr/>
-          <p:nvPr/>
-        </p:nvSpPr>
-        <p:spPr>
-          <a:xfrm>
-            <a:off x="399733" y="2291080"/>
-            <a:ext cx="1961515" cy="583565"/>
-          </a:xfrm>
-          <a:prstGeom prst="rect">
-            <a:avLst/>
-          </a:prstGeom>
-          <a:noFill/>
-          <a:ln>
-            <a:noFill/>
-          </a:ln>
-        </p:spPr>
-        <p:txBody>
-          <a:bodyPr wrap="none" rtlCol="0" anchor="t">
-            <a:spAutoFit/>
-          </a:bodyPr>
           <a:p>
             <a:pPr algn="ctr"/>
             <a:r>
-              <a:rPr lang="en-US" altLang="zh-CN" sz="3200">
-                <a:solidFill>
-                  <a:schemeClr val="tx1"/>
-                </a:solidFill>
+              <a:rPr lang="en-US" altLang="zh-CN" sz="3200" dirty="0">
                 <a:effectLst>
                   <a:outerShdw blurRad="38100" dist="19050" dir="2700000" algn="tl" rotWithShape="0">
                     <a:schemeClr val="dk1">
@@ -5563,695 +5508,28 @@
                   </a:outerShdw>
                 </a:effectLst>
               </a:rPr>
-              <a:t>non-IID=0</a:t>
-            </a:r>
-            <a:endParaRPr lang="en-US" altLang="zh-CN" sz="3200">
-              <a:solidFill>
-                <a:schemeClr val="tx1"/>
-              </a:solidFill>
-              <a:effectLst>
-                <a:outerShdw blurRad="38100" dist="19050" dir="2700000" algn="tl" rotWithShape="0">
-                  <a:schemeClr val="dk1">
-                    <a:alpha val="40000"/>
-                    <a:alpha val="40000"/>
-                  </a:schemeClr>
-                </a:outerShdw>
-              </a:effectLst>
-            </a:endParaRPr>
-          </a:p>
-        </p:txBody>
-      </p:sp>
-      <p:sp>
-        <p:nvSpPr>
-          <p:cNvPr id="15" name="矩形 14"/>
-          <p:cNvSpPr/>
-          <p:nvPr/>
-        </p:nvSpPr>
-        <p:spPr>
-          <a:xfrm>
-            <a:off x="400050" y="3025140"/>
-            <a:ext cx="2368550" cy="583565"/>
-          </a:xfrm>
-          <a:prstGeom prst="rect">
-            <a:avLst/>
-          </a:prstGeom>
-          <a:noFill/>
-          <a:ln>
-            <a:noFill/>
-          </a:ln>
-        </p:spPr>
-        <p:txBody>
-          <a:bodyPr wrap="none" rtlCol="0" anchor="t">
-            <a:spAutoFit/>
-          </a:bodyPr>
-          <a:p>
-            <a:pPr algn="ctr"/>
-            <a:r>
-              <a:rPr lang="en-US" altLang="zh-CN" sz="3200">
-                <a:solidFill>
-                  <a:schemeClr val="tx1"/>
-                </a:solidFill>
-                <a:effectLst>
-                  <a:outerShdw blurRad="38100" dist="19050" dir="2700000" algn="tl" rotWithShape="0">
-                    <a:schemeClr val="dk1">
-                      <a:alpha val="40000"/>
-                      <a:alpha val="40000"/>
-                    </a:schemeClr>
-                  </a:outerShdw>
-                </a:effectLst>
-              </a:rPr>
-              <a:t>non-IID=0.5</a:t>
-            </a:r>
-            <a:endParaRPr lang="en-US" altLang="zh-CN" sz="3200">
-              <a:solidFill>
-                <a:schemeClr val="tx1"/>
-              </a:solidFill>
-              <a:effectLst>
-                <a:outerShdw blurRad="38100" dist="19050" dir="2700000" algn="tl" rotWithShape="0">
-                  <a:schemeClr val="dk1">
-                    <a:alpha val="40000"/>
-                    <a:alpha val="40000"/>
-                  </a:schemeClr>
-                </a:outerShdw>
-              </a:effectLst>
-            </a:endParaRPr>
-          </a:p>
-        </p:txBody>
-      </p:sp>
-      <p:sp>
-        <p:nvSpPr>
-          <p:cNvPr id="16" name="矩形 15"/>
-          <p:cNvSpPr/>
-          <p:nvPr/>
-        </p:nvSpPr>
-        <p:spPr>
-          <a:xfrm>
-            <a:off x="400050" y="3771900"/>
-            <a:ext cx="2368550" cy="583565"/>
-          </a:xfrm>
-          <a:prstGeom prst="rect">
-            <a:avLst/>
-          </a:prstGeom>
-          <a:noFill/>
-          <a:ln>
-            <a:noFill/>
-          </a:ln>
-        </p:spPr>
-        <p:txBody>
-          <a:bodyPr wrap="none" rtlCol="0" anchor="t">
-            <a:spAutoFit/>
-          </a:bodyPr>
-          <a:p>
-            <a:pPr algn="ctr"/>
-            <a:r>
-              <a:rPr lang="en-US" altLang="zh-CN" sz="3200">
-                <a:solidFill>
-                  <a:schemeClr val="tx1"/>
-                </a:solidFill>
-                <a:effectLst>
-                  <a:outerShdw blurRad="38100" dist="19050" dir="2700000" algn="tl" rotWithShape="0">
-                    <a:schemeClr val="dk1">
-                      <a:alpha val="40000"/>
-                      <a:alpha val="40000"/>
-                    </a:schemeClr>
-                  </a:outerShdw>
-                </a:effectLst>
-              </a:rPr>
-              <a:t>non-IID=0.9</a:t>
-            </a:r>
-            <a:endParaRPr lang="en-US" altLang="zh-CN" sz="3200">
-              <a:solidFill>
-                <a:schemeClr val="tx1"/>
-              </a:solidFill>
-              <a:effectLst>
-                <a:outerShdw blurRad="38100" dist="19050" dir="2700000" algn="tl" rotWithShape="0">
-                  <a:schemeClr val="dk1">
-                    <a:alpha val="40000"/>
-                    <a:alpha val="40000"/>
-                  </a:schemeClr>
-                </a:outerShdw>
-              </a:effectLst>
-            </a:endParaRPr>
-          </a:p>
-        </p:txBody>
-      </p:sp>
-      <p:sp>
-        <p:nvSpPr>
-          <p:cNvPr id="17" name="矩形 16"/>
-          <p:cNvSpPr/>
-          <p:nvPr/>
-        </p:nvSpPr>
-        <p:spPr>
-          <a:xfrm>
-            <a:off x="400050" y="4518660"/>
-            <a:ext cx="2571750" cy="583565"/>
-          </a:xfrm>
-          <a:prstGeom prst="rect">
-            <a:avLst/>
-          </a:prstGeom>
-          <a:noFill/>
-          <a:ln>
-            <a:noFill/>
-          </a:ln>
-        </p:spPr>
-        <p:txBody>
-          <a:bodyPr wrap="none" rtlCol="0" anchor="t">
-            <a:spAutoFit/>
-          </a:bodyPr>
-          <a:p>
-            <a:pPr algn="ctr"/>
-            <a:r>
-              <a:rPr lang="en-US" altLang="zh-CN" sz="3200">
-                <a:solidFill>
-                  <a:schemeClr val="tx1"/>
-                </a:solidFill>
-                <a:effectLst>
-                  <a:outerShdw blurRad="38100" dist="19050" dir="2700000" algn="tl" rotWithShape="0">
-                    <a:schemeClr val="dk1">
-                      <a:alpha val="40000"/>
-                      <a:alpha val="40000"/>
-                    </a:schemeClr>
-                  </a:outerShdw>
-                </a:effectLst>
-              </a:rPr>
-              <a:t>non-IID=0.95</a:t>
-            </a:r>
-            <a:endParaRPr lang="en-US" altLang="zh-CN" sz="3200">
-              <a:solidFill>
-                <a:schemeClr val="tx1"/>
-              </a:solidFill>
-              <a:effectLst>
-                <a:outerShdw blurRad="38100" dist="19050" dir="2700000" algn="tl" rotWithShape="0">
-                  <a:schemeClr val="dk1">
-                    <a:alpha val="40000"/>
-                    <a:alpha val="40000"/>
-                  </a:schemeClr>
-                </a:outerShdw>
-              </a:effectLst>
-            </a:endParaRPr>
-          </a:p>
-        </p:txBody>
-      </p:sp>
-      <p:sp>
-        <p:nvSpPr>
-          <p:cNvPr id="11" name="矩形 10"/>
-          <p:cNvSpPr/>
-          <p:nvPr/>
-        </p:nvSpPr>
-        <p:spPr>
-          <a:xfrm>
-            <a:off x="3437573" y="2291080"/>
-            <a:ext cx="1435735" cy="583565"/>
-          </a:xfrm>
-          <a:prstGeom prst="rect">
-            <a:avLst/>
-          </a:prstGeom>
-          <a:noFill/>
-          <a:ln>
-            <a:noFill/>
-          </a:ln>
-        </p:spPr>
-        <p:txBody>
-          <a:bodyPr wrap="none" rtlCol="0" anchor="t">
-            <a:spAutoFit/>
-          </a:bodyPr>
-          <a:p>
-            <a:pPr algn="ctr"/>
-            <a:r>
-              <a:rPr lang="en-US" altLang="zh-CN" sz="3200">
-                <a:solidFill>
-                  <a:schemeClr val="tx1"/>
-                </a:solidFill>
-                <a:effectLst>
-                  <a:outerShdw blurRad="38100" dist="19050" dir="2700000" algn="tl" rotWithShape="0">
-                    <a:schemeClr val="dk1">
-                      <a:alpha val="40000"/>
-                      <a:alpha val="40000"/>
-                    </a:schemeClr>
-                  </a:outerShdw>
-                </a:effectLst>
-                <a:latin typeface="Times New Roman Regular" panose="02020603050405020304" charset="0"/>
-                <a:cs typeface="Times New Roman Regular" panose="02020603050405020304" charset="0"/>
-              </a:rPr>
-              <a:t>93.68%</a:t>
-            </a:r>
-            <a:endParaRPr lang="en-US" altLang="zh-CN" sz="3200">
-              <a:solidFill>
-                <a:schemeClr val="tx1"/>
-              </a:solidFill>
-              <a:effectLst>
-                <a:outerShdw blurRad="38100" dist="19050" dir="2700000" algn="tl" rotWithShape="0">
-                  <a:schemeClr val="dk1">
-                    <a:alpha val="40000"/>
-                    <a:alpha val="40000"/>
-                  </a:schemeClr>
-                </a:outerShdw>
-              </a:effectLst>
-              <a:latin typeface="Times New Roman Regular" panose="02020603050405020304" charset="0"/>
-              <a:cs typeface="Times New Roman Regular" panose="02020603050405020304" charset="0"/>
-            </a:endParaRPr>
-          </a:p>
-        </p:txBody>
-      </p:sp>
-      <p:sp>
-        <p:nvSpPr>
-          <p:cNvPr id="12" name="矩形 11"/>
-          <p:cNvSpPr/>
-          <p:nvPr/>
-        </p:nvSpPr>
-        <p:spPr>
-          <a:xfrm>
-            <a:off x="8413433" y="2291080"/>
-            <a:ext cx="1435735" cy="583565"/>
-          </a:xfrm>
-          <a:prstGeom prst="rect">
-            <a:avLst/>
-          </a:prstGeom>
-          <a:noFill/>
-          <a:ln>
-            <a:noFill/>
-          </a:ln>
-        </p:spPr>
-        <p:txBody>
-          <a:bodyPr wrap="none" rtlCol="0" anchor="t">
-            <a:spAutoFit/>
-          </a:bodyPr>
-          <a:p>
-            <a:pPr algn="ctr"/>
-            <a:r>
-              <a:rPr lang="en-US" altLang="zh-CN" sz="3200">
-                <a:solidFill>
-                  <a:schemeClr val="tx1"/>
-                </a:solidFill>
-                <a:effectLst>
-                  <a:outerShdw blurRad="38100" dist="19050" dir="2700000" algn="tl" rotWithShape="0">
-                    <a:schemeClr val="dk1">
-                      <a:alpha val="40000"/>
-                      <a:alpha val="40000"/>
-                    </a:schemeClr>
-                  </a:outerShdw>
-                </a:effectLst>
-                <a:latin typeface="Times New Roman Regular" panose="02020603050405020304" charset="0"/>
-                <a:cs typeface="Times New Roman Regular" panose="02020603050405020304" charset="0"/>
-              </a:rPr>
-              <a:t>94.01%</a:t>
-            </a:r>
-            <a:endParaRPr lang="en-US" altLang="zh-CN" sz="3200">
-              <a:solidFill>
-                <a:schemeClr val="tx1"/>
-              </a:solidFill>
-              <a:effectLst>
-                <a:outerShdw blurRad="38100" dist="19050" dir="2700000" algn="tl" rotWithShape="0">
-                  <a:schemeClr val="dk1">
-                    <a:alpha val="40000"/>
-                    <a:alpha val="40000"/>
-                  </a:schemeClr>
-                </a:outerShdw>
-              </a:effectLst>
-              <a:latin typeface="Times New Roman Regular" panose="02020603050405020304" charset="0"/>
-              <a:cs typeface="Times New Roman Regular" panose="02020603050405020304" charset="0"/>
-            </a:endParaRPr>
-          </a:p>
-        </p:txBody>
-      </p:sp>
-      <p:sp>
-        <p:nvSpPr>
-          <p:cNvPr id="13" name="矩形 12"/>
-          <p:cNvSpPr/>
-          <p:nvPr/>
-        </p:nvSpPr>
-        <p:spPr>
-          <a:xfrm>
-            <a:off x="8413433" y="3012440"/>
-            <a:ext cx="1435735" cy="583565"/>
-          </a:xfrm>
-          <a:prstGeom prst="rect">
-            <a:avLst/>
-          </a:prstGeom>
-          <a:noFill/>
-          <a:ln>
-            <a:noFill/>
-          </a:ln>
-        </p:spPr>
-        <p:txBody>
-          <a:bodyPr wrap="none" rtlCol="0" anchor="t">
-            <a:spAutoFit/>
-          </a:bodyPr>
-          <a:p>
-            <a:pPr algn="ctr"/>
-            <a:r>
-              <a:rPr lang="en-US" altLang="zh-CN" sz="3200">
-                <a:solidFill>
-                  <a:schemeClr val="tx1"/>
-                </a:solidFill>
-                <a:effectLst>
-                  <a:outerShdw blurRad="38100" dist="19050" dir="2700000" algn="tl" rotWithShape="0">
-                    <a:schemeClr val="dk1">
-                      <a:alpha val="40000"/>
-                      <a:alpha val="40000"/>
-                    </a:schemeClr>
-                  </a:outerShdw>
-                </a:effectLst>
-                <a:latin typeface="Times New Roman Regular" panose="02020603050405020304" charset="0"/>
-                <a:cs typeface="Times New Roman Regular" panose="02020603050405020304" charset="0"/>
-              </a:rPr>
-              <a:t>93.18%</a:t>
-            </a:r>
-            <a:endParaRPr lang="en-US" altLang="zh-CN" sz="3200">
-              <a:solidFill>
-                <a:schemeClr val="tx1"/>
-              </a:solidFill>
-              <a:effectLst>
-                <a:outerShdw blurRad="38100" dist="19050" dir="2700000" algn="tl" rotWithShape="0">
-                  <a:schemeClr val="dk1">
-                    <a:alpha val="40000"/>
-                    <a:alpha val="40000"/>
-                  </a:schemeClr>
-                </a:outerShdw>
-              </a:effectLst>
-              <a:latin typeface="Times New Roman Regular" panose="02020603050405020304" charset="0"/>
-              <a:cs typeface="Times New Roman Regular" panose="02020603050405020304" charset="0"/>
-            </a:endParaRPr>
-          </a:p>
-        </p:txBody>
-      </p:sp>
-      <p:sp>
-        <p:nvSpPr>
-          <p:cNvPr id="18" name="矩形 17"/>
-          <p:cNvSpPr/>
-          <p:nvPr/>
-        </p:nvSpPr>
-        <p:spPr>
-          <a:xfrm>
-            <a:off x="8413433" y="3733800"/>
-            <a:ext cx="1435735" cy="583565"/>
-          </a:xfrm>
-          <a:prstGeom prst="rect">
-            <a:avLst/>
-          </a:prstGeom>
-          <a:noFill/>
-          <a:ln>
-            <a:noFill/>
-          </a:ln>
-        </p:spPr>
-        <p:txBody>
-          <a:bodyPr wrap="none" rtlCol="0" anchor="t">
-            <a:spAutoFit/>
-          </a:bodyPr>
-          <a:p>
-            <a:pPr algn="ctr"/>
-            <a:r>
-              <a:rPr lang="en-US" altLang="zh-CN" sz="3200">
-                <a:solidFill>
-                  <a:schemeClr val="tx1"/>
-                </a:solidFill>
-                <a:effectLst>
-                  <a:outerShdw blurRad="38100" dist="19050" dir="2700000" algn="tl" rotWithShape="0">
-                    <a:schemeClr val="dk1">
-                      <a:alpha val="40000"/>
-                      <a:alpha val="40000"/>
-                    </a:schemeClr>
-                  </a:outerShdw>
-                </a:effectLst>
-                <a:latin typeface="Times New Roman Regular" panose="02020603050405020304" charset="0"/>
-                <a:cs typeface="Times New Roman Regular" panose="02020603050405020304" charset="0"/>
-              </a:rPr>
-              <a:t>87.20%</a:t>
-            </a:r>
-            <a:endParaRPr lang="en-US" altLang="zh-CN" sz="3200">
-              <a:solidFill>
-                <a:schemeClr val="tx1"/>
-              </a:solidFill>
-              <a:effectLst>
-                <a:outerShdw blurRad="38100" dist="19050" dir="2700000" algn="tl" rotWithShape="0">
-                  <a:schemeClr val="dk1">
-                    <a:alpha val="40000"/>
-                    <a:alpha val="40000"/>
-                  </a:schemeClr>
-                </a:outerShdw>
-              </a:effectLst>
-              <a:latin typeface="Times New Roman Regular" panose="02020603050405020304" charset="0"/>
-              <a:cs typeface="Times New Roman Regular" panose="02020603050405020304" charset="0"/>
-            </a:endParaRPr>
-          </a:p>
-        </p:txBody>
-      </p:sp>
-      <p:sp>
-        <p:nvSpPr>
-          <p:cNvPr id="19" name="矩形 18"/>
-          <p:cNvSpPr/>
-          <p:nvPr/>
-        </p:nvSpPr>
-        <p:spPr>
-          <a:xfrm>
-            <a:off x="8413433" y="4455160"/>
-            <a:ext cx="1435735" cy="583565"/>
-          </a:xfrm>
-          <a:prstGeom prst="rect">
-            <a:avLst/>
-          </a:prstGeom>
-          <a:noFill/>
-          <a:ln>
-            <a:noFill/>
-          </a:ln>
-        </p:spPr>
-        <p:txBody>
-          <a:bodyPr wrap="none" rtlCol="0" anchor="t">
-            <a:spAutoFit/>
-          </a:bodyPr>
-          <a:p>
-            <a:pPr algn="ctr"/>
-            <a:r>
-              <a:rPr lang="en-US" altLang="zh-CN" sz="3200">
-                <a:solidFill>
-                  <a:schemeClr val="tx1"/>
-                </a:solidFill>
-                <a:effectLst>
-                  <a:outerShdw blurRad="38100" dist="19050" dir="2700000" algn="tl" rotWithShape="0">
-                    <a:schemeClr val="dk1">
-                      <a:alpha val="40000"/>
-                      <a:alpha val="40000"/>
-                    </a:schemeClr>
-                  </a:outerShdw>
-                </a:effectLst>
-                <a:latin typeface="Times New Roman Regular" panose="02020603050405020304" charset="0"/>
-                <a:cs typeface="Times New Roman Regular" panose="02020603050405020304" charset="0"/>
-              </a:rPr>
-              <a:t>83.31%</a:t>
-            </a:r>
-            <a:endParaRPr lang="en-US" altLang="zh-CN" sz="3200">
-              <a:solidFill>
-                <a:schemeClr val="tx1"/>
-              </a:solidFill>
-              <a:effectLst>
-                <a:outerShdw blurRad="38100" dist="19050" dir="2700000" algn="tl" rotWithShape="0">
-                  <a:schemeClr val="dk1">
-                    <a:alpha val="40000"/>
-                    <a:alpha val="40000"/>
-                  </a:schemeClr>
-                </a:outerShdw>
-              </a:effectLst>
-              <a:latin typeface="Times New Roman Regular" panose="02020603050405020304" charset="0"/>
-              <a:cs typeface="Times New Roman Regular" panose="02020603050405020304" charset="0"/>
-            </a:endParaRPr>
-          </a:p>
-        </p:txBody>
-      </p:sp>
-      <p:sp>
-        <p:nvSpPr>
-          <p:cNvPr id="20" name="矩形 19"/>
-          <p:cNvSpPr/>
-          <p:nvPr/>
-        </p:nvSpPr>
-        <p:spPr>
-          <a:xfrm>
-            <a:off x="3437573" y="3025140"/>
-            <a:ext cx="1435735" cy="583565"/>
-          </a:xfrm>
-          <a:prstGeom prst="rect">
-            <a:avLst/>
-          </a:prstGeom>
-          <a:noFill/>
-          <a:ln>
-            <a:noFill/>
-          </a:ln>
-        </p:spPr>
-        <p:txBody>
-          <a:bodyPr wrap="none" rtlCol="0" anchor="t">
-            <a:spAutoFit/>
-          </a:bodyPr>
-          <a:p>
-            <a:pPr algn="ctr"/>
-            <a:r>
-              <a:rPr lang="en-US" altLang="zh-CN" sz="3200">
-                <a:solidFill>
-                  <a:schemeClr val="tx1"/>
-                </a:solidFill>
-                <a:effectLst>
-                  <a:outerShdw blurRad="38100" dist="19050" dir="2700000" algn="tl" rotWithShape="0">
-                    <a:schemeClr val="dk1">
-                      <a:alpha val="40000"/>
-                      <a:alpha val="40000"/>
-                    </a:schemeClr>
-                  </a:outerShdw>
-                </a:effectLst>
-                <a:latin typeface="Times New Roman Regular" panose="02020603050405020304" charset="0"/>
-                <a:cs typeface="Times New Roman Regular" panose="02020603050405020304" charset="0"/>
-              </a:rPr>
-              <a:t>93.46%</a:t>
-            </a:r>
-            <a:endParaRPr lang="en-US" altLang="zh-CN" sz="3200">
-              <a:solidFill>
-                <a:schemeClr val="tx1"/>
-              </a:solidFill>
-              <a:effectLst>
-                <a:outerShdw blurRad="38100" dist="19050" dir="2700000" algn="tl" rotWithShape="0">
-                  <a:schemeClr val="dk1">
-                    <a:alpha val="40000"/>
-                    <a:alpha val="40000"/>
-                  </a:schemeClr>
-                </a:outerShdw>
-              </a:effectLst>
-              <a:latin typeface="Times New Roman Regular" panose="02020603050405020304" charset="0"/>
-              <a:cs typeface="Times New Roman Regular" panose="02020603050405020304" charset="0"/>
-            </a:endParaRPr>
-          </a:p>
-        </p:txBody>
-      </p:sp>
-      <p:sp>
-        <p:nvSpPr>
-          <p:cNvPr id="21" name="矩形 20"/>
-          <p:cNvSpPr/>
-          <p:nvPr/>
-        </p:nvSpPr>
-        <p:spPr>
-          <a:xfrm>
-            <a:off x="3437573" y="3759200"/>
-            <a:ext cx="1435735" cy="583565"/>
-          </a:xfrm>
-          <a:prstGeom prst="rect">
-            <a:avLst/>
-          </a:prstGeom>
-          <a:noFill/>
-          <a:ln>
-            <a:noFill/>
-          </a:ln>
-        </p:spPr>
-        <p:txBody>
-          <a:bodyPr wrap="none" rtlCol="0" anchor="t">
-            <a:spAutoFit/>
-          </a:bodyPr>
-          <a:p>
-            <a:pPr algn="ctr"/>
-            <a:r>
-              <a:rPr lang="en-US" altLang="zh-CN" sz="3200">
-                <a:solidFill>
-                  <a:schemeClr val="tx1"/>
-                </a:solidFill>
-                <a:effectLst>
-                  <a:outerShdw blurRad="38100" dist="19050" dir="2700000" algn="tl" rotWithShape="0">
-                    <a:schemeClr val="dk1">
-                      <a:alpha val="40000"/>
-                      <a:alpha val="40000"/>
-                    </a:schemeClr>
-                  </a:outerShdw>
-                </a:effectLst>
-                <a:latin typeface="Times New Roman Regular" panose="02020603050405020304" charset="0"/>
-                <a:cs typeface="Times New Roman Regular" panose="02020603050405020304" charset="0"/>
-              </a:rPr>
-              <a:t>87.00%</a:t>
-            </a:r>
-            <a:endParaRPr lang="en-US" altLang="zh-CN" sz="3200">
-              <a:solidFill>
-                <a:schemeClr val="tx1"/>
-              </a:solidFill>
-              <a:effectLst>
-                <a:outerShdw blurRad="38100" dist="19050" dir="2700000" algn="tl" rotWithShape="0">
-                  <a:schemeClr val="dk1">
-                    <a:alpha val="40000"/>
-                    <a:alpha val="40000"/>
-                  </a:schemeClr>
-                </a:outerShdw>
-              </a:effectLst>
-              <a:latin typeface="Times New Roman Regular" panose="02020603050405020304" charset="0"/>
-              <a:cs typeface="Times New Roman Regular" panose="02020603050405020304" charset="0"/>
-            </a:endParaRPr>
-          </a:p>
-        </p:txBody>
-      </p:sp>
-      <p:sp>
-        <p:nvSpPr>
-          <p:cNvPr id="22" name="矩形 21"/>
-          <p:cNvSpPr/>
-          <p:nvPr/>
-        </p:nvSpPr>
-        <p:spPr>
-          <a:xfrm>
-            <a:off x="3437573" y="4513580"/>
-            <a:ext cx="1435735" cy="583565"/>
-          </a:xfrm>
-          <a:prstGeom prst="rect">
-            <a:avLst/>
-          </a:prstGeom>
-          <a:noFill/>
-          <a:ln>
-            <a:noFill/>
-          </a:ln>
-        </p:spPr>
-        <p:txBody>
-          <a:bodyPr wrap="none" rtlCol="0" anchor="t">
-            <a:spAutoFit/>
-          </a:bodyPr>
-          <a:p>
-            <a:pPr algn="ctr"/>
-            <a:r>
-              <a:rPr lang="en-US" altLang="zh-CN" sz="3200">
-                <a:solidFill>
-                  <a:schemeClr val="tx1"/>
-                </a:solidFill>
-                <a:effectLst>
-                  <a:outerShdw blurRad="38100" dist="19050" dir="2700000" algn="tl" rotWithShape="0">
-                    <a:schemeClr val="dk1">
-                      <a:alpha val="40000"/>
-                      <a:alpha val="40000"/>
-                    </a:schemeClr>
-                  </a:outerShdw>
-                </a:effectLst>
-                <a:latin typeface="Times New Roman Regular" panose="02020603050405020304" charset="0"/>
-                <a:cs typeface="Times New Roman Regular" panose="02020603050405020304" charset="0"/>
-              </a:rPr>
-              <a:t>81.52%</a:t>
-            </a:r>
-            <a:endParaRPr lang="en-US" altLang="zh-CN" sz="3200">
-              <a:solidFill>
-                <a:schemeClr val="tx1"/>
-              </a:solidFill>
-              <a:effectLst>
-                <a:outerShdw blurRad="38100" dist="19050" dir="2700000" algn="tl" rotWithShape="0">
-                  <a:schemeClr val="dk1">
-                    <a:alpha val="40000"/>
-                    <a:alpha val="40000"/>
-                  </a:schemeClr>
-                </a:outerShdw>
-              </a:effectLst>
-              <a:latin typeface="Times New Roman Regular" panose="02020603050405020304" charset="0"/>
-              <a:cs typeface="Times New Roman Regular" panose="02020603050405020304" charset="0"/>
-            </a:endParaRPr>
+              <a:t>SplitFed-v3</a:t>
+            </a:r>
           </a:p>
         </p:txBody>
       </p:sp>
     </p:spTree>
+    <p:extLst>
+      <p:ext uri="{BB962C8B-B14F-4D97-AF65-F5344CB8AC3E}">
+        <p14:creationId xmlns:p14="http://schemas.microsoft.com/office/powerpoint/2010/main" val="3381968558"/>
+      </p:ext>
+    </p:extLst>
   </p:cSld>
   <p:clrMapOvr>
     <a:masterClrMapping/>
   </p:clrMapOvr>
-  <mc:AlternateContent xmlns:mc="http://schemas.openxmlformats.org/markup-compatibility/2006">
-    <mc:Choice xmlns:p14="http://schemas.microsoft.com/office/powerpoint/2010/main" Requires="p14">
+  <mc:AlternateContent xmlns:mc="http://schemas.openxmlformats.org/markup-compatibility/2006" xmlns:p14="http://schemas.microsoft.com/office/powerpoint/2010/main">
+    <mc:Choice Requires="p14">
       <p:transition spd="med" p14:dur="700">
         <p:fade/>
       </p:transition>
     </mc:Choice>
-    <mc:Fallback>
+    <mc:Fallback xmlns="">
       <p:transition spd="med">
         <p:fade/>
       </p:transition>
@@ -6289,26 +5567,65 @@
         </p:nvSpPr>
         <p:spPr>
           <a:xfrm>
-            <a:off x="3133468" y="2414850"/>
-            <a:ext cx="5925064" cy="841191"/>
+            <a:off x="705485" y="396240"/>
+            <a:ext cx="9144000" cy="757555"/>
           </a:xfrm>
         </p:spPr>
         <p:txBody>
           <a:bodyPr>
-            <a:noAutofit/>
+            <a:normAutofit fontScale="90000"/>
           </a:bodyPr>
           <a:lstStyle/>
           <a:p>
-            <a:r>
-              <a:rPr lang="en-US" altLang="zh-CN" sz="6600" dirty="0">
+            <a:pPr algn="l">
+              <a:lnSpc>
+                <a:spcPct val="200000"/>
+              </a:lnSpc>
+            </a:pPr>
+            <a:r>
+              <a:rPr lang="zh-CN" altLang="en-US" sz="3200" b="1" dirty="0">
                 <a:latin typeface="微软雅黑" panose="020B0503020204020204" pitchFamily="34" charset="-122"/>
                 <a:ea typeface="微软雅黑" panose="020B0503020204020204" pitchFamily="34" charset="-122"/>
-              </a:rPr>
-              <a:t>THANK YOU</a:t>
-            </a:r>
-            <a:endParaRPr lang="zh-CN" altLang="en-US" sz="6600" dirty="0">
+                <a:sym typeface="+mn-ea"/>
+              </a:rPr>
+              <a:t>Solution </a:t>
+            </a:r>
+            <a:r>
+              <a:rPr lang="en-US" altLang="zh-CN" sz="3200" b="1" dirty="0">
+                <a:latin typeface="微软雅黑" panose="020B0503020204020204" pitchFamily="34" charset="-122"/>
+                <a:ea typeface="微软雅黑" panose="020B0503020204020204" pitchFamily="34" charset="-122"/>
+                <a:sym typeface="+mn-ea"/>
+              </a:rPr>
+              <a:t>F</a:t>
+            </a:r>
+            <a:r>
+              <a:rPr lang="zh-CN" altLang="en-US" sz="3200" b="1" dirty="0">
+                <a:latin typeface="微软雅黑" panose="020B0503020204020204" pitchFamily="34" charset="-122"/>
+                <a:ea typeface="微软雅黑" panose="020B0503020204020204" pitchFamily="34" charset="-122"/>
+                <a:sym typeface="+mn-ea"/>
+              </a:rPr>
+              <a:t>easibility </a:t>
+            </a:r>
+            <a:r>
+              <a:rPr lang="en-US" altLang="zh-CN" sz="3200" b="1" dirty="0">
+                <a:latin typeface="微软雅黑" panose="020B0503020204020204" pitchFamily="34" charset="-122"/>
+                <a:ea typeface="微软雅黑" panose="020B0503020204020204" pitchFamily="34" charset="-122"/>
+                <a:sym typeface="+mn-ea"/>
+              </a:rPr>
+              <a:t>A</a:t>
+            </a:r>
+            <a:r>
+              <a:rPr lang="zh-CN" altLang="en-US" sz="3200" b="1" dirty="0">
+                <a:latin typeface="微软雅黑" panose="020B0503020204020204" pitchFamily="34" charset="-122"/>
+                <a:ea typeface="微软雅黑" panose="020B0503020204020204" pitchFamily="34" charset="-122"/>
+                <a:sym typeface="+mn-ea"/>
+              </a:rPr>
+              <a:t>nalysis</a:t>
+            </a:r>
+            <a:endParaRPr lang="en-US" sz="3200" b="1" dirty="0">
               <a:latin typeface="微软雅黑" panose="020B0503020204020204" pitchFamily="34" charset="-122"/>
               <a:ea typeface="微软雅黑" panose="020B0503020204020204" pitchFamily="34" charset="-122"/>
+              <a:sym typeface="+mn-ea"/>
             </a:endParaRPr>
           </a:p>
         </p:txBody>
@@ -6322,15 +5639,39 @@
           <p:nvPr/>
         </p:nvPicPr>
         <p:blipFill>
-          <a:blip r:embed="rId1"/>
+          <a:blip r:embed="rId2"/>
           <a:stretch>
             <a:fillRect/>
           </a:stretch>
         </p:blipFill>
         <p:spPr>
           <a:xfrm>
-            <a:off x="-22104" y="4877075"/>
+            <a:off x="13252" y="4907605"/>
             <a:ext cx="12192000" cy="1980925"/>
+          </a:xfrm>
+          <a:prstGeom prst="rect">
+            <a:avLst/>
+          </a:prstGeom>
+        </p:spPr>
+      </p:pic>
+      <p:pic>
+        <p:nvPicPr>
+          <p:cNvPr id="8" name="图片 7"/>
+          <p:cNvPicPr>
+            <a:picLocks noChangeAspect="1"/>
+          </p:cNvPicPr>
+          <p:nvPr/>
+        </p:nvPicPr>
+        <p:blipFill>
+          <a:blip r:embed="rId3"/>
+          <a:stretch>
+            <a:fillRect/>
+          </a:stretch>
+        </p:blipFill>
+        <p:spPr>
+          <a:xfrm>
+            <a:off x="439676" y="307638"/>
+            <a:ext cx="265554" cy="934751"/>
           </a:xfrm>
           <a:prstGeom prst="rect">
             <a:avLst/>
@@ -6346,7 +5687,7 @@
           <p:nvPr/>
         </p:nvPicPr>
         <p:blipFill>
-          <a:blip r:embed="rId2"/>
+          <a:blip r:embed="rId4"/>
           <a:stretch>
             <a:fillRect/>
           </a:stretch>
@@ -6370,7 +5711,7 @@
           <p:nvPr/>
         </p:nvPicPr>
         <p:blipFill rotWithShape="1">
-          <a:blip r:embed="rId2"/>
+          <a:blip r:embed="rId4"/>
           <a:srcRect l="13807"/>
           <a:stretch>
             <a:fillRect/>
@@ -6395,7 +5736,7 @@
           <p:nvPr/>
         </p:nvPicPr>
         <p:blipFill rotWithShape="1">
-          <a:blip r:embed="rId2"/>
+          <a:blip r:embed="rId4"/>
           <a:srcRect l="11337" r="31759"/>
           <a:stretch>
             <a:fillRect/>
@@ -6420,7 +5761,848 @@
           <p:nvPr/>
         </p:nvPicPr>
         <p:blipFill>
+          <a:blip r:embed="rId5"/>
+          <a:stretch>
+            <a:fillRect/>
+          </a:stretch>
+        </p:blipFill>
+        <p:spPr>
+          <a:xfrm>
+            <a:off x="9515388" y="485139"/>
+            <a:ext cx="2358781" cy="579748"/>
+          </a:xfrm>
+          <a:prstGeom prst="rect">
+            <a:avLst/>
+          </a:prstGeom>
+        </p:spPr>
+      </p:pic>
+      <p:sp>
+        <p:nvSpPr>
+          <p:cNvPr id="4" name="矩形 3"/>
+          <p:cNvSpPr/>
+          <p:nvPr/>
+        </p:nvSpPr>
+        <p:spPr>
+          <a:xfrm>
+            <a:off x="2816225" y="1694815"/>
+            <a:ext cx="3163570" cy="583565"/>
+          </a:xfrm>
+          <a:prstGeom prst="rect">
+            <a:avLst/>
+          </a:prstGeom>
+          <a:noFill/>
+          <a:ln>
+            <a:noFill/>
+          </a:ln>
+        </p:spPr>
+        <p:txBody>
+          <a:bodyPr wrap="none" rtlCol="0" anchor="t">
+            <a:spAutoFit/>
+          </a:bodyPr>
+          <a:lstStyle/>
+          <a:p>
+            <a:pPr algn="ctr"/>
+            <a:r>
+              <a:rPr lang="en-US" altLang="zh-CN" sz="3200">
+                <a:solidFill>
+                  <a:schemeClr val="tx1"/>
+                </a:solidFill>
+                <a:effectLst>
+                  <a:outerShdw blurRad="38100" dist="19050" dir="2700000" algn="tl" rotWithShape="0">
+                    <a:schemeClr val="dk1">
+                      <a:alpha val="40000"/>
+                      <a:alpha val="40000"/>
+                    </a:schemeClr>
+                  </a:outerShdw>
+                </a:effectLst>
+              </a:rPr>
+              <a:t>Federated learning</a:t>
+            </a:r>
+          </a:p>
+        </p:txBody>
+      </p:sp>
+      <p:sp>
+        <p:nvSpPr>
+          <p:cNvPr id="6" name="矩形 5"/>
+          <p:cNvSpPr/>
+          <p:nvPr/>
+        </p:nvSpPr>
+        <p:spPr>
+          <a:xfrm>
+            <a:off x="7506653" y="1694815"/>
+            <a:ext cx="2948305" cy="583565"/>
+          </a:xfrm>
+          <a:prstGeom prst="rect">
+            <a:avLst/>
+          </a:prstGeom>
+          <a:noFill/>
+          <a:ln>
+            <a:noFill/>
+          </a:ln>
+        </p:spPr>
+        <p:txBody>
+          <a:bodyPr wrap="none" rtlCol="0" anchor="t">
+            <a:spAutoFit/>
+          </a:bodyPr>
+          <a:lstStyle/>
+          <a:p>
+            <a:pPr algn="ctr"/>
+            <a:r>
+              <a:rPr lang="en-US" altLang="zh-CN" sz="3200">
+                <a:solidFill>
+                  <a:schemeClr val="tx1"/>
+                </a:solidFill>
+                <a:effectLst>
+                  <a:outerShdw blurRad="38100" dist="19050" dir="2700000" algn="tl" rotWithShape="0">
+                    <a:schemeClr val="dk1">
+                      <a:alpha val="40000"/>
+                      <a:alpha val="40000"/>
+                    </a:schemeClr>
+                  </a:outerShdw>
+                </a:effectLst>
+              </a:rPr>
+              <a:t>SplitFed learning</a:t>
+            </a:r>
+          </a:p>
+        </p:txBody>
+      </p:sp>
+      <p:sp>
+        <p:nvSpPr>
+          <p:cNvPr id="14" name="矩形 13"/>
+          <p:cNvSpPr/>
+          <p:nvPr/>
+        </p:nvSpPr>
+        <p:spPr>
+          <a:xfrm>
+            <a:off x="399733" y="2291080"/>
+            <a:ext cx="1961515" cy="583565"/>
+          </a:xfrm>
+          <a:prstGeom prst="rect">
+            <a:avLst/>
+          </a:prstGeom>
+          <a:noFill/>
+          <a:ln>
+            <a:noFill/>
+          </a:ln>
+        </p:spPr>
+        <p:txBody>
+          <a:bodyPr wrap="none" rtlCol="0" anchor="t">
+            <a:spAutoFit/>
+          </a:bodyPr>
+          <a:lstStyle/>
+          <a:p>
+            <a:pPr algn="ctr"/>
+            <a:r>
+              <a:rPr lang="en-US" altLang="zh-CN" sz="3200" dirty="0">
+                <a:solidFill>
+                  <a:schemeClr val="tx1"/>
+                </a:solidFill>
+                <a:effectLst>
+                  <a:outerShdw blurRad="38100" dist="19050" dir="2700000" algn="tl" rotWithShape="0">
+                    <a:schemeClr val="dk1">
+                      <a:alpha val="40000"/>
+                      <a:alpha val="40000"/>
+                    </a:schemeClr>
+                  </a:outerShdw>
+                </a:effectLst>
+              </a:rPr>
+              <a:t>non-IID=0</a:t>
+            </a:r>
+          </a:p>
+        </p:txBody>
+      </p:sp>
+      <p:sp>
+        <p:nvSpPr>
+          <p:cNvPr id="15" name="矩形 14"/>
+          <p:cNvSpPr/>
+          <p:nvPr/>
+        </p:nvSpPr>
+        <p:spPr>
+          <a:xfrm>
+            <a:off x="400050" y="3025140"/>
+            <a:ext cx="2368550" cy="583565"/>
+          </a:xfrm>
+          <a:prstGeom prst="rect">
+            <a:avLst/>
+          </a:prstGeom>
+          <a:noFill/>
+          <a:ln>
+            <a:noFill/>
+          </a:ln>
+        </p:spPr>
+        <p:txBody>
+          <a:bodyPr wrap="none" rtlCol="0" anchor="t">
+            <a:spAutoFit/>
+          </a:bodyPr>
+          <a:lstStyle/>
+          <a:p>
+            <a:pPr algn="ctr"/>
+            <a:r>
+              <a:rPr lang="en-US" altLang="zh-CN" sz="3200">
+                <a:solidFill>
+                  <a:schemeClr val="tx1"/>
+                </a:solidFill>
+                <a:effectLst>
+                  <a:outerShdw blurRad="38100" dist="19050" dir="2700000" algn="tl" rotWithShape="0">
+                    <a:schemeClr val="dk1">
+                      <a:alpha val="40000"/>
+                      <a:alpha val="40000"/>
+                    </a:schemeClr>
+                  </a:outerShdw>
+                </a:effectLst>
+              </a:rPr>
+              <a:t>non-IID=0.5</a:t>
+            </a:r>
+          </a:p>
+        </p:txBody>
+      </p:sp>
+      <p:sp>
+        <p:nvSpPr>
+          <p:cNvPr id="16" name="矩形 15"/>
+          <p:cNvSpPr/>
+          <p:nvPr/>
+        </p:nvSpPr>
+        <p:spPr>
+          <a:xfrm>
+            <a:off x="400050" y="3771900"/>
+            <a:ext cx="2368550" cy="583565"/>
+          </a:xfrm>
+          <a:prstGeom prst="rect">
+            <a:avLst/>
+          </a:prstGeom>
+          <a:noFill/>
+          <a:ln>
+            <a:noFill/>
+          </a:ln>
+        </p:spPr>
+        <p:txBody>
+          <a:bodyPr wrap="none" rtlCol="0" anchor="t">
+            <a:spAutoFit/>
+          </a:bodyPr>
+          <a:lstStyle/>
+          <a:p>
+            <a:pPr algn="ctr"/>
+            <a:r>
+              <a:rPr lang="en-US" altLang="zh-CN" sz="3200">
+                <a:solidFill>
+                  <a:schemeClr val="tx1"/>
+                </a:solidFill>
+                <a:effectLst>
+                  <a:outerShdw blurRad="38100" dist="19050" dir="2700000" algn="tl" rotWithShape="0">
+                    <a:schemeClr val="dk1">
+                      <a:alpha val="40000"/>
+                      <a:alpha val="40000"/>
+                    </a:schemeClr>
+                  </a:outerShdw>
+                </a:effectLst>
+              </a:rPr>
+              <a:t>non-IID=0.9</a:t>
+            </a:r>
+          </a:p>
+        </p:txBody>
+      </p:sp>
+      <p:sp>
+        <p:nvSpPr>
+          <p:cNvPr id="17" name="矩形 16"/>
+          <p:cNvSpPr/>
+          <p:nvPr/>
+        </p:nvSpPr>
+        <p:spPr>
+          <a:xfrm>
+            <a:off x="400050" y="4518660"/>
+            <a:ext cx="2571750" cy="583565"/>
+          </a:xfrm>
+          <a:prstGeom prst="rect">
+            <a:avLst/>
+          </a:prstGeom>
+          <a:noFill/>
+          <a:ln>
+            <a:noFill/>
+          </a:ln>
+        </p:spPr>
+        <p:txBody>
+          <a:bodyPr wrap="none" rtlCol="0" anchor="t">
+            <a:spAutoFit/>
+          </a:bodyPr>
+          <a:lstStyle/>
+          <a:p>
+            <a:pPr algn="ctr"/>
+            <a:r>
+              <a:rPr lang="en-US" altLang="zh-CN" sz="3200">
+                <a:solidFill>
+                  <a:schemeClr val="tx1"/>
+                </a:solidFill>
+                <a:effectLst>
+                  <a:outerShdw blurRad="38100" dist="19050" dir="2700000" algn="tl" rotWithShape="0">
+                    <a:schemeClr val="dk1">
+                      <a:alpha val="40000"/>
+                      <a:alpha val="40000"/>
+                    </a:schemeClr>
+                  </a:outerShdw>
+                </a:effectLst>
+              </a:rPr>
+              <a:t>non-IID=0.95</a:t>
+            </a:r>
+          </a:p>
+        </p:txBody>
+      </p:sp>
+      <p:sp>
+        <p:nvSpPr>
+          <p:cNvPr id="11" name="矩形 10"/>
+          <p:cNvSpPr/>
+          <p:nvPr/>
+        </p:nvSpPr>
+        <p:spPr>
+          <a:xfrm>
+            <a:off x="3437573" y="2291080"/>
+            <a:ext cx="1435735" cy="583565"/>
+          </a:xfrm>
+          <a:prstGeom prst="rect">
+            <a:avLst/>
+          </a:prstGeom>
+          <a:noFill/>
+          <a:ln>
+            <a:noFill/>
+          </a:ln>
+        </p:spPr>
+        <p:txBody>
+          <a:bodyPr wrap="none" rtlCol="0" anchor="t">
+            <a:spAutoFit/>
+          </a:bodyPr>
+          <a:lstStyle/>
+          <a:p>
+            <a:pPr algn="ctr"/>
+            <a:r>
+              <a:rPr lang="en-US" altLang="zh-CN" sz="3200">
+                <a:solidFill>
+                  <a:schemeClr val="tx1"/>
+                </a:solidFill>
+                <a:effectLst>
+                  <a:outerShdw blurRad="38100" dist="19050" dir="2700000" algn="tl" rotWithShape="0">
+                    <a:schemeClr val="dk1">
+                      <a:alpha val="40000"/>
+                      <a:alpha val="40000"/>
+                    </a:schemeClr>
+                  </a:outerShdw>
+                </a:effectLst>
+                <a:latin typeface="Times New Roman Regular" panose="02020603050405020304" charset="0"/>
+                <a:cs typeface="Times New Roman Regular" panose="02020603050405020304" charset="0"/>
+              </a:rPr>
+              <a:t>93.68%</a:t>
+            </a:r>
+          </a:p>
+        </p:txBody>
+      </p:sp>
+      <p:sp>
+        <p:nvSpPr>
+          <p:cNvPr id="12" name="矩形 11"/>
+          <p:cNvSpPr/>
+          <p:nvPr/>
+        </p:nvSpPr>
+        <p:spPr>
+          <a:xfrm>
+            <a:off x="8413433" y="2291080"/>
+            <a:ext cx="1435735" cy="583565"/>
+          </a:xfrm>
+          <a:prstGeom prst="rect">
+            <a:avLst/>
+          </a:prstGeom>
+          <a:noFill/>
+          <a:ln>
+            <a:noFill/>
+          </a:ln>
+        </p:spPr>
+        <p:txBody>
+          <a:bodyPr wrap="none" rtlCol="0" anchor="t">
+            <a:spAutoFit/>
+          </a:bodyPr>
+          <a:lstStyle/>
+          <a:p>
+            <a:pPr algn="ctr"/>
+            <a:r>
+              <a:rPr lang="en-US" altLang="zh-CN" sz="3200">
+                <a:solidFill>
+                  <a:schemeClr val="tx1"/>
+                </a:solidFill>
+                <a:effectLst>
+                  <a:outerShdw blurRad="38100" dist="19050" dir="2700000" algn="tl" rotWithShape="0">
+                    <a:schemeClr val="dk1">
+                      <a:alpha val="40000"/>
+                      <a:alpha val="40000"/>
+                    </a:schemeClr>
+                  </a:outerShdw>
+                </a:effectLst>
+                <a:latin typeface="Times New Roman Regular" panose="02020603050405020304" charset="0"/>
+                <a:cs typeface="Times New Roman Regular" panose="02020603050405020304" charset="0"/>
+              </a:rPr>
+              <a:t>94.01%</a:t>
+            </a:r>
+          </a:p>
+        </p:txBody>
+      </p:sp>
+      <p:sp>
+        <p:nvSpPr>
+          <p:cNvPr id="13" name="矩形 12"/>
+          <p:cNvSpPr/>
+          <p:nvPr/>
+        </p:nvSpPr>
+        <p:spPr>
+          <a:xfrm>
+            <a:off x="8413433" y="3012440"/>
+            <a:ext cx="1435735" cy="583565"/>
+          </a:xfrm>
+          <a:prstGeom prst="rect">
+            <a:avLst/>
+          </a:prstGeom>
+          <a:noFill/>
+          <a:ln>
+            <a:noFill/>
+          </a:ln>
+        </p:spPr>
+        <p:txBody>
+          <a:bodyPr wrap="none" rtlCol="0" anchor="t">
+            <a:spAutoFit/>
+          </a:bodyPr>
+          <a:lstStyle/>
+          <a:p>
+            <a:pPr algn="ctr"/>
+            <a:r>
+              <a:rPr lang="en-US" altLang="zh-CN" sz="3200">
+                <a:solidFill>
+                  <a:schemeClr val="tx1"/>
+                </a:solidFill>
+                <a:effectLst>
+                  <a:outerShdw blurRad="38100" dist="19050" dir="2700000" algn="tl" rotWithShape="0">
+                    <a:schemeClr val="dk1">
+                      <a:alpha val="40000"/>
+                      <a:alpha val="40000"/>
+                    </a:schemeClr>
+                  </a:outerShdw>
+                </a:effectLst>
+                <a:latin typeface="Times New Roman Regular" panose="02020603050405020304" charset="0"/>
+                <a:cs typeface="Times New Roman Regular" panose="02020603050405020304" charset="0"/>
+              </a:rPr>
+              <a:t>93.18%</a:t>
+            </a:r>
+          </a:p>
+        </p:txBody>
+      </p:sp>
+      <p:sp>
+        <p:nvSpPr>
+          <p:cNvPr id="18" name="矩形 17"/>
+          <p:cNvSpPr/>
+          <p:nvPr/>
+        </p:nvSpPr>
+        <p:spPr>
+          <a:xfrm>
+            <a:off x="8413433" y="3733800"/>
+            <a:ext cx="1435735" cy="583565"/>
+          </a:xfrm>
+          <a:prstGeom prst="rect">
+            <a:avLst/>
+          </a:prstGeom>
+          <a:noFill/>
+          <a:ln>
+            <a:noFill/>
+          </a:ln>
+        </p:spPr>
+        <p:txBody>
+          <a:bodyPr wrap="none" rtlCol="0" anchor="t">
+            <a:spAutoFit/>
+          </a:bodyPr>
+          <a:lstStyle/>
+          <a:p>
+            <a:pPr algn="ctr"/>
+            <a:r>
+              <a:rPr lang="en-US" altLang="zh-CN" sz="3200">
+                <a:solidFill>
+                  <a:schemeClr val="tx1"/>
+                </a:solidFill>
+                <a:effectLst>
+                  <a:outerShdw blurRad="38100" dist="19050" dir="2700000" algn="tl" rotWithShape="0">
+                    <a:schemeClr val="dk1">
+                      <a:alpha val="40000"/>
+                      <a:alpha val="40000"/>
+                    </a:schemeClr>
+                  </a:outerShdw>
+                </a:effectLst>
+                <a:latin typeface="Times New Roman Regular" panose="02020603050405020304" charset="0"/>
+                <a:cs typeface="Times New Roman Regular" panose="02020603050405020304" charset="0"/>
+              </a:rPr>
+              <a:t>87.20%</a:t>
+            </a:r>
+          </a:p>
+        </p:txBody>
+      </p:sp>
+      <p:sp>
+        <p:nvSpPr>
+          <p:cNvPr id="19" name="矩形 18"/>
+          <p:cNvSpPr/>
+          <p:nvPr/>
+        </p:nvSpPr>
+        <p:spPr>
+          <a:xfrm>
+            <a:off x="8413433" y="4455160"/>
+            <a:ext cx="1435735" cy="583565"/>
+          </a:xfrm>
+          <a:prstGeom prst="rect">
+            <a:avLst/>
+          </a:prstGeom>
+          <a:noFill/>
+          <a:ln>
+            <a:noFill/>
+          </a:ln>
+        </p:spPr>
+        <p:txBody>
+          <a:bodyPr wrap="none" rtlCol="0" anchor="t">
+            <a:spAutoFit/>
+          </a:bodyPr>
+          <a:lstStyle/>
+          <a:p>
+            <a:pPr algn="ctr"/>
+            <a:r>
+              <a:rPr lang="en-US" altLang="zh-CN" sz="3200">
+                <a:solidFill>
+                  <a:schemeClr val="tx1"/>
+                </a:solidFill>
+                <a:effectLst>
+                  <a:outerShdw blurRad="38100" dist="19050" dir="2700000" algn="tl" rotWithShape="0">
+                    <a:schemeClr val="dk1">
+                      <a:alpha val="40000"/>
+                      <a:alpha val="40000"/>
+                    </a:schemeClr>
+                  </a:outerShdw>
+                </a:effectLst>
+                <a:latin typeface="Times New Roman Regular" panose="02020603050405020304" charset="0"/>
+                <a:cs typeface="Times New Roman Regular" panose="02020603050405020304" charset="0"/>
+              </a:rPr>
+              <a:t>83.31%</a:t>
+            </a:r>
+          </a:p>
+        </p:txBody>
+      </p:sp>
+      <p:sp>
+        <p:nvSpPr>
+          <p:cNvPr id="20" name="矩形 19"/>
+          <p:cNvSpPr/>
+          <p:nvPr/>
+        </p:nvSpPr>
+        <p:spPr>
+          <a:xfrm>
+            <a:off x="3437573" y="3025140"/>
+            <a:ext cx="1435735" cy="583565"/>
+          </a:xfrm>
+          <a:prstGeom prst="rect">
+            <a:avLst/>
+          </a:prstGeom>
+          <a:noFill/>
+          <a:ln>
+            <a:noFill/>
+          </a:ln>
+        </p:spPr>
+        <p:txBody>
+          <a:bodyPr wrap="none" rtlCol="0" anchor="t">
+            <a:spAutoFit/>
+          </a:bodyPr>
+          <a:lstStyle/>
+          <a:p>
+            <a:pPr algn="ctr"/>
+            <a:r>
+              <a:rPr lang="en-US" altLang="zh-CN" sz="3200">
+                <a:solidFill>
+                  <a:schemeClr val="tx1"/>
+                </a:solidFill>
+                <a:effectLst>
+                  <a:outerShdw blurRad="38100" dist="19050" dir="2700000" algn="tl" rotWithShape="0">
+                    <a:schemeClr val="dk1">
+                      <a:alpha val="40000"/>
+                      <a:alpha val="40000"/>
+                    </a:schemeClr>
+                  </a:outerShdw>
+                </a:effectLst>
+                <a:latin typeface="Times New Roman Regular" panose="02020603050405020304" charset="0"/>
+                <a:cs typeface="Times New Roman Regular" panose="02020603050405020304" charset="0"/>
+              </a:rPr>
+              <a:t>93.46%</a:t>
+            </a:r>
+          </a:p>
+        </p:txBody>
+      </p:sp>
+      <p:sp>
+        <p:nvSpPr>
+          <p:cNvPr id="21" name="矩形 20"/>
+          <p:cNvSpPr/>
+          <p:nvPr/>
+        </p:nvSpPr>
+        <p:spPr>
+          <a:xfrm>
+            <a:off x="3437573" y="3759200"/>
+            <a:ext cx="1435735" cy="583565"/>
+          </a:xfrm>
+          <a:prstGeom prst="rect">
+            <a:avLst/>
+          </a:prstGeom>
+          <a:noFill/>
+          <a:ln>
+            <a:noFill/>
+          </a:ln>
+        </p:spPr>
+        <p:txBody>
+          <a:bodyPr wrap="none" rtlCol="0" anchor="t">
+            <a:spAutoFit/>
+          </a:bodyPr>
+          <a:lstStyle/>
+          <a:p>
+            <a:pPr algn="ctr"/>
+            <a:r>
+              <a:rPr lang="en-US" altLang="zh-CN" sz="3200">
+                <a:solidFill>
+                  <a:schemeClr val="tx1"/>
+                </a:solidFill>
+                <a:effectLst>
+                  <a:outerShdw blurRad="38100" dist="19050" dir="2700000" algn="tl" rotWithShape="0">
+                    <a:schemeClr val="dk1">
+                      <a:alpha val="40000"/>
+                      <a:alpha val="40000"/>
+                    </a:schemeClr>
+                  </a:outerShdw>
+                </a:effectLst>
+                <a:latin typeface="Times New Roman Regular" panose="02020603050405020304" charset="0"/>
+                <a:cs typeface="Times New Roman Regular" panose="02020603050405020304" charset="0"/>
+              </a:rPr>
+              <a:t>87.00%</a:t>
+            </a:r>
+          </a:p>
+        </p:txBody>
+      </p:sp>
+      <p:sp>
+        <p:nvSpPr>
+          <p:cNvPr id="22" name="矩形 21"/>
+          <p:cNvSpPr/>
+          <p:nvPr/>
+        </p:nvSpPr>
+        <p:spPr>
+          <a:xfrm>
+            <a:off x="3437573" y="4513580"/>
+            <a:ext cx="1435735" cy="583565"/>
+          </a:xfrm>
+          <a:prstGeom prst="rect">
+            <a:avLst/>
+          </a:prstGeom>
+          <a:noFill/>
+          <a:ln>
+            <a:noFill/>
+          </a:ln>
+        </p:spPr>
+        <p:txBody>
+          <a:bodyPr wrap="none" rtlCol="0" anchor="t">
+            <a:spAutoFit/>
+          </a:bodyPr>
+          <a:lstStyle/>
+          <a:p>
+            <a:pPr algn="ctr"/>
+            <a:r>
+              <a:rPr lang="en-US" altLang="zh-CN" sz="3200">
+                <a:solidFill>
+                  <a:schemeClr val="tx1"/>
+                </a:solidFill>
+                <a:effectLst>
+                  <a:outerShdw blurRad="38100" dist="19050" dir="2700000" algn="tl" rotWithShape="0">
+                    <a:schemeClr val="dk1">
+                      <a:alpha val="40000"/>
+                      <a:alpha val="40000"/>
+                    </a:schemeClr>
+                  </a:outerShdw>
+                </a:effectLst>
+                <a:latin typeface="Times New Roman Regular" panose="02020603050405020304" charset="0"/>
+                <a:cs typeface="Times New Roman Regular" panose="02020603050405020304" charset="0"/>
+              </a:rPr>
+              <a:t>81.52%</a:t>
+            </a:r>
+          </a:p>
+        </p:txBody>
+      </p:sp>
+    </p:spTree>
+  </p:cSld>
+  <p:clrMapOvr>
+    <a:masterClrMapping/>
+  </p:clrMapOvr>
+  <mc:AlternateContent xmlns:mc="http://schemas.openxmlformats.org/markup-compatibility/2006" xmlns:p14="http://schemas.microsoft.com/office/powerpoint/2010/main">
+    <mc:Choice Requires="p14">
+      <p:transition spd="med" p14:dur="700">
+        <p:fade/>
+      </p:transition>
+    </mc:Choice>
+    <mc:Fallback xmlns="">
+      <p:transition spd="med">
+        <p:fade/>
+      </p:transition>
+    </mc:Fallback>
+  </mc:AlternateContent>
+</p:sld>
+</file>
+
+<file path=ppt/slides/slide17.xml><?xml version="1.0" encoding="utf-8"?>
+<p:sld xmlns:a="http://schemas.openxmlformats.org/drawingml/2006/main" xmlns:r="http://schemas.openxmlformats.org/officeDocument/2006/relationships" xmlns:p="http://schemas.openxmlformats.org/presentationml/2006/main">
+  <p:cSld>
+    <p:spTree>
+      <p:nvGrpSpPr>
+        <p:cNvPr id="1" name=""/>
+        <p:cNvGrpSpPr/>
+        <p:nvPr/>
+      </p:nvGrpSpPr>
+      <p:grpSpPr>
+        <a:xfrm>
+          <a:off x="0" y="0"/>
+          <a:ext cx="0" cy="0"/>
+          <a:chOff x="0" y="0"/>
+          <a:chExt cx="0" cy="0"/>
+        </a:xfrm>
+      </p:grpSpPr>
+      <p:sp>
+        <p:nvSpPr>
+          <p:cNvPr id="2" name="标题 1"/>
+          <p:cNvSpPr>
+            <a:spLocks noGrp="1"/>
+          </p:cNvSpPr>
+          <p:nvPr>
+            <p:ph type="ctrTitle"/>
+          </p:nvPr>
+        </p:nvSpPr>
+        <p:spPr>
+          <a:xfrm>
+            <a:off x="3133468" y="2414850"/>
+            <a:ext cx="5925064" cy="841191"/>
+          </a:xfrm>
+        </p:spPr>
+        <p:txBody>
+          <a:bodyPr>
+            <a:noAutofit/>
+          </a:bodyPr>
+          <a:lstStyle/>
+          <a:p>
+            <a:r>
+              <a:rPr lang="en-US" altLang="zh-CN" sz="6600" dirty="0">
+                <a:latin typeface="微软雅黑" panose="020B0503020204020204" pitchFamily="34" charset="-122"/>
+                <a:ea typeface="微软雅黑" panose="020B0503020204020204" pitchFamily="34" charset="-122"/>
+              </a:rPr>
+              <a:t>THANK YOU</a:t>
+            </a:r>
+            <a:endParaRPr lang="zh-CN" altLang="en-US" sz="6600" dirty="0">
+              <a:latin typeface="微软雅黑" panose="020B0503020204020204" pitchFamily="34" charset="-122"/>
+              <a:ea typeface="微软雅黑" panose="020B0503020204020204" pitchFamily="34" charset="-122"/>
+            </a:endParaRPr>
+          </a:p>
+        </p:txBody>
+      </p:sp>
+      <p:pic>
+        <p:nvPicPr>
+          <p:cNvPr id="3" name="图片 2"/>
+          <p:cNvPicPr>
+            <a:picLocks noChangeAspect="1"/>
+          </p:cNvPicPr>
+          <p:nvPr/>
+        </p:nvPicPr>
+        <p:blipFill>
+          <a:blip r:embed="rId2"/>
+          <a:stretch>
+            <a:fillRect/>
+          </a:stretch>
+        </p:blipFill>
+        <p:spPr>
+          <a:xfrm>
+            <a:off x="-22104" y="4877075"/>
+            <a:ext cx="12192000" cy="1980925"/>
+          </a:xfrm>
+          <a:prstGeom prst="rect">
+            <a:avLst/>
+          </a:prstGeom>
+        </p:spPr>
+      </p:pic>
+      <p:pic>
+        <p:nvPicPr>
+          <p:cNvPr id="9" name="图片 8"/>
+          <p:cNvPicPr>
+            <a:picLocks noChangeAspect="1"/>
+          </p:cNvPicPr>
+          <p:nvPr/>
+        </p:nvPicPr>
+        <p:blipFill>
           <a:blip r:embed="rId3"/>
+          <a:stretch>
+            <a:fillRect/>
+          </a:stretch>
+        </p:blipFill>
+        <p:spPr>
+          <a:xfrm>
+            <a:off x="-22104" y="5391540"/>
+            <a:ext cx="5018936" cy="1334540"/>
+          </a:xfrm>
+          <a:prstGeom prst="rect">
+            <a:avLst/>
+          </a:prstGeom>
+        </p:spPr>
+      </p:pic>
+      <p:pic>
+        <p:nvPicPr>
+          <p:cNvPr id="7" name="图片 6"/>
+          <p:cNvPicPr>
+            <a:picLocks noChangeAspect="1"/>
+          </p:cNvPicPr>
+          <p:nvPr/>
+        </p:nvPicPr>
+        <p:blipFill rotWithShape="1">
+          <a:blip r:embed="rId3"/>
+          <a:srcRect l="13807"/>
+          <a:stretch>
+            <a:fillRect/>
+          </a:stretch>
+        </p:blipFill>
+        <p:spPr>
+          <a:xfrm>
+            <a:off x="4996832" y="5391540"/>
+            <a:ext cx="4325964" cy="1334540"/>
+          </a:xfrm>
+          <a:prstGeom prst="rect">
+            <a:avLst/>
+          </a:prstGeom>
+        </p:spPr>
+      </p:pic>
+      <p:pic>
+        <p:nvPicPr>
+          <p:cNvPr id="10" name="图片 9"/>
+          <p:cNvPicPr>
+            <a:picLocks noChangeAspect="1"/>
+          </p:cNvPicPr>
+          <p:nvPr/>
+        </p:nvPicPr>
+        <p:blipFill rotWithShape="1">
+          <a:blip r:embed="rId3"/>
+          <a:srcRect l="11337" r="31759"/>
+          <a:stretch>
+            <a:fillRect/>
+          </a:stretch>
+        </p:blipFill>
+        <p:spPr>
+          <a:xfrm flipH="1">
+            <a:off x="9322796" y="5391540"/>
+            <a:ext cx="2855952" cy="1334540"/>
+          </a:xfrm>
+          <a:prstGeom prst="rect">
+            <a:avLst/>
+          </a:prstGeom>
+        </p:spPr>
+      </p:pic>
+      <p:pic>
+        <p:nvPicPr>
+          <p:cNvPr id="5" name="图片 4"/>
+          <p:cNvPicPr>
+            <a:picLocks noChangeAspect="1"/>
+          </p:cNvPicPr>
+          <p:nvPr/>
+        </p:nvPicPr>
+        <p:blipFill>
+          <a:blip r:embed="rId4"/>
           <a:stretch>
             <a:fillRect/>
           </a:stretch>
@@ -6444,7 +6626,7 @@
           <p:nvPr/>
         </p:nvPicPr>
         <p:blipFill rotWithShape="1">
-          <a:blip r:embed="rId1"/>
+          <a:blip r:embed="rId2"/>
           <a:srcRect t="88348" r="72886"/>
           <a:stretch>
             <a:fillRect/>
@@ -6511,13 +6693,13 @@
   <p:clrMapOvr>
     <a:masterClrMapping/>
   </p:clrMapOvr>
-  <mc:AlternateContent xmlns:mc="http://schemas.openxmlformats.org/markup-compatibility/2006">
-    <mc:Choice xmlns:p14="http://schemas.microsoft.com/office/powerpoint/2010/main" Requires="p14">
+  <mc:AlternateContent xmlns:mc="http://schemas.openxmlformats.org/markup-compatibility/2006" xmlns:p14="http://schemas.microsoft.com/office/powerpoint/2010/main">
+    <mc:Choice Requires="p14">
       <p:transition spd="med" p14:dur="700">
         <p:fade/>
       </p:transition>
     </mc:Choice>
-    <mc:Fallback>
+    <mc:Fallback xmlns="">
       <p:transition spd="med">
         <p:fade/>
       </p:transition>
@@ -6618,11 +6800,6 @@
               </a:rPr>
               <a:t>aper</a:t>
             </a:r>
-            <a:endParaRPr sz="3200" b="1" dirty="0">
-              <a:latin typeface="微软雅黑" panose="020B0503020204020204" pitchFamily="34" charset="-122"/>
-              <a:ea typeface="微软雅黑" panose="020B0503020204020204" pitchFamily="34" charset="-122"/>
-              <a:sym typeface="+mn-ea"/>
-            </a:endParaRPr>
           </a:p>
         </p:txBody>
       </p:sp>
@@ -6635,7 +6812,7 @@
           <p:nvPr/>
         </p:nvPicPr>
         <p:blipFill>
-          <a:blip r:embed="rId1"/>
+          <a:blip r:embed="rId2"/>
           <a:stretch>
             <a:fillRect/>
           </a:stretch>
@@ -6659,7 +6836,7 @@
           <p:nvPr/>
         </p:nvPicPr>
         <p:blipFill>
-          <a:blip r:embed="rId2"/>
+          <a:blip r:embed="rId3"/>
           <a:stretch>
             <a:fillRect/>
           </a:stretch>
@@ -6683,7 +6860,7 @@
           <p:nvPr/>
         </p:nvPicPr>
         <p:blipFill>
-          <a:blip r:embed="rId3"/>
+          <a:blip r:embed="rId4"/>
           <a:stretch>
             <a:fillRect/>
           </a:stretch>
@@ -6707,7 +6884,7 @@
           <p:nvPr/>
         </p:nvPicPr>
         <p:blipFill rotWithShape="1">
-          <a:blip r:embed="rId3"/>
+          <a:blip r:embed="rId4"/>
           <a:srcRect l="13807"/>
           <a:stretch>
             <a:fillRect/>
@@ -6732,7 +6909,7 @@
           <p:nvPr/>
         </p:nvPicPr>
         <p:blipFill rotWithShape="1">
-          <a:blip r:embed="rId3"/>
+          <a:blip r:embed="rId4"/>
           <a:srcRect l="11337" r="31759"/>
           <a:stretch>
             <a:fillRect/>
@@ -6757,7 +6934,7 @@
           <p:nvPr/>
         </p:nvPicPr>
         <p:blipFill>
-          <a:blip r:embed="rId4"/>
+          <a:blip r:embed="rId5"/>
           <a:stretch>
             <a:fillRect/>
           </a:stretch>
@@ -6792,205 +6969,218 @@
           <a:bodyPr wrap="square" rtlCol="0">
             <a:spAutoFit/>
           </a:bodyPr>
-          <a:p>
-            <a:r>
-              <a:rPr lang="en-US" altLang="zh-CN">
+          <a:lstStyle/>
+          <a:p>
+            <a:r>
+              <a:rPr lang="en-US" altLang="zh-CN" dirty="0">
                 <a:latin typeface="Times New Roman Regular" panose="02020603050405020304" charset="0"/>
                 <a:cs typeface="Times New Roman Regular" panose="02020603050405020304" charset="0"/>
               </a:rPr>
               <a:t>[1]“</a:t>
             </a:r>
             <a:r>
-              <a:rPr lang="zh-CN" altLang="en-US">
+              <a:rPr lang="zh-CN" altLang="en-US" dirty="0">
                 <a:latin typeface="Times New Roman Regular" panose="02020603050405020304" charset="0"/>
                 <a:cs typeface="Times New Roman Regular" panose="02020603050405020304" charset="0"/>
               </a:rPr>
               <a:t>Security and privacy on 6g network</a:t>
             </a:r>
             <a:r>
-              <a:rPr lang="en-US" altLang="zh-CN">
+              <a:rPr lang="en-US" altLang="zh-CN" dirty="0">
                 <a:latin typeface="Times New Roman Regular" panose="02020603050405020304" charset="0"/>
                 <a:cs typeface="Times New Roman Regular" panose="02020603050405020304" charset="0"/>
               </a:rPr>
               <a:t> </a:t>
             </a:r>
             <a:r>
-              <a:rPr lang="zh-CN" altLang="en-US">
+              <a:rPr lang="zh-CN" altLang="en-US" dirty="0">
                 <a:latin typeface="Times New Roman Regular" panose="02020603050405020304" charset="0"/>
                 <a:cs typeface="Times New Roman Regular" panose="02020603050405020304" charset="0"/>
               </a:rPr>
               <a:t>edge: A survey,” IEEE Communications Surveys &amp; Tutorials, 2023.</a:t>
             </a:r>
-            <a:endParaRPr lang="zh-CN" altLang="en-US">
+          </a:p>
+          <a:p>
+            <a:endParaRPr lang="zh-CN" altLang="en-US" dirty="0">
               <a:latin typeface="Times New Roman Regular" panose="02020603050405020304" charset="0"/>
               <a:cs typeface="Times New Roman Regular" panose="02020603050405020304" charset="0"/>
             </a:endParaRPr>
           </a:p>
           <a:p>
-            <a:endParaRPr lang="zh-CN" altLang="en-US">
+            <a:endParaRPr lang="zh-CN" altLang="en-US" dirty="0">
               <a:latin typeface="Times New Roman Regular" panose="02020603050405020304" charset="0"/>
               <a:cs typeface="Times New Roman Regular" panose="02020603050405020304" charset="0"/>
             </a:endParaRPr>
           </a:p>
           <a:p>
-            <a:endParaRPr lang="zh-CN" altLang="en-US">
+            <a:r>
+              <a:rPr lang="en-US" altLang="zh-CN" dirty="0">
+                <a:latin typeface="Times New Roman Regular" panose="02020603050405020304" charset="0"/>
+                <a:cs typeface="Times New Roman Regular" panose="02020603050405020304" charset="0"/>
+              </a:rPr>
+              <a:t>[2]</a:t>
+            </a:r>
+            <a:r>
+              <a:rPr lang="zh-CN" altLang="en-US" dirty="0">
+                <a:latin typeface="Times New Roman Regular" panose="02020603050405020304" charset="0"/>
+                <a:cs typeface="Times New Roman Regular" panose="02020603050405020304" charset="0"/>
+              </a:rPr>
+              <a:t>“A survey on space-air</a:t>
+            </a:r>
+            <a:r>
+              <a:rPr lang="en-US" altLang="zh-CN" dirty="0">
+                <a:latin typeface="Times New Roman Regular" panose="02020603050405020304" charset="0"/>
+                <a:cs typeface="Times New Roman Regular" panose="02020603050405020304" charset="0"/>
+              </a:rPr>
+              <a:t>-</a:t>
+            </a:r>
+            <a:r>
+              <a:rPr lang="zh-CN" altLang="en-US" dirty="0">
+                <a:latin typeface="Times New Roman Regular" panose="02020603050405020304" charset="0"/>
+                <a:cs typeface="Times New Roman Regular" panose="02020603050405020304" charset="0"/>
+              </a:rPr>
+              <a:t>ground-sea integrated network security in 6g,” IEEE Communications</a:t>
+            </a:r>
+            <a:r>
+              <a:rPr lang="en-US" altLang="zh-CN" dirty="0">
+                <a:latin typeface="Times New Roman Regular" panose="02020603050405020304" charset="0"/>
+                <a:cs typeface="Times New Roman Regular" panose="02020603050405020304" charset="0"/>
+              </a:rPr>
+              <a:t> </a:t>
+            </a:r>
+            <a:r>
+              <a:rPr lang="zh-CN" altLang="en-US" dirty="0">
+                <a:latin typeface="Times New Roman Regular" panose="02020603050405020304" charset="0"/>
+                <a:cs typeface="Times New Roman Regular" panose="02020603050405020304" charset="0"/>
+              </a:rPr>
+              <a:t>Surveys &amp; Tutorials, vol. 24, no. 1, pp. 53–87, 2021.</a:t>
+            </a:r>
+          </a:p>
+          <a:p>
+            <a:endParaRPr lang="zh-CN" altLang="en-US" dirty="0">
               <a:latin typeface="Times New Roman Regular" panose="02020603050405020304" charset="0"/>
               <a:cs typeface="Times New Roman Regular" panose="02020603050405020304" charset="0"/>
             </a:endParaRPr>
           </a:p>
           <a:p>
-            <a:r>
-              <a:rPr lang="en-US" altLang="zh-CN">
-                <a:latin typeface="Times New Roman Regular" panose="02020603050405020304" charset="0"/>
-                <a:cs typeface="Times New Roman Regular" panose="02020603050405020304" charset="0"/>
-              </a:rPr>
-              <a:t>[2]</a:t>
-            </a:r>
-            <a:r>
-              <a:rPr lang="zh-CN" altLang="en-US">
-                <a:latin typeface="Times New Roman Regular" panose="02020603050405020304" charset="0"/>
-                <a:cs typeface="Times New Roman Regular" panose="02020603050405020304" charset="0"/>
-              </a:rPr>
-              <a:t>“A survey on space-air_x0002_ground-sea integrated network security in 6g,” IEEE Communications</a:t>
-            </a:r>
-            <a:r>
-              <a:rPr lang="en-US" altLang="zh-CN">
-                <a:latin typeface="Times New Roman Regular" panose="02020603050405020304" charset="0"/>
-                <a:cs typeface="Times New Roman Regular" panose="02020603050405020304" charset="0"/>
-              </a:rPr>
-              <a:t> </a:t>
-            </a:r>
-            <a:r>
-              <a:rPr lang="zh-CN" altLang="en-US">
-                <a:latin typeface="Times New Roman Regular" panose="02020603050405020304" charset="0"/>
-                <a:cs typeface="Times New Roman Regular" panose="02020603050405020304" charset="0"/>
-              </a:rPr>
-              <a:t>Surveys &amp; Tutorials, vol. 24, no. 1, pp. 53–87, 2021.</a:t>
-            </a:r>
-            <a:endParaRPr lang="zh-CN" altLang="en-US">
+            <a:endParaRPr lang="zh-CN" altLang="en-US" dirty="0">
               <a:latin typeface="Times New Roman Regular" panose="02020603050405020304" charset="0"/>
               <a:cs typeface="Times New Roman Regular" panose="02020603050405020304" charset="0"/>
             </a:endParaRPr>
           </a:p>
           <a:p>
-            <a:endParaRPr lang="zh-CN" altLang="en-US">
+            <a:r>
+              <a:rPr lang="en-US" altLang="zh-CN" dirty="0">
+                <a:latin typeface="Times New Roman Regular" panose="02020603050405020304" charset="0"/>
+                <a:cs typeface="Times New Roman Regular" panose="02020603050405020304" charset="0"/>
+              </a:rPr>
+              <a:t>[3]</a:t>
+            </a:r>
+            <a:r>
+              <a:rPr lang="zh-CN" altLang="en-US" dirty="0">
+                <a:latin typeface="Times New Roman Regular" panose="02020603050405020304" charset="0"/>
+                <a:cs typeface="Times New Roman Regular" panose="02020603050405020304" charset="0"/>
+              </a:rPr>
+              <a:t>“Fedcorr: Multi</a:t>
+            </a:r>
+            <a:r>
+              <a:rPr lang="en-US" altLang="zh-CN" dirty="0">
+                <a:latin typeface="Times New Roman Regular" panose="02020603050405020304" charset="0"/>
+                <a:cs typeface="Times New Roman Regular" panose="02020603050405020304" charset="0"/>
+              </a:rPr>
+              <a:t>-</a:t>
+            </a:r>
+            <a:r>
+              <a:rPr lang="zh-CN" altLang="en-US" dirty="0">
+                <a:latin typeface="Times New Roman Regular" panose="02020603050405020304" charset="0"/>
+                <a:cs typeface="Times New Roman Regular" panose="02020603050405020304" charset="0"/>
+              </a:rPr>
+              <a:t>stage federated learning for label noise correction,” in Proceedings of</a:t>
+            </a:r>
+            <a:r>
+              <a:rPr lang="en-US" altLang="zh-CN" dirty="0">
+                <a:latin typeface="Times New Roman Regular" panose="02020603050405020304" charset="0"/>
+                <a:cs typeface="Times New Roman Regular" panose="02020603050405020304" charset="0"/>
+              </a:rPr>
+              <a:t> </a:t>
+            </a:r>
+            <a:r>
+              <a:rPr lang="zh-CN" altLang="en-US" dirty="0">
+                <a:latin typeface="Times New Roman Regular" panose="02020603050405020304" charset="0"/>
+                <a:cs typeface="Times New Roman Regular" panose="02020603050405020304" charset="0"/>
+              </a:rPr>
+              <a:t>the IEEE/CVF Conference on Computer Vision and Pattern Recognition,</a:t>
+            </a:r>
+            <a:r>
+              <a:rPr lang="en-US" altLang="zh-CN" dirty="0">
+                <a:latin typeface="Times New Roman Regular" panose="02020603050405020304" charset="0"/>
+                <a:cs typeface="Times New Roman Regular" panose="02020603050405020304" charset="0"/>
+              </a:rPr>
+              <a:t> </a:t>
+            </a:r>
+            <a:r>
+              <a:rPr lang="zh-CN" altLang="en-US" dirty="0">
+                <a:latin typeface="Times New Roman Regular" panose="02020603050405020304" charset="0"/>
+                <a:cs typeface="Times New Roman Regular" panose="02020603050405020304" charset="0"/>
+              </a:rPr>
+              <a:t>pp. 10184–10193, 2022.</a:t>
+            </a:r>
+          </a:p>
+          <a:p>
+            <a:endParaRPr lang="zh-CN" altLang="en-US" dirty="0">
               <a:latin typeface="Times New Roman Regular" panose="02020603050405020304" charset="0"/>
               <a:cs typeface="Times New Roman Regular" panose="02020603050405020304" charset="0"/>
             </a:endParaRPr>
           </a:p>
           <a:p>
-            <a:endParaRPr lang="zh-CN" altLang="en-US">
+            <a:endParaRPr lang="zh-CN" altLang="en-US" dirty="0">
               <a:latin typeface="Times New Roman Regular" panose="02020603050405020304" charset="0"/>
               <a:cs typeface="Times New Roman Regular" panose="02020603050405020304" charset="0"/>
             </a:endParaRPr>
           </a:p>
           <a:p>
             <a:r>
-              <a:rPr lang="en-US" altLang="zh-CN">
+              <a:rPr lang="en-US" altLang="zh-CN" dirty="0">
                 <a:latin typeface="Times New Roman Regular" panose="02020603050405020304" charset="0"/>
                 <a:cs typeface="Times New Roman Regular" panose="02020603050405020304" charset="0"/>
               </a:rPr>
-              <a:t>[3]</a:t>
-            </a:r>
-            <a:r>
-              <a:rPr lang="zh-CN" altLang="en-US">
+              <a:t>[4]</a:t>
+            </a:r>
+            <a:r>
+              <a:rPr lang="zh-CN" altLang="en-US" dirty="0">
                 <a:latin typeface="Times New Roman Regular" panose="02020603050405020304" charset="0"/>
                 <a:cs typeface="Times New Roman Regular" panose="02020603050405020304" charset="0"/>
               </a:rPr>
-              <a:t>“Fedcorr: Multi_x0002_stage federated learning for label noise correction,” in Proceedings of</a:t>
-            </a:r>
-            <a:r>
-              <a:rPr lang="en-US" altLang="zh-CN">
+              <a:t>“Splitfed: When</a:t>
+            </a:r>
+            <a:r>
+              <a:rPr lang="en-US" altLang="zh-CN" dirty="0">
                 <a:latin typeface="Times New Roman Regular" panose="02020603050405020304" charset="0"/>
                 <a:cs typeface="Times New Roman Regular" panose="02020603050405020304" charset="0"/>
               </a:rPr>
               <a:t> </a:t>
             </a:r>
             <a:r>
-              <a:rPr lang="zh-CN" altLang="en-US">
+              <a:rPr lang="zh-CN" altLang="en-US" dirty="0">
                 <a:latin typeface="Times New Roman Regular" panose="02020603050405020304" charset="0"/>
                 <a:cs typeface="Times New Roman Regular" panose="02020603050405020304" charset="0"/>
               </a:rPr>
-              <a:t>the IEEE/CVF Conference on Computer Vision and Pattern Recognition,</a:t>
-            </a:r>
-            <a:r>
-              <a:rPr lang="en-US" altLang="zh-CN">
+              <a:t>federated learning meets split learning,” in Proceedings of the AAAI</a:t>
+            </a:r>
+            <a:r>
+              <a:rPr lang="en-US" altLang="zh-CN" dirty="0">
                 <a:latin typeface="Times New Roman Regular" panose="02020603050405020304" charset="0"/>
                 <a:cs typeface="Times New Roman Regular" panose="02020603050405020304" charset="0"/>
               </a:rPr>
               <a:t> </a:t>
             </a:r>
             <a:r>
-              <a:rPr lang="zh-CN" altLang="en-US">
+              <a:rPr lang="zh-CN" altLang="en-US" dirty="0">
                 <a:latin typeface="Times New Roman Regular" panose="02020603050405020304" charset="0"/>
                 <a:cs typeface="Times New Roman Regular" panose="02020603050405020304" charset="0"/>
               </a:rPr>
-              <a:t>pp. 10184–10193, 2022.</a:t>
-            </a:r>
-            <a:endParaRPr lang="zh-CN" altLang="en-US">
-              <a:latin typeface="Times New Roman Regular" panose="02020603050405020304" charset="0"/>
-              <a:cs typeface="Times New Roman Regular" panose="02020603050405020304" charset="0"/>
-            </a:endParaRPr>
-          </a:p>
-          <a:p>
-            <a:endParaRPr lang="zh-CN" altLang="en-US">
-              <a:latin typeface="Times New Roman Regular" panose="02020603050405020304" charset="0"/>
-              <a:cs typeface="Times New Roman Regular" panose="02020603050405020304" charset="0"/>
-            </a:endParaRPr>
-          </a:p>
-          <a:p>
-            <a:endParaRPr lang="zh-CN" altLang="en-US">
-              <a:latin typeface="Times New Roman Regular" panose="02020603050405020304" charset="0"/>
-              <a:cs typeface="Times New Roman Regular" panose="02020603050405020304" charset="0"/>
-            </a:endParaRPr>
-          </a:p>
-          <a:p>
-            <a:r>
-              <a:rPr lang="en-US" altLang="zh-CN">
-                <a:latin typeface="Times New Roman Regular" panose="02020603050405020304" charset="0"/>
-                <a:cs typeface="Times New Roman Regular" panose="02020603050405020304" charset="0"/>
-              </a:rPr>
-              <a:t>[4]</a:t>
-            </a:r>
-            <a:r>
-              <a:rPr lang="zh-CN" altLang="en-US">
-                <a:latin typeface="Times New Roman Regular" panose="02020603050405020304" charset="0"/>
-                <a:cs typeface="Times New Roman Regular" panose="02020603050405020304" charset="0"/>
-              </a:rPr>
-              <a:t>“Splitfed: When</a:t>
-            </a:r>
-            <a:r>
-              <a:rPr lang="en-US" altLang="zh-CN">
-                <a:latin typeface="Times New Roman Regular" panose="02020603050405020304" charset="0"/>
-                <a:cs typeface="Times New Roman Regular" panose="02020603050405020304" charset="0"/>
-              </a:rPr>
-              <a:t> </a:t>
-            </a:r>
-            <a:r>
-              <a:rPr lang="zh-CN" altLang="en-US">
-                <a:latin typeface="Times New Roman Regular" panose="02020603050405020304" charset="0"/>
-                <a:cs typeface="Times New Roman Regular" panose="02020603050405020304" charset="0"/>
-              </a:rPr>
-              <a:t>federated learning meets split learning,” in Proceedings of the AAAI</a:t>
-            </a:r>
-            <a:r>
-              <a:rPr lang="en-US" altLang="zh-CN">
-                <a:latin typeface="Times New Roman Regular" panose="02020603050405020304" charset="0"/>
-                <a:cs typeface="Times New Roman Regular" panose="02020603050405020304" charset="0"/>
-              </a:rPr>
-              <a:t> </a:t>
-            </a:r>
-            <a:r>
-              <a:rPr lang="zh-CN" altLang="en-US">
-                <a:latin typeface="Times New Roman Regular" panose="02020603050405020304" charset="0"/>
-                <a:cs typeface="Times New Roman Regular" panose="02020603050405020304" charset="0"/>
-              </a:rPr>
               <a:t>Conference on Artificial Intelligence, vol. 36, pp. 8485–8493, 2022.</a:t>
             </a:r>
-            <a:endParaRPr lang="zh-CN" altLang="en-US">
-              <a:latin typeface="Times New Roman Regular" panose="02020603050405020304" charset="0"/>
-              <a:cs typeface="Times New Roman Regular" panose="02020603050405020304" charset="0"/>
-            </a:endParaRPr>
           </a:p>
         </p:txBody>
       </p:sp>
@@ -6999,13 +7189,13 @@
   <p:clrMapOvr>
     <a:masterClrMapping/>
   </p:clrMapOvr>
-  <mc:AlternateContent xmlns:mc="http://schemas.openxmlformats.org/markup-compatibility/2006">
-    <mc:Choice xmlns:p14="http://schemas.microsoft.com/office/powerpoint/2010/main" Requires="p14">
+  <mc:AlternateContent xmlns:mc="http://schemas.openxmlformats.org/markup-compatibility/2006" xmlns:p14="http://schemas.microsoft.com/office/powerpoint/2010/main">
+    <mc:Choice Requires="p14">
       <p:transition spd="med" p14:dur="700">
         <p:fade/>
       </p:transition>
     </mc:Choice>
-    <mc:Fallback>
+    <mc:Fallback xmlns="">
       <p:transition spd="med">
         <p:fade/>
       </p:transition>
@@ -7084,7 +7274,7 @@
           <p:nvPr/>
         </p:nvPicPr>
         <p:blipFill>
-          <a:blip r:embed="rId1"/>
+          <a:blip r:embed="rId2"/>
           <a:stretch>
             <a:fillRect/>
           </a:stretch>
@@ -7108,7 +7298,7 @@
           <p:nvPr/>
         </p:nvPicPr>
         <p:blipFill>
-          <a:blip r:embed="rId2"/>
+          <a:blip r:embed="rId3"/>
           <a:stretch>
             <a:fillRect/>
           </a:stretch>
@@ -7132,7 +7322,7 @@
           <p:nvPr/>
         </p:nvPicPr>
         <p:blipFill>
-          <a:blip r:embed="rId3"/>
+          <a:blip r:embed="rId4"/>
           <a:stretch>
             <a:fillRect/>
           </a:stretch>
@@ -7156,7 +7346,7 @@
           <p:nvPr/>
         </p:nvPicPr>
         <p:blipFill rotWithShape="1">
-          <a:blip r:embed="rId3"/>
+          <a:blip r:embed="rId4"/>
           <a:srcRect l="13807"/>
           <a:stretch>
             <a:fillRect/>
@@ -7181,7 +7371,7 @@
           <p:nvPr/>
         </p:nvPicPr>
         <p:blipFill rotWithShape="1">
-          <a:blip r:embed="rId3"/>
+          <a:blip r:embed="rId4"/>
           <a:srcRect l="11337" r="31759"/>
           <a:stretch>
             <a:fillRect/>
@@ -7206,7 +7396,7 @@
           <p:nvPr/>
         </p:nvPicPr>
         <p:blipFill>
-          <a:blip r:embed="rId4"/>
+          <a:blip r:embed="rId5"/>
           <a:stretch>
             <a:fillRect/>
           </a:stretch>
@@ -7343,10 +7533,6 @@
               </a:rPr>
               <a:t>ackground</a:t>
             </a:r>
-            <a:endParaRPr lang="zh-CN" altLang="en-US" sz="2800" dirty="0">
-              <a:latin typeface="微软雅黑" panose="020B0503020204020204" pitchFamily="34" charset="-122"/>
-              <a:ea typeface="微软雅黑" panose="020B0503020204020204" pitchFamily="34" charset="-122"/>
-            </a:endParaRPr>
           </a:p>
           <a:p>
             <a:pPr marL="571500" indent="-571500" algn="l">
@@ -7384,10 +7570,6 @@
               </a:rPr>
               <a:t>arget</a:t>
             </a:r>
-            <a:endParaRPr lang="zh-CN" altLang="en-US" sz="2800" dirty="0">
-              <a:latin typeface="微软雅黑" panose="020B0503020204020204" pitchFamily="34" charset="-122"/>
-              <a:ea typeface="微软雅黑" panose="020B0503020204020204" pitchFamily="34" charset="-122"/>
-            </a:endParaRPr>
           </a:p>
           <a:p>
             <a:pPr marL="571500" indent="-571500" algn="l">
@@ -7418,10 +7600,6 @@
               </a:rPr>
               <a:t>hallenge</a:t>
             </a:r>
-            <a:endParaRPr lang="zh-CN" altLang="en-US" sz="2800" dirty="0">
-              <a:latin typeface="微软雅黑" panose="020B0503020204020204" pitchFamily="34" charset="-122"/>
-              <a:ea typeface="微软雅黑" panose="020B0503020204020204" pitchFamily="34" charset="-122"/>
-            </a:endParaRPr>
           </a:p>
           <a:p>
             <a:pPr marL="571500" indent="-571500" algn="l">
@@ -7507,10 +7685,6 @@
               </a:rPr>
               <a:t>olution</a:t>
             </a:r>
-            <a:endParaRPr lang="zh-CN" altLang="en-US" sz="2800" dirty="0">
-              <a:latin typeface="微软雅黑" panose="020B0503020204020204" pitchFamily="34" charset="-122"/>
-              <a:ea typeface="微软雅黑" panose="020B0503020204020204" pitchFamily="34" charset="-122"/>
-            </a:endParaRPr>
           </a:p>
           <a:p>
             <a:pPr marL="571500" indent="-571500" algn="l">
@@ -7555,10 +7729,6 @@
               </a:rPr>
               <a:t>nalysis</a:t>
             </a:r>
-            <a:endParaRPr lang="zh-CN" altLang="en-US" sz="2800" dirty="0">
-              <a:latin typeface="微软雅黑" panose="020B0503020204020204" pitchFamily="34" charset="-122"/>
-              <a:ea typeface="微软雅黑" panose="020B0503020204020204" pitchFamily="34" charset="-122"/>
-            </a:endParaRPr>
           </a:p>
         </p:txBody>
       </p:sp>
@@ -7567,13 +7737,13 @@
   <p:clrMapOvr>
     <a:masterClrMapping/>
   </p:clrMapOvr>
-  <mc:AlternateContent xmlns:mc="http://schemas.openxmlformats.org/markup-compatibility/2006">
-    <mc:Choice xmlns:p14="http://schemas.microsoft.com/office/powerpoint/2010/main" Requires="p14">
+  <mc:AlternateContent xmlns:mc="http://schemas.openxmlformats.org/markup-compatibility/2006" xmlns:p14="http://schemas.microsoft.com/office/powerpoint/2010/main">
+    <mc:Choice Requires="p14">
       <p:transition spd="med" p14:dur="700">
         <p:fade/>
       </p:transition>
     </mc:Choice>
-    <mc:Fallback>
+    <mc:Fallback xmlns="">
       <p:transition spd="med">
         <p:fade/>
       </p:transition>
@@ -7675,7 +7845,7 @@
           <p:nvPr/>
         </p:nvPicPr>
         <p:blipFill>
-          <a:blip r:embed="rId1"/>
+          <a:blip r:embed="rId2"/>
           <a:stretch>
             <a:fillRect/>
           </a:stretch>
@@ -7699,7 +7869,7 @@
           <p:nvPr/>
         </p:nvPicPr>
         <p:blipFill>
-          <a:blip r:embed="rId2"/>
+          <a:blip r:embed="rId3"/>
           <a:stretch>
             <a:fillRect/>
           </a:stretch>
@@ -7723,7 +7893,7 @@
           <p:nvPr/>
         </p:nvPicPr>
         <p:blipFill>
-          <a:blip r:embed="rId3"/>
+          <a:blip r:embed="rId4"/>
           <a:stretch>
             <a:fillRect/>
           </a:stretch>
@@ -7747,7 +7917,7 @@
           <p:nvPr/>
         </p:nvPicPr>
         <p:blipFill rotWithShape="1">
-          <a:blip r:embed="rId3"/>
+          <a:blip r:embed="rId4"/>
           <a:srcRect l="13807"/>
           <a:stretch>
             <a:fillRect/>
@@ -7772,7 +7942,7 @@
           <p:nvPr/>
         </p:nvPicPr>
         <p:blipFill rotWithShape="1">
-          <a:blip r:embed="rId3"/>
+          <a:blip r:embed="rId4"/>
           <a:srcRect l="11337" r="31759"/>
           <a:stretch>
             <a:fillRect/>
@@ -7797,7 +7967,7 @@
           <p:nvPr/>
         </p:nvPicPr>
         <p:blipFill>
-          <a:blip r:embed="rId4"/>
+          <a:blip r:embed="rId5"/>
           <a:stretch>
             <a:fillRect/>
           </a:stretch>
@@ -7821,7 +7991,7 @@
           <p:nvPr/>
         </p:nvPicPr>
         <p:blipFill>
-          <a:blip r:embed="rId5"/>
+          <a:blip r:embed="rId6"/>
           <a:stretch>
             <a:fillRect/>
           </a:stretch>
@@ -7937,10 +8107,6 @@
               </a:rPr>
               <a:t>Edge computing is widely </a:t>
             </a:r>
-            <a:endParaRPr sz="2800" dirty="0">
-              <a:latin typeface="微软雅黑" panose="020B0503020204020204" pitchFamily="34" charset="-122"/>
-              <a:ea typeface="微软雅黑" panose="020B0503020204020204" pitchFamily="34" charset="-122"/>
-            </a:endParaRPr>
           </a:p>
           <a:p>
             <a:pPr indent="0" algn="l">
@@ -8023,10 +8189,6 @@
               </a:rPr>
               <a:t>Users who participate in edge </a:t>
             </a:r>
-            <a:endParaRPr lang="en-US" altLang="zh-CN" sz="2800" dirty="0">
-              <a:latin typeface="微软雅黑" panose="020B0503020204020204" pitchFamily="34" charset="-122"/>
-              <a:ea typeface="微软雅黑" panose="020B0503020204020204" pitchFamily="34" charset="-122"/>
-            </a:endParaRPr>
           </a:p>
           <a:p>
             <a:pPr indent="0" algn="l">
@@ -8042,10 +8204,6 @@
               </a:rPr>
               <a:t>     computing are not necessarily </a:t>
             </a:r>
-            <a:endParaRPr lang="en-US" altLang="zh-CN" sz="2800" dirty="0">
-              <a:latin typeface="微软雅黑" panose="020B0503020204020204" pitchFamily="34" charset="-122"/>
-              <a:ea typeface="微软雅黑" panose="020B0503020204020204" pitchFamily="34" charset="-122"/>
-            </a:endParaRPr>
           </a:p>
           <a:p>
             <a:pPr indent="0" algn="l">
@@ -8061,10 +8219,6 @@
               </a:rPr>
               <a:t>     reliable</a:t>
             </a:r>
-            <a:endParaRPr lang="en-US" altLang="zh-CN" sz="2800" dirty="0">
-              <a:latin typeface="微软雅黑" panose="020B0503020204020204" pitchFamily="34" charset="-122"/>
-              <a:ea typeface="微软雅黑" panose="020B0503020204020204" pitchFamily="34" charset="-122"/>
-            </a:endParaRPr>
           </a:p>
         </p:txBody>
       </p:sp>
@@ -8088,12 +8242,12 @@
           <a:bodyPr wrap="square" rtlCol="0">
             <a:spAutoFit/>
           </a:bodyPr>
+          <a:lstStyle/>
           <a:p>
             <a:r>
               <a:rPr lang="zh-CN" altLang="en-US"/>
               <a:t>https://zh.vietnamplus.vn/%E8%B6%8A%E5%8D%97%E5%BA%94%E7%A0%94%E7%A9%B6%E5%BC%80%E5%8F%916g%E7%BD%91%E7%BB%9C%E6%8A%80%E6%9C%AF/135884.vnp</a:t>
             </a:r>
-            <a:endParaRPr lang="zh-CN" altLang="en-US"/>
           </a:p>
         </p:txBody>
       </p:sp>
@@ -8102,13 +8256,13 @@
   <p:clrMapOvr>
     <a:masterClrMapping/>
   </p:clrMapOvr>
-  <mc:AlternateContent xmlns:mc="http://schemas.openxmlformats.org/markup-compatibility/2006">
-    <mc:Choice xmlns:p14="http://schemas.microsoft.com/office/powerpoint/2010/main" Requires="p14">
+  <mc:AlternateContent xmlns:mc="http://schemas.openxmlformats.org/markup-compatibility/2006" xmlns:p14="http://schemas.microsoft.com/office/powerpoint/2010/main">
+    <mc:Choice Requires="p14">
       <p:transition spd="med" p14:dur="700">
         <p:fade/>
       </p:transition>
     </mc:Choice>
-    <mc:Fallback>
+    <mc:Fallback xmlns="">
       <p:transition spd="med">
         <p:fade/>
       </p:transition>
@@ -8210,7 +8364,7 @@
           <p:nvPr/>
         </p:nvPicPr>
         <p:blipFill>
-          <a:blip r:embed="rId1"/>
+          <a:blip r:embed="rId2"/>
           <a:stretch>
             <a:fillRect/>
           </a:stretch>
@@ -8234,7 +8388,7 @@
           <p:nvPr/>
         </p:nvPicPr>
         <p:blipFill>
-          <a:blip r:embed="rId2"/>
+          <a:blip r:embed="rId3"/>
           <a:stretch>
             <a:fillRect/>
           </a:stretch>
@@ -8258,7 +8412,7 @@
           <p:nvPr/>
         </p:nvPicPr>
         <p:blipFill>
-          <a:blip r:embed="rId3"/>
+          <a:blip r:embed="rId4"/>
           <a:stretch>
             <a:fillRect/>
           </a:stretch>
@@ -8282,7 +8436,7 @@
           <p:nvPr/>
         </p:nvPicPr>
         <p:blipFill rotWithShape="1">
-          <a:blip r:embed="rId3"/>
+          <a:blip r:embed="rId4"/>
           <a:srcRect l="13807"/>
           <a:stretch>
             <a:fillRect/>
@@ -8307,7 +8461,7 @@
           <p:nvPr/>
         </p:nvPicPr>
         <p:blipFill rotWithShape="1">
-          <a:blip r:embed="rId3"/>
+          <a:blip r:embed="rId4"/>
           <a:srcRect l="11337" r="31759"/>
           <a:stretch>
             <a:fillRect/>
@@ -8332,7 +8486,7 @@
           <p:nvPr/>
         </p:nvPicPr>
         <p:blipFill>
-          <a:blip r:embed="rId4"/>
+          <a:blip r:embed="rId5"/>
           <a:stretch>
             <a:fillRect/>
           </a:stretch>
@@ -8476,10 +8630,6 @@
               </a:rPr>
               <a:t>ser who intentionally compromises network security</a:t>
             </a:r>
-            <a:endParaRPr lang="zh-CN" altLang="en-US" sz="2800" dirty="0">
-              <a:latin typeface="微软雅黑" panose="020B0503020204020204" pitchFamily="34" charset="-122"/>
-              <a:ea typeface="微软雅黑" panose="020B0503020204020204" pitchFamily="34" charset="-122"/>
-            </a:endParaRPr>
           </a:p>
           <a:p>
             <a:pPr marL="571500" indent="-571500" algn="l">
@@ -8496,10 +8646,6 @@
               </a:rPr>
               <a:t>Victims: Users whose data has been contaminated</a:t>
             </a:r>
-            <a:endParaRPr lang="zh-CN" altLang="en-US" sz="2800" dirty="0">
-              <a:latin typeface="微软雅黑" panose="020B0503020204020204" pitchFamily="34" charset="-122"/>
-              <a:ea typeface="微软雅黑" panose="020B0503020204020204" pitchFamily="34" charset="-122"/>
-            </a:endParaRPr>
           </a:p>
         </p:txBody>
       </p:sp>
@@ -8526,6 +8672,7 @@
           <a:bodyPr wrap="none" rtlCol="0" anchor="t">
             <a:spAutoFit/>
           </a:bodyPr>
+          <a:lstStyle/>
           <a:p>
             <a:pPr algn="ctr"/>
             <a:r>
@@ -8544,19 +8691,6 @@
               </a:rPr>
               <a:t>Attackers vs Victims</a:t>
             </a:r>
-            <a:endParaRPr lang="en-US" altLang="zh-CN" sz="6000">
-              <a:solidFill>
-                <a:schemeClr val="tx1"/>
-              </a:solidFill>
-              <a:effectLst>
-                <a:outerShdw blurRad="38100" dist="19050" dir="2700000" algn="tl" rotWithShape="0">
-                  <a:schemeClr val="dk1">
-                    <a:alpha val="40000"/>
-                    <a:alpha val="40000"/>
-                  </a:schemeClr>
-                </a:outerShdw>
-              </a:effectLst>
-            </a:endParaRPr>
           </a:p>
         </p:txBody>
       </p:sp>
@@ -8565,13 +8699,13 @@
   <p:clrMapOvr>
     <a:masterClrMapping/>
   </p:clrMapOvr>
-  <mc:AlternateContent xmlns:mc="http://schemas.openxmlformats.org/markup-compatibility/2006">
-    <mc:Choice xmlns:p14="http://schemas.microsoft.com/office/powerpoint/2010/main" Requires="p14">
+  <mc:AlternateContent xmlns:mc="http://schemas.openxmlformats.org/markup-compatibility/2006" xmlns:p14="http://schemas.microsoft.com/office/powerpoint/2010/main">
+    <mc:Choice Requires="p14">
       <p:transition spd="med" p14:dur="700">
         <p:fade/>
       </p:transition>
     </mc:Choice>
-    <mc:Fallback>
+    <mc:Fallback xmlns="">
       <p:transition spd="med">
         <p:fade/>
       </p:transition>
@@ -8673,7 +8807,7 @@
           <p:nvPr/>
         </p:nvPicPr>
         <p:blipFill>
-          <a:blip r:embed="rId1"/>
+          <a:blip r:embed="rId2"/>
           <a:stretch>
             <a:fillRect/>
           </a:stretch>
@@ -8697,7 +8831,7 @@
           <p:nvPr/>
         </p:nvPicPr>
         <p:blipFill>
-          <a:blip r:embed="rId2"/>
+          <a:blip r:embed="rId3"/>
           <a:stretch>
             <a:fillRect/>
           </a:stretch>
@@ -8721,7 +8855,7 @@
           <p:nvPr/>
         </p:nvPicPr>
         <p:blipFill>
-          <a:blip r:embed="rId3"/>
+          <a:blip r:embed="rId4"/>
           <a:stretch>
             <a:fillRect/>
           </a:stretch>
@@ -8745,7 +8879,7 @@
           <p:nvPr/>
         </p:nvPicPr>
         <p:blipFill rotWithShape="1">
-          <a:blip r:embed="rId3"/>
+          <a:blip r:embed="rId4"/>
           <a:srcRect l="13807"/>
           <a:stretch>
             <a:fillRect/>
@@ -8770,7 +8904,7 @@
           <p:nvPr/>
         </p:nvPicPr>
         <p:blipFill rotWithShape="1">
-          <a:blip r:embed="rId3"/>
+          <a:blip r:embed="rId4"/>
           <a:srcRect l="11337" r="31759"/>
           <a:stretch>
             <a:fillRect/>
@@ -8795,7 +8929,7 @@
           <p:nvPr/>
         </p:nvPicPr>
         <p:blipFill>
-          <a:blip r:embed="rId4"/>
+          <a:blip r:embed="rId5"/>
           <a:stretch>
             <a:fillRect/>
           </a:stretch>
@@ -8905,39 +9039,25 @@
               <a:buChar char="•"/>
             </a:pPr>
             <a:r>
+              <a:rPr lang="en-US" altLang="zh-CN" sz="2800" dirty="0">
+                <a:latin typeface="微软雅黑" panose="020B0503020204020204" pitchFamily="34" charset="-122"/>
+                <a:ea typeface="微软雅黑" panose="020B0503020204020204" pitchFamily="34" charset="-122"/>
+              </a:rPr>
+              <a:t>Noise</a:t>
+            </a:r>
+            <a:r>
               <a:rPr lang="zh-CN" altLang="en-US" sz="2800" dirty="0">
                 <a:latin typeface="微软雅黑" panose="020B0503020204020204" pitchFamily="34" charset="-122"/>
                 <a:ea typeface="微软雅黑" panose="020B0503020204020204" pitchFamily="34" charset="-122"/>
               </a:rPr>
-              <a:t>Attacker</a:t>
+              <a:t>: </a:t>
             </a:r>
             <a:r>
               <a:rPr lang="en-US" altLang="zh-CN" sz="2800" dirty="0">
                 <a:latin typeface="微软雅黑" panose="020B0503020204020204" pitchFamily="34" charset="-122"/>
                 <a:ea typeface="微软雅黑" panose="020B0503020204020204" pitchFamily="34" charset="-122"/>
               </a:rPr>
-              <a:t>s</a:t>
-            </a:r>
-            <a:r>
-              <a:rPr lang="zh-CN" altLang="en-US" sz="2800" dirty="0">
-                <a:latin typeface="微软雅黑" panose="020B0503020204020204" pitchFamily="34" charset="-122"/>
-                <a:ea typeface="微软雅黑" panose="020B0503020204020204" pitchFamily="34" charset="-122"/>
-              </a:rPr>
-              <a:t>: </a:t>
-            </a:r>
-            <a:r>
-              <a:rPr lang="en-US" altLang="zh-CN" sz="2800" dirty="0">
-                <a:latin typeface="微软雅黑" panose="020B0503020204020204" pitchFamily="34" charset="-122"/>
-                <a:ea typeface="微软雅黑" panose="020B0503020204020204" pitchFamily="34" charset="-122"/>
-              </a:rPr>
-              <a:t>U</a:t>
-            </a:r>
-            <a:r>
-              <a:rPr lang="zh-CN" altLang="en-US" sz="2800" dirty="0">
-                <a:latin typeface="微软雅黑" panose="020B0503020204020204" pitchFamily="34" charset="-122"/>
-                <a:ea typeface="微软雅黑" panose="020B0503020204020204" pitchFamily="34" charset="-122"/>
-              </a:rPr>
-              <a:t>ser who intentionally compromises network security</a:t>
+              <a:t>The data is maliciously modified and cannot reflect the original characteristics</a:t>
             </a:r>
             <a:endParaRPr lang="zh-CN" altLang="en-US" sz="2800" dirty="0">
               <a:latin typeface="微软雅黑" panose="020B0503020204020204" pitchFamily="34" charset="-122"/>
@@ -8953,11 +9073,25 @@
               <a:buChar char="•"/>
             </a:pPr>
             <a:r>
+              <a:rPr lang="en-US" altLang="zh-CN" sz="2800" dirty="0">
+                <a:latin typeface="微软雅黑" panose="020B0503020204020204" pitchFamily="34" charset="-122"/>
+                <a:ea typeface="微软雅黑" panose="020B0503020204020204" pitchFamily="34" charset="-122"/>
+              </a:rPr>
+              <a:t>Non-IID</a:t>
+            </a:r>
+            <a:r>
               <a:rPr lang="zh-CN" altLang="en-US" sz="2800" dirty="0">
                 <a:latin typeface="微软雅黑" panose="020B0503020204020204" pitchFamily="34" charset="-122"/>
                 <a:ea typeface="微软雅黑" panose="020B0503020204020204" pitchFamily="34" charset="-122"/>
               </a:rPr>
-              <a:t>Victims: Users whose data has been contaminated</a:t>
+              <a:t>: </a:t>
+            </a:r>
+            <a:r>
+              <a:rPr lang="en-US" altLang="zh-CN" sz="2800" dirty="0">
+                <a:latin typeface="微软雅黑" panose="020B0503020204020204" pitchFamily="34" charset="-122"/>
+                <a:ea typeface="微软雅黑" panose="020B0503020204020204" pitchFamily="34" charset="-122"/>
+              </a:rPr>
+              <a:t>Data labels are not evenly distributed</a:t>
             </a:r>
             <a:endParaRPr lang="zh-CN" altLang="en-US" sz="2800" dirty="0">
               <a:latin typeface="微软雅黑" panose="020B0503020204020204" pitchFamily="34" charset="-122"/>
@@ -8974,8 +9108,8 @@
         </p:nvSpPr>
         <p:spPr>
           <a:xfrm>
-            <a:off x="2360295" y="1405890"/>
-            <a:ext cx="6819900" cy="1014730"/>
+            <a:off x="2830980" y="1405890"/>
+            <a:ext cx="5878533" cy="1015663"/>
           </a:xfrm>
           <a:prstGeom prst="rect">
             <a:avLst/>
@@ -8989,10 +9123,11 @@
           <a:bodyPr wrap="none" rtlCol="0" anchor="t">
             <a:spAutoFit/>
           </a:bodyPr>
+          <a:lstStyle/>
           <a:p>
             <a:pPr algn="ctr"/>
             <a:r>
-              <a:rPr lang="en-US" altLang="zh-CN" sz="6000">
+              <a:rPr lang="en-US" altLang="zh-CN" sz="6000" dirty="0">
                 <a:solidFill>
                   <a:schemeClr val="tx1"/>
                 </a:solidFill>
@@ -9005,21 +9140,37 @@
                   </a:outerShdw>
                 </a:effectLst>
               </a:rPr>
-              <a:t>Attackers vs Victims</a:t>
-            </a:r>
-            <a:endParaRPr lang="en-US" altLang="zh-CN" sz="6000">
-              <a:solidFill>
-                <a:schemeClr val="tx1"/>
-              </a:solidFill>
-              <a:effectLst>
-                <a:outerShdw blurRad="38100" dist="19050" dir="2700000" algn="tl" rotWithShape="0">
-                  <a:schemeClr val="dk1">
-                    <a:alpha val="40000"/>
-                    <a:alpha val="40000"/>
-                  </a:schemeClr>
-                </a:outerShdw>
-              </a:effectLst>
-            </a:endParaRPr>
+              <a:t>Noise vs </a:t>
+            </a:r>
+            <a:r>
+              <a:rPr lang="en-US" altLang="zh-CN" sz="6000" dirty="0">
+                <a:effectLst>
+                  <a:outerShdw blurRad="38100" dist="19050" dir="2700000" algn="tl" rotWithShape="0">
+                    <a:schemeClr val="dk1">
+                      <a:alpha val="40000"/>
+                      <a:alpha val="40000"/>
+                    </a:schemeClr>
+                  </a:outerShdw>
+                </a:effectLst>
+              </a:rPr>
+              <a:t>N</a:t>
+            </a:r>
+            <a:r>
+              <a:rPr lang="en-US" altLang="zh-CN" sz="6000" dirty="0">
+                <a:solidFill>
+                  <a:schemeClr val="tx1"/>
+                </a:solidFill>
+                <a:effectLst>
+                  <a:outerShdw blurRad="38100" dist="19050" dir="2700000" algn="tl" rotWithShape="0">
+                    <a:schemeClr val="dk1">
+                      <a:alpha val="40000"/>
+                      <a:alpha val="40000"/>
+                    </a:schemeClr>
+                  </a:outerShdw>
+                </a:effectLst>
+              </a:rPr>
+              <a:t>on-IID</a:t>
+            </a:r>
           </a:p>
         </p:txBody>
       </p:sp>
@@ -9028,13 +9179,13 @@
   <p:clrMapOvr>
     <a:masterClrMapping/>
   </p:clrMapOvr>
-  <mc:AlternateContent xmlns:mc="http://schemas.openxmlformats.org/markup-compatibility/2006">
-    <mc:Choice xmlns:p14="http://schemas.microsoft.com/office/powerpoint/2010/main" Requires="p14">
+  <mc:AlternateContent xmlns:mc="http://schemas.openxmlformats.org/markup-compatibility/2006" xmlns:p14="http://schemas.microsoft.com/office/powerpoint/2010/main">
+    <mc:Choice Requires="p14">
       <p:transition spd="med" p14:dur="700">
         <p:fade/>
       </p:transition>
     </mc:Choice>
-    <mc:Fallback>
+    <mc:Fallback xmlns="">
       <p:transition spd="med">
         <p:fade/>
       </p:transition>
@@ -9136,7 +9287,7 @@
           <p:nvPr/>
         </p:nvPicPr>
         <p:blipFill>
-          <a:blip r:embed="rId1"/>
+          <a:blip r:embed="rId2"/>
           <a:stretch>
             <a:fillRect/>
           </a:stretch>
@@ -9160,7 +9311,7 @@
           <p:nvPr/>
         </p:nvPicPr>
         <p:blipFill>
-          <a:blip r:embed="rId2"/>
+          <a:blip r:embed="rId3"/>
           <a:stretch>
             <a:fillRect/>
           </a:stretch>
@@ -9184,7 +9335,7 @@
           <p:nvPr/>
         </p:nvPicPr>
         <p:blipFill>
-          <a:blip r:embed="rId3"/>
+          <a:blip r:embed="rId4"/>
           <a:stretch>
             <a:fillRect/>
           </a:stretch>
@@ -9208,7 +9359,7 @@
           <p:nvPr/>
         </p:nvPicPr>
         <p:blipFill rotWithShape="1">
-          <a:blip r:embed="rId3"/>
+          <a:blip r:embed="rId4"/>
           <a:srcRect l="13807"/>
           <a:stretch>
             <a:fillRect/>
@@ -9233,7 +9384,7 @@
           <p:nvPr/>
         </p:nvPicPr>
         <p:blipFill rotWithShape="1">
-          <a:blip r:embed="rId3"/>
+          <a:blip r:embed="rId4"/>
           <a:srcRect l="11337" r="31759"/>
           <a:stretch>
             <a:fillRect/>
@@ -9258,7 +9409,7 @@
           <p:nvPr/>
         </p:nvPicPr>
         <p:blipFill>
-          <a:blip r:embed="rId4"/>
+          <a:blip r:embed="rId5"/>
           <a:stretch>
             <a:fillRect/>
           </a:stretch>
@@ -9374,10 +9525,6 @@
               </a:rPr>
               <a:t>The network system can accurately identify attackers and victims</a:t>
             </a:r>
-            <a:endParaRPr sz="2800" dirty="0">
-              <a:latin typeface="微软雅黑" panose="020B0503020204020204" pitchFamily="34" charset="-122"/>
-              <a:ea typeface="微软雅黑" panose="020B0503020204020204" pitchFamily="34" charset="-122"/>
-            </a:endParaRPr>
           </a:p>
           <a:p>
             <a:pPr marL="571500" indent="-571500" algn="l">
@@ -9408,10 +9555,6 @@
               </a:rPr>
               <a:t> data</a:t>
             </a:r>
-            <a:endParaRPr sz="2800" dirty="0">
-              <a:latin typeface="微软雅黑" panose="020B0503020204020204" pitchFamily="34" charset="-122"/>
-              <a:ea typeface="微软雅黑" panose="020B0503020204020204" pitchFamily="34" charset="-122"/>
-            </a:endParaRPr>
           </a:p>
         </p:txBody>
       </p:sp>
@@ -9420,13 +9563,13 @@
   <p:clrMapOvr>
     <a:masterClrMapping/>
   </p:clrMapOvr>
-  <mc:AlternateContent xmlns:mc="http://schemas.openxmlformats.org/markup-compatibility/2006">
-    <mc:Choice xmlns:p14="http://schemas.microsoft.com/office/powerpoint/2010/main" Requires="p14">
+  <mc:AlternateContent xmlns:mc="http://schemas.openxmlformats.org/markup-compatibility/2006" xmlns:p14="http://schemas.microsoft.com/office/powerpoint/2010/main">
+    <mc:Choice Requires="p14">
       <p:transition spd="med" p14:dur="700">
         <p:fade/>
       </p:transition>
     </mc:Choice>
-    <mc:Fallback>
+    <mc:Fallback xmlns="">
       <p:transition spd="med">
         <p:fade/>
       </p:transition>
@@ -9520,7 +9663,7 @@
           <p:nvPr/>
         </p:nvPicPr>
         <p:blipFill>
-          <a:blip r:embed="rId1"/>
+          <a:blip r:embed="rId2"/>
           <a:stretch>
             <a:fillRect/>
           </a:stretch>
@@ -9544,7 +9687,7 @@
           <p:nvPr/>
         </p:nvPicPr>
         <p:blipFill>
-          <a:blip r:embed="rId2"/>
+          <a:blip r:embed="rId3"/>
           <a:stretch>
             <a:fillRect/>
           </a:stretch>
@@ -9568,7 +9711,7 @@
           <p:nvPr/>
         </p:nvPicPr>
         <p:blipFill>
-          <a:blip r:embed="rId3"/>
+          <a:blip r:embed="rId4"/>
           <a:stretch>
             <a:fillRect/>
           </a:stretch>
@@ -9592,7 +9735,7 @@
           <p:nvPr/>
         </p:nvPicPr>
         <p:blipFill rotWithShape="1">
-          <a:blip r:embed="rId3"/>
+          <a:blip r:embed="rId4"/>
           <a:srcRect l="13807"/>
           <a:stretch>
             <a:fillRect/>
@@ -9617,7 +9760,7 @@
           <p:nvPr/>
         </p:nvPicPr>
         <p:blipFill rotWithShape="1">
-          <a:blip r:embed="rId3"/>
+          <a:blip r:embed="rId4"/>
           <a:srcRect l="11337" r="31759"/>
           <a:stretch>
             <a:fillRect/>
@@ -9642,7 +9785,7 @@
           <p:nvPr/>
         </p:nvPicPr>
         <p:blipFill>
-          <a:blip r:embed="rId4"/>
+          <a:blip r:embed="rId5"/>
           <a:stretch>
             <a:fillRect/>
           </a:stretch>
@@ -9666,7 +9809,7 @@
           <p:nvPr/>
         </p:nvPicPr>
         <p:blipFill>
-          <a:blip r:embed="rId5"/>
+          <a:blip r:embed="rId6"/>
           <a:stretch>
             <a:fillRect/>
           </a:stretch>
@@ -9782,10 +9925,6 @@
               </a:rPr>
               <a:t>The attacker will not cooperate with </a:t>
             </a:r>
-            <a:endParaRPr lang="zh-CN" sz="2800" dirty="0">
-              <a:latin typeface="微软雅黑" panose="020B0503020204020204" pitchFamily="34" charset="-122"/>
-              <a:ea typeface="微软雅黑" panose="020B0503020204020204" pitchFamily="34" charset="-122"/>
-            </a:endParaRPr>
           </a:p>
           <a:p>
             <a:pPr indent="0" algn="l">
@@ -9813,19 +9952,8 @@
                 <a:latin typeface="微软雅黑" panose="020B0503020204020204" pitchFamily="34" charset="-122"/>
                 <a:ea typeface="微软雅黑" panose="020B0503020204020204" pitchFamily="34" charset="-122"/>
               </a:rPr>
-              <a:t> </a:t>
-            </a:r>
-            <a:r>
-              <a:rPr lang="en-US" altLang="zh-CN" sz="2800" dirty="0">
-                <a:latin typeface="微软雅黑" panose="020B0503020204020204" pitchFamily="34" charset="-122"/>
-                <a:ea typeface="微软雅黑" panose="020B0503020204020204" pitchFamily="34" charset="-122"/>
-              </a:rPr>
-              <a:t>unreliable </a:t>
-            </a:r>
-            <a:endParaRPr lang="en-US" altLang="zh-CN" sz="2800" dirty="0">
-              <a:latin typeface="微软雅黑" panose="020B0503020204020204" pitchFamily="34" charset="-122"/>
-              <a:ea typeface="微软雅黑" panose="020B0503020204020204" pitchFamily="34" charset="-122"/>
-            </a:endParaRPr>
+              <a:t> unreliable </a:t>
+            </a:r>
           </a:p>
           <a:p>
             <a:pPr indent="0" algn="l">
@@ -9841,10 +9969,6 @@
               </a:rPr>
               <a:t>     users</a:t>
             </a:r>
-            <a:endParaRPr lang="en-US" altLang="zh-CN" sz="2800" dirty="0">
-              <a:latin typeface="微软雅黑" panose="020B0503020204020204" pitchFamily="34" charset="-122"/>
-              <a:ea typeface="微软雅黑" panose="020B0503020204020204" pitchFamily="34" charset="-122"/>
-            </a:endParaRPr>
           </a:p>
         </p:txBody>
       </p:sp>
@@ -9868,12 +9992,12 @@
           <a:bodyPr wrap="square" rtlCol="0">
             <a:spAutoFit/>
           </a:bodyPr>
+          <a:lstStyle/>
           <a:p>
             <a:r>
               <a:rPr lang="zh-CN" altLang="en-US"/>
               <a:t>https://www.sgss8.net/tpdq/13309818/</a:t>
             </a:r>
-            <a:endParaRPr lang="zh-CN" altLang="en-US"/>
           </a:p>
         </p:txBody>
       </p:sp>
@@ -9882,13 +10006,13 @@
   <p:clrMapOvr>
     <a:masterClrMapping/>
   </p:clrMapOvr>
-  <mc:AlternateContent xmlns:mc="http://schemas.openxmlformats.org/markup-compatibility/2006">
-    <mc:Choice xmlns:p14="http://schemas.microsoft.com/office/powerpoint/2010/main" Requires="p14">
+  <mc:AlternateContent xmlns:mc="http://schemas.openxmlformats.org/markup-compatibility/2006" xmlns:p14="http://schemas.microsoft.com/office/powerpoint/2010/main">
+    <mc:Choice Requires="p14">
       <p:transition spd="med" p14:dur="700">
         <p:fade/>
       </p:transition>
     </mc:Choice>
-    <mc:Fallback>
+    <mc:Fallback xmlns="">
       <p:transition spd="med">
         <p:fade/>
       </p:transition>
@@ -9982,7 +10106,7 @@
           <p:nvPr/>
         </p:nvPicPr>
         <p:blipFill>
-          <a:blip r:embed="rId1"/>
+          <a:blip r:embed="rId2"/>
           <a:stretch>
             <a:fillRect/>
           </a:stretch>
@@ -10006,7 +10130,7 @@
           <p:nvPr/>
         </p:nvPicPr>
         <p:blipFill>
-          <a:blip r:embed="rId2"/>
+          <a:blip r:embed="rId3"/>
           <a:stretch>
             <a:fillRect/>
           </a:stretch>
@@ -10030,7 +10154,7 @@
           <p:nvPr/>
         </p:nvPicPr>
         <p:blipFill>
-          <a:blip r:embed="rId3"/>
+          <a:blip r:embed="rId4"/>
           <a:stretch>
             <a:fillRect/>
           </a:stretch>
@@ -10054,7 +10178,7 @@
           <p:nvPr/>
         </p:nvPicPr>
         <p:blipFill rotWithShape="1">
-          <a:blip r:embed="rId3"/>
+          <a:blip r:embed="rId4"/>
           <a:srcRect l="13807"/>
           <a:stretch>
             <a:fillRect/>
@@ -10079,7 +10203,7 @@
           <p:nvPr/>
         </p:nvPicPr>
         <p:blipFill rotWithShape="1">
-          <a:blip r:embed="rId3"/>
+          <a:blip r:embed="rId4"/>
           <a:srcRect l="11337" r="31759"/>
           <a:stretch>
             <a:fillRect/>
@@ -10104,7 +10228,7 @@
           <p:nvPr/>
         </p:nvPicPr>
         <p:blipFill>
-          <a:blip r:embed="rId4"/>
+          <a:blip r:embed="rId5"/>
           <a:stretch>
             <a:fillRect/>
           </a:stretch>
@@ -10127,7 +10251,7 @@
         </p:nvSpPr>
         <p:spPr>
           <a:xfrm>
-            <a:off x="520065" y="2179320"/>
+            <a:off x="451758" y="3844648"/>
             <a:ext cx="11501755" cy="869950"/>
           </a:xfrm>
           <a:prstGeom prst="rect">
@@ -10172,6 +10296,26 @@
               </a:rPr>
               <a:t>In the process of detecting untrustworthy users, the network system must not violate the privacy of users</a:t>
             </a:r>
+            <a:endParaRPr lang="en-US" altLang="zh-CN" sz="2800" dirty="0">
+              <a:latin typeface="微软雅黑" panose="020B0503020204020204" pitchFamily="34" charset="-122"/>
+              <a:ea typeface="微软雅黑" panose="020B0503020204020204" pitchFamily="34" charset="-122"/>
+            </a:endParaRPr>
+          </a:p>
+          <a:p>
+            <a:pPr marL="571500" indent="-571500" algn="l">
+              <a:lnSpc>
+                <a:spcPct val="200000"/>
+              </a:lnSpc>
+              <a:buFont typeface="Arial" panose="020B0604020202020204" pitchFamily="34" charset="0"/>
+              <a:buChar char="•"/>
+            </a:pPr>
+            <a:r>
+              <a:rPr lang="en-US" altLang="zh-CN" sz="2800" dirty="0">
+                <a:latin typeface="微软雅黑" panose="020B0503020204020204" pitchFamily="34" charset="-122"/>
+                <a:ea typeface="微软雅黑" panose="020B0503020204020204" pitchFamily="34" charset="-122"/>
+              </a:rPr>
+              <a:t>The network system should support the large-scale data transfer generated by edge computing</a:t>
+            </a:r>
             <a:endParaRPr lang="zh-CN" altLang="en-US" sz="2800" dirty="0">
               <a:latin typeface="微软雅黑" panose="020B0503020204020204" pitchFamily="34" charset="-122"/>
               <a:ea typeface="微软雅黑" panose="020B0503020204020204" pitchFamily="34" charset="-122"/>
@@ -10179,42 +10323,18 @@
           </a:p>
         </p:txBody>
       </p:sp>
-      <p:pic>
-        <p:nvPicPr>
-          <p:cNvPr id="6" name="图片 5"/>
-          <p:cNvPicPr>
-            <a:picLocks noChangeAspect="1"/>
-          </p:cNvPicPr>
-          <p:nvPr/>
-        </p:nvPicPr>
-        <p:blipFill>
-          <a:blip r:embed="rId5"/>
-          <a:stretch>
-            <a:fillRect/>
-          </a:stretch>
-        </p:blipFill>
-        <p:spPr>
-          <a:xfrm>
-            <a:off x="2332990" y="3272155"/>
-            <a:ext cx="7265035" cy="3135630"/>
-          </a:xfrm>
-          <a:prstGeom prst="rect">
-            <a:avLst/>
-          </a:prstGeom>
-        </p:spPr>
-      </p:pic>
     </p:spTree>
   </p:cSld>
   <p:clrMapOvr>
     <a:masterClrMapping/>
   </p:clrMapOvr>
-  <mc:AlternateContent xmlns:mc="http://schemas.openxmlformats.org/markup-compatibility/2006">
-    <mc:Choice xmlns:p14="http://schemas.microsoft.com/office/powerpoint/2010/main" Requires="p14">
+  <mc:AlternateContent xmlns:mc="http://schemas.openxmlformats.org/markup-compatibility/2006" xmlns:p14="http://schemas.microsoft.com/office/powerpoint/2010/main">
+    <mc:Choice Requires="p14">
       <p:transition spd="med" p14:dur="700">
         <p:fade/>
       </p:transition>
     </mc:Choice>
-    <mc:Fallback>
+    <mc:Fallback xmlns="">
       <p:transition spd="med">
         <p:fade/>
       </p:transition>
@@ -10474,6 +10594,8 @@
       </a:bgFillStyleLst>
     </a:fmtScheme>
   </a:themeElements>
+  <a:objectDefaults/>
+  <a:extraClrSchemeLst/>
   <a:extLst>
     <a:ext uri="{05A4C25C-085E-4340-85A3-A5531E510DB2}">
       <thm15:themeFamily xmlns:thm15="http://schemas.microsoft.com/office/thememl/2012/main" name="Office Theme" id="{62F939B6-93AF-4DB8-9C6B-D6C7DFDC589F}" vid="{4A3C46E8-61CC-4603-A589-7422A47A8E4A}"/>
@@ -10733,6 +10855,8 @@
       </a:bgFillStyleLst>
     </a:fmtScheme>
   </a:themeElements>
+  <a:objectDefaults/>
+  <a:extraClrSchemeLst/>
   <a:extLst>
     <a:ext uri="{05A4C25C-085E-4340-85A3-A5531E510DB2}">
       <thm15:themeFamily xmlns:thm15="http://schemas.microsoft.com/office/thememl/2012/main" name="Office Theme" id="{62F939B6-93AF-4DB8-9C6B-D6C7DFDC589F}" vid="{4A3C46E8-61CC-4603-A589-7422A47A8E4A}"/>
